--- a/pythonpresentation.pptx
+++ b/pythonpresentation.pptx
@@ -11,69 +11,70 @@
     <p:sldId id="259" r:id="rId5"/>
     <p:sldId id="260" r:id="rId6"/>
     <p:sldId id="261" r:id="rId7"/>
-    <p:sldId id="263" r:id="rId8"/>
-    <p:sldId id="264" r:id="rId9"/>
-    <p:sldId id="265" r:id="rId10"/>
-    <p:sldId id="323" r:id="rId11"/>
-    <p:sldId id="266" r:id="rId12"/>
-    <p:sldId id="267" r:id="rId13"/>
-    <p:sldId id="268" r:id="rId14"/>
-    <p:sldId id="269" r:id="rId15"/>
-    <p:sldId id="270" r:id="rId16"/>
-    <p:sldId id="274" r:id="rId17"/>
-    <p:sldId id="273" r:id="rId18"/>
-    <p:sldId id="271" r:id="rId19"/>
-    <p:sldId id="272" r:id="rId20"/>
-    <p:sldId id="275" r:id="rId21"/>
-    <p:sldId id="276" r:id="rId22"/>
-    <p:sldId id="277" r:id="rId23"/>
-    <p:sldId id="278" r:id="rId24"/>
-    <p:sldId id="279" r:id="rId25"/>
-    <p:sldId id="280" r:id="rId26"/>
-    <p:sldId id="281" r:id="rId27"/>
-    <p:sldId id="282" r:id="rId28"/>
-    <p:sldId id="283" r:id="rId29"/>
-    <p:sldId id="284" r:id="rId30"/>
-    <p:sldId id="285" r:id="rId31"/>
-    <p:sldId id="290" r:id="rId32"/>
-    <p:sldId id="286" r:id="rId33"/>
-    <p:sldId id="287" r:id="rId34"/>
-    <p:sldId id="288" r:id="rId35"/>
-    <p:sldId id="289" r:id="rId36"/>
-    <p:sldId id="291" r:id="rId37"/>
-    <p:sldId id="292" r:id="rId38"/>
-    <p:sldId id="293" r:id="rId39"/>
-    <p:sldId id="294" r:id="rId40"/>
-    <p:sldId id="324" r:id="rId41"/>
-    <p:sldId id="295" r:id="rId42"/>
-    <p:sldId id="296" r:id="rId43"/>
-    <p:sldId id="297" r:id="rId44"/>
-    <p:sldId id="298" r:id="rId45"/>
-    <p:sldId id="299" r:id="rId46"/>
-    <p:sldId id="300" r:id="rId47"/>
-    <p:sldId id="301" r:id="rId48"/>
-    <p:sldId id="302" r:id="rId49"/>
-    <p:sldId id="303" r:id="rId50"/>
-    <p:sldId id="304" r:id="rId51"/>
-    <p:sldId id="305" r:id="rId52"/>
-    <p:sldId id="306" r:id="rId53"/>
-    <p:sldId id="307" r:id="rId54"/>
-    <p:sldId id="309" r:id="rId55"/>
-    <p:sldId id="308" r:id="rId56"/>
-    <p:sldId id="310" r:id="rId57"/>
-    <p:sldId id="312" r:id="rId58"/>
-    <p:sldId id="314" r:id="rId59"/>
-    <p:sldId id="311" r:id="rId60"/>
-    <p:sldId id="313" r:id="rId61"/>
-    <p:sldId id="315" r:id="rId62"/>
-    <p:sldId id="316" r:id="rId63"/>
-    <p:sldId id="317" r:id="rId64"/>
-    <p:sldId id="318" r:id="rId65"/>
-    <p:sldId id="319" r:id="rId66"/>
-    <p:sldId id="321" r:id="rId67"/>
-    <p:sldId id="320" r:id="rId68"/>
-    <p:sldId id="322" r:id="rId69"/>
-    <p:sldId id="262" r:id="rId70"/>
+    <p:sldId id="325" r:id="rId8"/>
+    <p:sldId id="263" r:id="rId9"/>
+    <p:sldId id="264" r:id="rId10"/>
+    <p:sldId id="265" r:id="rId11"/>
+    <p:sldId id="323" r:id="rId12"/>
+    <p:sldId id="266" r:id="rId13"/>
+    <p:sldId id="267" r:id="rId14"/>
+    <p:sldId id="268" r:id="rId15"/>
+    <p:sldId id="269" r:id="rId16"/>
+    <p:sldId id="270" r:id="rId17"/>
+    <p:sldId id="274" r:id="rId18"/>
+    <p:sldId id="273" r:id="rId19"/>
+    <p:sldId id="271" r:id="rId20"/>
+    <p:sldId id="272" r:id="rId21"/>
+    <p:sldId id="275" r:id="rId22"/>
+    <p:sldId id="276" r:id="rId23"/>
+    <p:sldId id="277" r:id="rId24"/>
+    <p:sldId id="278" r:id="rId25"/>
+    <p:sldId id="279" r:id="rId26"/>
+    <p:sldId id="280" r:id="rId27"/>
+    <p:sldId id="281" r:id="rId28"/>
+    <p:sldId id="282" r:id="rId29"/>
+    <p:sldId id="283" r:id="rId30"/>
+    <p:sldId id="284" r:id="rId31"/>
+    <p:sldId id="285" r:id="rId32"/>
+    <p:sldId id="290" r:id="rId33"/>
+    <p:sldId id="286" r:id="rId34"/>
+    <p:sldId id="287" r:id="rId35"/>
+    <p:sldId id="288" r:id="rId36"/>
+    <p:sldId id="289" r:id="rId37"/>
+    <p:sldId id="291" r:id="rId38"/>
+    <p:sldId id="292" r:id="rId39"/>
+    <p:sldId id="293" r:id="rId40"/>
+    <p:sldId id="294" r:id="rId41"/>
+    <p:sldId id="324" r:id="rId42"/>
+    <p:sldId id="295" r:id="rId43"/>
+    <p:sldId id="296" r:id="rId44"/>
+    <p:sldId id="297" r:id="rId45"/>
+    <p:sldId id="298" r:id="rId46"/>
+    <p:sldId id="299" r:id="rId47"/>
+    <p:sldId id="300" r:id="rId48"/>
+    <p:sldId id="301" r:id="rId49"/>
+    <p:sldId id="302" r:id="rId50"/>
+    <p:sldId id="303" r:id="rId51"/>
+    <p:sldId id="304" r:id="rId52"/>
+    <p:sldId id="305" r:id="rId53"/>
+    <p:sldId id="306" r:id="rId54"/>
+    <p:sldId id="307" r:id="rId55"/>
+    <p:sldId id="309" r:id="rId56"/>
+    <p:sldId id="308" r:id="rId57"/>
+    <p:sldId id="310" r:id="rId58"/>
+    <p:sldId id="312" r:id="rId59"/>
+    <p:sldId id="314" r:id="rId60"/>
+    <p:sldId id="311" r:id="rId61"/>
+    <p:sldId id="313" r:id="rId62"/>
+    <p:sldId id="315" r:id="rId63"/>
+    <p:sldId id="316" r:id="rId64"/>
+    <p:sldId id="317" r:id="rId65"/>
+    <p:sldId id="318" r:id="rId66"/>
+    <p:sldId id="319" r:id="rId67"/>
+    <p:sldId id="321" r:id="rId68"/>
+    <p:sldId id="320" r:id="rId69"/>
+    <p:sldId id="322" r:id="rId70"/>
+    <p:sldId id="262" r:id="rId71"/>
   </p:sldIdLst>
   <p:sldSz cx="12192000" cy="6858000"/>
   <p:notesSz cx="6858000" cy="9144000"/>
@@ -6158,6 +6159,137 @@
           <p:cNvPr id="2" name="Title 1">
             <a:extLst>
               <a:ext uri="{FF2B5EF4-FFF2-40B4-BE49-F238E27FC236}">
+                <a16:creationId xmlns:a16="http://schemas.microsoft.com/office/drawing/2014/main" id="{E4AFFE4F-452B-8748-AF3C-2862999D05F5}"/>
+              </a:ext>
+            </a:extLst>
+          </p:cNvPr>
+          <p:cNvSpPr>
+            <a:spLocks noGrp="1"/>
+          </p:cNvSpPr>
+          <p:nvPr>
+            <p:ph type="title"/>
+          </p:nvPr>
+        </p:nvSpPr>
+        <p:spPr/>
+        <p:txBody>
+          <a:bodyPr/>
+          <a:lstStyle/>
+          <a:p>
+            <a:r>
+              <a:rPr lang="en-US" dirty="0"/>
+              <a:t>Hello World</a:t>
+            </a:r>
+          </a:p>
+        </p:txBody>
+      </p:sp>
+      <p:sp>
+        <p:nvSpPr>
+          <p:cNvPr id="3" name="Content Placeholder 2">
+            <a:extLst>
+              <a:ext uri="{FF2B5EF4-FFF2-40B4-BE49-F238E27FC236}">
+                <a16:creationId xmlns:a16="http://schemas.microsoft.com/office/drawing/2014/main" id="{093E9495-F4C2-5E44-AC2B-E507DDED3734}"/>
+              </a:ext>
+            </a:extLst>
+          </p:cNvPr>
+          <p:cNvSpPr>
+            <a:spLocks noGrp="1"/>
+          </p:cNvSpPr>
+          <p:nvPr>
+            <p:ph idx="1"/>
+          </p:nvPr>
+        </p:nvSpPr>
+        <p:spPr/>
+        <p:txBody>
+          <a:bodyPr/>
+          <a:lstStyle/>
+          <a:p>
+            <a:r>
+              <a:rPr lang="en-US" dirty="0"/>
+              <a:t>So, to start we will create a “hello world” program in python</a:t>
+            </a:r>
+          </a:p>
+          <a:p>
+            <a:r>
+              <a:rPr lang="en-US" dirty="0"/>
+              <a:t>Type in “python” into your CLI </a:t>
+            </a:r>
+          </a:p>
+          <a:p>
+            <a:r>
+              <a:rPr lang="en-US" dirty="0"/>
+              <a:t>Then type in print(“hello world”)</a:t>
+            </a:r>
+          </a:p>
+          <a:p>
+            <a:endParaRPr lang="en-US" dirty="0"/>
+          </a:p>
+        </p:txBody>
+      </p:sp>
+      <p:pic>
+        <p:nvPicPr>
+          <p:cNvPr id="4" name="Picture 3">
+            <a:extLst>
+              <a:ext uri="{FF2B5EF4-FFF2-40B4-BE49-F238E27FC236}">
+                <a16:creationId xmlns:a16="http://schemas.microsoft.com/office/drawing/2014/main" id="{98C21BD2-B0A3-EC4E-85B5-C2606D9F0C3D}"/>
+              </a:ext>
+            </a:extLst>
+          </p:cNvPr>
+          <p:cNvPicPr>
+            <a:picLocks noChangeAspect="1"/>
+          </p:cNvPicPr>
+          <p:nvPr/>
+        </p:nvPicPr>
+        <p:blipFill>
+          <a:blip r:embed="rId2"/>
+          <a:stretch>
+            <a:fillRect/>
+          </a:stretch>
+        </p:blipFill>
+        <p:spPr>
+          <a:xfrm>
+            <a:off x="2038564" y="3429000"/>
+            <a:ext cx="8382000" cy="2324100"/>
+          </a:xfrm>
+          <a:prstGeom prst="rect">
+            <a:avLst/>
+          </a:prstGeom>
+        </p:spPr>
+      </p:pic>
+    </p:spTree>
+    <p:extLst>
+      <p:ext uri="{BB962C8B-B14F-4D97-AF65-F5344CB8AC3E}">
+        <p14:creationId xmlns:p14="http://schemas.microsoft.com/office/powerpoint/2010/main" val="18699786"/>
+      </p:ext>
+    </p:extLst>
+  </p:cSld>
+  <p:clrMapOvr>
+    <a:masterClrMapping/>
+  </p:clrMapOvr>
+</p:sld>
+</file>
+
+<file path=ppt/slides/slide11.xml><?xml version="1.0" encoding="utf-8"?>
+<p:sld xmlns:a="http://schemas.openxmlformats.org/drawingml/2006/main" xmlns:r="http://schemas.openxmlformats.org/officeDocument/2006/relationships" xmlns:p="http://schemas.openxmlformats.org/presentationml/2006/main">
+  <p:cSld>
+    <p:spTree>
+      <p:nvGrpSpPr>
+        <p:cNvPr id="1" name=""/>
+        <p:cNvGrpSpPr/>
+        <p:nvPr/>
+      </p:nvGrpSpPr>
+      <p:grpSpPr>
+        <a:xfrm>
+          <a:off x="0" y="0"/>
+          <a:ext cx="0" cy="0"/>
+          <a:chOff x="0" y="0"/>
+          <a:chExt cx="0" cy="0"/>
+        </a:xfrm>
+      </p:grpSpPr>
+      <p:sp>
+        <p:nvSpPr>
+          <p:cNvPr id="2" name="Title 1">
+            <a:extLst>
+              <a:ext uri="{FF2B5EF4-FFF2-40B4-BE49-F238E27FC236}">
                 <a16:creationId xmlns:a16="http://schemas.microsoft.com/office/drawing/2014/main" id="{CAD5856C-320A-294C-8625-110CF36318F0}"/>
               </a:ext>
             </a:extLst>
@@ -6258,7 +6390,7 @@
 </p:sld>
 </file>
 
-<file path=ppt/slides/slide11.xml><?xml version="1.0" encoding="utf-8"?>
+<file path=ppt/slides/slide12.xml><?xml version="1.0" encoding="utf-8"?>
 <p:sld xmlns:a="http://schemas.openxmlformats.org/drawingml/2006/main" xmlns:r="http://schemas.openxmlformats.org/officeDocument/2006/relationships" xmlns:p="http://schemas.openxmlformats.org/presentationml/2006/main">
   <p:cSld>
     <p:spTree>
@@ -6462,7 +6594,7 @@
 </p:sld>
 </file>
 
-<file path=ppt/slides/slide12.xml><?xml version="1.0" encoding="utf-8"?>
+<file path=ppt/slides/slide13.xml><?xml version="1.0" encoding="utf-8"?>
 <p:sld xmlns:a="http://schemas.openxmlformats.org/drawingml/2006/main" xmlns:r="http://schemas.openxmlformats.org/officeDocument/2006/relationships" xmlns:p="http://schemas.openxmlformats.org/presentationml/2006/main">
   <p:cSld>
     <p:spTree>
@@ -6655,7 +6787,7 @@
 </p:sld>
 </file>
 
-<file path=ppt/slides/slide13.xml><?xml version="1.0" encoding="utf-8"?>
+<file path=ppt/slides/slide14.xml><?xml version="1.0" encoding="utf-8"?>
 <p:sld xmlns:a="http://schemas.openxmlformats.org/drawingml/2006/main" xmlns:r="http://schemas.openxmlformats.org/officeDocument/2006/relationships" xmlns:p="http://schemas.openxmlformats.org/presentationml/2006/main">
   <p:cSld>
     <p:spTree>
@@ -6828,7 +6960,7 @@
 </p:sld>
 </file>
 
-<file path=ppt/slides/slide14.xml><?xml version="1.0" encoding="utf-8"?>
+<file path=ppt/slides/slide15.xml><?xml version="1.0" encoding="utf-8"?>
 <p:sld xmlns:a="http://schemas.openxmlformats.org/drawingml/2006/main" xmlns:r="http://schemas.openxmlformats.org/officeDocument/2006/relationships" xmlns:p="http://schemas.openxmlformats.org/presentationml/2006/main">
   <p:cSld>
     <p:spTree>
@@ -6962,7 +7094,7 @@
 </p:sld>
 </file>
 
-<file path=ppt/slides/slide15.xml><?xml version="1.0" encoding="utf-8"?>
+<file path=ppt/slides/slide16.xml><?xml version="1.0" encoding="utf-8"?>
 <p:sld xmlns:a="http://schemas.openxmlformats.org/drawingml/2006/main" xmlns:r="http://schemas.openxmlformats.org/officeDocument/2006/relationships" xmlns:p="http://schemas.openxmlformats.org/presentationml/2006/main">
   <p:cSld>
     <p:spTree>
@@ -7140,7 +7272,7 @@
 </p:sld>
 </file>
 
-<file path=ppt/slides/slide16.xml><?xml version="1.0" encoding="utf-8"?>
+<file path=ppt/slides/slide17.xml><?xml version="1.0" encoding="utf-8"?>
 <p:sld xmlns:a="http://schemas.openxmlformats.org/drawingml/2006/main" xmlns:r="http://schemas.openxmlformats.org/officeDocument/2006/relationships" xmlns:p="http://schemas.openxmlformats.org/presentationml/2006/main">
   <p:cSld>
     <p:spTree>
@@ -7262,7 +7394,7 @@
 </p:sld>
 </file>
 
-<file path=ppt/slides/slide17.xml><?xml version="1.0" encoding="utf-8"?>
+<file path=ppt/slides/slide18.xml><?xml version="1.0" encoding="utf-8"?>
 <p:sld xmlns:a="http://schemas.openxmlformats.org/drawingml/2006/main" xmlns:r="http://schemas.openxmlformats.org/officeDocument/2006/relationships" xmlns:p="http://schemas.openxmlformats.org/presentationml/2006/main">
   <p:cSld>
     <p:spTree>
@@ -7403,7 +7535,7 @@
 </p:sld>
 </file>
 
-<file path=ppt/slides/slide18.xml><?xml version="1.0" encoding="utf-8"?>
+<file path=ppt/slides/slide19.xml><?xml version="1.0" encoding="utf-8"?>
 <p:sld xmlns:a="http://schemas.openxmlformats.org/drawingml/2006/main" xmlns:r="http://schemas.openxmlformats.org/officeDocument/2006/relationships" xmlns:p="http://schemas.openxmlformats.org/presentationml/2006/main">
   <p:cSld>
     <p:spTree>
@@ -7540,124 +7672,6 @@
 </p:sld>
 </file>
 
-<file path=ppt/slides/slide19.xml><?xml version="1.0" encoding="utf-8"?>
-<p:sld xmlns:a="http://schemas.openxmlformats.org/drawingml/2006/main" xmlns:r="http://schemas.openxmlformats.org/officeDocument/2006/relationships" xmlns:p="http://schemas.openxmlformats.org/presentationml/2006/main">
-  <p:cSld>
-    <p:spTree>
-      <p:nvGrpSpPr>
-        <p:cNvPr id="1" name=""/>
-        <p:cNvGrpSpPr/>
-        <p:nvPr/>
-      </p:nvGrpSpPr>
-      <p:grpSpPr>
-        <a:xfrm>
-          <a:off x="0" y="0"/>
-          <a:ext cx="0" cy="0"/>
-          <a:chOff x="0" y="0"/>
-          <a:chExt cx="0" cy="0"/>
-        </a:xfrm>
-      </p:grpSpPr>
-      <p:sp>
-        <p:nvSpPr>
-          <p:cNvPr id="2" name="Title 1">
-            <a:extLst>
-              <a:ext uri="{FF2B5EF4-FFF2-40B4-BE49-F238E27FC236}">
-                <a16:creationId xmlns:a16="http://schemas.microsoft.com/office/drawing/2014/main" id="{8B21441C-BB37-074E-AF05-D7B39E45C30F}"/>
-              </a:ext>
-            </a:extLst>
-          </p:cNvPr>
-          <p:cNvSpPr>
-            <a:spLocks noGrp="1"/>
-          </p:cNvSpPr>
-          <p:nvPr>
-            <p:ph type="title"/>
-          </p:nvPr>
-        </p:nvSpPr>
-        <p:spPr/>
-        <p:txBody>
-          <a:bodyPr/>
-          <a:lstStyle/>
-          <a:p>
-            <a:r>
-              <a:rPr lang="en-US" dirty="0"/>
-              <a:t>Variables Quiz</a:t>
-            </a:r>
-          </a:p>
-        </p:txBody>
-      </p:sp>
-      <p:sp>
-        <p:nvSpPr>
-          <p:cNvPr id="3" name="Content Placeholder 2">
-            <a:extLst>
-              <a:ext uri="{FF2B5EF4-FFF2-40B4-BE49-F238E27FC236}">
-                <a16:creationId xmlns:a16="http://schemas.microsoft.com/office/drawing/2014/main" id="{D78A5852-2D73-A141-AE05-949466A59721}"/>
-              </a:ext>
-            </a:extLst>
-          </p:cNvPr>
-          <p:cNvSpPr>
-            <a:spLocks noGrp="1"/>
-          </p:cNvSpPr>
-          <p:nvPr>
-            <p:ph idx="1"/>
-          </p:nvPr>
-        </p:nvSpPr>
-        <p:spPr/>
-        <p:txBody>
-          <a:bodyPr/>
-          <a:lstStyle/>
-          <a:p>
-            <a:r>
-              <a:rPr lang="en-US" dirty="0"/>
-              <a:t>1. create a variable named fruit and assign it the value “durian”</a:t>
-            </a:r>
-          </a:p>
-          <a:p>
-            <a:r>
-              <a:rPr lang="en-US" dirty="0"/>
-              <a:t>2. create a variable name </a:t>
-            </a:r>
-            <a:r>
-              <a:rPr lang="en-US" dirty="0" err="1"/>
-              <a:t>amb</a:t>
-            </a:r>
-            <a:r>
-              <a:rPr lang="en-US" dirty="0"/>
-              <a:t> and assign it the value 6</a:t>
-            </a:r>
-          </a:p>
-          <a:p>
-            <a:r>
-              <a:rPr lang="en-US" dirty="0"/>
-              <a:t>3. display 5 + 10 using 2 variables x and y</a:t>
-            </a:r>
-          </a:p>
-          <a:p>
-            <a:r>
-              <a:rPr lang="en-US" dirty="0"/>
-              <a:t>4. Make this variable name valid: 2my-first_name</a:t>
-            </a:r>
-          </a:p>
-          <a:p>
-            <a:endParaRPr lang="en-US" dirty="0"/>
-          </a:p>
-          <a:p>
-            <a:endParaRPr lang="en-US" dirty="0"/>
-          </a:p>
-        </p:txBody>
-      </p:sp>
-    </p:spTree>
-    <p:extLst>
-      <p:ext uri="{BB962C8B-B14F-4D97-AF65-F5344CB8AC3E}">
-        <p14:creationId xmlns:p14="http://schemas.microsoft.com/office/powerpoint/2010/main" val="1802256751"/>
-      </p:ext>
-    </p:extLst>
-  </p:cSld>
-  <p:clrMapOvr>
-    <a:masterClrMapping/>
-  </p:clrMapOvr>
-</p:sld>
-</file>
-
 <file path=ppt/slides/slide2.xml><?xml version="1.0" encoding="utf-8"?>
 <p:sld xmlns:a="http://schemas.openxmlformats.org/drawingml/2006/main" xmlns:r="http://schemas.openxmlformats.org/officeDocument/2006/relationships" xmlns:p="http://schemas.openxmlformats.org/presentationml/2006/main">
   <p:cSld>
@@ -7790,7 +7804,7 @@
           <p:cNvPr id="2" name="Title 1">
             <a:extLst>
               <a:ext uri="{FF2B5EF4-FFF2-40B4-BE49-F238E27FC236}">
-                <a16:creationId xmlns:a16="http://schemas.microsoft.com/office/drawing/2014/main" id="{8A22194E-1C8B-084B-A9EF-AFF540DCDE50}"/>
+                <a16:creationId xmlns:a16="http://schemas.microsoft.com/office/drawing/2014/main" id="{8B21441C-BB37-074E-AF05-D7B39E45C30F}"/>
               </a:ext>
             </a:extLst>
           </p:cNvPr>
@@ -7808,7 +7822,7 @@
           <a:p>
             <a:r>
               <a:rPr lang="en-US" dirty="0"/>
-              <a:t>Data Types</a:t>
+              <a:t>Variables Quiz</a:t>
             </a:r>
           </a:p>
         </p:txBody>
@@ -7818,7 +7832,7 @@
           <p:cNvPr id="3" name="Content Placeholder 2">
             <a:extLst>
               <a:ext uri="{FF2B5EF4-FFF2-40B4-BE49-F238E27FC236}">
-                <a16:creationId xmlns:a16="http://schemas.microsoft.com/office/drawing/2014/main" id="{8EAC6B52-F1CF-0247-A408-AE084E42325A}"/>
+                <a16:creationId xmlns:a16="http://schemas.microsoft.com/office/drawing/2014/main" id="{D78A5852-2D73-A141-AE05-949466A59721}"/>
               </a:ext>
             </a:extLst>
           </p:cNvPr>
@@ -7831,57 +7845,44 @@
         </p:nvSpPr>
         <p:spPr/>
         <p:txBody>
-          <a:bodyPr>
-            <a:normAutofit/>
-          </a:bodyPr>
-          <a:lstStyle/>
-          <a:p>
-            <a:r>
-              <a:rPr lang="en-US" dirty="0"/>
-              <a:t>We saw in the previous section how variables can be different kinds of data</a:t>
-            </a:r>
-          </a:p>
-          <a:p>
-            <a:r>
-              <a:rPr lang="en-US" dirty="0"/>
-              <a:t>Here we will go through the most common data types</a:t>
-            </a:r>
-          </a:p>
-          <a:p>
-            <a:r>
-              <a:rPr lang="en-US" dirty="0"/>
-              <a:t>1. Text</a:t>
-            </a:r>
-          </a:p>
-          <a:p>
-            <a:pPr lvl="1"/>
-            <a:r>
-              <a:rPr lang="en-US" dirty="0"/>
-              <a:t>String (str): “hello”</a:t>
-            </a:r>
-          </a:p>
-          <a:p>
-            <a:r>
-              <a:rPr lang="en-US" dirty="0"/>
-              <a:t>2. Numeric</a:t>
-            </a:r>
-          </a:p>
-          <a:p>
-            <a:pPr lvl="1"/>
-            <a:r>
-              <a:rPr lang="en-US" dirty="0"/>
-              <a:t>Integer (int): 1000, 0, -5</a:t>
-            </a:r>
-          </a:p>
-          <a:p>
-            <a:pPr lvl="1"/>
-            <a:r>
-              <a:rPr lang="en-US" dirty="0"/>
-              <a:t>Float (float): 1.5, 3.1415, </a:t>
-            </a:r>
-          </a:p>
-          <a:p>
-            <a:pPr lvl="1"/>
+          <a:bodyPr/>
+          <a:lstStyle/>
+          <a:p>
+            <a:r>
+              <a:rPr lang="en-US" dirty="0"/>
+              <a:t>1. create a variable named fruit and assign it the value “durian”</a:t>
+            </a:r>
+          </a:p>
+          <a:p>
+            <a:r>
+              <a:rPr lang="en-US" dirty="0"/>
+              <a:t>2. create a variable name </a:t>
+            </a:r>
+            <a:r>
+              <a:rPr lang="en-US" dirty="0" err="1"/>
+              <a:t>amb</a:t>
+            </a:r>
+            <a:r>
+              <a:rPr lang="en-US" dirty="0"/>
+              <a:t> and assign it the value 6</a:t>
+            </a:r>
+          </a:p>
+          <a:p>
+            <a:r>
+              <a:rPr lang="en-US" dirty="0"/>
+              <a:t>3. display 5 + 10 using 2 variables x and y</a:t>
+            </a:r>
+          </a:p>
+          <a:p>
+            <a:r>
+              <a:rPr lang="en-US" dirty="0"/>
+              <a:t>4. Make this variable name valid: 2my-first_name</a:t>
+            </a:r>
+          </a:p>
+          <a:p>
+            <a:endParaRPr lang="en-US" dirty="0"/>
+          </a:p>
+          <a:p>
             <a:endParaRPr lang="en-US" dirty="0"/>
           </a:p>
         </p:txBody>
@@ -7889,7 +7890,7 @@
     </p:spTree>
     <p:extLst>
       <p:ext uri="{BB962C8B-B14F-4D97-AF65-F5344CB8AC3E}">
-        <p14:creationId xmlns:p14="http://schemas.microsoft.com/office/powerpoint/2010/main" val="2327029865"/>
+        <p14:creationId xmlns:p14="http://schemas.microsoft.com/office/powerpoint/2010/main" val="1802256751"/>
       </p:ext>
     </p:extLst>
   </p:cSld>
@@ -7921,6 +7922,137 @@
           <p:cNvPr id="2" name="Title 1">
             <a:extLst>
               <a:ext uri="{FF2B5EF4-FFF2-40B4-BE49-F238E27FC236}">
+                <a16:creationId xmlns:a16="http://schemas.microsoft.com/office/drawing/2014/main" id="{8A22194E-1C8B-084B-A9EF-AFF540DCDE50}"/>
+              </a:ext>
+            </a:extLst>
+          </p:cNvPr>
+          <p:cNvSpPr>
+            <a:spLocks noGrp="1"/>
+          </p:cNvSpPr>
+          <p:nvPr>
+            <p:ph type="title"/>
+          </p:nvPr>
+        </p:nvSpPr>
+        <p:spPr/>
+        <p:txBody>
+          <a:bodyPr/>
+          <a:lstStyle/>
+          <a:p>
+            <a:r>
+              <a:rPr lang="en-US" dirty="0"/>
+              <a:t>Data Types</a:t>
+            </a:r>
+          </a:p>
+        </p:txBody>
+      </p:sp>
+      <p:sp>
+        <p:nvSpPr>
+          <p:cNvPr id="3" name="Content Placeholder 2">
+            <a:extLst>
+              <a:ext uri="{FF2B5EF4-FFF2-40B4-BE49-F238E27FC236}">
+                <a16:creationId xmlns:a16="http://schemas.microsoft.com/office/drawing/2014/main" id="{8EAC6B52-F1CF-0247-A408-AE084E42325A}"/>
+              </a:ext>
+            </a:extLst>
+          </p:cNvPr>
+          <p:cNvSpPr>
+            <a:spLocks noGrp="1"/>
+          </p:cNvSpPr>
+          <p:nvPr>
+            <p:ph idx="1"/>
+          </p:nvPr>
+        </p:nvSpPr>
+        <p:spPr/>
+        <p:txBody>
+          <a:bodyPr>
+            <a:normAutofit/>
+          </a:bodyPr>
+          <a:lstStyle/>
+          <a:p>
+            <a:r>
+              <a:rPr lang="en-US" dirty="0"/>
+              <a:t>We saw in the previous section how variables can be different kinds of data</a:t>
+            </a:r>
+          </a:p>
+          <a:p>
+            <a:r>
+              <a:rPr lang="en-US" dirty="0"/>
+              <a:t>Here we will go through the most common data types</a:t>
+            </a:r>
+          </a:p>
+          <a:p>
+            <a:r>
+              <a:rPr lang="en-US" dirty="0"/>
+              <a:t>1. Text</a:t>
+            </a:r>
+          </a:p>
+          <a:p>
+            <a:pPr lvl="1"/>
+            <a:r>
+              <a:rPr lang="en-US" dirty="0"/>
+              <a:t>String (str): “hello”</a:t>
+            </a:r>
+          </a:p>
+          <a:p>
+            <a:r>
+              <a:rPr lang="en-US" dirty="0"/>
+              <a:t>2. Numeric</a:t>
+            </a:r>
+          </a:p>
+          <a:p>
+            <a:pPr lvl="1"/>
+            <a:r>
+              <a:rPr lang="en-US" dirty="0"/>
+              <a:t>Integer (int): 1000, 0, -5</a:t>
+            </a:r>
+          </a:p>
+          <a:p>
+            <a:pPr lvl="1"/>
+            <a:r>
+              <a:rPr lang="en-US" dirty="0"/>
+              <a:t>Float (float): 1.5, 3.1415, </a:t>
+            </a:r>
+          </a:p>
+          <a:p>
+            <a:pPr lvl="1"/>
+            <a:endParaRPr lang="en-US" dirty="0"/>
+          </a:p>
+        </p:txBody>
+      </p:sp>
+    </p:spTree>
+    <p:extLst>
+      <p:ext uri="{BB962C8B-B14F-4D97-AF65-F5344CB8AC3E}">
+        <p14:creationId xmlns:p14="http://schemas.microsoft.com/office/powerpoint/2010/main" val="2327029865"/>
+      </p:ext>
+    </p:extLst>
+  </p:cSld>
+  <p:clrMapOvr>
+    <a:masterClrMapping/>
+  </p:clrMapOvr>
+</p:sld>
+</file>
+
+<file path=ppt/slides/slide22.xml><?xml version="1.0" encoding="utf-8"?>
+<p:sld xmlns:a="http://schemas.openxmlformats.org/drawingml/2006/main" xmlns:r="http://schemas.openxmlformats.org/officeDocument/2006/relationships" xmlns:p="http://schemas.openxmlformats.org/presentationml/2006/main">
+  <p:cSld>
+    <p:spTree>
+      <p:nvGrpSpPr>
+        <p:cNvPr id="1" name=""/>
+        <p:cNvGrpSpPr/>
+        <p:nvPr/>
+      </p:nvGrpSpPr>
+      <p:grpSpPr>
+        <a:xfrm>
+          <a:off x="0" y="0"/>
+          <a:ext cx="0" cy="0"/>
+          <a:chOff x="0" y="0"/>
+          <a:chExt cx="0" cy="0"/>
+        </a:xfrm>
+      </p:grpSpPr>
+      <p:sp>
+        <p:nvSpPr>
+          <p:cNvPr id="2" name="Title 1">
+            <a:extLst>
+              <a:ext uri="{FF2B5EF4-FFF2-40B4-BE49-F238E27FC236}">
                 <a16:creationId xmlns:a16="http://schemas.microsoft.com/office/drawing/2014/main" id="{74B5C533-914E-9A47-AB1D-BDE516CBA18B}"/>
               </a:ext>
             </a:extLst>
@@ -8069,7 +8201,7 @@
 </p:sld>
 </file>
 
-<file path=ppt/slides/slide22.xml><?xml version="1.0" encoding="utf-8"?>
+<file path=ppt/slides/slide23.xml><?xml version="1.0" encoding="utf-8"?>
 <p:sld xmlns:a="http://schemas.openxmlformats.org/drawingml/2006/main" xmlns:r="http://schemas.openxmlformats.org/officeDocument/2006/relationships" xmlns:p="http://schemas.openxmlformats.org/presentationml/2006/main">
   <p:cSld>
     <p:spTree>
@@ -8194,141 +8326,6 @@
 </p:sld>
 </file>
 
-<file path=ppt/slides/slide23.xml><?xml version="1.0" encoding="utf-8"?>
-<p:sld xmlns:a="http://schemas.openxmlformats.org/drawingml/2006/main" xmlns:r="http://schemas.openxmlformats.org/officeDocument/2006/relationships" xmlns:p="http://schemas.openxmlformats.org/presentationml/2006/main">
-  <p:cSld>
-    <p:spTree>
-      <p:nvGrpSpPr>
-        <p:cNvPr id="1" name=""/>
-        <p:cNvGrpSpPr/>
-        <p:nvPr/>
-      </p:nvGrpSpPr>
-      <p:grpSpPr>
-        <a:xfrm>
-          <a:off x="0" y="0"/>
-          <a:ext cx="0" cy="0"/>
-          <a:chOff x="0" y="0"/>
-          <a:chExt cx="0" cy="0"/>
-        </a:xfrm>
-      </p:grpSpPr>
-      <p:sp>
-        <p:nvSpPr>
-          <p:cNvPr id="2" name="Title 1">
-            <a:extLst>
-              <a:ext uri="{FF2B5EF4-FFF2-40B4-BE49-F238E27FC236}">
-                <a16:creationId xmlns:a16="http://schemas.microsoft.com/office/drawing/2014/main" id="{CE0AD57F-DDF1-304F-836A-59276DECE544}"/>
-              </a:ext>
-            </a:extLst>
-          </p:cNvPr>
-          <p:cNvSpPr>
-            <a:spLocks noGrp="1"/>
-          </p:cNvSpPr>
-          <p:nvPr>
-            <p:ph type="title"/>
-          </p:nvPr>
-        </p:nvSpPr>
-        <p:spPr/>
-        <p:txBody>
-          <a:bodyPr/>
-          <a:lstStyle/>
-          <a:p>
-            <a:r>
-              <a:rPr lang="en-US" dirty="0"/>
-              <a:t>Data Type Quiz</a:t>
-            </a:r>
-          </a:p>
-        </p:txBody>
-      </p:sp>
-      <p:sp>
-        <p:nvSpPr>
-          <p:cNvPr id="3" name="Content Placeholder 2">
-            <a:extLst>
-              <a:ext uri="{FF2B5EF4-FFF2-40B4-BE49-F238E27FC236}">
-                <a16:creationId xmlns:a16="http://schemas.microsoft.com/office/drawing/2014/main" id="{7FD03AC2-C1A0-8046-A232-ED5C9C59A796}"/>
-              </a:ext>
-            </a:extLst>
-          </p:cNvPr>
-          <p:cNvSpPr>
-            <a:spLocks noGrp="1"/>
-          </p:cNvSpPr>
-          <p:nvPr>
-            <p:ph idx="1"/>
-          </p:nvPr>
-        </p:nvSpPr>
-        <p:spPr/>
-        <p:txBody>
-          <a:bodyPr/>
-          <a:lstStyle/>
-          <a:p>
-            <a:r>
-              <a:rPr lang="en-US" dirty="0"/>
-              <a:t>Name the data type:</a:t>
-            </a:r>
-          </a:p>
-          <a:p>
-            <a:pPr lvl="1"/>
-            <a:r>
-              <a:rPr lang="en-US" dirty="0"/>
-              <a:t>x = 5</a:t>
-            </a:r>
-          </a:p>
-          <a:p>
-            <a:pPr lvl="1"/>
-            <a:r>
-              <a:rPr lang="en-US" dirty="0"/>
-              <a:t>x = “hello world”</a:t>
-            </a:r>
-          </a:p>
-          <a:p>
-            <a:pPr lvl="1"/>
-            <a:r>
-              <a:rPr lang="en-US" dirty="0"/>
-              <a:t>x = 5.0 </a:t>
-            </a:r>
-          </a:p>
-          <a:p>
-            <a:pPr lvl="1"/>
-            <a:r>
-              <a:rPr lang="en-US" dirty="0"/>
-              <a:t>x = [“apple”, “banana”] </a:t>
-            </a:r>
-          </a:p>
-          <a:p>
-            <a:pPr lvl="1"/>
-            <a:r>
-              <a:rPr lang="en-US" dirty="0"/>
-              <a:t>x = (“apple”, ”banana”)</a:t>
-            </a:r>
-          </a:p>
-          <a:p>
-            <a:pPr lvl="1"/>
-            <a:r>
-              <a:rPr lang="en-US" dirty="0"/>
-              <a:t>x = {“fruit”: “banana”, ”price”: 3}</a:t>
-            </a:r>
-          </a:p>
-          <a:p>
-            <a:pPr lvl="1"/>
-            <a:r>
-              <a:rPr lang="en-US" dirty="0"/>
-              <a:t>x = True</a:t>
-            </a:r>
-          </a:p>
-        </p:txBody>
-      </p:sp>
-    </p:spTree>
-    <p:extLst>
-      <p:ext uri="{BB962C8B-B14F-4D97-AF65-F5344CB8AC3E}">
-        <p14:creationId xmlns:p14="http://schemas.microsoft.com/office/powerpoint/2010/main" val="217900892"/>
-      </p:ext>
-    </p:extLst>
-  </p:cSld>
-  <p:clrMapOvr>
-    <a:masterClrMapping/>
-  </p:clrMapOvr>
-</p:sld>
-</file>
-
 <file path=ppt/slides/slide24.xml><?xml version="1.0" encoding="utf-8"?>
 <p:sld xmlns:a="http://schemas.openxmlformats.org/drawingml/2006/main" xmlns:r="http://schemas.openxmlformats.org/officeDocument/2006/relationships" xmlns:p="http://schemas.openxmlformats.org/presentationml/2006/main">
   <p:cSld>
@@ -8351,7 +8348,7 @@
           <p:cNvPr id="2" name="Title 1">
             <a:extLst>
               <a:ext uri="{FF2B5EF4-FFF2-40B4-BE49-F238E27FC236}">
-                <a16:creationId xmlns:a16="http://schemas.microsoft.com/office/drawing/2014/main" id="{43335BB3-AC60-D84E-A730-6E3857B97255}"/>
+                <a16:creationId xmlns:a16="http://schemas.microsoft.com/office/drawing/2014/main" id="{CE0AD57F-DDF1-304F-836A-59276DECE544}"/>
               </a:ext>
             </a:extLst>
           </p:cNvPr>
@@ -8369,7 +8366,7 @@
           <a:p>
             <a:r>
               <a:rPr lang="en-US" dirty="0"/>
-              <a:t>Logical Operators</a:t>
+              <a:t>Data Type Quiz</a:t>
             </a:r>
           </a:p>
         </p:txBody>
@@ -8379,7 +8376,7 @@
           <p:cNvPr id="3" name="Content Placeholder 2">
             <a:extLst>
               <a:ext uri="{FF2B5EF4-FFF2-40B4-BE49-F238E27FC236}">
-                <a16:creationId xmlns:a16="http://schemas.microsoft.com/office/drawing/2014/main" id="{B860077D-6B22-954A-B92E-CDB510EB8B69}"/>
+                <a16:creationId xmlns:a16="http://schemas.microsoft.com/office/drawing/2014/main" id="{7FD03AC2-C1A0-8046-A232-ED5C9C59A796}"/>
               </a:ext>
             </a:extLst>
           </p:cNvPr>
@@ -8397,40 +8394,56 @@
           <a:p>
             <a:r>
               <a:rPr lang="en-US" dirty="0"/>
-              <a:t>Often in programming we need to compare the values of two variables</a:t>
-            </a:r>
-          </a:p>
-          <a:p>
-            <a:r>
-              <a:rPr lang="en-US" dirty="0"/>
-              <a:t>This shows up most often in conditional statements (we will see these later on)</a:t>
-            </a:r>
-          </a:p>
-          <a:p>
-            <a:r>
-              <a:rPr lang="en-US" dirty="0"/>
-              <a:t>These operators can be segmented into the following</a:t>
+              <a:t>Name the data type:</a:t>
             </a:r>
           </a:p>
           <a:p>
             <a:pPr lvl="1"/>
             <a:r>
               <a:rPr lang="en-US" dirty="0"/>
-              <a:t>Arithmetic</a:t>
+              <a:t>x = 5</a:t>
             </a:r>
           </a:p>
           <a:p>
             <a:pPr lvl="1"/>
             <a:r>
               <a:rPr lang="en-US" dirty="0"/>
-              <a:t>Comparison</a:t>
+              <a:t>x = “hello world”</a:t>
             </a:r>
           </a:p>
           <a:p>
             <a:pPr lvl="1"/>
             <a:r>
               <a:rPr lang="en-US" dirty="0"/>
-              <a:t>Logical and Identity</a:t>
+              <a:t>x = 5.0 </a:t>
+            </a:r>
+          </a:p>
+          <a:p>
+            <a:pPr lvl="1"/>
+            <a:r>
+              <a:rPr lang="en-US" dirty="0"/>
+              <a:t>x = [“apple”, “banana”] </a:t>
+            </a:r>
+          </a:p>
+          <a:p>
+            <a:pPr lvl="1"/>
+            <a:r>
+              <a:rPr lang="en-US" dirty="0"/>
+              <a:t>x = (“apple”, ”banana”)</a:t>
+            </a:r>
+          </a:p>
+          <a:p>
+            <a:pPr lvl="1"/>
+            <a:r>
+              <a:rPr lang="en-US" dirty="0"/>
+              <a:t>x = {“fruit”: “banana”, ”price”: 3}</a:t>
+            </a:r>
+          </a:p>
+          <a:p>
+            <a:pPr lvl="1"/>
+            <a:r>
+              <a:rPr lang="en-US" dirty="0"/>
+              <a:t>x = True</a:t>
             </a:r>
           </a:p>
         </p:txBody>
@@ -8438,7 +8451,7 @@
     </p:spTree>
     <p:extLst>
       <p:ext uri="{BB962C8B-B14F-4D97-AF65-F5344CB8AC3E}">
-        <p14:creationId xmlns:p14="http://schemas.microsoft.com/office/powerpoint/2010/main" val="53242540"/>
+        <p14:creationId xmlns:p14="http://schemas.microsoft.com/office/powerpoint/2010/main" val="217900892"/>
       </p:ext>
     </p:extLst>
   </p:cSld>
@@ -8470,7 +8483,7 @@
           <p:cNvPr id="2" name="Title 1">
             <a:extLst>
               <a:ext uri="{FF2B5EF4-FFF2-40B4-BE49-F238E27FC236}">
-                <a16:creationId xmlns:a16="http://schemas.microsoft.com/office/drawing/2014/main" id="{3ABFA726-88EC-E546-A074-CA51C2434D3E}"/>
+                <a16:creationId xmlns:a16="http://schemas.microsoft.com/office/drawing/2014/main" id="{43335BB3-AC60-D84E-A730-6E3857B97255}"/>
               </a:ext>
             </a:extLst>
           </p:cNvPr>
@@ -8488,7 +8501,7 @@
           <a:p>
             <a:r>
               <a:rPr lang="en-US" dirty="0"/>
-              <a:t>Arithmetic Operators</a:t>
+              <a:t>Logical Operators</a:t>
             </a:r>
           </a:p>
         </p:txBody>
@@ -8498,7 +8511,7 @@
           <p:cNvPr id="3" name="Content Placeholder 2">
             <a:extLst>
               <a:ext uri="{FF2B5EF4-FFF2-40B4-BE49-F238E27FC236}">
-                <a16:creationId xmlns:a16="http://schemas.microsoft.com/office/drawing/2014/main" id="{A18D8B6B-4005-6C45-8753-A53C89CDCA69}"/>
+                <a16:creationId xmlns:a16="http://schemas.microsoft.com/office/drawing/2014/main" id="{B860077D-6B22-954A-B92E-CDB510EB8B69}"/>
               </a:ext>
             </a:extLst>
           </p:cNvPr>
@@ -8516,76 +8529,48 @@
           <a:p>
             <a:r>
               <a:rPr lang="en-US" dirty="0"/>
-              <a:t>Most of these should be very intuitive for all of us</a:t>
-            </a:r>
-          </a:p>
-          <a:p>
-            <a:r>
-              <a:rPr lang="en-US" dirty="0"/>
-              <a:t>These operators work between two numeric values</a:t>
-            </a:r>
-          </a:p>
-          <a:p>
-            <a:r>
-              <a:rPr lang="en-US" dirty="0"/>
-              <a:t>Addition (+), for example </a:t>
-            </a:r>
-            <a:r>
-              <a:rPr lang="en-US" dirty="0" err="1"/>
-              <a:t>x+y</a:t>
-            </a:r>
-            <a:endParaRPr lang="en-US" dirty="0"/>
-          </a:p>
-          <a:p>
-            <a:r>
-              <a:rPr lang="en-US" dirty="0"/>
-              <a:t>Subtraction (-), for example x-y</a:t>
-            </a:r>
-          </a:p>
-          <a:p>
-            <a:r>
-              <a:rPr lang="en-US" dirty="0"/>
-              <a:t>Multiplication (*), for example x*y</a:t>
-            </a:r>
-          </a:p>
-          <a:p>
-            <a:r>
-              <a:rPr lang="en-US" dirty="0"/>
-              <a:t>Division (/), for example x/y</a:t>
-            </a:r>
-          </a:p>
-          <a:p>
-            <a:r>
-              <a:rPr lang="en-US" dirty="0"/>
-              <a:t>Modulus (%), for example x % y (where x % y gives the remainder)</a:t>
-            </a:r>
-          </a:p>
-          <a:p>
-            <a:r>
-              <a:rPr lang="en-US" dirty="0"/>
-              <a:t>Exponentiation (**) for example x**y (which is </a:t>
-            </a:r>
-            <a:r>
-              <a:rPr lang="en-US" dirty="0" err="1"/>
-              <a:t>x^y</a:t>
-            </a:r>
-            <a:r>
-              <a:rPr lang="en-US" dirty="0"/>
-              <a:t>)</a:t>
-            </a:r>
-          </a:p>
-          <a:p>
-            <a:pPr marL="0" indent="0">
-              <a:buNone/>
-            </a:pPr>
-            <a:endParaRPr lang="en-US" dirty="0"/>
+              <a:t>Often in programming we need to compare the values of two variables</a:t>
+            </a:r>
+          </a:p>
+          <a:p>
+            <a:r>
+              <a:rPr lang="en-US" dirty="0"/>
+              <a:t>This shows up most often in conditional statements (we will see these later on)</a:t>
+            </a:r>
+          </a:p>
+          <a:p>
+            <a:r>
+              <a:rPr lang="en-US" dirty="0"/>
+              <a:t>These operators can be segmented into the following</a:t>
+            </a:r>
+          </a:p>
+          <a:p>
+            <a:pPr lvl="1"/>
+            <a:r>
+              <a:rPr lang="en-US" dirty="0"/>
+              <a:t>Arithmetic</a:t>
+            </a:r>
+          </a:p>
+          <a:p>
+            <a:pPr lvl="1"/>
+            <a:r>
+              <a:rPr lang="en-US" dirty="0"/>
+              <a:t>Comparison</a:t>
+            </a:r>
+          </a:p>
+          <a:p>
+            <a:pPr lvl="1"/>
+            <a:r>
+              <a:rPr lang="en-US" dirty="0"/>
+              <a:t>Logical and Identity</a:t>
+            </a:r>
           </a:p>
         </p:txBody>
       </p:sp>
     </p:spTree>
     <p:extLst>
       <p:ext uri="{BB962C8B-B14F-4D97-AF65-F5344CB8AC3E}">
-        <p14:creationId xmlns:p14="http://schemas.microsoft.com/office/powerpoint/2010/main" val="3891742103"/>
+        <p14:creationId xmlns:p14="http://schemas.microsoft.com/office/powerpoint/2010/main" val="53242540"/>
       </p:ext>
     </p:extLst>
   </p:cSld>
@@ -8617,7 +8602,7 @@
           <p:cNvPr id="2" name="Title 1">
             <a:extLst>
               <a:ext uri="{FF2B5EF4-FFF2-40B4-BE49-F238E27FC236}">
-                <a16:creationId xmlns:a16="http://schemas.microsoft.com/office/drawing/2014/main" id="{BCE4EC1A-EE1F-2C4E-9466-A0CEF4360AAE}"/>
+                <a16:creationId xmlns:a16="http://schemas.microsoft.com/office/drawing/2014/main" id="{3ABFA726-88EC-E546-A074-CA51C2434D3E}"/>
               </a:ext>
             </a:extLst>
           </p:cNvPr>
@@ -8635,7 +8620,7 @@
           <a:p>
             <a:r>
               <a:rPr lang="en-US" dirty="0"/>
-              <a:t>Comparison Operators</a:t>
+              <a:t>Arithmetic Operators</a:t>
             </a:r>
           </a:p>
         </p:txBody>
@@ -8645,7 +8630,7 @@
           <p:cNvPr id="3" name="Content Placeholder 2">
             <a:extLst>
               <a:ext uri="{FF2B5EF4-FFF2-40B4-BE49-F238E27FC236}">
-                <a16:creationId xmlns:a16="http://schemas.microsoft.com/office/drawing/2014/main" id="{5994E601-E7C1-8C4B-B96C-861DFED02830}"/>
+                <a16:creationId xmlns:a16="http://schemas.microsoft.com/office/drawing/2014/main" id="{A18D8B6B-4005-6C45-8753-A53C89CDCA69}"/>
               </a:ext>
             </a:extLst>
           </p:cNvPr>
@@ -8658,89 +8643,73 @@
         </p:nvSpPr>
         <p:spPr/>
         <p:txBody>
-          <a:bodyPr>
-            <a:normAutofit fontScale="92500" lnSpcReduction="10000"/>
-          </a:bodyPr>
-          <a:lstStyle/>
-          <a:p>
-            <a:r>
-              <a:rPr lang="en-US" dirty="0"/>
-              <a:t>These are also intuitive, but the syntax is key</a:t>
-            </a:r>
-          </a:p>
-          <a:p>
-            <a:r>
-              <a:rPr lang="en-US" dirty="0"/>
-              <a:t>Equal</a:t>
-            </a:r>
-            <a:r>
-              <a:rPr lang="en-US" dirty="0">
-                <a:sym typeface="Wingdings" pitchFamily="2" charset="2"/>
-              </a:rPr>
-              <a:t> (==), for example 5 == 5 is True</a:t>
-            </a:r>
-          </a:p>
-          <a:p>
-            <a:r>
-              <a:rPr lang="en-US" dirty="0">
-                <a:sym typeface="Wingdings" pitchFamily="2" charset="2"/>
-              </a:rPr>
-              <a:t>Not equal (!=), for example 5 != 5 is False</a:t>
-            </a:r>
-          </a:p>
-          <a:p>
-            <a:r>
-              <a:rPr lang="en-US" dirty="0">
-                <a:sym typeface="Wingdings" pitchFamily="2" charset="2"/>
-              </a:rPr>
-              <a:t>Greater than (&gt;), for example 8 &gt; 7 is True</a:t>
-            </a:r>
-          </a:p>
-          <a:p>
-            <a:r>
-              <a:rPr lang="en-US" dirty="0">
-                <a:sym typeface="Wingdings" pitchFamily="2" charset="2"/>
-              </a:rPr>
-              <a:t>Greater than or equal to (&gt;=), for example 6 &gt;= 7 is False</a:t>
-            </a:r>
-          </a:p>
-          <a:p>
-            <a:r>
-              <a:rPr lang="en-US" dirty="0">
-                <a:sym typeface="Wingdings" pitchFamily="2" charset="2"/>
-              </a:rPr>
-              <a:t>Lesser than (&lt;), for example 7 &lt; 8 is True</a:t>
-            </a:r>
-          </a:p>
-          <a:p>
-            <a:r>
-              <a:rPr lang="en-US" dirty="0">
-                <a:sym typeface="Wingdings" pitchFamily="2" charset="2"/>
-              </a:rPr>
-              <a:t>Lesser than or equal to (&lt;=), for example 7 &lt;= 6 is False</a:t>
-            </a:r>
-          </a:p>
-          <a:p>
-            <a:endParaRPr lang="en-US" dirty="0">
-              <a:sym typeface="Wingdings" pitchFamily="2" charset="2"/>
-            </a:endParaRPr>
-          </a:p>
-          <a:p>
-            <a:r>
-              <a:rPr lang="en-US" dirty="0">
-                <a:sym typeface="Wingdings" pitchFamily="2" charset="2"/>
-              </a:rPr>
-              <a:t>In each case, the result of this operator will tell you if the comparison is True or False</a:t>
-            </a:r>
-          </a:p>
-          <a:p>
-            <a:pPr lvl="1"/>
-            <a:r>
-              <a:rPr lang="en-US" dirty="0">
-                <a:sym typeface="Wingdings" pitchFamily="2" charset="2"/>
-              </a:rPr>
-              <a:t>For example, x = 2, y = 3, then x == y returns False and y &gt;= x returns True</a:t>
-            </a:r>
+          <a:bodyPr/>
+          <a:lstStyle/>
+          <a:p>
+            <a:r>
+              <a:rPr lang="en-US" dirty="0"/>
+              <a:t>Most of these should be very intuitive for all of us</a:t>
+            </a:r>
+          </a:p>
+          <a:p>
+            <a:r>
+              <a:rPr lang="en-US" dirty="0"/>
+              <a:t>These operators work between two numeric values</a:t>
+            </a:r>
+          </a:p>
+          <a:p>
+            <a:r>
+              <a:rPr lang="en-US" dirty="0"/>
+              <a:t>Addition (+), for example </a:t>
+            </a:r>
+            <a:r>
+              <a:rPr lang="en-US" dirty="0" err="1"/>
+              <a:t>x+y</a:t>
+            </a:r>
+            <a:endParaRPr lang="en-US" dirty="0"/>
+          </a:p>
+          <a:p>
+            <a:r>
+              <a:rPr lang="en-US" dirty="0"/>
+              <a:t>Subtraction (-), for example x-y</a:t>
+            </a:r>
+          </a:p>
+          <a:p>
+            <a:r>
+              <a:rPr lang="en-US" dirty="0"/>
+              <a:t>Multiplication (*), for example x*y</a:t>
+            </a:r>
+          </a:p>
+          <a:p>
+            <a:r>
+              <a:rPr lang="en-US" dirty="0"/>
+              <a:t>Division (/), for example x/y</a:t>
+            </a:r>
+          </a:p>
+          <a:p>
+            <a:r>
+              <a:rPr lang="en-US" dirty="0"/>
+              <a:t>Modulus (%), for example x % y (where x % y gives the remainder)</a:t>
+            </a:r>
+          </a:p>
+          <a:p>
+            <a:r>
+              <a:rPr lang="en-US" dirty="0"/>
+              <a:t>Exponentiation (**) for example x**y (which is </a:t>
+            </a:r>
+            <a:r>
+              <a:rPr lang="en-US" dirty="0" err="1"/>
+              <a:t>x^y</a:t>
+            </a:r>
+            <a:r>
+              <a:rPr lang="en-US" dirty="0"/>
+              <a:t>)</a:t>
+            </a:r>
+          </a:p>
+          <a:p>
+            <a:pPr marL="0" indent="0">
+              <a:buNone/>
+            </a:pPr>
             <a:endParaRPr lang="en-US" dirty="0"/>
           </a:p>
         </p:txBody>
@@ -8748,7 +8717,7 @@
     </p:spTree>
     <p:extLst>
       <p:ext uri="{BB962C8B-B14F-4D97-AF65-F5344CB8AC3E}">
-        <p14:creationId xmlns:p14="http://schemas.microsoft.com/office/powerpoint/2010/main" val="644625168"/>
+        <p14:creationId xmlns:p14="http://schemas.microsoft.com/office/powerpoint/2010/main" val="3891742103"/>
       </p:ext>
     </p:extLst>
   </p:cSld>
@@ -8780,7 +8749,7 @@
           <p:cNvPr id="2" name="Title 1">
             <a:extLst>
               <a:ext uri="{FF2B5EF4-FFF2-40B4-BE49-F238E27FC236}">
-                <a16:creationId xmlns:a16="http://schemas.microsoft.com/office/drawing/2014/main" id="{10CB1857-AD0F-7142-9EC9-D4C83FD70270}"/>
+                <a16:creationId xmlns:a16="http://schemas.microsoft.com/office/drawing/2014/main" id="{BCE4EC1A-EE1F-2C4E-9466-A0CEF4360AAE}"/>
               </a:ext>
             </a:extLst>
           </p:cNvPr>
@@ -8798,7 +8767,7 @@
           <a:p>
             <a:r>
               <a:rPr lang="en-US" dirty="0"/>
-              <a:t>Logical Operators</a:t>
+              <a:t>Comparison Operators</a:t>
             </a:r>
           </a:p>
         </p:txBody>
@@ -8808,7 +8777,7 @@
           <p:cNvPr id="3" name="Content Placeholder 2">
             <a:extLst>
               <a:ext uri="{FF2B5EF4-FFF2-40B4-BE49-F238E27FC236}">
-                <a16:creationId xmlns:a16="http://schemas.microsoft.com/office/drawing/2014/main" id="{D846BD8F-3FED-1C40-8EFE-CB7D16BF0F28}"/>
+                <a16:creationId xmlns:a16="http://schemas.microsoft.com/office/drawing/2014/main" id="{5994E601-E7C1-8C4B-B96C-861DFED02830}"/>
               </a:ext>
             </a:extLst>
           </p:cNvPr>
@@ -8821,54 +8790,89 @@
         </p:nvSpPr>
         <p:spPr/>
         <p:txBody>
-          <a:bodyPr/>
-          <a:lstStyle/>
-          <a:p>
-            <a:r>
-              <a:rPr lang="en-US" dirty="0"/>
-              <a:t>These operators show how python leverages English </a:t>
-            </a:r>
-          </a:p>
-          <a:p>
-            <a:r>
-              <a:rPr lang="en-US" dirty="0"/>
-              <a:t>And, for example x &lt; 5 and  x &lt; 10</a:t>
+          <a:bodyPr>
+            <a:normAutofit fontScale="92500" lnSpcReduction="10000"/>
+          </a:bodyPr>
+          <a:lstStyle/>
+          <a:p>
+            <a:r>
+              <a:rPr lang="en-US" dirty="0"/>
+              <a:t>These are also intuitive, but the syntax is key</a:t>
+            </a:r>
+          </a:p>
+          <a:p>
+            <a:r>
+              <a:rPr lang="en-US" dirty="0"/>
+              <a:t>Equal</a:t>
+            </a:r>
+            <a:r>
+              <a:rPr lang="en-US" dirty="0">
+                <a:sym typeface="Wingdings" pitchFamily="2" charset="2"/>
+              </a:rPr>
+              <a:t> (==), for example 5 == 5 is True</a:t>
+            </a:r>
+          </a:p>
+          <a:p>
+            <a:r>
+              <a:rPr lang="en-US" dirty="0">
+                <a:sym typeface="Wingdings" pitchFamily="2" charset="2"/>
+              </a:rPr>
+              <a:t>Not equal (!=), for example 5 != 5 is False</a:t>
+            </a:r>
+          </a:p>
+          <a:p>
+            <a:r>
+              <a:rPr lang="en-US" dirty="0">
+                <a:sym typeface="Wingdings" pitchFamily="2" charset="2"/>
+              </a:rPr>
+              <a:t>Greater than (&gt;), for example 8 &gt; 7 is True</a:t>
+            </a:r>
+          </a:p>
+          <a:p>
+            <a:r>
+              <a:rPr lang="en-US" dirty="0">
+                <a:sym typeface="Wingdings" pitchFamily="2" charset="2"/>
+              </a:rPr>
+              <a:t>Greater than or equal to (&gt;=), for example 6 &gt;= 7 is False</a:t>
+            </a:r>
+          </a:p>
+          <a:p>
+            <a:r>
+              <a:rPr lang="en-US" dirty="0">
+                <a:sym typeface="Wingdings" pitchFamily="2" charset="2"/>
+              </a:rPr>
+              <a:t>Lesser than (&lt;), for example 7 &lt; 8 is True</a:t>
+            </a:r>
+          </a:p>
+          <a:p>
+            <a:r>
+              <a:rPr lang="en-US" dirty="0">
+                <a:sym typeface="Wingdings" pitchFamily="2" charset="2"/>
+              </a:rPr>
+              <a:t>Lesser than or equal to (&lt;=), for example 7 &lt;= 6 is False</a:t>
+            </a:r>
+          </a:p>
+          <a:p>
+            <a:endParaRPr lang="en-US" dirty="0">
+              <a:sym typeface="Wingdings" pitchFamily="2" charset="2"/>
+            </a:endParaRPr>
+          </a:p>
+          <a:p>
+            <a:r>
+              <a:rPr lang="en-US" dirty="0">
+                <a:sym typeface="Wingdings" pitchFamily="2" charset="2"/>
+              </a:rPr>
+              <a:t>In each case, the result of this operator will tell you if the comparison is True or False</a:t>
             </a:r>
           </a:p>
           <a:p>
             <a:pPr lvl="1"/>
             <a:r>
-              <a:rPr lang="en-US" dirty="0"/>
-              <a:t>Returns True if both statements are True, False otherwise</a:t>
-            </a:r>
-          </a:p>
-          <a:p>
-            <a:r>
-              <a:rPr lang="en-US" dirty="0"/>
-              <a:t>Or, for example x &lt; 5 or x &lt; 4</a:t>
-            </a:r>
-          </a:p>
-          <a:p>
-            <a:pPr lvl="1"/>
-            <a:r>
-              <a:rPr lang="en-US" dirty="0"/>
-              <a:t>Returns True if either statement is True, False if both are False</a:t>
-            </a:r>
-          </a:p>
-          <a:p>
-            <a:r>
-              <a:rPr lang="en-US" dirty="0"/>
-              <a:t>Not, for example not(x &lt; 5)</a:t>
-            </a:r>
-          </a:p>
-          <a:p>
-            <a:pPr lvl="1"/>
-            <a:r>
-              <a:rPr lang="en-US" dirty="0"/>
-              <a:t>Returns True if the inside statement is False, True otherwise</a:t>
-            </a:r>
-          </a:p>
-          <a:p>
+              <a:rPr lang="en-US" dirty="0">
+                <a:sym typeface="Wingdings" pitchFamily="2" charset="2"/>
+              </a:rPr>
+              <a:t>For example, x = 2, y = 3, then x == y returns False and y &gt;= x returns True</a:t>
+            </a:r>
             <a:endParaRPr lang="en-US" dirty="0"/>
           </a:p>
         </p:txBody>
@@ -8876,7 +8880,7 @@
     </p:spTree>
     <p:extLst>
       <p:ext uri="{BB962C8B-B14F-4D97-AF65-F5344CB8AC3E}">
-        <p14:creationId xmlns:p14="http://schemas.microsoft.com/office/powerpoint/2010/main" val="1262774036"/>
+        <p14:creationId xmlns:p14="http://schemas.microsoft.com/office/powerpoint/2010/main" val="644625168"/>
       </p:ext>
     </p:extLst>
   </p:cSld>
@@ -8908,7 +8912,7 @@
           <p:cNvPr id="2" name="Title 1">
             <a:extLst>
               <a:ext uri="{FF2B5EF4-FFF2-40B4-BE49-F238E27FC236}">
-                <a16:creationId xmlns:a16="http://schemas.microsoft.com/office/drawing/2014/main" id="{E3CDB994-87D0-144A-A5F4-D213229B333D}"/>
+                <a16:creationId xmlns:a16="http://schemas.microsoft.com/office/drawing/2014/main" id="{10CB1857-AD0F-7142-9EC9-D4C83FD70270}"/>
               </a:ext>
             </a:extLst>
           </p:cNvPr>
@@ -8926,7 +8930,7 @@
           <a:p>
             <a:r>
               <a:rPr lang="en-US" dirty="0"/>
-              <a:t>Identity and Membership Operators</a:t>
+              <a:t>Logical Operators</a:t>
             </a:r>
           </a:p>
         </p:txBody>
@@ -8936,7 +8940,7 @@
           <p:cNvPr id="3" name="Content Placeholder 2">
             <a:extLst>
               <a:ext uri="{FF2B5EF4-FFF2-40B4-BE49-F238E27FC236}">
-                <a16:creationId xmlns:a16="http://schemas.microsoft.com/office/drawing/2014/main" id="{98E29A2C-F76F-504C-93C9-BBC3FD71C235}"/>
+                <a16:creationId xmlns:a16="http://schemas.microsoft.com/office/drawing/2014/main" id="{D846BD8F-3FED-1C40-8EFE-CB7D16BF0F28}"/>
               </a:ext>
             </a:extLst>
           </p:cNvPr>
@@ -8949,78 +8953,62 @@
         </p:nvSpPr>
         <p:spPr/>
         <p:txBody>
-          <a:bodyPr>
-            <a:normAutofit lnSpcReduction="10000"/>
-          </a:bodyPr>
-          <a:lstStyle/>
-          <a:p>
-            <a:r>
-              <a:rPr lang="en-US" dirty="0"/>
-              <a:t>Very simple operators but as we have seen, these concepts build to bigger and better things</a:t>
-            </a:r>
-          </a:p>
-          <a:p>
-            <a:r>
-              <a:rPr lang="en-US" dirty="0"/>
-              <a:t>Is, for example x is y</a:t>
+          <a:bodyPr/>
+          <a:lstStyle/>
+          <a:p>
+            <a:r>
+              <a:rPr lang="en-US" dirty="0"/>
+              <a:t>These operators show how python leverages English </a:t>
+            </a:r>
+          </a:p>
+          <a:p>
+            <a:r>
+              <a:rPr lang="en-US" dirty="0"/>
+              <a:t>And, for example x &lt; 5 and  x &lt; 10</a:t>
             </a:r>
           </a:p>
           <a:p>
             <a:pPr lvl="1"/>
             <a:r>
               <a:rPr lang="en-US" dirty="0"/>
-              <a:t>Returns True if x and y are the same object</a:t>
-            </a:r>
-          </a:p>
-          <a:p>
-            <a:r>
-              <a:rPr lang="en-US" dirty="0"/>
-              <a:t>Is not, for example x is not y</a:t>
+              <a:t>Returns True if both statements are True, False otherwise</a:t>
+            </a:r>
+          </a:p>
+          <a:p>
+            <a:r>
+              <a:rPr lang="en-US" dirty="0"/>
+              <a:t>Or, for example x &lt; 5 or x &lt; 4</a:t>
             </a:r>
           </a:p>
           <a:p>
             <a:pPr lvl="1"/>
             <a:r>
               <a:rPr lang="en-US" dirty="0"/>
-              <a:t>Returns True if x and y are not the same object</a:t>
+              <a:t>Returns True if either statement is True, False if both are False</a:t>
+            </a:r>
+          </a:p>
+          <a:p>
+            <a:r>
+              <a:rPr lang="en-US" dirty="0"/>
+              <a:t>Not, for example not(x &lt; 5)</a:t>
             </a:r>
           </a:p>
           <a:p>
             <a:pPr lvl="1"/>
-            <a:endParaRPr lang="en-US" dirty="0"/>
-          </a:p>
-          <a:p>
-            <a:r>
-              <a:rPr lang="en-US" dirty="0"/>
-              <a:t>In, for example x in y</a:t>
-            </a:r>
-          </a:p>
-          <a:p>
-            <a:pPr lvl="1"/>
-            <a:r>
-              <a:rPr lang="en-US" dirty="0"/>
-              <a:t>Returns True if x can be found in y</a:t>
-            </a:r>
-          </a:p>
-          <a:p>
-            <a:r>
-              <a:rPr lang="en-US" dirty="0"/>
-              <a:t>Not In, for example x not in y</a:t>
-            </a:r>
-          </a:p>
-          <a:p>
-            <a:pPr lvl="1"/>
-            <a:r>
-              <a:rPr lang="en-US" dirty="0"/>
-              <a:t>Returns True is x cannot be found in y</a:t>
-            </a:r>
+            <a:r>
+              <a:rPr lang="en-US" dirty="0"/>
+              <a:t>Returns True if the inside statement is False, True otherwise</a:t>
+            </a:r>
+          </a:p>
+          <a:p>
+            <a:endParaRPr lang="en-US" dirty="0"/>
           </a:p>
         </p:txBody>
       </p:sp>
     </p:spTree>
     <p:extLst>
       <p:ext uri="{BB962C8B-B14F-4D97-AF65-F5344CB8AC3E}">
-        <p14:creationId xmlns:p14="http://schemas.microsoft.com/office/powerpoint/2010/main" val="2379060979"/>
+        <p14:creationId xmlns:p14="http://schemas.microsoft.com/office/powerpoint/2010/main" val="1262774036"/>
       </p:ext>
     </p:extLst>
   </p:cSld>
@@ -9052,7 +9040,7 @@
           <p:cNvPr id="2" name="Title 1">
             <a:extLst>
               <a:ext uri="{FF2B5EF4-FFF2-40B4-BE49-F238E27FC236}">
-                <a16:creationId xmlns:a16="http://schemas.microsoft.com/office/drawing/2014/main" id="{1EE0CC6D-32EC-1C47-AFA7-24A144689D59}"/>
+                <a16:creationId xmlns:a16="http://schemas.microsoft.com/office/drawing/2014/main" id="{E3CDB994-87D0-144A-A5F4-D213229B333D}"/>
               </a:ext>
             </a:extLst>
           </p:cNvPr>
@@ -9070,7 +9058,7 @@
           <a:p>
             <a:r>
               <a:rPr lang="en-US" dirty="0"/>
-              <a:t>Operators Quiz</a:t>
+              <a:t>Identity and Membership Operators</a:t>
             </a:r>
           </a:p>
         </p:txBody>
@@ -9080,7 +9068,7 @@
           <p:cNvPr id="3" name="Content Placeholder 2">
             <a:extLst>
               <a:ext uri="{FF2B5EF4-FFF2-40B4-BE49-F238E27FC236}">
-                <a16:creationId xmlns:a16="http://schemas.microsoft.com/office/drawing/2014/main" id="{B4F4394B-4E61-6449-AB9D-8FEE37AB1592}"/>
+                <a16:creationId xmlns:a16="http://schemas.microsoft.com/office/drawing/2014/main" id="{98E29A2C-F76F-504C-93C9-BBC3FD71C235}"/>
               </a:ext>
             </a:extLst>
           </p:cNvPr>
@@ -9093,119 +9081,78 @@
         </p:nvSpPr>
         <p:spPr/>
         <p:txBody>
-          <a:bodyPr/>
-          <a:lstStyle/>
-          <a:p>
-            <a:r>
-              <a:rPr lang="en-US" dirty="0"/>
-              <a:t>1. Print the result of 10 times 5</a:t>
-            </a:r>
-          </a:p>
-          <a:p>
-            <a:r>
-              <a:rPr lang="en-US" dirty="0"/>
-              <a:t>2. Print the result of 10 divided by 2</a:t>
-            </a:r>
-          </a:p>
-          <a:p>
-            <a:r>
-              <a:rPr lang="en-US" dirty="0"/>
-              <a:t>3. Enter the correct operator to check if ”apple” is in the fruits list</a:t>
-            </a:r>
-          </a:p>
-          <a:p>
-            <a:endParaRPr lang="en-US" dirty="0"/>
-          </a:p>
-          <a:p>
-            <a:endParaRPr lang="en-US" dirty="0"/>
-          </a:p>
-          <a:p>
-            <a:endParaRPr lang="en-US" dirty="0"/>
-          </a:p>
-          <a:p>
-            <a:endParaRPr lang="en-US" dirty="0"/>
-          </a:p>
-          <a:p>
-            <a:r>
-              <a:rPr lang="en-US" dirty="0"/>
-              <a:t>4. How do we check if x is not equal to y?</a:t>
-            </a:r>
-          </a:p>
-          <a:p>
-            <a:r>
-              <a:rPr lang="en-US" dirty="0"/>
-              <a:t>5. How do we check if at least one of these statements is correct?</a:t>
-            </a:r>
-          </a:p>
-          <a:p>
-            <a:endParaRPr lang="en-US" dirty="0"/>
-          </a:p>
-        </p:txBody>
-      </p:sp>
-      <p:pic>
-        <p:nvPicPr>
-          <p:cNvPr id="4" name="Picture 3">
-            <a:extLst>
-              <a:ext uri="{FF2B5EF4-FFF2-40B4-BE49-F238E27FC236}">
-                <a16:creationId xmlns:a16="http://schemas.microsoft.com/office/drawing/2014/main" id="{E010AC9A-3218-E842-B91C-F6DE9FBA1C52}"/>
-              </a:ext>
-            </a:extLst>
-          </p:cNvPr>
-          <p:cNvPicPr>
-            <a:picLocks noChangeAspect="1"/>
-          </p:cNvPicPr>
-          <p:nvPr/>
-        </p:nvPicPr>
-        <p:blipFill>
-          <a:blip r:embed="rId2"/>
-          <a:stretch>
-            <a:fillRect/>
-          </a:stretch>
-        </p:blipFill>
-        <p:spPr>
-          <a:xfrm>
-            <a:off x="1782648" y="3502958"/>
-            <a:ext cx="4686300" cy="1295400"/>
-          </a:xfrm>
-          <a:prstGeom prst="rect">
-            <a:avLst/>
-          </a:prstGeom>
-        </p:spPr>
-      </p:pic>
-      <p:pic>
-        <p:nvPicPr>
-          <p:cNvPr id="5" name="Picture 4">
-            <a:extLst>
-              <a:ext uri="{FF2B5EF4-FFF2-40B4-BE49-F238E27FC236}">
-                <a16:creationId xmlns:a16="http://schemas.microsoft.com/office/drawing/2014/main" id="{DF26F359-8298-344A-BD7C-182A6A68FC44}"/>
-              </a:ext>
-            </a:extLst>
-          </p:cNvPr>
-          <p:cNvPicPr>
-            <a:picLocks noChangeAspect="1"/>
-          </p:cNvPicPr>
-          <p:nvPr/>
-        </p:nvPicPr>
-        <p:blipFill>
-          <a:blip r:embed="rId3"/>
-          <a:stretch>
-            <a:fillRect/>
-          </a:stretch>
-        </p:blipFill>
-        <p:spPr>
-          <a:xfrm>
-            <a:off x="2017337" y="6019968"/>
-            <a:ext cx="6176192" cy="770628"/>
-          </a:xfrm>
-          <a:prstGeom prst="rect">
-            <a:avLst/>
-          </a:prstGeom>
-        </p:spPr>
-      </p:pic>
+          <a:bodyPr>
+            <a:normAutofit lnSpcReduction="10000"/>
+          </a:bodyPr>
+          <a:lstStyle/>
+          <a:p>
+            <a:r>
+              <a:rPr lang="en-US" dirty="0"/>
+              <a:t>Very simple operators but as we have seen, these concepts build to bigger and better things</a:t>
+            </a:r>
+          </a:p>
+          <a:p>
+            <a:r>
+              <a:rPr lang="en-US" dirty="0"/>
+              <a:t>Is, for example x is y</a:t>
+            </a:r>
+          </a:p>
+          <a:p>
+            <a:pPr lvl="1"/>
+            <a:r>
+              <a:rPr lang="en-US" dirty="0"/>
+              <a:t>Returns True if x and y are the same object</a:t>
+            </a:r>
+          </a:p>
+          <a:p>
+            <a:r>
+              <a:rPr lang="en-US" dirty="0"/>
+              <a:t>Is not, for example x is not y</a:t>
+            </a:r>
+          </a:p>
+          <a:p>
+            <a:pPr lvl="1"/>
+            <a:r>
+              <a:rPr lang="en-US" dirty="0"/>
+              <a:t>Returns True if x and y are not the same object</a:t>
+            </a:r>
+          </a:p>
+          <a:p>
+            <a:pPr lvl="1"/>
+            <a:endParaRPr lang="en-US" dirty="0"/>
+          </a:p>
+          <a:p>
+            <a:r>
+              <a:rPr lang="en-US" dirty="0"/>
+              <a:t>In, for example x in y</a:t>
+            </a:r>
+          </a:p>
+          <a:p>
+            <a:pPr lvl="1"/>
+            <a:r>
+              <a:rPr lang="en-US" dirty="0"/>
+              <a:t>Returns True if x can be found in y</a:t>
+            </a:r>
+          </a:p>
+          <a:p>
+            <a:r>
+              <a:rPr lang="en-US" dirty="0"/>
+              <a:t>Not In, for example x not in y</a:t>
+            </a:r>
+          </a:p>
+          <a:p>
+            <a:pPr lvl="1"/>
+            <a:r>
+              <a:rPr lang="en-US" dirty="0"/>
+              <a:t>Returns True is x cannot be found in y</a:t>
+            </a:r>
+          </a:p>
+        </p:txBody>
+      </p:sp>
     </p:spTree>
     <p:extLst>
       <p:ext uri="{BB962C8B-B14F-4D97-AF65-F5344CB8AC3E}">
-        <p14:creationId xmlns:p14="http://schemas.microsoft.com/office/powerpoint/2010/main" val="1466148223"/>
+        <p14:creationId xmlns:p14="http://schemas.microsoft.com/office/powerpoint/2010/main" val="2379060979"/>
       </p:ext>
     </p:extLst>
   </p:cSld>
@@ -9423,7 +9370,7 @@
           <p:cNvPr id="2" name="Title 1">
             <a:extLst>
               <a:ext uri="{FF2B5EF4-FFF2-40B4-BE49-F238E27FC236}">
-                <a16:creationId xmlns:a16="http://schemas.microsoft.com/office/drawing/2014/main" id="{4F7909D0-7653-294B-A63C-C48D5CB68E17}"/>
+                <a16:creationId xmlns:a16="http://schemas.microsoft.com/office/drawing/2014/main" id="{1EE0CC6D-32EC-1C47-AFA7-24A144689D59}"/>
               </a:ext>
             </a:extLst>
           </p:cNvPr>
@@ -9441,7 +9388,7 @@
           <a:p>
             <a:r>
               <a:rPr lang="en-US" dirty="0"/>
-              <a:t>Numbers and Numerical Types</a:t>
+              <a:t>Operators Quiz</a:t>
             </a:r>
           </a:p>
         </p:txBody>
@@ -9451,7 +9398,7 @@
           <p:cNvPr id="3" name="Content Placeholder 2">
             <a:extLst>
               <a:ext uri="{FF2B5EF4-FFF2-40B4-BE49-F238E27FC236}">
-                <a16:creationId xmlns:a16="http://schemas.microsoft.com/office/drawing/2014/main" id="{ABFDC6AD-C69C-7A44-A8E2-42FC0A2F4D95}"/>
+                <a16:creationId xmlns:a16="http://schemas.microsoft.com/office/drawing/2014/main" id="{B4F4394B-4E61-6449-AB9D-8FEE37AB1592}"/>
               </a:ext>
             </a:extLst>
           </p:cNvPr>
@@ -9469,46 +9416,114 @@
           <a:p>
             <a:r>
               <a:rPr lang="en-US" dirty="0"/>
-              <a:t>There are three main numerical types, two are used most often</a:t>
-            </a:r>
-          </a:p>
-          <a:p>
-            <a:r>
-              <a:rPr lang="en-US" dirty="0"/>
-              <a:t>Integer (int) - 5</a:t>
-            </a:r>
-          </a:p>
-          <a:p>
-            <a:r>
-              <a:rPr lang="en-US" dirty="0"/>
-              <a:t>Float (float) - 5.0</a:t>
-            </a:r>
-          </a:p>
-          <a:p>
-            <a:r>
-              <a:rPr lang="en-US" dirty="0"/>
-              <a:t>Imaginary (complex) - 1-5i</a:t>
-            </a:r>
-          </a:p>
-          <a:p>
-            <a:endParaRPr lang="en-US" dirty="0"/>
-          </a:p>
-          <a:p>
-            <a:r>
-              <a:rPr lang="en-US" dirty="0" err="1"/>
-              <a:t>Ints</a:t>
-            </a:r>
-            <a:r>
-              <a:rPr lang="en-US" dirty="0"/>
-              <a:t> and floats can be converted to any of these 3 types, but complex values cannot be cast</a:t>
-            </a:r>
-          </a:p>
-        </p:txBody>
-      </p:sp>
+              <a:t>1. Print the result of 10 times 5</a:t>
+            </a:r>
+          </a:p>
+          <a:p>
+            <a:r>
+              <a:rPr lang="en-US" dirty="0"/>
+              <a:t>2. Print the result of 10 divided by 2</a:t>
+            </a:r>
+          </a:p>
+          <a:p>
+            <a:r>
+              <a:rPr lang="en-US" dirty="0"/>
+              <a:t>3. Enter the correct operator to check if ”apple” is in the fruits list</a:t>
+            </a:r>
+          </a:p>
+          <a:p>
+            <a:endParaRPr lang="en-US" dirty="0"/>
+          </a:p>
+          <a:p>
+            <a:endParaRPr lang="en-US" dirty="0"/>
+          </a:p>
+          <a:p>
+            <a:endParaRPr lang="en-US" dirty="0"/>
+          </a:p>
+          <a:p>
+            <a:endParaRPr lang="en-US" dirty="0"/>
+          </a:p>
+          <a:p>
+            <a:r>
+              <a:rPr lang="en-US" dirty="0"/>
+              <a:t>4. How do we check if x is not equal to y?</a:t>
+            </a:r>
+          </a:p>
+          <a:p>
+            <a:r>
+              <a:rPr lang="en-US" dirty="0"/>
+              <a:t>5. How do we check if at least one of these statements is correct?</a:t>
+            </a:r>
+          </a:p>
+          <a:p>
+            <a:endParaRPr lang="en-US" dirty="0"/>
+          </a:p>
+        </p:txBody>
+      </p:sp>
+      <p:pic>
+        <p:nvPicPr>
+          <p:cNvPr id="4" name="Picture 3">
+            <a:extLst>
+              <a:ext uri="{FF2B5EF4-FFF2-40B4-BE49-F238E27FC236}">
+                <a16:creationId xmlns:a16="http://schemas.microsoft.com/office/drawing/2014/main" id="{E010AC9A-3218-E842-B91C-F6DE9FBA1C52}"/>
+              </a:ext>
+            </a:extLst>
+          </p:cNvPr>
+          <p:cNvPicPr>
+            <a:picLocks noChangeAspect="1"/>
+          </p:cNvPicPr>
+          <p:nvPr/>
+        </p:nvPicPr>
+        <p:blipFill>
+          <a:blip r:embed="rId2"/>
+          <a:stretch>
+            <a:fillRect/>
+          </a:stretch>
+        </p:blipFill>
+        <p:spPr>
+          <a:xfrm>
+            <a:off x="1782648" y="3502958"/>
+            <a:ext cx="4686300" cy="1295400"/>
+          </a:xfrm>
+          <a:prstGeom prst="rect">
+            <a:avLst/>
+          </a:prstGeom>
+        </p:spPr>
+      </p:pic>
+      <p:pic>
+        <p:nvPicPr>
+          <p:cNvPr id="5" name="Picture 4">
+            <a:extLst>
+              <a:ext uri="{FF2B5EF4-FFF2-40B4-BE49-F238E27FC236}">
+                <a16:creationId xmlns:a16="http://schemas.microsoft.com/office/drawing/2014/main" id="{DF26F359-8298-344A-BD7C-182A6A68FC44}"/>
+              </a:ext>
+            </a:extLst>
+          </p:cNvPr>
+          <p:cNvPicPr>
+            <a:picLocks noChangeAspect="1"/>
+          </p:cNvPicPr>
+          <p:nvPr/>
+        </p:nvPicPr>
+        <p:blipFill>
+          <a:blip r:embed="rId3"/>
+          <a:stretch>
+            <a:fillRect/>
+          </a:stretch>
+        </p:blipFill>
+        <p:spPr>
+          <a:xfrm>
+            <a:off x="2017337" y="6019968"/>
+            <a:ext cx="6176192" cy="770628"/>
+          </a:xfrm>
+          <a:prstGeom prst="rect">
+            <a:avLst/>
+          </a:prstGeom>
+        </p:spPr>
+      </p:pic>
     </p:spTree>
     <p:extLst>
       <p:ext uri="{BB962C8B-B14F-4D97-AF65-F5344CB8AC3E}">
-        <p14:creationId xmlns:p14="http://schemas.microsoft.com/office/powerpoint/2010/main" val="1210660483"/>
+        <p14:creationId xmlns:p14="http://schemas.microsoft.com/office/powerpoint/2010/main" val="1466148223"/>
       </p:ext>
     </p:extLst>
   </p:cSld>
@@ -9540,6 +9555,123 @@
           <p:cNvPr id="2" name="Title 1">
             <a:extLst>
               <a:ext uri="{FF2B5EF4-FFF2-40B4-BE49-F238E27FC236}">
+                <a16:creationId xmlns:a16="http://schemas.microsoft.com/office/drawing/2014/main" id="{4F7909D0-7653-294B-A63C-C48D5CB68E17}"/>
+              </a:ext>
+            </a:extLst>
+          </p:cNvPr>
+          <p:cNvSpPr>
+            <a:spLocks noGrp="1"/>
+          </p:cNvSpPr>
+          <p:nvPr>
+            <p:ph type="title"/>
+          </p:nvPr>
+        </p:nvSpPr>
+        <p:spPr/>
+        <p:txBody>
+          <a:bodyPr/>
+          <a:lstStyle/>
+          <a:p>
+            <a:r>
+              <a:rPr lang="en-US" dirty="0"/>
+              <a:t>Numbers and Numerical Types</a:t>
+            </a:r>
+          </a:p>
+        </p:txBody>
+      </p:sp>
+      <p:sp>
+        <p:nvSpPr>
+          <p:cNvPr id="3" name="Content Placeholder 2">
+            <a:extLst>
+              <a:ext uri="{FF2B5EF4-FFF2-40B4-BE49-F238E27FC236}">
+                <a16:creationId xmlns:a16="http://schemas.microsoft.com/office/drawing/2014/main" id="{ABFDC6AD-C69C-7A44-A8E2-42FC0A2F4D95}"/>
+              </a:ext>
+            </a:extLst>
+          </p:cNvPr>
+          <p:cNvSpPr>
+            <a:spLocks noGrp="1"/>
+          </p:cNvSpPr>
+          <p:nvPr>
+            <p:ph idx="1"/>
+          </p:nvPr>
+        </p:nvSpPr>
+        <p:spPr/>
+        <p:txBody>
+          <a:bodyPr/>
+          <a:lstStyle/>
+          <a:p>
+            <a:r>
+              <a:rPr lang="en-US" dirty="0"/>
+              <a:t>There are three main numerical types, two are used most often</a:t>
+            </a:r>
+          </a:p>
+          <a:p>
+            <a:r>
+              <a:rPr lang="en-US" dirty="0"/>
+              <a:t>Integer (int) - 5</a:t>
+            </a:r>
+          </a:p>
+          <a:p>
+            <a:r>
+              <a:rPr lang="en-US" dirty="0"/>
+              <a:t>Float (float) - 5.0</a:t>
+            </a:r>
+          </a:p>
+          <a:p>
+            <a:r>
+              <a:rPr lang="en-US" dirty="0"/>
+              <a:t>Imaginary (complex) - 1-5i</a:t>
+            </a:r>
+          </a:p>
+          <a:p>
+            <a:endParaRPr lang="en-US" dirty="0"/>
+          </a:p>
+          <a:p>
+            <a:r>
+              <a:rPr lang="en-US" dirty="0" err="1"/>
+              <a:t>Ints</a:t>
+            </a:r>
+            <a:r>
+              <a:rPr lang="en-US" dirty="0"/>
+              <a:t> and floats can be converted to any of these 3 types, but complex values cannot be cast</a:t>
+            </a:r>
+          </a:p>
+        </p:txBody>
+      </p:sp>
+    </p:spTree>
+    <p:extLst>
+      <p:ext uri="{BB962C8B-B14F-4D97-AF65-F5344CB8AC3E}">
+        <p14:creationId xmlns:p14="http://schemas.microsoft.com/office/powerpoint/2010/main" val="1210660483"/>
+      </p:ext>
+    </p:extLst>
+  </p:cSld>
+  <p:clrMapOvr>
+    <a:masterClrMapping/>
+  </p:clrMapOvr>
+</p:sld>
+</file>
+
+<file path=ppt/slides/slide32.xml><?xml version="1.0" encoding="utf-8"?>
+<p:sld xmlns:a="http://schemas.openxmlformats.org/drawingml/2006/main" xmlns:r="http://schemas.openxmlformats.org/officeDocument/2006/relationships" xmlns:p="http://schemas.openxmlformats.org/presentationml/2006/main">
+  <p:cSld>
+    <p:spTree>
+      <p:nvGrpSpPr>
+        <p:cNvPr id="1" name=""/>
+        <p:cNvGrpSpPr/>
+        <p:nvPr/>
+      </p:nvGrpSpPr>
+      <p:grpSpPr>
+        <a:xfrm>
+          <a:off x="0" y="0"/>
+          <a:ext cx="0" cy="0"/>
+          <a:chOff x="0" y="0"/>
+          <a:chExt cx="0" cy="0"/>
+        </a:xfrm>
+      </p:grpSpPr>
+      <p:sp>
+        <p:nvSpPr>
+          <p:cNvPr id="2" name="Title 1">
+            <a:extLst>
+              <a:ext uri="{FF2B5EF4-FFF2-40B4-BE49-F238E27FC236}">
                 <a16:creationId xmlns:a16="http://schemas.microsoft.com/office/drawing/2014/main" id="{874CFC08-190F-1A4B-98C6-D7AED04B126A}"/>
               </a:ext>
             </a:extLst>
@@ -9616,7 +9748,7 @@
 </p:sld>
 </file>
 
-<file path=ppt/slides/slide32.xml><?xml version="1.0" encoding="utf-8"?>
+<file path=ppt/slides/slide33.xml><?xml version="1.0" encoding="utf-8"?>
 <p:sld xmlns:a="http://schemas.openxmlformats.org/drawingml/2006/main" xmlns:r="http://schemas.openxmlformats.org/officeDocument/2006/relationships" xmlns:p="http://schemas.openxmlformats.org/presentationml/2006/main">
   <p:cSld>
     <p:spTree>
@@ -9789,7 +9921,7 @@
 </p:sld>
 </file>
 
-<file path=ppt/slides/slide33.xml><?xml version="1.0" encoding="utf-8"?>
+<file path=ppt/slides/slide34.xml><?xml version="1.0" encoding="utf-8"?>
 <p:sld xmlns:a="http://schemas.openxmlformats.org/drawingml/2006/main" xmlns:r="http://schemas.openxmlformats.org/officeDocument/2006/relationships" xmlns:p="http://schemas.openxmlformats.org/presentationml/2006/main">
   <p:cSld>
     <p:spTree>
@@ -9904,7 +10036,7 @@
 </p:sld>
 </file>
 
-<file path=ppt/slides/slide34.xml><?xml version="1.0" encoding="utf-8"?>
+<file path=ppt/slides/slide35.xml><?xml version="1.0" encoding="utf-8"?>
 <p:sld xmlns:a="http://schemas.openxmlformats.org/drawingml/2006/main" xmlns:r="http://schemas.openxmlformats.org/officeDocument/2006/relationships" xmlns:p="http://schemas.openxmlformats.org/presentationml/2006/main">
   <p:cSld>
     <p:spTree>
@@ -10137,7 +10269,7 @@
 </p:sld>
 </file>
 
-<file path=ppt/slides/slide35.xml><?xml version="1.0" encoding="utf-8"?>
+<file path=ppt/slides/slide36.xml><?xml version="1.0" encoding="utf-8"?>
 <p:sld xmlns:a="http://schemas.openxmlformats.org/drawingml/2006/main" xmlns:r="http://schemas.openxmlformats.org/officeDocument/2006/relationships" xmlns:p="http://schemas.openxmlformats.org/presentationml/2006/main">
   <p:cSld>
     <p:spTree>
@@ -10251,7 +10383,7 @@
 </p:sld>
 </file>
 
-<file path=ppt/slides/slide36.xml><?xml version="1.0" encoding="utf-8"?>
+<file path=ppt/slides/slide37.xml><?xml version="1.0" encoding="utf-8"?>
 <p:sld xmlns:a="http://schemas.openxmlformats.org/drawingml/2006/main" xmlns:r="http://schemas.openxmlformats.org/officeDocument/2006/relationships" xmlns:p="http://schemas.openxmlformats.org/presentationml/2006/main">
   <p:cSld>
     <p:spTree>
@@ -10427,7 +10559,7 @@
 </p:sld>
 </file>
 
-<file path=ppt/slides/slide37.xml><?xml version="1.0" encoding="utf-8"?>
+<file path=ppt/slides/slide38.xml><?xml version="1.0" encoding="utf-8"?>
 <p:sld xmlns:a="http://schemas.openxmlformats.org/drawingml/2006/main" xmlns:r="http://schemas.openxmlformats.org/officeDocument/2006/relationships" xmlns:p="http://schemas.openxmlformats.org/presentationml/2006/main">
   <p:cSld>
     <p:spTree>
@@ -10552,142 +10684,6 @@
 </p:sld>
 </file>
 
-<file path=ppt/slides/slide38.xml><?xml version="1.0" encoding="utf-8"?>
-<p:sld xmlns:a="http://schemas.openxmlformats.org/drawingml/2006/main" xmlns:r="http://schemas.openxmlformats.org/officeDocument/2006/relationships" xmlns:p="http://schemas.openxmlformats.org/presentationml/2006/main">
-  <p:cSld>
-    <p:spTree>
-      <p:nvGrpSpPr>
-        <p:cNvPr id="1" name=""/>
-        <p:cNvGrpSpPr/>
-        <p:nvPr/>
-      </p:nvGrpSpPr>
-      <p:grpSpPr>
-        <a:xfrm>
-          <a:off x="0" y="0"/>
-          <a:ext cx="0" cy="0"/>
-          <a:chOff x="0" y="0"/>
-          <a:chExt cx="0" cy="0"/>
-        </a:xfrm>
-      </p:grpSpPr>
-      <p:sp>
-        <p:nvSpPr>
-          <p:cNvPr id="2" name="Title 1">
-            <a:extLst>
-              <a:ext uri="{FF2B5EF4-FFF2-40B4-BE49-F238E27FC236}">
-                <a16:creationId xmlns:a16="http://schemas.microsoft.com/office/drawing/2014/main" id="{D803F801-83E0-8E44-A73E-032C4A2A8CAC}"/>
-              </a:ext>
-            </a:extLst>
-          </p:cNvPr>
-          <p:cNvSpPr>
-            <a:spLocks noGrp="1"/>
-          </p:cNvSpPr>
-          <p:nvPr>
-            <p:ph type="title"/>
-          </p:nvPr>
-        </p:nvSpPr>
-        <p:spPr/>
-        <p:txBody>
-          <a:bodyPr/>
-          <a:lstStyle/>
-          <a:p>
-            <a:r>
-              <a:rPr lang="en-US" dirty="0"/>
-              <a:t>More String Methods</a:t>
-            </a:r>
-          </a:p>
-        </p:txBody>
-      </p:sp>
-      <p:sp>
-        <p:nvSpPr>
-          <p:cNvPr id="3" name="Content Placeholder 2">
-            <a:extLst>
-              <a:ext uri="{FF2B5EF4-FFF2-40B4-BE49-F238E27FC236}">
-                <a16:creationId xmlns:a16="http://schemas.microsoft.com/office/drawing/2014/main" id="{279C17A9-B25F-DE40-8A56-EA3251267AE6}"/>
-              </a:ext>
-            </a:extLst>
-          </p:cNvPr>
-          <p:cNvSpPr>
-            <a:spLocks noGrp="1"/>
-          </p:cNvSpPr>
-          <p:nvPr>
-            <p:ph idx="1"/>
-          </p:nvPr>
-        </p:nvSpPr>
-        <p:spPr/>
-        <p:txBody>
-          <a:bodyPr/>
-          <a:lstStyle/>
-          <a:p>
-            <a:r>
-              <a:rPr lang="en-US" dirty="0"/>
-              <a:t>Capitalize() – converts first character to capital</a:t>
-            </a:r>
-          </a:p>
-          <a:p>
-            <a:r>
-              <a:rPr lang="en-US" dirty="0" err="1"/>
-              <a:t>Isupper</a:t>
-            </a:r>
-            <a:r>
-              <a:rPr lang="en-US" dirty="0"/>
-              <a:t>() – returns true if all characters are upper case</a:t>
-            </a:r>
-          </a:p>
-          <a:p>
-            <a:r>
-              <a:rPr lang="en-US" dirty="0" err="1"/>
-              <a:t>Islower</a:t>
-            </a:r>
-            <a:r>
-              <a:rPr lang="en-US" dirty="0"/>
-              <a:t>() – returns true is all characters are lower case</a:t>
-            </a:r>
-          </a:p>
-          <a:p>
-            <a:endParaRPr lang="en-US" dirty="0"/>
-          </a:p>
-          <a:p>
-            <a:r>
-              <a:rPr lang="en-US" dirty="0"/>
-              <a:t>Realize that any string method will return a new string not modifying the current one</a:t>
-            </a:r>
-          </a:p>
-          <a:p>
-            <a:endParaRPr lang="en-US" dirty="0"/>
-          </a:p>
-          <a:p>
-            <a:r>
-              <a:rPr lang="en-US" dirty="0"/>
-              <a:t>More methods:</a:t>
-            </a:r>
-          </a:p>
-          <a:p>
-            <a:pPr lvl="1"/>
-            <a:r>
-              <a:rPr lang="en-US" dirty="0"/>
-              <a:t>https://www.w3schools.com/python/</a:t>
-            </a:r>
-            <a:r>
-              <a:rPr lang="en-US" dirty="0" err="1"/>
-              <a:t>python_strings_methods.asp</a:t>
-            </a:r>
-            <a:endParaRPr lang="en-US" dirty="0"/>
-          </a:p>
-        </p:txBody>
-      </p:sp>
-    </p:spTree>
-    <p:extLst>
-      <p:ext uri="{BB962C8B-B14F-4D97-AF65-F5344CB8AC3E}">
-        <p14:creationId xmlns:p14="http://schemas.microsoft.com/office/powerpoint/2010/main" val="3255764736"/>
-      </p:ext>
-    </p:extLst>
-  </p:cSld>
-  <p:clrMapOvr>
-    <a:masterClrMapping/>
-  </p:clrMapOvr>
-</p:sld>
-</file>
-
 <file path=ppt/slides/slide39.xml><?xml version="1.0" encoding="utf-8"?>
 <p:sld xmlns:a="http://schemas.openxmlformats.org/drawingml/2006/main" xmlns:r="http://schemas.openxmlformats.org/officeDocument/2006/relationships" xmlns:p="http://schemas.openxmlformats.org/presentationml/2006/main">
   <p:cSld>
@@ -10710,7 +10706,7 @@
           <p:cNvPr id="2" name="Title 1">
             <a:extLst>
               <a:ext uri="{FF2B5EF4-FFF2-40B4-BE49-F238E27FC236}">
-                <a16:creationId xmlns:a16="http://schemas.microsoft.com/office/drawing/2014/main" id="{E8886128-82B3-FF4E-81BC-2F65F2C245E8}"/>
+                <a16:creationId xmlns:a16="http://schemas.microsoft.com/office/drawing/2014/main" id="{D803F801-83E0-8E44-A73E-032C4A2A8CAC}"/>
               </a:ext>
             </a:extLst>
           </p:cNvPr>
@@ -10728,7 +10724,7 @@
           <a:p>
             <a:r>
               <a:rPr lang="en-US" dirty="0"/>
-              <a:t>Second Mini Project: Bio Document</a:t>
+              <a:t>More String Methods</a:t>
             </a:r>
           </a:p>
         </p:txBody>
@@ -10738,7 +10734,7 @@
           <p:cNvPr id="3" name="Content Placeholder 2">
             <a:extLst>
               <a:ext uri="{FF2B5EF4-FFF2-40B4-BE49-F238E27FC236}">
-                <a16:creationId xmlns:a16="http://schemas.microsoft.com/office/drawing/2014/main" id="{B712D8E8-77B2-D040-9B76-CCB444736E65}"/>
+                <a16:creationId xmlns:a16="http://schemas.microsoft.com/office/drawing/2014/main" id="{279C17A9-B25F-DE40-8A56-EA3251267AE6}"/>
               </a:ext>
             </a:extLst>
           </p:cNvPr>
@@ -10749,67 +10745,64 @@
             <p:ph idx="1"/>
           </p:nvPr>
         </p:nvSpPr>
-        <p:spPr>
-          <a:xfrm>
-            <a:off x="1103312" y="2052918"/>
-            <a:ext cx="8946541" cy="4532817"/>
-          </a:xfrm>
-        </p:spPr>
-        <p:txBody>
-          <a:bodyPr/>
-          <a:lstStyle/>
-          <a:p>
-            <a:r>
-              <a:rPr lang="en-US" dirty="0"/>
-              <a:t>Although not as fun, this project will allow us to showcase a lot of what we have learned thus far</a:t>
-            </a:r>
-          </a:p>
-          <a:p>
-            <a:endParaRPr lang="en-US" dirty="0"/>
-          </a:p>
-          <a:p>
-            <a:r>
-              <a:rPr lang="en-US" dirty="0"/>
-              <a:t>Project Requirements:</a:t>
+        <p:spPr/>
+        <p:txBody>
+          <a:bodyPr/>
+          <a:lstStyle/>
+          <a:p>
+            <a:r>
+              <a:rPr lang="en-US" dirty="0"/>
+              <a:t>Capitalize() – converts first character to capital</a:t>
+            </a:r>
+          </a:p>
+          <a:p>
+            <a:r>
+              <a:rPr lang="en-US" dirty="0" err="1"/>
+              <a:t>Isupper</a:t>
+            </a:r>
+            <a:r>
+              <a:rPr lang="en-US" dirty="0"/>
+              <a:t>() – returns true if all characters are upper case</a:t>
+            </a:r>
+          </a:p>
+          <a:p>
+            <a:r>
+              <a:rPr lang="en-US" dirty="0" err="1"/>
+              <a:t>Islower</a:t>
+            </a:r>
+            <a:r>
+              <a:rPr lang="en-US" dirty="0"/>
+              <a:t>() – returns true is all characters are lower case</a:t>
+            </a:r>
+          </a:p>
+          <a:p>
+            <a:endParaRPr lang="en-US" dirty="0"/>
+          </a:p>
+          <a:p>
+            <a:r>
+              <a:rPr lang="en-US" dirty="0"/>
+              <a:t>Realize that any string method will return a new string not modifying the current one</a:t>
+            </a:r>
+          </a:p>
+          <a:p>
+            <a:endParaRPr lang="en-US" dirty="0"/>
+          </a:p>
+          <a:p>
+            <a:r>
+              <a:rPr lang="en-US" dirty="0"/>
+              <a:t>More methods:</a:t>
             </a:r>
           </a:p>
           <a:p>
             <a:pPr lvl="1"/>
             <a:r>
               <a:rPr lang="en-US" dirty="0"/>
-              <a:t>1. Must have 1 variable for first name and 1 for last name</a:t>
-            </a:r>
-          </a:p>
-          <a:p>
-            <a:pPr lvl="2"/>
-            <a:r>
-              <a:rPr lang="en-US" dirty="0"/>
-              <a:t>1a. Must print first and last name in same line</a:t>
-            </a:r>
-          </a:p>
-          <a:p>
-            <a:pPr lvl="2"/>
-            <a:r>
-              <a:rPr lang="en-US" dirty="0"/>
-              <a:t>1b. Must print initials without using extra variables</a:t>
-            </a:r>
-          </a:p>
-          <a:p>
-            <a:pPr lvl="1"/>
-            <a:r>
-              <a:rPr lang="en-US" dirty="0"/>
-              <a:t>2. Must have age variable as a decimal and then print as an integer</a:t>
-            </a:r>
-          </a:p>
-          <a:p>
-            <a:pPr lvl="1"/>
-            <a:r>
-              <a:rPr lang="en-US" dirty="0"/>
-              <a:t>3. Must have country of birth variable and then print in all capitals</a:t>
-            </a:r>
-          </a:p>
-          <a:p>
-            <a:pPr lvl="1"/>
+              <a:t>https://www.w3schools.com/python/</a:t>
+            </a:r>
+            <a:r>
+              <a:rPr lang="en-US" dirty="0" err="1"/>
+              <a:t>python_strings_methods.asp</a:t>
+            </a:r>
             <a:endParaRPr lang="en-US" dirty="0"/>
           </a:p>
         </p:txBody>
@@ -10817,7 +10810,7 @@
     </p:spTree>
     <p:extLst>
       <p:ext uri="{BB962C8B-B14F-4D97-AF65-F5344CB8AC3E}">
-        <p14:creationId xmlns:p14="http://schemas.microsoft.com/office/powerpoint/2010/main" val="3638107109"/>
+        <p14:creationId xmlns:p14="http://schemas.microsoft.com/office/powerpoint/2010/main" val="3255764736"/>
       </p:ext>
     </p:extLst>
   </p:cSld>
@@ -10953,6 +10946,145 @@
           <p:cNvPr id="2" name="Title 1">
             <a:extLst>
               <a:ext uri="{FF2B5EF4-FFF2-40B4-BE49-F238E27FC236}">
+                <a16:creationId xmlns:a16="http://schemas.microsoft.com/office/drawing/2014/main" id="{E8886128-82B3-FF4E-81BC-2F65F2C245E8}"/>
+              </a:ext>
+            </a:extLst>
+          </p:cNvPr>
+          <p:cNvSpPr>
+            <a:spLocks noGrp="1"/>
+          </p:cNvSpPr>
+          <p:nvPr>
+            <p:ph type="title"/>
+          </p:nvPr>
+        </p:nvSpPr>
+        <p:spPr/>
+        <p:txBody>
+          <a:bodyPr/>
+          <a:lstStyle/>
+          <a:p>
+            <a:r>
+              <a:rPr lang="en-US" dirty="0"/>
+              <a:t>Second Mini Project: Bio Document</a:t>
+            </a:r>
+          </a:p>
+        </p:txBody>
+      </p:sp>
+      <p:sp>
+        <p:nvSpPr>
+          <p:cNvPr id="3" name="Content Placeholder 2">
+            <a:extLst>
+              <a:ext uri="{FF2B5EF4-FFF2-40B4-BE49-F238E27FC236}">
+                <a16:creationId xmlns:a16="http://schemas.microsoft.com/office/drawing/2014/main" id="{B712D8E8-77B2-D040-9B76-CCB444736E65}"/>
+              </a:ext>
+            </a:extLst>
+          </p:cNvPr>
+          <p:cNvSpPr>
+            <a:spLocks noGrp="1"/>
+          </p:cNvSpPr>
+          <p:nvPr>
+            <p:ph idx="1"/>
+          </p:nvPr>
+        </p:nvSpPr>
+        <p:spPr>
+          <a:xfrm>
+            <a:off x="1103312" y="2052918"/>
+            <a:ext cx="8946541" cy="4532817"/>
+          </a:xfrm>
+        </p:spPr>
+        <p:txBody>
+          <a:bodyPr/>
+          <a:lstStyle/>
+          <a:p>
+            <a:r>
+              <a:rPr lang="en-US" dirty="0"/>
+              <a:t>Although not as fun, this project will allow us to showcase a lot of what we have learned thus far</a:t>
+            </a:r>
+          </a:p>
+          <a:p>
+            <a:endParaRPr lang="en-US" dirty="0"/>
+          </a:p>
+          <a:p>
+            <a:r>
+              <a:rPr lang="en-US" dirty="0"/>
+              <a:t>Project Requirements:</a:t>
+            </a:r>
+          </a:p>
+          <a:p>
+            <a:pPr lvl="1"/>
+            <a:r>
+              <a:rPr lang="en-US" dirty="0"/>
+              <a:t>1. Must have 1 variable for first name and 1 for last name</a:t>
+            </a:r>
+          </a:p>
+          <a:p>
+            <a:pPr lvl="2"/>
+            <a:r>
+              <a:rPr lang="en-US" dirty="0"/>
+              <a:t>1a. Must print first and last name in same line</a:t>
+            </a:r>
+          </a:p>
+          <a:p>
+            <a:pPr lvl="2"/>
+            <a:r>
+              <a:rPr lang="en-US" dirty="0"/>
+              <a:t>1b. Must print initials without using extra variables</a:t>
+            </a:r>
+          </a:p>
+          <a:p>
+            <a:pPr lvl="1"/>
+            <a:r>
+              <a:rPr lang="en-US" dirty="0"/>
+              <a:t>2. Must have age variable as a decimal and then print as an integer</a:t>
+            </a:r>
+          </a:p>
+          <a:p>
+            <a:pPr lvl="1"/>
+            <a:r>
+              <a:rPr lang="en-US" dirty="0"/>
+              <a:t>3. Must have country of birth variable and then print in all capitals</a:t>
+            </a:r>
+          </a:p>
+          <a:p>
+            <a:pPr lvl="1"/>
+            <a:endParaRPr lang="en-US" dirty="0"/>
+          </a:p>
+        </p:txBody>
+      </p:sp>
+    </p:spTree>
+    <p:extLst>
+      <p:ext uri="{BB962C8B-B14F-4D97-AF65-F5344CB8AC3E}">
+        <p14:creationId xmlns:p14="http://schemas.microsoft.com/office/powerpoint/2010/main" val="3638107109"/>
+      </p:ext>
+    </p:extLst>
+  </p:cSld>
+  <p:clrMapOvr>
+    <a:masterClrMapping/>
+  </p:clrMapOvr>
+</p:sld>
+</file>
+
+<file path=ppt/slides/slide41.xml><?xml version="1.0" encoding="utf-8"?>
+<p:sld xmlns:a="http://schemas.openxmlformats.org/drawingml/2006/main" xmlns:r="http://schemas.openxmlformats.org/officeDocument/2006/relationships" xmlns:p="http://schemas.openxmlformats.org/presentationml/2006/main">
+  <p:cSld>
+    <p:spTree>
+      <p:nvGrpSpPr>
+        <p:cNvPr id="1" name=""/>
+        <p:cNvGrpSpPr/>
+        <p:nvPr/>
+      </p:nvGrpSpPr>
+      <p:grpSpPr>
+        <a:xfrm>
+          <a:off x="0" y="0"/>
+          <a:ext cx="0" cy="0"/>
+          <a:chOff x="0" y="0"/>
+          <a:chExt cx="0" cy="0"/>
+        </a:xfrm>
+      </p:grpSpPr>
+      <p:sp>
+        <p:nvSpPr>
+          <p:cNvPr id="2" name="Title 1">
+            <a:extLst>
+              <a:ext uri="{FF2B5EF4-FFF2-40B4-BE49-F238E27FC236}">
                 <a16:creationId xmlns:a16="http://schemas.microsoft.com/office/drawing/2014/main" id="{73F8C34C-20D9-0449-AE8D-6CB523BF14DB}"/>
               </a:ext>
             </a:extLst>
@@ -11020,7 +11152,7 @@
 </p:sld>
 </file>
 
-<file path=ppt/slides/slide41.xml><?xml version="1.0" encoding="utf-8"?>
+<file path=ppt/slides/slide42.xml><?xml version="1.0" encoding="utf-8"?>
 <p:sld xmlns:a="http://schemas.openxmlformats.org/drawingml/2006/main" xmlns:r="http://schemas.openxmlformats.org/officeDocument/2006/relationships" xmlns:p="http://schemas.openxmlformats.org/presentationml/2006/main">
   <p:cSld>
     <p:spTree>
@@ -11138,7 +11270,7 @@
 </p:sld>
 </file>
 
-<file path=ppt/slides/slide42.xml><?xml version="1.0" encoding="utf-8"?>
+<file path=ppt/slides/slide43.xml><?xml version="1.0" encoding="utf-8"?>
 <p:sld xmlns:a="http://schemas.openxmlformats.org/drawingml/2006/main" xmlns:r="http://schemas.openxmlformats.org/officeDocument/2006/relationships" xmlns:p="http://schemas.openxmlformats.org/presentationml/2006/main">
   <p:cSld>
     <p:spTree>
@@ -11275,7 +11407,7 @@
 </p:sld>
 </file>
 
-<file path=ppt/slides/slide43.xml><?xml version="1.0" encoding="utf-8"?>
+<file path=ppt/slides/slide44.xml><?xml version="1.0" encoding="utf-8"?>
 <p:sld xmlns:a="http://schemas.openxmlformats.org/drawingml/2006/main" xmlns:r="http://schemas.openxmlformats.org/officeDocument/2006/relationships" xmlns:p="http://schemas.openxmlformats.org/presentationml/2006/main">
   <p:cSld>
     <p:spTree>
@@ -11423,7 +11555,7 @@
 </p:sld>
 </file>
 
-<file path=ppt/slides/slide44.xml><?xml version="1.0" encoding="utf-8"?>
+<file path=ppt/slides/slide45.xml><?xml version="1.0" encoding="utf-8"?>
 <p:sld xmlns:a="http://schemas.openxmlformats.org/drawingml/2006/main" xmlns:r="http://schemas.openxmlformats.org/officeDocument/2006/relationships" xmlns:p="http://schemas.openxmlformats.org/presentationml/2006/main">
   <p:cSld>
     <p:spTree>
@@ -11557,149 +11689,6 @@
 </p:sld>
 </file>
 
-<file path=ppt/slides/slide45.xml><?xml version="1.0" encoding="utf-8"?>
-<p:sld xmlns:a="http://schemas.openxmlformats.org/drawingml/2006/main" xmlns:r="http://schemas.openxmlformats.org/officeDocument/2006/relationships" xmlns:p="http://schemas.openxmlformats.org/presentationml/2006/main">
-  <p:cSld>
-    <p:spTree>
-      <p:nvGrpSpPr>
-        <p:cNvPr id="1" name=""/>
-        <p:cNvGrpSpPr/>
-        <p:nvPr/>
-      </p:nvGrpSpPr>
-      <p:grpSpPr>
-        <a:xfrm>
-          <a:off x="0" y="0"/>
-          <a:ext cx="0" cy="0"/>
-          <a:chOff x="0" y="0"/>
-          <a:chExt cx="0" cy="0"/>
-        </a:xfrm>
-      </p:grpSpPr>
-      <p:sp>
-        <p:nvSpPr>
-          <p:cNvPr id="2" name="Title 1">
-            <a:extLst>
-              <a:ext uri="{FF2B5EF4-FFF2-40B4-BE49-F238E27FC236}">
-                <a16:creationId xmlns:a16="http://schemas.microsoft.com/office/drawing/2014/main" id="{2B8EBAF1-4355-3649-A22F-B794352945FB}"/>
-              </a:ext>
-            </a:extLst>
-          </p:cNvPr>
-          <p:cNvSpPr>
-            <a:spLocks noGrp="1"/>
-          </p:cNvSpPr>
-          <p:nvPr>
-            <p:ph type="title"/>
-          </p:nvPr>
-        </p:nvSpPr>
-        <p:spPr/>
-        <p:txBody>
-          <a:bodyPr/>
-          <a:lstStyle/>
-          <a:p>
-            <a:r>
-              <a:rPr lang="en-US" dirty="0"/>
-              <a:t>List Data Types</a:t>
-            </a:r>
-          </a:p>
-        </p:txBody>
-      </p:sp>
-      <p:sp>
-        <p:nvSpPr>
-          <p:cNvPr id="3" name="Content Placeholder 2">
-            <a:extLst>
-              <a:ext uri="{FF2B5EF4-FFF2-40B4-BE49-F238E27FC236}">
-                <a16:creationId xmlns:a16="http://schemas.microsoft.com/office/drawing/2014/main" id="{A30D0833-C5CA-9C42-9912-C02BBCC8922A}"/>
-              </a:ext>
-            </a:extLst>
-          </p:cNvPr>
-          <p:cNvSpPr>
-            <a:spLocks noGrp="1"/>
-          </p:cNvSpPr>
-          <p:nvPr>
-            <p:ph idx="1"/>
-          </p:nvPr>
-        </p:nvSpPr>
-        <p:spPr/>
-        <p:txBody>
-          <a:bodyPr/>
-          <a:lstStyle/>
-          <a:p>
-            <a:r>
-              <a:rPr lang="en-US" dirty="0"/>
-              <a:t>Python has several data types which represent sets of data in one place</a:t>
-            </a:r>
-          </a:p>
-          <a:p>
-            <a:r>
-              <a:rPr lang="en-US" dirty="0"/>
-              <a:t>The data types are lists, sets, tuples and dictionaries</a:t>
-            </a:r>
-          </a:p>
-          <a:p>
-            <a:pPr marL="0" indent="0">
-              <a:buNone/>
-            </a:pPr>
-            <a:endParaRPr lang="en-US" dirty="0"/>
-          </a:p>
-          <a:p>
-            <a:r>
-              <a:rPr lang="en-US" dirty="0"/>
-              <a:t>Lists (list): x = [1, 2, 3]</a:t>
-            </a:r>
-          </a:p>
-          <a:p>
-            <a:pPr lvl="1"/>
-            <a:r>
-              <a:rPr lang="en-US" dirty="0"/>
-              <a:t>Each item in the list can be accessed using indexing and duplicates are allowed. </a:t>
-            </a:r>
-          </a:p>
-          <a:p>
-            <a:pPr lvl="1"/>
-            <a:r>
-              <a:rPr lang="en-US" dirty="0"/>
-              <a:t>Lists can have any combination of data types</a:t>
-            </a:r>
-          </a:p>
-          <a:p>
-            <a:pPr lvl="1"/>
-            <a:r>
-              <a:rPr lang="en-US" dirty="0"/>
-              <a:t>Using the </a:t>
-            </a:r>
-            <a:r>
-              <a:rPr lang="en-US" dirty="0" err="1"/>
-              <a:t>len</a:t>
-            </a:r>
-            <a:r>
-              <a:rPr lang="en-US" dirty="0"/>
-              <a:t>() function you can find out the length of a list</a:t>
-            </a:r>
-          </a:p>
-          <a:p>
-            <a:pPr lvl="1"/>
-            <a:r>
-              <a:rPr lang="en-US" dirty="0"/>
-              <a:t>.sort() will sort items alphanumerically ascending, and .sort(reverse=True) will sort items in descending alphanumeric order</a:t>
-            </a:r>
-          </a:p>
-          <a:p>
-            <a:endParaRPr lang="en-US" dirty="0"/>
-          </a:p>
-        </p:txBody>
-      </p:sp>
-    </p:spTree>
-    <p:extLst>
-      <p:ext uri="{BB962C8B-B14F-4D97-AF65-F5344CB8AC3E}">
-        <p14:creationId xmlns:p14="http://schemas.microsoft.com/office/powerpoint/2010/main" val="4056530187"/>
-      </p:ext>
-    </p:extLst>
-  </p:cSld>
-  <p:clrMapOvr>
-    <a:masterClrMapping/>
-  </p:clrMapOvr>
-</p:sld>
-</file>
-
 <file path=ppt/slides/slide46.xml><?xml version="1.0" encoding="utf-8"?>
 <p:sld xmlns:a="http://schemas.openxmlformats.org/drawingml/2006/main" xmlns:r="http://schemas.openxmlformats.org/officeDocument/2006/relationships" xmlns:p="http://schemas.openxmlformats.org/presentationml/2006/main">
   <p:cSld>
@@ -11722,7 +11711,7 @@
           <p:cNvPr id="2" name="Title 1">
             <a:extLst>
               <a:ext uri="{FF2B5EF4-FFF2-40B4-BE49-F238E27FC236}">
-                <a16:creationId xmlns:a16="http://schemas.microsoft.com/office/drawing/2014/main" id="{D8B7AA9E-5A06-F940-A278-EBB6E2F54606}"/>
+                <a16:creationId xmlns:a16="http://schemas.microsoft.com/office/drawing/2014/main" id="{2B8EBAF1-4355-3649-A22F-B794352945FB}"/>
               </a:ext>
             </a:extLst>
           </p:cNvPr>
@@ -11740,7 +11729,7 @@
           <a:p>
             <a:r>
               <a:rPr lang="en-US" dirty="0"/>
-              <a:t>Set Data Types</a:t>
+              <a:t>List Data Types</a:t>
             </a:r>
           </a:p>
         </p:txBody>
@@ -11750,7 +11739,7 @@
           <p:cNvPr id="3" name="Content Placeholder 2">
             <a:extLst>
               <a:ext uri="{FF2B5EF4-FFF2-40B4-BE49-F238E27FC236}">
-                <a16:creationId xmlns:a16="http://schemas.microsoft.com/office/drawing/2014/main" id="{5BF614E6-122E-1B44-BC65-DCA607BC45BA}"/>
+                <a16:creationId xmlns:a16="http://schemas.microsoft.com/office/drawing/2014/main" id="{A30D0833-C5CA-9C42-9912-C02BBCC8922A}"/>
               </a:ext>
             </a:extLst>
           </p:cNvPr>
@@ -11768,69 +11757,72 @@
           <a:p>
             <a:r>
               <a:rPr lang="en-US" dirty="0"/>
-              <a:t>Sets, unlike lists, are unordered and therefore unindexed</a:t>
-            </a:r>
-          </a:p>
-          <a:p>
-            <a:r>
-              <a:rPr lang="en-US" dirty="0"/>
-              <a:t>A set is declared as follows: x = {1, 2, 3}</a:t>
-            </a:r>
-          </a:p>
-          <a:p>
-            <a:r>
-              <a:rPr lang="en-US" dirty="0"/>
-              <a:t>A set has no duplicate members (duplicate members will be ignored)</a:t>
+              <a:t>Python has several data types which represent sets of data in one place</a:t>
+            </a:r>
+          </a:p>
+          <a:p>
+            <a:r>
+              <a:rPr lang="en-US" dirty="0"/>
+              <a:t>The data types are lists, sets, tuples and dictionaries</a:t>
+            </a:r>
+          </a:p>
+          <a:p>
+            <a:pPr marL="0" indent="0">
+              <a:buNone/>
+            </a:pPr>
+            <a:endParaRPr lang="en-US" dirty="0"/>
+          </a:p>
+          <a:p>
+            <a:r>
+              <a:rPr lang="en-US" dirty="0"/>
+              <a:t>Lists (list): x = [1, 2, 3]</a:t>
             </a:r>
           </a:p>
           <a:p>
             <a:pPr lvl="1"/>
             <a:r>
               <a:rPr lang="en-US" dirty="0"/>
-              <a:t>Sets can have any combination of data types</a:t>
+              <a:t>Each item in the list can be accessed using indexing and duplicates are allowed. </a:t>
             </a:r>
           </a:p>
           <a:p>
             <a:pPr lvl="1"/>
             <a:r>
               <a:rPr lang="en-US" dirty="0"/>
-              <a:t>Items can only be added not removed</a:t>
+              <a:t>Lists can have any combination of data types</a:t>
             </a:r>
           </a:p>
           <a:p>
             <a:pPr lvl="1"/>
+            <a:r>
+              <a:rPr lang="en-US" dirty="0"/>
+              <a:t>Using the </a:t>
+            </a:r>
             <a:r>
               <a:rPr lang="en-US" dirty="0" err="1"/>
               <a:t>len</a:t>
             </a:r>
             <a:r>
               <a:rPr lang="en-US" dirty="0"/>
-              <a:t>() function can be used to determine how many members in a set</a:t>
+              <a:t>() function you can find out the length of a list</a:t>
             </a:r>
           </a:p>
           <a:p>
             <a:pPr lvl="1"/>
             <a:r>
               <a:rPr lang="en-US" dirty="0"/>
-              <a:t>Go to </a:t>
-            </a:r>
-            <a:r>
-              <a:rPr lang="en-US" dirty="0">
-                <a:hlinkClick r:id="rId2"/>
-              </a:rPr>
-              <a:t>https://www.w3schools.com/python/python_sets_methods.asp</a:t>
-            </a:r>
-            <a:r>
-              <a:rPr lang="en-US" dirty="0"/>
-              <a:t> for more set methods</a:t>
-            </a:r>
+              <a:t>.sort() will sort items alphanumerically ascending, and .sort(reverse=True) will sort items in descending alphanumeric order</a:t>
+            </a:r>
+          </a:p>
+          <a:p>
+            <a:endParaRPr lang="en-US" dirty="0"/>
           </a:p>
         </p:txBody>
       </p:sp>
     </p:spTree>
     <p:extLst>
       <p:ext uri="{BB962C8B-B14F-4D97-AF65-F5344CB8AC3E}">
-        <p14:creationId xmlns:p14="http://schemas.microsoft.com/office/powerpoint/2010/main" val="1732707444"/>
+        <p14:creationId xmlns:p14="http://schemas.microsoft.com/office/powerpoint/2010/main" val="4056530187"/>
       </p:ext>
     </p:extLst>
   </p:cSld>
@@ -11862,6 +11854,146 @@
           <p:cNvPr id="2" name="Title 1">
             <a:extLst>
               <a:ext uri="{FF2B5EF4-FFF2-40B4-BE49-F238E27FC236}">
+                <a16:creationId xmlns:a16="http://schemas.microsoft.com/office/drawing/2014/main" id="{D8B7AA9E-5A06-F940-A278-EBB6E2F54606}"/>
+              </a:ext>
+            </a:extLst>
+          </p:cNvPr>
+          <p:cNvSpPr>
+            <a:spLocks noGrp="1"/>
+          </p:cNvSpPr>
+          <p:nvPr>
+            <p:ph type="title"/>
+          </p:nvPr>
+        </p:nvSpPr>
+        <p:spPr/>
+        <p:txBody>
+          <a:bodyPr/>
+          <a:lstStyle/>
+          <a:p>
+            <a:r>
+              <a:rPr lang="en-US" dirty="0"/>
+              <a:t>Set Data Types</a:t>
+            </a:r>
+          </a:p>
+        </p:txBody>
+      </p:sp>
+      <p:sp>
+        <p:nvSpPr>
+          <p:cNvPr id="3" name="Content Placeholder 2">
+            <a:extLst>
+              <a:ext uri="{FF2B5EF4-FFF2-40B4-BE49-F238E27FC236}">
+                <a16:creationId xmlns:a16="http://schemas.microsoft.com/office/drawing/2014/main" id="{5BF614E6-122E-1B44-BC65-DCA607BC45BA}"/>
+              </a:ext>
+            </a:extLst>
+          </p:cNvPr>
+          <p:cNvSpPr>
+            <a:spLocks noGrp="1"/>
+          </p:cNvSpPr>
+          <p:nvPr>
+            <p:ph idx="1"/>
+          </p:nvPr>
+        </p:nvSpPr>
+        <p:spPr/>
+        <p:txBody>
+          <a:bodyPr/>
+          <a:lstStyle/>
+          <a:p>
+            <a:r>
+              <a:rPr lang="en-US" dirty="0"/>
+              <a:t>Sets, unlike lists, are unordered and therefore unindexed</a:t>
+            </a:r>
+          </a:p>
+          <a:p>
+            <a:r>
+              <a:rPr lang="en-US" dirty="0"/>
+              <a:t>A set is declared as follows: x = {1, 2, 3}</a:t>
+            </a:r>
+          </a:p>
+          <a:p>
+            <a:r>
+              <a:rPr lang="en-US" dirty="0"/>
+              <a:t>A set has no duplicate members (duplicate members will be ignored)</a:t>
+            </a:r>
+          </a:p>
+          <a:p>
+            <a:pPr lvl="1"/>
+            <a:r>
+              <a:rPr lang="en-US" dirty="0"/>
+              <a:t>Sets can have any combination of data types</a:t>
+            </a:r>
+          </a:p>
+          <a:p>
+            <a:pPr lvl="1"/>
+            <a:r>
+              <a:rPr lang="en-US" dirty="0"/>
+              <a:t>Items can only be added not removed</a:t>
+            </a:r>
+          </a:p>
+          <a:p>
+            <a:pPr lvl="1"/>
+            <a:r>
+              <a:rPr lang="en-US" dirty="0" err="1"/>
+              <a:t>len</a:t>
+            </a:r>
+            <a:r>
+              <a:rPr lang="en-US" dirty="0"/>
+              <a:t>() function can be used to determine how many members in a set</a:t>
+            </a:r>
+          </a:p>
+          <a:p>
+            <a:pPr lvl="1"/>
+            <a:r>
+              <a:rPr lang="en-US" dirty="0"/>
+              <a:t>Go to </a:t>
+            </a:r>
+            <a:r>
+              <a:rPr lang="en-US" dirty="0">
+                <a:hlinkClick r:id="rId2"/>
+              </a:rPr>
+              <a:t>https://www.w3schools.com/python/python_sets_methods.asp</a:t>
+            </a:r>
+            <a:r>
+              <a:rPr lang="en-US" dirty="0"/>
+              <a:t> for more set methods</a:t>
+            </a:r>
+          </a:p>
+        </p:txBody>
+      </p:sp>
+    </p:spTree>
+    <p:extLst>
+      <p:ext uri="{BB962C8B-B14F-4D97-AF65-F5344CB8AC3E}">
+        <p14:creationId xmlns:p14="http://schemas.microsoft.com/office/powerpoint/2010/main" val="1732707444"/>
+      </p:ext>
+    </p:extLst>
+  </p:cSld>
+  <p:clrMapOvr>
+    <a:masterClrMapping/>
+  </p:clrMapOvr>
+</p:sld>
+</file>
+
+<file path=ppt/slides/slide48.xml><?xml version="1.0" encoding="utf-8"?>
+<p:sld xmlns:a="http://schemas.openxmlformats.org/drawingml/2006/main" xmlns:r="http://schemas.openxmlformats.org/officeDocument/2006/relationships" xmlns:p="http://schemas.openxmlformats.org/presentationml/2006/main">
+  <p:cSld>
+    <p:spTree>
+      <p:nvGrpSpPr>
+        <p:cNvPr id="1" name=""/>
+        <p:cNvGrpSpPr/>
+        <p:nvPr/>
+      </p:nvGrpSpPr>
+      <p:grpSpPr>
+        <a:xfrm>
+          <a:off x="0" y="0"/>
+          <a:ext cx="0" cy="0"/>
+          <a:chOff x="0" y="0"/>
+          <a:chExt cx="0" cy="0"/>
+        </a:xfrm>
+      </p:grpSpPr>
+      <p:sp>
+        <p:nvSpPr>
+          <p:cNvPr id="2" name="Title 1">
+            <a:extLst>
+              <a:ext uri="{FF2B5EF4-FFF2-40B4-BE49-F238E27FC236}">
                 <a16:creationId xmlns:a16="http://schemas.microsoft.com/office/drawing/2014/main" id="{4FBA59DE-76DD-8B4A-AB51-E63A2684FF7A}"/>
               </a:ext>
             </a:extLst>
@@ -11983,7 +12115,7 @@
 </p:sld>
 </file>
 
-<file path=ppt/slides/slide48.xml><?xml version="1.0" encoding="utf-8"?>
+<file path=ppt/slides/slide49.xml><?xml version="1.0" encoding="utf-8"?>
 <p:sld xmlns:a="http://schemas.openxmlformats.org/drawingml/2006/main" xmlns:r="http://schemas.openxmlformats.org/officeDocument/2006/relationships" xmlns:p="http://schemas.openxmlformats.org/presentationml/2006/main">
   <p:cSld>
     <p:spTree>
@@ -12156,112 +12288,6 @@
 </p:sld>
 </file>
 
-<file path=ppt/slides/slide49.xml><?xml version="1.0" encoding="utf-8"?>
-<p:sld xmlns:a="http://schemas.openxmlformats.org/drawingml/2006/main" xmlns:r="http://schemas.openxmlformats.org/officeDocument/2006/relationships" xmlns:p="http://schemas.openxmlformats.org/presentationml/2006/main">
-  <p:cSld>
-    <p:spTree>
-      <p:nvGrpSpPr>
-        <p:cNvPr id="1" name=""/>
-        <p:cNvGrpSpPr/>
-        <p:nvPr/>
-      </p:nvGrpSpPr>
-      <p:grpSpPr>
-        <a:xfrm>
-          <a:off x="0" y="0"/>
-          <a:ext cx="0" cy="0"/>
-          <a:chOff x="0" y="0"/>
-          <a:chExt cx="0" cy="0"/>
-        </a:xfrm>
-      </p:grpSpPr>
-      <p:sp>
-        <p:nvSpPr>
-          <p:cNvPr id="2" name="Title 1">
-            <a:extLst>
-              <a:ext uri="{FF2B5EF4-FFF2-40B4-BE49-F238E27FC236}">
-                <a16:creationId xmlns:a16="http://schemas.microsoft.com/office/drawing/2014/main" id="{C6C9755F-6585-C540-86EB-7327D59AA7C9}"/>
-              </a:ext>
-            </a:extLst>
-          </p:cNvPr>
-          <p:cNvSpPr>
-            <a:spLocks noGrp="1"/>
-          </p:cNvSpPr>
-          <p:nvPr>
-            <p:ph type="title"/>
-          </p:nvPr>
-        </p:nvSpPr>
-        <p:spPr/>
-        <p:txBody>
-          <a:bodyPr/>
-          <a:lstStyle/>
-          <a:p>
-            <a:r>
-              <a:rPr lang="en-US" dirty="0"/>
-              <a:t>Dictionaries Continued</a:t>
-            </a:r>
-          </a:p>
-        </p:txBody>
-      </p:sp>
-      <p:sp>
-        <p:nvSpPr>
-          <p:cNvPr id="3" name="Content Placeholder 2">
-            <a:extLst>
-              <a:ext uri="{FF2B5EF4-FFF2-40B4-BE49-F238E27FC236}">
-                <a16:creationId xmlns:a16="http://schemas.microsoft.com/office/drawing/2014/main" id="{4E3F3E82-AC0B-0149-A546-E91F0A698979}"/>
-              </a:ext>
-            </a:extLst>
-          </p:cNvPr>
-          <p:cNvSpPr>
-            <a:spLocks noGrp="1"/>
-          </p:cNvSpPr>
-          <p:nvPr>
-            <p:ph idx="1"/>
-          </p:nvPr>
-        </p:nvSpPr>
-        <p:spPr/>
-        <p:txBody>
-          <a:bodyPr/>
-          <a:lstStyle/>
-          <a:p>
-            <a:r>
-              <a:rPr lang="en-US" dirty="0"/>
-              <a:t>Dictionaries can contain any data types and are ordered</a:t>
-            </a:r>
-          </a:p>
-          <a:p>
-            <a:r>
-              <a:rPr lang="en-US" dirty="0"/>
-              <a:t>Since dictionaries rely on “keys” we cannot have duplicate keys</a:t>
-            </a:r>
-          </a:p>
-          <a:p>
-            <a:r>
-              <a:rPr lang="en-US" dirty="0"/>
-              <a:t>Like the others, we can use </a:t>
-            </a:r>
-            <a:r>
-              <a:rPr lang="en-US" dirty="0" err="1"/>
-              <a:t>len</a:t>
-            </a:r>
-            <a:r>
-              <a:rPr lang="en-US" dirty="0"/>
-              <a:t>() to find the number of elements in a dictionary</a:t>
-            </a:r>
-          </a:p>
-        </p:txBody>
-      </p:sp>
-    </p:spTree>
-    <p:extLst>
-      <p:ext uri="{BB962C8B-B14F-4D97-AF65-F5344CB8AC3E}">
-        <p14:creationId xmlns:p14="http://schemas.microsoft.com/office/powerpoint/2010/main" val="2506091827"/>
-      </p:ext>
-    </p:extLst>
-  </p:cSld>
-  <p:clrMapOvr>
-    <a:masterClrMapping/>
-  </p:clrMapOvr>
-</p:sld>
-</file>
-
 <file path=ppt/slides/slide5.xml><?xml version="1.0" encoding="utf-8"?>
 <p:sld xmlns:a="http://schemas.openxmlformats.org/drawingml/2006/main" xmlns:r="http://schemas.openxmlformats.org/officeDocument/2006/relationships" xmlns:p="http://schemas.openxmlformats.org/presentationml/2006/main">
   <p:cSld>
@@ -12421,7 +12447,7 @@
           <p:cNvPr id="2" name="Title 1">
             <a:extLst>
               <a:ext uri="{FF2B5EF4-FFF2-40B4-BE49-F238E27FC236}">
-                <a16:creationId xmlns:a16="http://schemas.microsoft.com/office/drawing/2014/main" id="{4EA1AA1D-4CD2-E84D-9458-AD3C6F11309A}"/>
+                <a16:creationId xmlns:a16="http://schemas.microsoft.com/office/drawing/2014/main" id="{C6C9755F-6585-C540-86EB-7327D59AA7C9}"/>
               </a:ext>
             </a:extLst>
           </p:cNvPr>
@@ -12439,7 +12465,7 @@
           <a:p>
             <a:r>
               <a:rPr lang="en-US" dirty="0"/>
-              <a:t>List, Set, Tuple, Dictionary Quiz</a:t>
+              <a:t>Dictionaries Continued</a:t>
             </a:r>
           </a:p>
         </p:txBody>
@@ -12449,7 +12475,7 @@
           <p:cNvPr id="3" name="Content Placeholder 2">
             <a:extLst>
               <a:ext uri="{FF2B5EF4-FFF2-40B4-BE49-F238E27FC236}">
-                <a16:creationId xmlns:a16="http://schemas.microsoft.com/office/drawing/2014/main" id="{409A928B-1C32-EA4A-9920-91FA06D38224}"/>
+                <a16:creationId xmlns:a16="http://schemas.microsoft.com/office/drawing/2014/main" id="{4E3F3E82-AC0B-0149-A546-E91F0A698979}"/>
               </a:ext>
             </a:extLst>
           </p:cNvPr>
@@ -12467,82 +12493,35 @@
           <a:p>
             <a:r>
               <a:rPr lang="en-US" dirty="0"/>
-              <a:t>1. What is the difference between a list and set?</a:t>
-            </a:r>
-          </a:p>
-          <a:p>
-            <a:r>
-              <a:rPr lang="en-US" dirty="0"/>
-              <a:t>2. How many times can you see the same key in a dictionary?</a:t>
-            </a:r>
-          </a:p>
-          <a:p>
-            <a:r>
-              <a:rPr lang="en-US" dirty="0"/>
-              <a:t>3. Can tuples contain more than 1 data type?</a:t>
-            </a:r>
-          </a:p>
-          <a:p>
-            <a:endParaRPr lang="en-US" dirty="0"/>
-          </a:p>
-          <a:p>
-            <a:r>
-              <a:rPr lang="en-US" dirty="0"/>
-              <a:t>A. Print the “department you are from in the following list: </a:t>
-            </a:r>
-          </a:p>
-          <a:p>
-            <a:pPr lvl="1"/>
-            <a:r>
-              <a:rPr lang="en-US" dirty="0"/>
-              <a:t>company = [“1”, “2”, “3”, ”34”, “HQ”]</a:t>
-            </a:r>
-          </a:p>
-          <a:p>
-            <a:r>
-              <a:rPr lang="en-US" dirty="0"/>
-              <a:t>B. Print the third item in the following tuple:</a:t>
-            </a:r>
-          </a:p>
-          <a:p>
-            <a:pPr lvl="1"/>
-            <a:r>
-              <a:rPr lang="en-US" dirty="0"/>
-              <a:t>X = (1, 2, 3)</a:t>
-            </a:r>
-          </a:p>
-          <a:p>
-            <a:r>
-              <a:rPr lang="en-US" dirty="0"/>
-              <a:t>C. Declare a dictionary with 3 variables: </a:t>
+              <a:t>Dictionaries can contain any data types and are ordered</a:t>
+            </a:r>
+          </a:p>
+          <a:p>
+            <a:r>
+              <a:rPr lang="en-US" dirty="0"/>
+              <a:t>Since dictionaries rely on “keys” we cannot have duplicate keys</a:t>
+            </a:r>
+          </a:p>
+          <a:p>
+            <a:r>
+              <a:rPr lang="en-US" dirty="0"/>
+              <a:t>Like the others, we can use </a:t>
             </a:r>
             <a:r>
               <a:rPr lang="en-US" dirty="0" err="1"/>
-              <a:t>firstName</a:t>
-            </a:r>
-            <a:r>
-              <a:rPr lang="en-US" dirty="0"/>
-              <a:t>, </a:t>
-            </a:r>
-            <a:r>
-              <a:rPr lang="en-US" dirty="0" err="1"/>
-              <a:t>lastName</a:t>
-            </a:r>
-            <a:r>
-              <a:rPr lang="en-US" dirty="0"/>
-              <a:t> and age</a:t>
-            </a:r>
-          </a:p>
-          <a:p>
-            <a:pPr lvl="1"/>
-            <a:endParaRPr lang="en-US" dirty="0"/>
+              <a:t>len</a:t>
+            </a:r>
+            <a:r>
+              <a:rPr lang="en-US" dirty="0"/>
+              <a:t>() to find the number of elements in a dictionary</a:t>
+            </a:r>
           </a:p>
         </p:txBody>
       </p:sp>
     </p:spTree>
     <p:extLst>
       <p:ext uri="{BB962C8B-B14F-4D97-AF65-F5344CB8AC3E}">
-        <p14:creationId xmlns:p14="http://schemas.microsoft.com/office/powerpoint/2010/main" val="1277678746"/>
+        <p14:creationId xmlns:p14="http://schemas.microsoft.com/office/powerpoint/2010/main" val="2506091827"/>
       </p:ext>
     </p:extLst>
   </p:cSld>
@@ -12574,6 +12553,159 @@
           <p:cNvPr id="2" name="Title 1">
             <a:extLst>
               <a:ext uri="{FF2B5EF4-FFF2-40B4-BE49-F238E27FC236}">
+                <a16:creationId xmlns:a16="http://schemas.microsoft.com/office/drawing/2014/main" id="{4EA1AA1D-4CD2-E84D-9458-AD3C6F11309A}"/>
+              </a:ext>
+            </a:extLst>
+          </p:cNvPr>
+          <p:cNvSpPr>
+            <a:spLocks noGrp="1"/>
+          </p:cNvSpPr>
+          <p:nvPr>
+            <p:ph type="title"/>
+          </p:nvPr>
+        </p:nvSpPr>
+        <p:spPr/>
+        <p:txBody>
+          <a:bodyPr/>
+          <a:lstStyle/>
+          <a:p>
+            <a:r>
+              <a:rPr lang="en-US" dirty="0"/>
+              <a:t>List, Set, Tuple, Dictionary Quiz</a:t>
+            </a:r>
+          </a:p>
+        </p:txBody>
+      </p:sp>
+      <p:sp>
+        <p:nvSpPr>
+          <p:cNvPr id="3" name="Content Placeholder 2">
+            <a:extLst>
+              <a:ext uri="{FF2B5EF4-FFF2-40B4-BE49-F238E27FC236}">
+                <a16:creationId xmlns:a16="http://schemas.microsoft.com/office/drawing/2014/main" id="{409A928B-1C32-EA4A-9920-91FA06D38224}"/>
+              </a:ext>
+            </a:extLst>
+          </p:cNvPr>
+          <p:cNvSpPr>
+            <a:spLocks noGrp="1"/>
+          </p:cNvSpPr>
+          <p:nvPr>
+            <p:ph idx="1"/>
+          </p:nvPr>
+        </p:nvSpPr>
+        <p:spPr/>
+        <p:txBody>
+          <a:bodyPr/>
+          <a:lstStyle/>
+          <a:p>
+            <a:r>
+              <a:rPr lang="en-US" dirty="0"/>
+              <a:t>1. What is the difference between a list and set?</a:t>
+            </a:r>
+          </a:p>
+          <a:p>
+            <a:r>
+              <a:rPr lang="en-US" dirty="0"/>
+              <a:t>2. How many times can you see the same key in a dictionary?</a:t>
+            </a:r>
+          </a:p>
+          <a:p>
+            <a:r>
+              <a:rPr lang="en-US" dirty="0"/>
+              <a:t>3. Can tuples contain more than 1 data type?</a:t>
+            </a:r>
+          </a:p>
+          <a:p>
+            <a:endParaRPr lang="en-US" dirty="0"/>
+          </a:p>
+          <a:p>
+            <a:r>
+              <a:rPr lang="en-US" dirty="0"/>
+              <a:t>A. Print the “department you are from in the following list: </a:t>
+            </a:r>
+          </a:p>
+          <a:p>
+            <a:pPr lvl="1"/>
+            <a:r>
+              <a:rPr lang="en-US" dirty="0"/>
+              <a:t>company = [“1”, “2”, “3”, ”34”, “HQ”]</a:t>
+            </a:r>
+          </a:p>
+          <a:p>
+            <a:r>
+              <a:rPr lang="en-US" dirty="0"/>
+              <a:t>B. Print the third item in the following tuple:</a:t>
+            </a:r>
+          </a:p>
+          <a:p>
+            <a:pPr lvl="1"/>
+            <a:r>
+              <a:rPr lang="en-US" dirty="0"/>
+              <a:t>X = (1, 2, 3)</a:t>
+            </a:r>
+          </a:p>
+          <a:p>
+            <a:r>
+              <a:rPr lang="en-US" dirty="0"/>
+              <a:t>C. Declare a dictionary with 3 variables: </a:t>
+            </a:r>
+            <a:r>
+              <a:rPr lang="en-US" dirty="0" err="1"/>
+              <a:t>firstName</a:t>
+            </a:r>
+            <a:r>
+              <a:rPr lang="en-US" dirty="0"/>
+              <a:t>, </a:t>
+            </a:r>
+            <a:r>
+              <a:rPr lang="en-US" dirty="0" err="1"/>
+              <a:t>lastName</a:t>
+            </a:r>
+            <a:r>
+              <a:rPr lang="en-US" dirty="0"/>
+              <a:t> and age</a:t>
+            </a:r>
+          </a:p>
+          <a:p>
+            <a:pPr lvl="1"/>
+            <a:endParaRPr lang="en-US" dirty="0"/>
+          </a:p>
+        </p:txBody>
+      </p:sp>
+    </p:spTree>
+    <p:extLst>
+      <p:ext uri="{BB962C8B-B14F-4D97-AF65-F5344CB8AC3E}">
+        <p14:creationId xmlns:p14="http://schemas.microsoft.com/office/powerpoint/2010/main" val="1277678746"/>
+      </p:ext>
+    </p:extLst>
+  </p:cSld>
+  <p:clrMapOvr>
+    <a:masterClrMapping/>
+  </p:clrMapOvr>
+</p:sld>
+</file>
+
+<file path=ppt/slides/slide52.xml><?xml version="1.0" encoding="utf-8"?>
+<p:sld xmlns:a="http://schemas.openxmlformats.org/drawingml/2006/main" xmlns:r="http://schemas.openxmlformats.org/officeDocument/2006/relationships" xmlns:p="http://schemas.openxmlformats.org/presentationml/2006/main">
+  <p:cSld>
+    <p:spTree>
+      <p:nvGrpSpPr>
+        <p:cNvPr id="1" name=""/>
+        <p:cNvGrpSpPr/>
+        <p:nvPr/>
+      </p:nvGrpSpPr>
+      <p:grpSpPr>
+        <a:xfrm>
+          <a:off x="0" y="0"/>
+          <a:ext cx="0" cy="0"/>
+          <a:chOff x="0" y="0"/>
+          <a:chExt cx="0" cy="0"/>
+        </a:xfrm>
+      </p:grpSpPr>
+      <p:sp>
+        <p:nvSpPr>
+          <p:cNvPr id="2" name="Title 1">
+            <a:extLst>
+              <a:ext uri="{FF2B5EF4-FFF2-40B4-BE49-F238E27FC236}">
                 <a16:creationId xmlns:a16="http://schemas.microsoft.com/office/drawing/2014/main" id="{909C57C7-2542-D54A-B5B3-ABC3F76D771C}"/>
               </a:ext>
             </a:extLst>
@@ -12677,7 +12809,7 @@
 </p:sld>
 </file>
 
-<file path=ppt/slides/slide52.xml><?xml version="1.0" encoding="utf-8"?>
+<file path=ppt/slides/slide53.xml><?xml version="1.0" encoding="utf-8"?>
 <p:sld xmlns:a="http://schemas.openxmlformats.org/drawingml/2006/main" xmlns:r="http://schemas.openxmlformats.org/officeDocument/2006/relationships" xmlns:p="http://schemas.openxmlformats.org/presentationml/2006/main">
   <p:cSld>
     <p:spTree>
@@ -12824,7 +12956,7 @@
 </p:sld>
 </file>
 
-<file path=ppt/slides/slide53.xml><?xml version="1.0" encoding="utf-8"?>
+<file path=ppt/slides/slide54.xml><?xml version="1.0" encoding="utf-8"?>
 <p:sld xmlns:a="http://schemas.openxmlformats.org/drawingml/2006/main" xmlns:r="http://schemas.openxmlformats.org/officeDocument/2006/relationships" xmlns:p="http://schemas.openxmlformats.org/presentationml/2006/main">
   <p:cSld>
     <p:spTree>
@@ -12967,7 +13099,7 @@
 </p:sld>
 </file>
 
-<file path=ppt/slides/slide54.xml><?xml version="1.0" encoding="utf-8"?>
+<file path=ppt/slides/slide55.xml><?xml version="1.0" encoding="utf-8"?>
 <p:sld xmlns:a="http://schemas.openxmlformats.org/drawingml/2006/main" xmlns:r="http://schemas.openxmlformats.org/officeDocument/2006/relationships" xmlns:p="http://schemas.openxmlformats.org/presentationml/2006/main">
   <p:cSld>
     <p:spTree>
@@ -13065,7 +13197,7 @@
 </p:sld>
 </file>
 
-<file path=ppt/slides/slide55.xml><?xml version="1.0" encoding="utf-8"?>
+<file path=ppt/slides/slide56.xml><?xml version="1.0" encoding="utf-8"?>
 <p:sld xmlns:a="http://schemas.openxmlformats.org/drawingml/2006/main" xmlns:r="http://schemas.openxmlformats.org/officeDocument/2006/relationships" xmlns:p="http://schemas.openxmlformats.org/presentationml/2006/main">
   <p:cSld>
     <p:spTree>
@@ -13214,7 +13346,7 @@
 </p:sld>
 </file>
 
-<file path=ppt/slides/slide56.xml><?xml version="1.0" encoding="utf-8"?>
+<file path=ppt/slides/slide57.xml><?xml version="1.0" encoding="utf-8"?>
 <p:sld xmlns:a="http://schemas.openxmlformats.org/drawingml/2006/main" xmlns:r="http://schemas.openxmlformats.org/officeDocument/2006/relationships" xmlns:p="http://schemas.openxmlformats.org/presentationml/2006/main">
   <p:cSld>
     <p:spTree>
@@ -13422,7 +13554,7 @@
 </p:sld>
 </file>
 
-<file path=ppt/slides/slide57.xml><?xml version="1.0" encoding="utf-8"?>
+<file path=ppt/slides/slide58.xml><?xml version="1.0" encoding="utf-8"?>
 <p:sld xmlns:a="http://schemas.openxmlformats.org/drawingml/2006/main" xmlns:r="http://schemas.openxmlformats.org/officeDocument/2006/relationships" xmlns:p="http://schemas.openxmlformats.org/presentationml/2006/main">
   <p:cSld>
     <p:spTree>
@@ -13550,7 +13682,7 @@
 </p:sld>
 </file>
 
-<file path=ppt/slides/slide58.xml><?xml version="1.0" encoding="utf-8"?>
+<file path=ppt/slides/slide59.xml><?xml version="1.0" encoding="utf-8"?>
 <p:sld xmlns:a="http://schemas.openxmlformats.org/drawingml/2006/main" xmlns:r="http://schemas.openxmlformats.org/officeDocument/2006/relationships" xmlns:p="http://schemas.openxmlformats.org/presentationml/2006/main">
   <p:cSld>
     <p:spTree>
@@ -13691,110 +13823,6 @@
 </p:sld>
 </file>
 
-<file path=ppt/slides/slide59.xml><?xml version="1.0" encoding="utf-8"?>
-<p:sld xmlns:a="http://schemas.openxmlformats.org/drawingml/2006/main" xmlns:r="http://schemas.openxmlformats.org/officeDocument/2006/relationships" xmlns:p="http://schemas.openxmlformats.org/presentationml/2006/main">
-  <p:cSld>
-    <p:spTree>
-      <p:nvGrpSpPr>
-        <p:cNvPr id="1" name=""/>
-        <p:cNvGrpSpPr/>
-        <p:nvPr/>
-      </p:nvGrpSpPr>
-      <p:grpSpPr>
-        <a:xfrm>
-          <a:off x="0" y="0"/>
-          <a:ext cx="0" cy="0"/>
-          <a:chOff x="0" y="0"/>
-          <a:chExt cx="0" cy="0"/>
-        </a:xfrm>
-      </p:grpSpPr>
-      <p:sp>
-        <p:nvSpPr>
-          <p:cNvPr id="2" name="Title 1">
-            <a:extLst>
-              <a:ext uri="{FF2B5EF4-FFF2-40B4-BE49-F238E27FC236}">
-                <a16:creationId xmlns:a16="http://schemas.microsoft.com/office/drawing/2014/main" id="{71718FAC-1730-2B4C-B136-C56C8ECA1E8C}"/>
-              </a:ext>
-            </a:extLst>
-          </p:cNvPr>
-          <p:cNvSpPr>
-            <a:spLocks noGrp="1"/>
-          </p:cNvSpPr>
-          <p:nvPr>
-            <p:ph type="title"/>
-          </p:nvPr>
-        </p:nvSpPr>
-        <p:spPr/>
-        <p:txBody>
-          <a:bodyPr/>
-          <a:lstStyle/>
-          <a:p>
-            <a:r>
-              <a:rPr lang="en-US" dirty="0"/>
-              <a:t>Pitfalls of While Loops</a:t>
-            </a:r>
-          </a:p>
-        </p:txBody>
-      </p:sp>
-      <p:sp>
-        <p:nvSpPr>
-          <p:cNvPr id="3" name="Content Placeholder 2">
-            <a:extLst>
-              <a:ext uri="{FF2B5EF4-FFF2-40B4-BE49-F238E27FC236}">
-                <a16:creationId xmlns:a16="http://schemas.microsoft.com/office/drawing/2014/main" id="{BEBA8389-8D1E-6D43-95E5-F2BA6D7478A8}"/>
-              </a:ext>
-            </a:extLst>
-          </p:cNvPr>
-          <p:cNvSpPr>
-            <a:spLocks noGrp="1"/>
-          </p:cNvSpPr>
-          <p:nvPr>
-            <p:ph idx="1"/>
-          </p:nvPr>
-        </p:nvSpPr>
-        <p:spPr/>
-        <p:txBody>
-          <a:bodyPr/>
-          <a:lstStyle/>
-          <a:p>
-            <a:r>
-              <a:rPr lang="en-US" dirty="0"/>
-              <a:t>Initial condition weak so we never exit the loop</a:t>
-            </a:r>
-          </a:p>
-          <a:p>
-            <a:r>
-              <a:rPr lang="en-US" dirty="0"/>
-              <a:t>No iterator so stuck in an infinite loop</a:t>
-            </a:r>
-          </a:p>
-          <a:p>
-            <a:r>
-              <a:rPr lang="en-US" dirty="0"/>
-              <a:t>Initial condition wrong so we never enter the loop</a:t>
-            </a:r>
-          </a:p>
-          <a:p>
-            <a:r>
-              <a:rPr lang="en-US" dirty="0"/>
-              <a:t>Poor indentation so logic is incorrect</a:t>
-            </a:r>
-          </a:p>
-        </p:txBody>
-      </p:sp>
-    </p:spTree>
-    <p:extLst>
-      <p:ext uri="{BB962C8B-B14F-4D97-AF65-F5344CB8AC3E}">
-        <p14:creationId xmlns:p14="http://schemas.microsoft.com/office/powerpoint/2010/main" val="928351682"/>
-      </p:ext>
-    </p:extLst>
-  </p:cSld>
-  <p:clrMapOvr>
-    <a:masterClrMapping/>
-  </p:clrMapOvr>
-</p:sld>
-</file>
-
 <file path=ppt/slides/slide6.xml><?xml version="1.0" encoding="utf-8"?>
 <p:sld xmlns:a="http://schemas.openxmlformats.org/drawingml/2006/main" xmlns:r="http://schemas.openxmlformats.org/officeDocument/2006/relationships" xmlns:p="http://schemas.openxmlformats.org/presentationml/2006/main">
   <p:cSld>
@@ -13942,6 +13970,110 @@
 </file>
 
 <file path=ppt/slides/slide60.xml><?xml version="1.0" encoding="utf-8"?>
+<p:sld xmlns:a="http://schemas.openxmlformats.org/drawingml/2006/main" xmlns:r="http://schemas.openxmlformats.org/officeDocument/2006/relationships" xmlns:p="http://schemas.openxmlformats.org/presentationml/2006/main">
+  <p:cSld>
+    <p:spTree>
+      <p:nvGrpSpPr>
+        <p:cNvPr id="1" name=""/>
+        <p:cNvGrpSpPr/>
+        <p:nvPr/>
+      </p:nvGrpSpPr>
+      <p:grpSpPr>
+        <a:xfrm>
+          <a:off x="0" y="0"/>
+          <a:ext cx="0" cy="0"/>
+          <a:chOff x="0" y="0"/>
+          <a:chExt cx="0" cy="0"/>
+        </a:xfrm>
+      </p:grpSpPr>
+      <p:sp>
+        <p:nvSpPr>
+          <p:cNvPr id="2" name="Title 1">
+            <a:extLst>
+              <a:ext uri="{FF2B5EF4-FFF2-40B4-BE49-F238E27FC236}">
+                <a16:creationId xmlns:a16="http://schemas.microsoft.com/office/drawing/2014/main" id="{71718FAC-1730-2B4C-B136-C56C8ECA1E8C}"/>
+              </a:ext>
+            </a:extLst>
+          </p:cNvPr>
+          <p:cNvSpPr>
+            <a:spLocks noGrp="1"/>
+          </p:cNvSpPr>
+          <p:nvPr>
+            <p:ph type="title"/>
+          </p:nvPr>
+        </p:nvSpPr>
+        <p:spPr/>
+        <p:txBody>
+          <a:bodyPr/>
+          <a:lstStyle/>
+          <a:p>
+            <a:r>
+              <a:rPr lang="en-US" dirty="0"/>
+              <a:t>Pitfalls of While Loops</a:t>
+            </a:r>
+          </a:p>
+        </p:txBody>
+      </p:sp>
+      <p:sp>
+        <p:nvSpPr>
+          <p:cNvPr id="3" name="Content Placeholder 2">
+            <a:extLst>
+              <a:ext uri="{FF2B5EF4-FFF2-40B4-BE49-F238E27FC236}">
+                <a16:creationId xmlns:a16="http://schemas.microsoft.com/office/drawing/2014/main" id="{BEBA8389-8D1E-6D43-95E5-F2BA6D7478A8}"/>
+              </a:ext>
+            </a:extLst>
+          </p:cNvPr>
+          <p:cNvSpPr>
+            <a:spLocks noGrp="1"/>
+          </p:cNvSpPr>
+          <p:nvPr>
+            <p:ph idx="1"/>
+          </p:nvPr>
+        </p:nvSpPr>
+        <p:spPr/>
+        <p:txBody>
+          <a:bodyPr/>
+          <a:lstStyle/>
+          <a:p>
+            <a:r>
+              <a:rPr lang="en-US" dirty="0"/>
+              <a:t>Initial condition weak so we never exit the loop</a:t>
+            </a:r>
+          </a:p>
+          <a:p>
+            <a:r>
+              <a:rPr lang="en-US" dirty="0"/>
+              <a:t>No iterator so stuck in an infinite loop</a:t>
+            </a:r>
+          </a:p>
+          <a:p>
+            <a:r>
+              <a:rPr lang="en-US" dirty="0"/>
+              <a:t>Initial condition wrong so we never enter the loop</a:t>
+            </a:r>
+          </a:p>
+          <a:p>
+            <a:r>
+              <a:rPr lang="en-US" dirty="0"/>
+              <a:t>Poor indentation so logic is incorrect</a:t>
+            </a:r>
+          </a:p>
+        </p:txBody>
+      </p:sp>
+    </p:spTree>
+    <p:extLst>
+      <p:ext uri="{BB962C8B-B14F-4D97-AF65-F5344CB8AC3E}">
+        <p14:creationId xmlns:p14="http://schemas.microsoft.com/office/powerpoint/2010/main" val="928351682"/>
+      </p:ext>
+    </p:extLst>
+  </p:cSld>
+  <p:clrMapOvr>
+    <a:masterClrMapping/>
+  </p:clrMapOvr>
+</p:sld>
+</file>
+
+<file path=ppt/slides/slide61.xml><?xml version="1.0" encoding="utf-8"?>
 <p:sld xmlns:a="http://schemas.openxmlformats.org/drawingml/2006/main" xmlns:r="http://schemas.openxmlformats.org/officeDocument/2006/relationships" xmlns:p="http://schemas.openxmlformats.org/presentationml/2006/main">
   <p:cSld>
     <p:spTree>
@@ -14108,7 +14240,7 @@
 </p:sld>
 </file>
 
-<file path=ppt/slides/slide61.xml><?xml version="1.0" encoding="utf-8"?>
+<file path=ppt/slides/slide62.xml><?xml version="1.0" encoding="utf-8"?>
 <p:sld xmlns:a="http://schemas.openxmlformats.org/drawingml/2006/main" xmlns:r="http://schemas.openxmlformats.org/officeDocument/2006/relationships" xmlns:p="http://schemas.openxmlformats.org/presentationml/2006/main">
   <p:cSld>
     <p:spTree>
@@ -14260,104 +14392,6 @@
 </p:sld>
 </file>
 
-<file path=ppt/slides/slide62.xml><?xml version="1.0" encoding="utf-8"?>
-<p:sld xmlns:a="http://schemas.openxmlformats.org/drawingml/2006/main" xmlns:r="http://schemas.openxmlformats.org/officeDocument/2006/relationships" xmlns:p="http://schemas.openxmlformats.org/presentationml/2006/main">
-  <p:cSld>
-    <p:spTree>
-      <p:nvGrpSpPr>
-        <p:cNvPr id="1" name=""/>
-        <p:cNvGrpSpPr/>
-        <p:nvPr/>
-      </p:nvGrpSpPr>
-      <p:grpSpPr>
-        <a:xfrm>
-          <a:off x="0" y="0"/>
-          <a:ext cx="0" cy="0"/>
-          <a:chOff x="0" y="0"/>
-          <a:chExt cx="0" cy="0"/>
-        </a:xfrm>
-      </p:grpSpPr>
-      <p:sp>
-        <p:nvSpPr>
-          <p:cNvPr id="2" name="Title 1">
-            <a:extLst>
-              <a:ext uri="{FF2B5EF4-FFF2-40B4-BE49-F238E27FC236}">
-                <a16:creationId xmlns:a16="http://schemas.microsoft.com/office/drawing/2014/main" id="{65B8F461-6C22-6C47-BBCB-ACAEDB8D0225}"/>
-              </a:ext>
-            </a:extLst>
-          </p:cNvPr>
-          <p:cNvSpPr>
-            <a:spLocks noGrp="1"/>
-          </p:cNvSpPr>
-          <p:nvPr>
-            <p:ph type="title"/>
-          </p:nvPr>
-        </p:nvSpPr>
-        <p:spPr/>
-        <p:txBody>
-          <a:bodyPr/>
-          <a:lstStyle/>
-          <a:p>
-            <a:r>
-              <a:rPr lang="en-US" dirty="0"/>
-              <a:t>Conditions and Loops Quiz</a:t>
-            </a:r>
-          </a:p>
-        </p:txBody>
-      </p:sp>
-      <p:sp>
-        <p:nvSpPr>
-          <p:cNvPr id="3" name="Content Placeholder 2">
-            <a:extLst>
-              <a:ext uri="{FF2B5EF4-FFF2-40B4-BE49-F238E27FC236}">
-                <a16:creationId xmlns:a16="http://schemas.microsoft.com/office/drawing/2014/main" id="{48A30A9D-B5E9-3248-9DCA-919563D8B192}"/>
-              </a:ext>
-            </a:extLst>
-          </p:cNvPr>
-          <p:cNvSpPr>
-            <a:spLocks noGrp="1"/>
-          </p:cNvSpPr>
-          <p:nvPr>
-            <p:ph idx="1"/>
-          </p:nvPr>
-        </p:nvSpPr>
-        <p:spPr/>
-        <p:txBody>
-          <a:bodyPr/>
-          <a:lstStyle/>
-          <a:p>
-            <a:r>
-              <a:rPr lang="en-US" dirty="0"/>
-              <a:t>1. Given a = 10, b = 20, print “equal” if a equal to b and “not equal” otherwise</a:t>
-            </a:r>
-          </a:p>
-          <a:p>
-            <a:r>
-              <a:rPr lang="en-US" dirty="0"/>
-              <a:t>2. Using a while loop, print all the values from 1 to 10 except 8</a:t>
-            </a:r>
-          </a:p>
-          <a:p>
-            <a:r>
-              <a:rPr lang="en-US" dirty="0"/>
-              <a:t>3. Using a for loop, print all the elements from a list</a:t>
-            </a:r>
-          </a:p>
-        </p:txBody>
-      </p:sp>
-    </p:spTree>
-    <p:extLst>
-      <p:ext uri="{BB962C8B-B14F-4D97-AF65-F5344CB8AC3E}">
-        <p14:creationId xmlns:p14="http://schemas.microsoft.com/office/powerpoint/2010/main" val="2041602009"/>
-      </p:ext>
-    </p:extLst>
-  </p:cSld>
-  <p:clrMapOvr>
-    <a:masterClrMapping/>
-  </p:clrMapOvr>
-</p:sld>
-</file>
-
 <file path=ppt/slides/slide63.xml><?xml version="1.0" encoding="utf-8"?>
 <p:sld xmlns:a="http://schemas.openxmlformats.org/drawingml/2006/main" xmlns:r="http://schemas.openxmlformats.org/officeDocument/2006/relationships" xmlns:p="http://schemas.openxmlformats.org/presentationml/2006/main">
   <p:cSld>
@@ -14380,6 +14414,104 @@
           <p:cNvPr id="2" name="Title 1">
             <a:extLst>
               <a:ext uri="{FF2B5EF4-FFF2-40B4-BE49-F238E27FC236}">
+                <a16:creationId xmlns:a16="http://schemas.microsoft.com/office/drawing/2014/main" id="{65B8F461-6C22-6C47-BBCB-ACAEDB8D0225}"/>
+              </a:ext>
+            </a:extLst>
+          </p:cNvPr>
+          <p:cNvSpPr>
+            <a:spLocks noGrp="1"/>
+          </p:cNvSpPr>
+          <p:nvPr>
+            <p:ph type="title"/>
+          </p:nvPr>
+        </p:nvSpPr>
+        <p:spPr/>
+        <p:txBody>
+          <a:bodyPr/>
+          <a:lstStyle/>
+          <a:p>
+            <a:r>
+              <a:rPr lang="en-US" dirty="0"/>
+              <a:t>Conditions and Loops Quiz</a:t>
+            </a:r>
+          </a:p>
+        </p:txBody>
+      </p:sp>
+      <p:sp>
+        <p:nvSpPr>
+          <p:cNvPr id="3" name="Content Placeholder 2">
+            <a:extLst>
+              <a:ext uri="{FF2B5EF4-FFF2-40B4-BE49-F238E27FC236}">
+                <a16:creationId xmlns:a16="http://schemas.microsoft.com/office/drawing/2014/main" id="{48A30A9D-B5E9-3248-9DCA-919563D8B192}"/>
+              </a:ext>
+            </a:extLst>
+          </p:cNvPr>
+          <p:cNvSpPr>
+            <a:spLocks noGrp="1"/>
+          </p:cNvSpPr>
+          <p:nvPr>
+            <p:ph idx="1"/>
+          </p:nvPr>
+        </p:nvSpPr>
+        <p:spPr/>
+        <p:txBody>
+          <a:bodyPr/>
+          <a:lstStyle/>
+          <a:p>
+            <a:r>
+              <a:rPr lang="en-US" dirty="0"/>
+              <a:t>1. Given a = 10, b = 20, print “equal” if a equal to b and “not equal” otherwise</a:t>
+            </a:r>
+          </a:p>
+          <a:p>
+            <a:r>
+              <a:rPr lang="en-US" dirty="0"/>
+              <a:t>2. Using a while loop, print all the values from 1 to 10 except 8</a:t>
+            </a:r>
+          </a:p>
+          <a:p>
+            <a:r>
+              <a:rPr lang="en-US" dirty="0"/>
+              <a:t>3. Using a for loop, print all the elements from a list</a:t>
+            </a:r>
+          </a:p>
+        </p:txBody>
+      </p:sp>
+    </p:spTree>
+    <p:extLst>
+      <p:ext uri="{BB962C8B-B14F-4D97-AF65-F5344CB8AC3E}">
+        <p14:creationId xmlns:p14="http://schemas.microsoft.com/office/powerpoint/2010/main" val="2041602009"/>
+      </p:ext>
+    </p:extLst>
+  </p:cSld>
+  <p:clrMapOvr>
+    <a:masterClrMapping/>
+  </p:clrMapOvr>
+</p:sld>
+</file>
+
+<file path=ppt/slides/slide64.xml><?xml version="1.0" encoding="utf-8"?>
+<p:sld xmlns:a="http://schemas.openxmlformats.org/drawingml/2006/main" xmlns:r="http://schemas.openxmlformats.org/officeDocument/2006/relationships" xmlns:p="http://schemas.openxmlformats.org/presentationml/2006/main">
+  <p:cSld>
+    <p:spTree>
+      <p:nvGrpSpPr>
+        <p:cNvPr id="1" name=""/>
+        <p:cNvGrpSpPr/>
+        <p:nvPr/>
+      </p:nvGrpSpPr>
+      <p:grpSpPr>
+        <a:xfrm>
+          <a:off x="0" y="0"/>
+          <a:ext cx="0" cy="0"/>
+          <a:chOff x="0" y="0"/>
+          <a:chExt cx="0" cy="0"/>
+        </a:xfrm>
+      </p:grpSpPr>
+      <p:sp>
+        <p:nvSpPr>
+          <p:cNvPr id="2" name="Title 1">
+            <a:extLst>
+              <a:ext uri="{FF2B5EF4-FFF2-40B4-BE49-F238E27FC236}">
                 <a16:creationId xmlns:a16="http://schemas.microsoft.com/office/drawing/2014/main" id="{8EC624DA-4907-9140-BFB3-960BD042EAEE}"/>
               </a:ext>
             </a:extLst>
@@ -14471,7 +14603,7 @@
 </p:sld>
 </file>
 
-<file path=ppt/slides/slide64.xml><?xml version="1.0" encoding="utf-8"?>
+<file path=ppt/slides/slide65.xml><?xml version="1.0" encoding="utf-8"?>
 <p:sld xmlns:a="http://schemas.openxmlformats.org/drawingml/2006/main" xmlns:r="http://schemas.openxmlformats.org/officeDocument/2006/relationships" xmlns:p="http://schemas.openxmlformats.org/presentationml/2006/main">
   <p:cSld>
     <p:spTree>
@@ -14626,7 +14758,7 @@
 </p:sld>
 </file>
 
-<file path=ppt/slides/slide65.xml><?xml version="1.0" encoding="utf-8"?>
+<file path=ppt/slides/slide66.xml><?xml version="1.0" encoding="utf-8"?>
 <p:sld xmlns:a="http://schemas.openxmlformats.org/drawingml/2006/main" xmlns:r="http://schemas.openxmlformats.org/officeDocument/2006/relationships" xmlns:p="http://schemas.openxmlformats.org/presentationml/2006/main">
   <p:cSld>
     <p:spTree>
@@ -14733,7 +14865,7 @@
 </p:sld>
 </file>
 
-<file path=ppt/slides/slide66.xml><?xml version="1.0" encoding="utf-8"?>
+<file path=ppt/slides/slide67.xml><?xml version="1.0" encoding="utf-8"?>
 <p:sld xmlns:a="http://schemas.openxmlformats.org/drawingml/2006/main" xmlns:r="http://schemas.openxmlformats.org/officeDocument/2006/relationships" xmlns:p="http://schemas.openxmlformats.org/presentationml/2006/main">
   <p:cSld>
     <p:spTree>
@@ -14885,139 +15017,6 @@
 </p:sld>
 </file>
 
-<file path=ppt/slides/slide67.xml><?xml version="1.0" encoding="utf-8"?>
-<p:sld xmlns:a="http://schemas.openxmlformats.org/drawingml/2006/main" xmlns:r="http://schemas.openxmlformats.org/officeDocument/2006/relationships" xmlns:p="http://schemas.openxmlformats.org/presentationml/2006/main">
-  <p:cSld>
-    <p:spTree>
-      <p:nvGrpSpPr>
-        <p:cNvPr id="1" name=""/>
-        <p:cNvGrpSpPr/>
-        <p:nvPr/>
-      </p:nvGrpSpPr>
-      <p:grpSpPr>
-        <a:xfrm>
-          <a:off x="0" y="0"/>
-          <a:ext cx="0" cy="0"/>
-          <a:chOff x="0" y="0"/>
-          <a:chExt cx="0" cy="0"/>
-        </a:xfrm>
-      </p:grpSpPr>
-      <p:sp>
-        <p:nvSpPr>
-          <p:cNvPr id="2" name="Title 1">
-            <a:extLst>
-              <a:ext uri="{FF2B5EF4-FFF2-40B4-BE49-F238E27FC236}">
-                <a16:creationId xmlns:a16="http://schemas.microsoft.com/office/drawing/2014/main" id="{D078BDF1-BD2F-114F-AB49-C083BE6472D9}"/>
-              </a:ext>
-            </a:extLst>
-          </p:cNvPr>
-          <p:cNvSpPr>
-            <a:spLocks noGrp="1"/>
-          </p:cNvSpPr>
-          <p:nvPr>
-            <p:ph type="title"/>
-          </p:nvPr>
-        </p:nvSpPr>
-        <p:spPr/>
-        <p:txBody>
-          <a:bodyPr/>
-          <a:lstStyle/>
-          <a:p>
-            <a:r>
-              <a:rPr lang="en-US" dirty="0"/>
-              <a:t>Final Project – Rock, Paper, Scissors</a:t>
-            </a:r>
-          </a:p>
-        </p:txBody>
-      </p:sp>
-      <p:sp>
-        <p:nvSpPr>
-          <p:cNvPr id="3" name="Content Placeholder 2">
-            <a:extLst>
-              <a:ext uri="{FF2B5EF4-FFF2-40B4-BE49-F238E27FC236}">
-                <a16:creationId xmlns:a16="http://schemas.microsoft.com/office/drawing/2014/main" id="{C915A57F-CC3E-4047-9599-713EE35AFBCC}"/>
-              </a:ext>
-            </a:extLst>
-          </p:cNvPr>
-          <p:cNvSpPr>
-            <a:spLocks noGrp="1"/>
-          </p:cNvSpPr>
-          <p:nvPr>
-            <p:ph idx="1"/>
-          </p:nvPr>
-        </p:nvSpPr>
-        <p:spPr/>
-        <p:txBody>
-          <a:bodyPr/>
-          <a:lstStyle/>
-          <a:p>
-            <a:r>
-              <a:rPr lang="en-US" dirty="0"/>
-              <a:t>Project Guidelines:</a:t>
-            </a:r>
-          </a:p>
-          <a:p>
-            <a:pPr lvl="1"/>
-            <a:r>
-              <a:rPr lang="en-US" dirty="0"/>
-              <a:t>1. The game will keep score</a:t>
-            </a:r>
-          </a:p>
-          <a:p>
-            <a:pPr lvl="1"/>
-            <a:r>
-              <a:rPr lang="en-US" dirty="0"/>
-              <a:t>2. The game will let you stop whenever you want to</a:t>
-            </a:r>
-          </a:p>
-          <a:p>
-            <a:pPr lvl="1"/>
-            <a:r>
-              <a:rPr lang="en-US" dirty="0"/>
-              <a:t>3. The game will prompt the player for a choice and respond with the computer’s choice randomly</a:t>
-            </a:r>
-          </a:p>
-          <a:p>
-            <a:pPr lvl="2"/>
-            <a:r>
-              <a:rPr lang="en-US" dirty="0"/>
-              <a:t>The user input must be a string</a:t>
-            </a:r>
-          </a:p>
-          <a:p>
-            <a:pPr lvl="2"/>
-            <a:r>
-              <a:rPr lang="en-US" dirty="0"/>
-              <a:t>The code must use a dictionary to map strings to </a:t>
-            </a:r>
-            <a:r>
-              <a:rPr lang="en-US" dirty="0" err="1"/>
-              <a:t>ints</a:t>
-            </a:r>
-            <a:endParaRPr lang="en-US" dirty="0"/>
-          </a:p>
-          <a:p>
-            <a:pPr lvl="1"/>
-            <a:r>
-              <a:rPr lang="en-US" dirty="0"/>
-              <a:t>4. If the player inputs a bad input, the game will warn the player and continue</a:t>
-            </a:r>
-          </a:p>
-        </p:txBody>
-      </p:sp>
-    </p:spTree>
-    <p:extLst>
-      <p:ext uri="{BB962C8B-B14F-4D97-AF65-F5344CB8AC3E}">
-        <p14:creationId xmlns:p14="http://schemas.microsoft.com/office/powerpoint/2010/main" val="586422086"/>
-      </p:ext>
-    </p:extLst>
-  </p:cSld>
-  <p:clrMapOvr>
-    <a:masterClrMapping/>
-  </p:clrMapOvr>
-</p:sld>
-</file>
-
 <file path=ppt/slides/slide68.xml><?xml version="1.0" encoding="utf-8"?>
 <p:sld xmlns:a="http://schemas.openxmlformats.org/drawingml/2006/main" xmlns:r="http://schemas.openxmlformats.org/officeDocument/2006/relationships" xmlns:p="http://schemas.openxmlformats.org/presentationml/2006/main">
   <p:cSld>
@@ -15040,7 +15039,7 @@
           <p:cNvPr id="2" name="Title 1">
             <a:extLst>
               <a:ext uri="{FF2B5EF4-FFF2-40B4-BE49-F238E27FC236}">
-                <a16:creationId xmlns:a16="http://schemas.microsoft.com/office/drawing/2014/main" id="{1EF7DFB5-9E6B-9C4F-B009-9FF3D52998DC}"/>
+                <a16:creationId xmlns:a16="http://schemas.microsoft.com/office/drawing/2014/main" id="{D078BDF1-BD2F-114F-AB49-C083BE6472D9}"/>
               </a:ext>
             </a:extLst>
           </p:cNvPr>
@@ -15058,7 +15057,7 @@
           <a:p>
             <a:r>
               <a:rPr lang="en-US" dirty="0"/>
-              <a:t>Thank you for attending</a:t>
+              <a:t>Final Project – Rock, Paper, Scissors</a:t>
             </a:r>
           </a:p>
         </p:txBody>
@@ -15068,7 +15067,7 @@
           <p:cNvPr id="3" name="Content Placeholder 2">
             <a:extLst>
               <a:ext uri="{FF2B5EF4-FFF2-40B4-BE49-F238E27FC236}">
-                <a16:creationId xmlns:a16="http://schemas.microsoft.com/office/drawing/2014/main" id="{CEBEF3C4-E30E-8340-A7EE-543276B80858}"/>
+                <a16:creationId xmlns:a16="http://schemas.microsoft.com/office/drawing/2014/main" id="{C915A57F-CC3E-4047-9599-713EE35AFBCC}"/>
               </a:ext>
             </a:extLst>
           </p:cNvPr>
@@ -15086,59 +15085,69 @@
           <a:p>
             <a:r>
               <a:rPr lang="en-US" dirty="0"/>
-              <a:t>I have been working with python and other languages for years now and I always feel like I’m learning something</a:t>
-            </a:r>
-          </a:p>
-          <a:p>
-            <a:r>
-              <a:rPr lang="en-US" dirty="0"/>
-              <a:t>Coding and programming can become as normal for us as maths and English, and I think going forward it is only going to become more important</a:t>
-            </a:r>
-          </a:p>
-          <a:p>
-            <a:r>
-              <a:rPr lang="en-US" dirty="0"/>
-              <a:t>6AMB has a fantastic reference book “Beginning Programming with Python For Dummies” and it can be found in the Innovation room</a:t>
+              <a:t>Project Guidelines:</a:t>
             </a:r>
           </a:p>
           <a:p>
             <a:pPr lvl="1"/>
             <a:r>
               <a:rPr lang="en-US" dirty="0"/>
-              <a:t>https://</a:t>
+              <a:t>1. The game will keep score</a:t>
+            </a:r>
+          </a:p>
+          <a:p>
+            <a:pPr lvl="1"/>
+            <a:r>
+              <a:rPr lang="en-US" dirty="0"/>
+              <a:t>2. The game will let you stop whenever you want to</a:t>
+            </a:r>
+          </a:p>
+          <a:p>
+            <a:pPr lvl="1"/>
+            <a:r>
+              <a:rPr lang="en-US" dirty="0"/>
+              <a:t>3. The game will prompt the player for a choice and respond with the computer’s choice randomly</a:t>
+            </a:r>
+          </a:p>
+          <a:p>
+            <a:pPr lvl="2"/>
+            <a:r>
+              <a:rPr lang="en-US" dirty="0"/>
+              <a:t>The user input must be a string</a:t>
+            </a:r>
+          </a:p>
+          <a:p>
+            <a:pPr lvl="2"/>
+            <a:r>
+              <a:rPr lang="en-US" dirty="0"/>
+              <a:t>The code must use a dictionary to map strings to </a:t>
             </a:r>
             <a:r>
               <a:rPr lang="en-US" dirty="0" err="1"/>
-              <a:t>singapore.kinokuniya.com</a:t>
-            </a:r>
-            <a:r>
-              <a:rPr lang="en-US" dirty="0"/>
-              <a:t>/</a:t>
-            </a:r>
-            <a:r>
-              <a:rPr lang="en-US" dirty="0" err="1"/>
-              <a:t>bw</a:t>
-            </a:r>
-            <a:r>
-              <a:rPr lang="en-US" dirty="0"/>
-              <a:t>/9781119457893</a:t>
-            </a:r>
-          </a:p>
-          <a:p>
-            <a:pPr marL="457200" lvl="1" indent="0">
-              <a:buNone/>
-            </a:pPr>
-            <a:endParaRPr lang="en-US" dirty="0"/>
-          </a:p>
-          <a:p>
-            <a:endParaRPr lang="en-US" dirty="0"/>
+              <a:t>ints</a:t>
+            </a:r>
+            <a:endParaRPr lang="en-US" dirty="0"/>
+          </a:p>
+          <a:p>
+            <a:pPr lvl="1"/>
+            <a:r>
+              <a:rPr lang="en-US" dirty="0"/>
+              <a:t>4. If the player inputs a bad input, the game will warn the player and continue</a:t>
+            </a:r>
+          </a:p>
+          <a:p>
+            <a:pPr lvl="1"/>
+            <a:r>
+              <a:rPr lang="en-US" dirty="0"/>
+              <a:t>5. The entire game must be a function</a:t>
+            </a:r>
           </a:p>
         </p:txBody>
       </p:sp>
     </p:spTree>
     <p:extLst>
       <p:ext uri="{BB962C8B-B14F-4D97-AF65-F5344CB8AC3E}">
-        <p14:creationId xmlns:p14="http://schemas.microsoft.com/office/powerpoint/2010/main" val="184653292"/>
+        <p14:creationId xmlns:p14="http://schemas.microsoft.com/office/powerpoint/2010/main" val="586422086"/>
       </p:ext>
     </p:extLst>
   </p:cSld>
@@ -15170,6 +15179,257 @@
           <p:cNvPr id="2" name="Title 1">
             <a:extLst>
               <a:ext uri="{FF2B5EF4-FFF2-40B4-BE49-F238E27FC236}">
+                <a16:creationId xmlns:a16="http://schemas.microsoft.com/office/drawing/2014/main" id="{1EF7DFB5-9E6B-9C4F-B009-9FF3D52998DC}"/>
+              </a:ext>
+            </a:extLst>
+          </p:cNvPr>
+          <p:cNvSpPr>
+            <a:spLocks noGrp="1"/>
+          </p:cNvSpPr>
+          <p:nvPr>
+            <p:ph type="title"/>
+          </p:nvPr>
+        </p:nvSpPr>
+        <p:spPr/>
+        <p:txBody>
+          <a:bodyPr/>
+          <a:lstStyle/>
+          <a:p>
+            <a:r>
+              <a:rPr lang="en-US" dirty="0"/>
+              <a:t>Thank you for attending</a:t>
+            </a:r>
+          </a:p>
+        </p:txBody>
+      </p:sp>
+      <p:sp>
+        <p:nvSpPr>
+          <p:cNvPr id="3" name="Content Placeholder 2">
+            <a:extLst>
+              <a:ext uri="{FF2B5EF4-FFF2-40B4-BE49-F238E27FC236}">
+                <a16:creationId xmlns:a16="http://schemas.microsoft.com/office/drawing/2014/main" id="{CEBEF3C4-E30E-8340-A7EE-543276B80858}"/>
+              </a:ext>
+            </a:extLst>
+          </p:cNvPr>
+          <p:cNvSpPr>
+            <a:spLocks noGrp="1"/>
+          </p:cNvSpPr>
+          <p:nvPr>
+            <p:ph idx="1"/>
+          </p:nvPr>
+        </p:nvSpPr>
+        <p:spPr/>
+        <p:txBody>
+          <a:bodyPr/>
+          <a:lstStyle/>
+          <a:p>
+            <a:r>
+              <a:rPr lang="en-US" dirty="0"/>
+              <a:t>I have been working with python and other languages for years now and I always feel like I’m learning something</a:t>
+            </a:r>
+          </a:p>
+          <a:p>
+            <a:r>
+              <a:rPr lang="en-US" dirty="0"/>
+              <a:t>Coding and programming can become as normal for us as maths and English, and I think going forward it is only going to become more important</a:t>
+            </a:r>
+          </a:p>
+          <a:p>
+            <a:r>
+              <a:rPr lang="en-US" dirty="0"/>
+              <a:t>6AMB has a fantastic reference book “Beginning Programming with Python For Dummies” and it can be found in the Innovation room</a:t>
+            </a:r>
+          </a:p>
+          <a:p>
+            <a:pPr lvl="1"/>
+            <a:r>
+              <a:rPr lang="en-US" dirty="0"/>
+              <a:t>https://</a:t>
+            </a:r>
+            <a:r>
+              <a:rPr lang="en-US" dirty="0" err="1"/>
+              <a:t>singapore.kinokuniya.com</a:t>
+            </a:r>
+            <a:r>
+              <a:rPr lang="en-US" dirty="0"/>
+              <a:t>/</a:t>
+            </a:r>
+            <a:r>
+              <a:rPr lang="en-US" dirty="0" err="1"/>
+              <a:t>bw</a:t>
+            </a:r>
+            <a:r>
+              <a:rPr lang="en-US" dirty="0"/>
+              <a:t>/9781119457893</a:t>
+            </a:r>
+          </a:p>
+          <a:p>
+            <a:pPr marL="457200" lvl="1" indent="0">
+              <a:buNone/>
+            </a:pPr>
+            <a:endParaRPr lang="en-US" dirty="0"/>
+          </a:p>
+          <a:p>
+            <a:endParaRPr lang="en-US" dirty="0"/>
+          </a:p>
+        </p:txBody>
+      </p:sp>
+    </p:spTree>
+    <p:extLst>
+      <p:ext uri="{BB962C8B-B14F-4D97-AF65-F5344CB8AC3E}">
+        <p14:creationId xmlns:p14="http://schemas.microsoft.com/office/powerpoint/2010/main" val="184653292"/>
+      </p:ext>
+    </p:extLst>
+  </p:cSld>
+  <p:clrMapOvr>
+    <a:masterClrMapping/>
+  </p:clrMapOvr>
+</p:sld>
+</file>
+
+<file path=ppt/slides/slide7.xml><?xml version="1.0" encoding="utf-8"?>
+<p:sld xmlns:a="http://schemas.openxmlformats.org/drawingml/2006/main" xmlns:r="http://schemas.openxmlformats.org/officeDocument/2006/relationships" xmlns:p="http://schemas.openxmlformats.org/presentationml/2006/main">
+  <p:cSld>
+    <p:spTree>
+      <p:nvGrpSpPr>
+        <p:cNvPr id="1" name=""/>
+        <p:cNvGrpSpPr/>
+        <p:nvPr/>
+      </p:nvGrpSpPr>
+      <p:grpSpPr>
+        <a:xfrm>
+          <a:off x="0" y="0"/>
+          <a:ext cx="0" cy="0"/>
+          <a:chOff x="0" y="0"/>
+          <a:chExt cx="0" cy="0"/>
+        </a:xfrm>
+      </p:grpSpPr>
+      <p:sp>
+        <p:nvSpPr>
+          <p:cNvPr id="2" name="Title 1">
+            <a:extLst>
+              <a:ext uri="{FF2B5EF4-FFF2-40B4-BE49-F238E27FC236}">
+                <a16:creationId xmlns:a16="http://schemas.microsoft.com/office/drawing/2014/main" id="{53654066-DD8B-034C-8B67-BBB40300A078}"/>
+              </a:ext>
+            </a:extLst>
+          </p:cNvPr>
+          <p:cNvSpPr>
+            <a:spLocks noGrp="1"/>
+          </p:cNvSpPr>
+          <p:nvPr>
+            <p:ph type="title"/>
+          </p:nvPr>
+        </p:nvSpPr>
+        <p:spPr/>
+        <p:txBody>
+          <a:bodyPr/>
+          <a:lstStyle/>
+          <a:p>
+            <a:r>
+              <a:rPr lang="en-US" dirty="0"/>
+              <a:t>How to Download Python		</a:t>
+            </a:r>
+          </a:p>
+        </p:txBody>
+      </p:sp>
+      <p:sp>
+        <p:nvSpPr>
+          <p:cNvPr id="3" name="Content Placeholder 2">
+            <a:extLst>
+              <a:ext uri="{FF2B5EF4-FFF2-40B4-BE49-F238E27FC236}">
+                <a16:creationId xmlns:a16="http://schemas.microsoft.com/office/drawing/2014/main" id="{BD2C6966-506D-C74B-BABF-3C3F531349DF}"/>
+              </a:ext>
+            </a:extLst>
+          </p:cNvPr>
+          <p:cNvSpPr>
+            <a:spLocks noGrp="1"/>
+          </p:cNvSpPr>
+          <p:nvPr>
+            <p:ph idx="1"/>
+          </p:nvPr>
+        </p:nvSpPr>
+        <p:spPr/>
+        <p:txBody>
+          <a:bodyPr>
+            <a:normAutofit lnSpcReduction="10000"/>
+          </a:bodyPr>
+          <a:lstStyle/>
+          <a:p>
+            <a:r>
+              <a:rPr lang="en-US" dirty="0">
+                <a:hlinkClick r:id="rId2"/>
+              </a:rPr>
+              <a:t>https://realpython.com/installing-python/</a:t>
+            </a:r>
+            <a:endParaRPr lang="en-US" dirty="0"/>
+          </a:p>
+          <a:p>
+            <a:r>
+              <a:rPr lang="en-US" dirty="0"/>
+              <a:t>This is the best link on how to download the newest version of python for macOS, Windows or Linux</a:t>
+            </a:r>
+          </a:p>
+          <a:p>
+            <a:endParaRPr lang="en-US" dirty="0"/>
+          </a:p>
+          <a:p>
+            <a:r>
+              <a:rPr lang="en-US" dirty="0"/>
+              <a:t>Today we will be using an online compiler, so this is not necessary but in your own time feel free</a:t>
+            </a:r>
+          </a:p>
+          <a:p>
+            <a:r>
+              <a:rPr lang="en-US" dirty="0"/>
+              <a:t>After downloading python, you can use a text editor like ”Visual Studio Code” to actually write your code</a:t>
+            </a:r>
+          </a:p>
+          <a:p>
+            <a:endParaRPr lang="en-US" dirty="0"/>
+          </a:p>
+          <a:p>
+            <a:r>
+              <a:rPr lang="en-US" dirty="0"/>
+              <a:t>Since we will not be downloading Python, for today we will skip over the next 3 slides</a:t>
+            </a:r>
+          </a:p>
+        </p:txBody>
+      </p:sp>
+    </p:spTree>
+    <p:extLst>
+      <p:ext uri="{BB962C8B-B14F-4D97-AF65-F5344CB8AC3E}">
+        <p14:creationId xmlns:p14="http://schemas.microsoft.com/office/powerpoint/2010/main" val="1763611976"/>
+      </p:ext>
+    </p:extLst>
+  </p:cSld>
+  <p:clrMapOvr>
+    <a:masterClrMapping/>
+  </p:clrMapOvr>
+</p:sld>
+</file>
+
+<file path=ppt/slides/slide70.xml><?xml version="1.0" encoding="utf-8"?>
+<p:sld xmlns:a="http://schemas.openxmlformats.org/drawingml/2006/main" xmlns:r="http://schemas.openxmlformats.org/officeDocument/2006/relationships" xmlns:p="http://schemas.openxmlformats.org/presentationml/2006/main">
+  <p:cSld>
+    <p:spTree>
+      <p:nvGrpSpPr>
+        <p:cNvPr id="1" name=""/>
+        <p:cNvGrpSpPr/>
+        <p:nvPr/>
+      </p:nvGrpSpPr>
+      <p:grpSpPr>
+        <a:xfrm>
+          <a:off x="0" y="0"/>
+          <a:ext cx="0" cy="0"/>
+          <a:chOff x="0" y="0"/>
+          <a:chExt cx="0" cy="0"/>
+        </a:xfrm>
+      </p:grpSpPr>
+      <p:sp>
+        <p:nvSpPr>
+          <p:cNvPr id="2" name="Title 1">
+            <a:extLst>
+              <a:ext uri="{FF2B5EF4-FFF2-40B4-BE49-F238E27FC236}">
                 <a16:creationId xmlns:a16="http://schemas.microsoft.com/office/drawing/2014/main" id="{60E86C48-2D02-C847-B830-A68475A459F9}"/>
               </a:ext>
             </a:extLst>
@@ -15274,7 +15534,7 @@
 </p:sld>
 </file>
 
-<file path=ppt/slides/slide7.xml><?xml version="1.0" encoding="utf-8"?>
+<file path=ppt/slides/slide8.xml><?xml version="1.0" encoding="utf-8"?>
 <p:sld xmlns:a="http://schemas.openxmlformats.org/drawingml/2006/main" xmlns:r="http://schemas.openxmlformats.org/officeDocument/2006/relationships" xmlns:p="http://schemas.openxmlformats.org/presentationml/2006/main">
   <p:cSld>
     <p:spTree>
@@ -15435,139 +15695,6 @@
 </p:sld>
 </file>
 
-<file path=ppt/slides/slide8.xml><?xml version="1.0" encoding="utf-8"?>
-<p:sld xmlns:a="http://schemas.openxmlformats.org/drawingml/2006/main" xmlns:r="http://schemas.openxmlformats.org/officeDocument/2006/relationships" xmlns:p="http://schemas.openxmlformats.org/presentationml/2006/main">
-  <p:cSld>
-    <p:spTree>
-      <p:nvGrpSpPr>
-        <p:cNvPr id="1" name=""/>
-        <p:cNvGrpSpPr/>
-        <p:nvPr/>
-      </p:nvGrpSpPr>
-      <p:grpSpPr>
-        <a:xfrm>
-          <a:off x="0" y="0"/>
-          <a:ext cx="0" cy="0"/>
-          <a:chOff x="0" y="0"/>
-          <a:chExt cx="0" cy="0"/>
-        </a:xfrm>
-      </p:grpSpPr>
-      <p:sp>
-        <p:nvSpPr>
-          <p:cNvPr id="2" name="Title 1">
-            <a:extLst>
-              <a:ext uri="{FF2B5EF4-FFF2-40B4-BE49-F238E27FC236}">
-                <a16:creationId xmlns:a16="http://schemas.microsoft.com/office/drawing/2014/main" id="{F776795F-2FEB-C149-9F5F-2F5E9C1C7522}"/>
-              </a:ext>
-            </a:extLst>
-          </p:cNvPr>
-          <p:cNvSpPr>
-            <a:spLocks noGrp="1"/>
-          </p:cNvSpPr>
-          <p:nvPr>
-            <p:ph type="title"/>
-          </p:nvPr>
-        </p:nvSpPr>
-        <p:spPr/>
-        <p:txBody>
-          <a:bodyPr/>
-          <a:lstStyle/>
-          <a:p>
-            <a:r>
-              <a:rPr lang="en-US" dirty="0"/>
-              <a:t>Understanding CLI contd.	</a:t>
-            </a:r>
-          </a:p>
-        </p:txBody>
-      </p:sp>
-      <p:sp>
-        <p:nvSpPr>
-          <p:cNvPr id="3" name="Content Placeholder 2">
-            <a:extLst>
-              <a:ext uri="{FF2B5EF4-FFF2-40B4-BE49-F238E27FC236}">
-                <a16:creationId xmlns:a16="http://schemas.microsoft.com/office/drawing/2014/main" id="{0386BDBD-8DA1-0445-8D8F-00A214E3CF7D}"/>
-              </a:ext>
-            </a:extLst>
-          </p:cNvPr>
-          <p:cNvSpPr>
-            <a:spLocks noGrp="1"/>
-          </p:cNvSpPr>
-          <p:nvPr>
-            <p:ph idx="1"/>
-          </p:nvPr>
-        </p:nvSpPr>
-        <p:spPr/>
-        <p:txBody>
-          <a:bodyPr/>
-          <a:lstStyle/>
-          <a:p>
-            <a:r>
-              <a:rPr lang="en-US" dirty="0"/>
-              <a:t>Command Line Interface is essentially a window into the heart of your computer. It allows you to manipulate files and directories through simple text. </a:t>
-            </a:r>
-          </a:p>
-          <a:p>
-            <a:pPr lvl="1"/>
-            <a:r>
-              <a:rPr lang="en-US" dirty="0"/>
-              <a:t>Some useful commands include:</a:t>
-            </a:r>
-          </a:p>
-          <a:p>
-            <a:pPr lvl="2"/>
-            <a:r>
-              <a:rPr lang="en-US" dirty="0"/>
-              <a:t>cd – change directory: you can move into and out of folders like this</a:t>
-            </a:r>
-          </a:p>
-          <a:p>
-            <a:pPr lvl="3"/>
-            <a:r>
-              <a:rPr lang="en-US" dirty="0"/>
-              <a:t>cd Documents: this will move you into your documents folder</a:t>
-            </a:r>
-          </a:p>
-          <a:p>
-            <a:pPr lvl="2"/>
-            <a:r>
-              <a:rPr lang="en-US" dirty="0"/>
-              <a:t> </a:t>
-            </a:r>
-            <a:r>
-              <a:rPr lang="en-US" dirty="0" err="1"/>
-              <a:t>mkdir</a:t>
-            </a:r>
-            <a:r>
-              <a:rPr lang="en-US" dirty="0"/>
-              <a:t> – make directory: you can create folders like this</a:t>
-            </a:r>
-          </a:p>
-          <a:p>
-            <a:pPr lvl="2"/>
-            <a:r>
-              <a:rPr lang="en-US" dirty="0"/>
-              <a:t>touch [filename] – you can create files like this</a:t>
-            </a:r>
-          </a:p>
-          <a:p>
-            <a:pPr lvl="3"/>
-            <a:endParaRPr lang="en-US" dirty="0"/>
-          </a:p>
-        </p:txBody>
-      </p:sp>
-    </p:spTree>
-    <p:extLst>
-      <p:ext uri="{BB962C8B-B14F-4D97-AF65-F5344CB8AC3E}">
-        <p14:creationId xmlns:p14="http://schemas.microsoft.com/office/powerpoint/2010/main" val="4038401862"/>
-      </p:ext>
-    </p:extLst>
-  </p:cSld>
-  <p:clrMapOvr>
-    <a:masterClrMapping/>
-  </p:clrMapOvr>
-</p:sld>
-</file>
-
 <file path=ppt/slides/slide9.xml><?xml version="1.0" encoding="utf-8"?>
 <p:sld xmlns:a="http://schemas.openxmlformats.org/drawingml/2006/main" xmlns:r="http://schemas.openxmlformats.org/officeDocument/2006/relationships" xmlns:p="http://schemas.openxmlformats.org/presentationml/2006/main">
   <p:cSld>
@@ -15590,7 +15717,7 @@
           <p:cNvPr id="2" name="Title 1">
             <a:extLst>
               <a:ext uri="{FF2B5EF4-FFF2-40B4-BE49-F238E27FC236}">
-                <a16:creationId xmlns:a16="http://schemas.microsoft.com/office/drawing/2014/main" id="{E4AFFE4F-452B-8748-AF3C-2862999D05F5}"/>
+                <a16:creationId xmlns:a16="http://schemas.microsoft.com/office/drawing/2014/main" id="{F776795F-2FEB-C149-9F5F-2F5E9C1C7522}"/>
               </a:ext>
             </a:extLst>
           </p:cNvPr>
@@ -15608,7 +15735,7 @@
           <a:p>
             <a:r>
               <a:rPr lang="en-US" dirty="0"/>
-              <a:t>Hello World</a:t>
+              <a:t>Understanding CLI contd.	</a:t>
             </a:r>
           </a:p>
         </p:txBody>
@@ -15618,7 +15745,7 @@
           <p:cNvPr id="3" name="Content Placeholder 2">
             <a:extLst>
               <a:ext uri="{FF2B5EF4-FFF2-40B4-BE49-F238E27FC236}">
-                <a16:creationId xmlns:a16="http://schemas.microsoft.com/office/drawing/2014/main" id="{093E9495-F4C2-5E44-AC2B-E507DDED3734}"/>
+                <a16:creationId xmlns:a16="http://schemas.microsoft.com/office/drawing/2014/main" id="{0386BDBD-8DA1-0445-8D8F-00A214E3CF7D}"/>
               </a:ext>
             </a:extLst>
           </p:cNvPr>
@@ -15636,60 +15763,62 @@
           <a:p>
             <a:r>
               <a:rPr lang="en-US" dirty="0"/>
-              <a:t>So, to start we will create a “hello world” program in python</a:t>
-            </a:r>
-          </a:p>
-          <a:p>
-            <a:r>
-              <a:rPr lang="en-US" dirty="0"/>
-              <a:t>Type in “python” into your CLI </a:t>
-            </a:r>
-          </a:p>
-          <a:p>
-            <a:r>
-              <a:rPr lang="en-US" dirty="0"/>
-              <a:t>Then type in print(“hello world”)</a:t>
-            </a:r>
-          </a:p>
-          <a:p>
-            <a:endParaRPr lang="en-US" dirty="0"/>
-          </a:p>
-        </p:txBody>
-      </p:sp>
-      <p:pic>
-        <p:nvPicPr>
-          <p:cNvPr id="4" name="Picture 3">
-            <a:extLst>
-              <a:ext uri="{FF2B5EF4-FFF2-40B4-BE49-F238E27FC236}">
-                <a16:creationId xmlns:a16="http://schemas.microsoft.com/office/drawing/2014/main" id="{98C21BD2-B0A3-EC4E-85B5-C2606D9F0C3D}"/>
-              </a:ext>
-            </a:extLst>
-          </p:cNvPr>
-          <p:cNvPicPr>
-            <a:picLocks noChangeAspect="1"/>
-          </p:cNvPicPr>
-          <p:nvPr/>
-        </p:nvPicPr>
-        <p:blipFill>
-          <a:blip r:embed="rId2"/>
-          <a:stretch>
-            <a:fillRect/>
-          </a:stretch>
-        </p:blipFill>
-        <p:spPr>
-          <a:xfrm>
-            <a:off x="2038564" y="3429000"/>
-            <a:ext cx="8382000" cy="2324100"/>
-          </a:xfrm>
-          <a:prstGeom prst="rect">
-            <a:avLst/>
-          </a:prstGeom>
-        </p:spPr>
-      </p:pic>
+              <a:t>Command Line Interface is essentially a window into the heart of your computer. It allows you to manipulate files and directories through simple text. </a:t>
+            </a:r>
+          </a:p>
+          <a:p>
+            <a:pPr lvl="1"/>
+            <a:r>
+              <a:rPr lang="en-US" dirty="0"/>
+              <a:t>Some useful commands include:</a:t>
+            </a:r>
+          </a:p>
+          <a:p>
+            <a:pPr lvl="2"/>
+            <a:r>
+              <a:rPr lang="en-US" dirty="0"/>
+              <a:t>cd – change directory: you can move into and out of folders like this</a:t>
+            </a:r>
+          </a:p>
+          <a:p>
+            <a:pPr lvl="3"/>
+            <a:r>
+              <a:rPr lang="en-US" dirty="0"/>
+              <a:t>cd Documents: this will move you into your documents folder</a:t>
+            </a:r>
+          </a:p>
+          <a:p>
+            <a:pPr lvl="2"/>
+            <a:r>
+              <a:rPr lang="en-US" dirty="0"/>
+              <a:t> </a:t>
+            </a:r>
+            <a:r>
+              <a:rPr lang="en-US" dirty="0" err="1"/>
+              <a:t>mkdir</a:t>
+            </a:r>
+            <a:r>
+              <a:rPr lang="en-US" dirty="0"/>
+              <a:t> – make directory: you can create folders like this</a:t>
+            </a:r>
+          </a:p>
+          <a:p>
+            <a:pPr lvl="2"/>
+            <a:r>
+              <a:rPr lang="en-US" dirty="0"/>
+              <a:t>touch [filename] – you can create files like this</a:t>
+            </a:r>
+          </a:p>
+          <a:p>
+            <a:pPr lvl="3"/>
+            <a:endParaRPr lang="en-US" dirty="0"/>
+          </a:p>
+        </p:txBody>
+      </p:sp>
     </p:spTree>
     <p:extLst>
       <p:ext uri="{BB962C8B-B14F-4D97-AF65-F5344CB8AC3E}">
-        <p14:creationId xmlns:p14="http://schemas.microsoft.com/office/powerpoint/2010/main" val="18699786"/>
+        <p14:creationId xmlns:p14="http://schemas.microsoft.com/office/powerpoint/2010/main" val="4038401862"/>
       </p:ext>
     </p:extLst>
   </p:cSld>

--- a/pythonpresentation.pptx
+++ b/pythonpresentation.pptx
@@ -7870,7 +7870,7 @@
           <a:p>
             <a:r>
               <a:rPr lang="en-US" dirty="0"/>
-              <a:t>3. display 5 + 10 using 2 variables x and y</a:t>
+              <a:t>3. display 5 + 10 (integers) using 2 variables x and y</a:t>
             </a:r>
           </a:p>
           <a:p>
@@ -8401,49 +8401,49 @@
             <a:pPr lvl="1"/>
             <a:r>
               <a:rPr lang="en-US" dirty="0"/>
-              <a:t>x = 5</a:t>
+              <a:t>one = 5</a:t>
             </a:r>
           </a:p>
           <a:p>
             <a:pPr lvl="1"/>
             <a:r>
               <a:rPr lang="en-US" dirty="0"/>
-              <a:t>x = “hello world”</a:t>
+              <a:t>two = “hello world”</a:t>
             </a:r>
           </a:p>
           <a:p>
             <a:pPr lvl="1"/>
             <a:r>
               <a:rPr lang="en-US" dirty="0"/>
-              <a:t>x = 5.0 </a:t>
+              <a:t>three = 5.0 </a:t>
             </a:r>
           </a:p>
           <a:p>
             <a:pPr lvl="1"/>
             <a:r>
               <a:rPr lang="en-US" dirty="0"/>
-              <a:t>x = [“apple”, “banana”] </a:t>
+              <a:t>four = [“apple”, “banana”] </a:t>
             </a:r>
           </a:p>
           <a:p>
             <a:pPr lvl="1"/>
             <a:r>
               <a:rPr lang="en-US" dirty="0"/>
-              <a:t>x = (“apple”, ”banana”)</a:t>
+              <a:t>five = (“apple”, ”banana”)</a:t>
             </a:r>
           </a:p>
           <a:p>
             <a:pPr lvl="1"/>
             <a:r>
               <a:rPr lang="en-US" dirty="0"/>
-              <a:t>x = {“fruit”: “banana”, ”price”: 3}</a:t>
+              <a:t>six = {“fruit”: “banana”, ”price”: 3}</a:t>
             </a:r>
           </a:p>
           <a:p>
             <a:pPr lvl="1"/>
             <a:r>
               <a:rPr lang="en-US" dirty="0"/>
-              <a:t>x = True</a:t>
+              <a:t>seven = True</a:t>
             </a:r>
           </a:p>
         </p:txBody>
@@ -8699,7 +8699,11 @@
             </a:r>
             <a:r>
               <a:rPr lang="en-US" dirty="0" err="1"/>
-              <a:t>x^y</a:t>
+              <a:t>x</a:t>
+            </a:r>
+            <a:r>
+              <a:rPr lang="en-US" baseline="30000" dirty="0" err="1"/>
+              <a:t>y</a:t>
             </a:r>
             <a:r>
               <a:rPr lang="en-US" dirty="0"/>
@@ -8963,8 +8967,12 @@
           </a:p>
           <a:p>
             <a:r>
-              <a:rPr lang="en-US" dirty="0"/>
-              <a:t>And, for example x &lt; 5 and  x &lt; 10</a:t>
+              <a:rPr lang="en-US" b="1" dirty="0"/>
+              <a:t>and</a:t>
+            </a:r>
+            <a:r>
+              <a:rPr lang="en-US" dirty="0"/>
+              <a:t>, for example x &lt; 5 and  x &lt; 10</a:t>
             </a:r>
           </a:p>
           <a:p>
@@ -8976,8 +8984,12 @@
           </a:p>
           <a:p>
             <a:r>
-              <a:rPr lang="en-US" dirty="0"/>
-              <a:t>Or, for example x &lt; 5 or x &lt; 4</a:t>
+              <a:rPr lang="en-US" b="1" dirty="0"/>
+              <a:t>or</a:t>
+            </a:r>
+            <a:r>
+              <a:rPr lang="en-US" dirty="0"/>
+              <a:t>, for example x &lt; 5 or x &lt; 4</a:t>
             </a:r>
           </a:p>
           <a:p>
@@ -8989,8 +9001,12 @@
           </a:p>
           <a:p>
             <a:r>
-              <a:rPr lang="en-US" dirty="0"/>
-              <a:t>Not, for example not(x &lt; 5)</a:t>
+              <a:rPr lang="en-US" b="1" dirty="0"/>
+              <a:t>not</a:t>
+            </a:r>
+            <a:r>
+              <a:rPr lang="en-US" dirty="0"/>
+              <a:t>, for example not(x &lt; 5)</a:t>
             </a:r>
           </a:p>
           <a:p>
@@ -9093,8 +9109,12 @@
           </a:p>
           <a:p>
             <a:r>
-              <a:rPr lang="en-US" dirty="0"/>
-              <a:t>Is, for example x is y</a:t>
+              <a:rPr lang="en-US" b="1" dirty="0"/>
+              <a:t>Is</a:t>
+            </a:r>
+            <a:r>
+              <a:rPr lang="en-US" dirty="0"/>
+              <a:t>, for example x is y</a:t>
             </a:r>
           </a:p>
           <a:p>
@@ -9106,8 +9126,12 @@
           </a:p>
           <a:p>
             <a:r>
-              <a:rPr lang="en-US" dirty="0"/>
-              <a:t>Is not, for example x is not y</a:t>
+              <a:rPr lang="en-US" b="1" dirty="0"/>
+              <a:t>Is not</a:t>
+            </a:r>
+            <a:r>
+              <a:rPr lang="en-US" dirty="0"/>
+              <a:t>, for example x is not y</a:t>
             </a:r>
           </a:p>
           <a:p>
@@ -9123,8 +9147,12 @@
           </a:p>
           <a:p>
             <a:r>
-              <a:rPr lang="en-US" dirty="0"/>
-              <a:t>In, for example x in y</a:t>
+              <a:rPr lang="en-US" b="1" dirty="0"/>
+              <a:t>In</a:t>
+            </a:r>
+            <a:r>
+              <a:rPr lang="en-US" dirty="0"/>
+              <a:t>, for example x in y</a:t>
             </a:r>
           </a:p>
           <a:p>
@@ -9136,8 +9164,12 @@
           </a:p>
           <a:p>
             <a:r>
-              <a:rPr lang="en-US" dirty="0"/>
-              <a:t>Not In, for example x not in y</a:t>
+              <a:rPr lang="en-US" b="1" dirty="0"/>
+              <a:t>Not In</a:t>
+            </a:r>
+            <a:r>
+              <a:rPr lang="en-US" dirty="0"/>
+              <a:t>, for example x not in y</a:t>
             </a:r>
           </a:p>
           <a:p>
@@ -9601,7 +9633,7 @@
           <a:p>
             <a:r>
               <a:rPr lang="en-US" dirty="0"/>
-              <a:t>There are three main numerical types, two are used most often</a:t>
+              <a:t>There two numerical types used most often</a:t>
             </a:r>
           </a:p>
           <a:p>
@@ -9614,12 +9646,6 @@
             <a:r>
               <a:rPr lang="en-US" dirty="0"/>
               <a:t>Float (float) - 5.0</a:t>
-            </a:r>
-          </a:p>
-          <a:p>
-            <a:r>
-              <a:rPr lang="en-US" dirty="0"/>
-              <a:t>Imaginary (complex) - 1-5i</a:t>
             </a:r>
           </a:p>
           <a:p>
@@ -9632,7 +9658,7 @@
             </a:r>
             <a:r>
               <a:rPr lang="en-US" dirty="0"/>
-              <a:t> and floats can be converted to any of these 3 types, but complex values cannot be cast</a:t>
+              <a:t> and floats can be converted to any numerical type</a:t>
             </a:r>
           </a:p>
         </p:txBody>
@@ -9725,12 +9751,6 @@
             <a:r>
               <a:rPr lang="en-US" dirty="0"/>
               <a:t>2. Can you cast a float to an int? If so, what is int(5.5)</a:t>
-            </a:r>
-          </a:p>
-          <a:p>
-            <a:r>
-              <a:rPr lang="en-US" dirty="0"/>
-              <a:t>3. Can you cast a complex to an int? If so, what is int (1+5i)</a:t>
             </a:r>
           </a:p>
         </p:txBody>
@@ -10370,6 +10390,36 @@
           </a:p>
         </p:txBody>
       </p:sp>
+      <p:pic>
+        <p:nvPicPr>
+          <p:cNvPr id="4" name="Picture 3">
+            <a:extLst>
+              <a:ext uri="{FF2B5EF4-FFF2-40B4-BE49-F238E27FC236}">
+                <a16:creationId xmlns:a16="http://schemas.microsoft.com/office/drawing/2014/main" id="{015F3248-D6B8-3D4D-8101-BC038BC01C83}"/>
+              </a:ext>
+            </a:extLst>
+          </p:cNvPr>
+          <p:cNvPicPr>
+            <a:picLocks noChangeAspect="1"/>
+          </p:cNvPicPr>
+          <p:nvPr/>
+        </p:nvPicPr>
+        <p:blipFill>
+          <a:blip r:embed="rId2"/>
+          <a:stretch>
+            <a:fillRect/>
+          </a:stretch>
+        </p:blipFill>
+        <p:spPr>
+          <a:xfrm>
+            <a:off x="7315200" y="4679135"/>
+            <a:ext cx="3773488" cy="1569263"/>
+          </a:xfrm>
+          <a:prstGeom prst="rect">
+            <a:avLst/>
+          </a:prstGeom>
+        </p:spPr>
+      </p:pic>
     </p:spTree>
     <p:extLst>
       <p:ext uri="{BB962C8B-B14F-4D97-AF65-F5344CB8AC3E}">
@@ -12201,15 +12251,7 @@
           <a:p>
             <a:r>
               <a:rPr lang="en-US" dirty="0"/>
-              <a:t>Essentially the dictionary ”</a:t>
-            </a:r>
-            <a:r>
-              <a:rPr lang="en-US" dirty="0" err="1"/>
-              <a:t>nsfs</a:t>
-            </a:r>
-            <a:r>
-              <a:rPr lang="en-US" dirty="0"/>
-              <a:t>” contains:</a:t>
+              <a:t>Essentially the dictionary ”soldiers” contains:</a:t>
             </a:r>
           </a:p>
           <a:p>
@@ -12223,7 +12265,7 @@
             <a:pPr lvl="2"/>
             <a:r>
               <a:rPr lang="en-US" dirty="0"/>
-              <a:t>Name, age, rank and vocation</a:t>
+              <a:t>Name, age, rank </a:t>
             </a:r>
           </a:p>
           <a:p>
@@ -12235,22 +12277,18 @@
           <a:p>
             <a:pPr lvl="1"/>
             <a:r>
-              <a:rPr lang="en-US" dirty="0" err="1"/>
-              <a:t>nsfs</a:t>
-            </a:r>
-            <a:r>
-              <a:rPr lang="en-US" dirty="0"/>
-              <a:t>[“soldier1”][“Rank”]</a:t>
+              <a:rPr lang="en-US" dirty="0"/>
+              <a:t>soldiers[“soldier1”][“Rank”]</a:t>
             </a:r>
           </a:p>
         </p:txBody>
       </p:sp>
       <p:pic>
         <p:nvPicPr>
-          <p:cNvPr id="4" name="Picture 3">
-            <a:extLst>
-              <a:ext uri="{FF2B5EF4-FFF2-40B4-BE49-F238E27FC236}">
-                <a16:creationId xmlns:a16="http://schemas.microsoft.com/office/drawing/2014/main" id="{9F46FACB-DCAF-0640-8340-EA1BC23A9E9C}"/>
+          <p:cNvPr id="5" name="Picture 4">
+            <a:extLst>
+              <a:ext uri="{FF2B5EF4-FFF2-40B4-BE49-F238E27FC236}">
+                <a16:creationId xmlns:a16="http://schemas.microsoft.com/office/drawing/2014/main" id="{E010E480-F59C-C442-9284-D73FE224CF5B}"/>
               </a:ext>
             </a:extLst>
           </p:cNvPr>
@@ -12267,8 +12305,8 @@
         </p:blipFill>
         <p:spPr>
           <a:xfrm>
-            <a:off x="7340102" y="3429000"/>
-            <a:ext cx="2820450" cy="3159303"/>
+            <a:off x="7828907" y="3429000"/>
+            <a:ext cx="3033017" cy="3235218"/>
           </a:xfrm>
           <a:prstGeom prst="rect">
             <a:avLst/>
@@ -12594,7 +12632,9 @@
         </p:nvSpPr>
         <p:spPr/>
         <p:txBody>
-          <a:bodyPr/>
+          <a:bodyPr>
+            <a:normAutofit lnSpcReduction="10000"/>
+          </a:bodyPr>
           <a:lstStyle/>
           <a:p>
             <a:r>
@@ -12620,7 +12660,7 @@
           <a:p>
             <a:r>
               <a:rPr lang="en-US" dirty="0"/>
-              <a:t>A. Print the “department you are from in the following list: </a:t>
+              <a:t>A. Print the department you are from in the following list: </a:t>
             </a:r>
           </a:p>
           <a:p>
@@ -12646,7 +12686,7 @@
           <a:p>
             <a:r>
               <a:rPr lang="en-US" dirty="0"/>
-              <a:t>C. Declare a dictionary with 3 variables: </a:t>
+              <a:t>C. Declare a dictionary called bio with 3 keys: “</a:t>
             </a:r>
             <a:r>
               <a:rPr lang="en-US" dirty="0" err="1"/>
@@ -12654,7 +12694,7 @@
             </a:r>
             <a:r>
               <a:rPr lang="en-US" dirty="0"/>
-              <a:t>, </a:t>
+              <a:t>”, “</a:t>
             </a:r>
             <a:r>
               <a:rPr lang="en-US" dirty="0" err="1"/>
@@ -12662,7 +12702,14 @@
             </a:r>
             <a:r>
               <a:rPr lang="en-US" dirty="0"/>
-              <a:t> and age</a:t>
+              <a:t>” and “age”</a:t>
+            </a:r>
+          </a:p>
+          <a:p>
+            <a:pPr lvl="1"/>
+            <a:r>
+              <a:rPr lang="en-US" dirty="0"/>
+              <a:t>Print out age using bio</a:t>
             </a:r>
           </a:p>
           <a:p>
@@ -13184,6 +13231,66 @@
           </a:p>
         </p:txBody>
       </p:sp>
+      <p:pic>
+        <p:nvPicPr>
+          <p:cNvPr id="4" name="Picture 3">
+            <a:extLst>
+              <a:ext uri="{FF2B5EF4-FFF2-40B4-BE49-F238E27FC236}">
+                <a16:creationId xmlns:a16="http://schemas.microsoft.com/office/drawing/2014/main" id="{FF4AB731-E9D4-AD4D-8D98-2D2DF221CA55}"/>
+              </a:ext>
+            </a:extLst>
+          </p:cNvPr>
+          <p:cNvPicPr>
+            <a:picLocks noChangeAspect="1"/>
+          </p:cNvPicPr>
+          <p:nvPr/>
+        </p:nvPicPr>
+        <p:blipFill>
+          <a:blip r:embed="rId2"/>
+          <a:stretch>
+            <a:fillRect/>
+          </a:stretch>
+        </p:blipFill>
+        <p:spPr>
+          <a:xfrm>
+            <a:off x="990296" y="4780480"/>
+            <a:ext cx="5194300" cy="723900"/>
+          </a:xfrm>
+          <a:prstGeom prst="rect">
+            <a:avLst/>
+          </a:prstGeom>
+        </p:spPr>
+      </p:pic>
+      <p:pic>
+        <p:nvPicPr>
+          <p:cNvPr id="5" name="Picture 4">
+            <a:extLst>
+              <a:ext uri="{FF2B5EF4-FFF2-40B4-BE49-F238E27FC236}">
+                <a16:creationId xmlns:a16="http://schemas.microsoft.com/office/drawing/2014/main" id="{54D4FD98-A7A4-E749-A42D-BF3338238E59}"/>
+              </a:ext>
+            </a:extLst>
+          </p:cNvPr>
+          <p:cNvPicPr>
+            <a:picLocks noChangeAspect="1"/>
+          </p:cNvPicPr>
+          <p:nvPr/>
+        </p:nvPicPr>
+        <p:blipFill>
+          <a:blip r:embed="rId3"/>
+          <a:stretch>
+            <a:fillRect/>
+          </a:stretch>
+        </p:blipFill>
+        <p:spPr>
+          <a:xfrm>
+            <a:off x="6909474" y="4304230"/>
+            <a:ext cx="5016500" cy="2400300"/>
+          </a:xfrm>
+          <a:prstGeom prst="rect">
+            <a:avLst/>
+          </a:prstGeom>
+        </p:spPr>
+      </p:pic>
     </p:spTree>
     <p:extLst>
       <p:ext uri="{BB962C8B-B14F-4D97-AF65-F5344CB8AC3E}">
@@ -14162,7 +14269,7 @@
           <a:p>
             <a:r>
               <a:rPr lang="en-US" dirty="0"/>
-              <a:t>You can obviously also use for loops just like while loops where you manually iterate (the range function iterates through values for you)x`:</a:t>
+              <a:t>You can obviously also use for loops just like while loops where you manually iterate (the range function iterates through values for you):</a:t>
             </a:r>
           </a:p>
         </p:txBody>
@@ -14219,7 +14326,7 @@
         </p:blipFill>
         <p:spPr>
           <a:xfrm>
-            <a:off x="1290548" y="5509731"/>
+            <a:off x="8164887" y="5534743"/>
             <a:ext cx="2374900" cy="1181100"/>
           </a:xfrm>
           <a:prstGeom prst="rect">
@@ -14314,17 +14421,17 @@
           <a:p>
             <a:r>
               <a:rPr lang="en-US" dirty="0"/>
-              <a:t>For example we can have the following:</a:t>
+              <a:t>For example, we can have the following:</a:t>
             </a:r>
           </a:p>
         </p:txBody>
       </p:sp>
       <p:pic>
         <p:nvPicPr>
-          <p:cNvPr id="6" name="Picture 5">
-            <a:extLst>
-              <a:ext uri="{FF2B5EF4-FFF2-40B4-BE49-F238E27FC236}">
-                <a16:creationId xmlns:a16="http://schemas.microsoft.com/office/drawing/2014/main" id="{72BD3EBD-23B9-F94A-BC41-52AD25B56B61}"/>
+          <p:cNvPr id="4" name="Picture 3">
+            <a:extLst>
+              <a:ext uri="{FF2B5EF4-FFF2-40B4-BE49-F238E27FC236}">
+                <a16:creationId xmlns:a16="http://schemas.microsoft.com/office/drawing/2014/main" id="{96BEF0DC-7BB9-714D-9E22-C37809201591}"/>
               </a:ext>
             </a:extLst>
           </p:cNvPr>
@@ -14341,8 +14448,8 @@
         </p:blipFill>
         <p:spPr>
           <a:xfrm>
-            <a:off x="1103312" y="2927064"/>
-            <a:ext cx="3962400" cy="1866900"/>
+            <a:off x="806379" y="3029074"/>
+            <a:ext cx="4394200" cy="1651000"/>
           </a:xfrm>
           <a:prstGeom prst="rect">
             <a:avLst/>
@@ -14351,10 +14458,10 @@
       </p:pic>
       <p:pic>
         <p:nvPicPr>
-          <p:cNvPr id="7" name="Picture 6">
-            <a:extLst>
-              <a:ext uri="{FF2B5EF4-FFF2-40B4-BE49-F238E27FC236}">
-                <a16:creationId xmlns:a16="http://schemas.microsoft.com/office/drawing/2014/main" id="{A3635B2C-C64C-FB41-BD14-57294F6969A8}"/>
+          <p:cNvPr id="5" name="Picture 4">
+            <a:extLst>
+              <a:ext uri="{FF2B5EF4-FFF2-40B4-BE49-F238E27FC236}">
+                <a16:creationId xmlns:a16="http://schemas.microsoft.com/office/drawing/2014/main" id="{9DC2F21E-4628-B747-A6EC-E8BA922EC2C0}"/>
               </a:ext>
             </a:extLst>
           </p:cNvPr>
@@ -14371,8 +14478,8 @@
         </p:blipFill>
         <p:spPr>
           <a:xfrm>
-            <a:off x="1017142" y="4879744"/>
-            <a:ext cx="6322370" cy="1834418"/>
+            <a:off x="6096000" y="3036780"/>
+            <a:ext cx="1358900" cy="1689100"/>
           </a:xfrm>
           <a:prstGeom prst="rect">
             <a:avLst/>
@@ -14460,7 +14567,7 @@
           <a:p>
             <a:r>
               <a:rPr lang="en-US" dirty="0"/>
-              <a:t>1. Given a = 10, b = 20, print “equal” if a equal to b and “not equal” otherwise</a:t>
+              <a:t>1. Given a = 10, b = 20, if a equals to b print “equal” , and otherwise print “not equal”</a:t>
             </a:r>
           </a:p>
           <a:p>
@@ -14845,6 +14952,12 @@
             <a:r>
               <a:rPr lang="en-US" dirty="0"/>
               <a:t>4. Create a function called “plus5” and pass it 1 integer as a parameter. Make the function return the integer plus 5</a:t>
+            </a:r>
+          </a:p>
+          <a:p>
+            <a:r>
+              <a:rPr lang="en-US" dirty="0"/>
+              <a:t>5. Create roll Dice functionality from earlier as a function that takes number of Sides and number of Dice as parameters</a:t>
             </a:r>
           </a:p>
           <a:p>

--- a/pythonpresentation.pptx
+++ b/pythonpresentation.pptx
@@ -15,8 +15,8 @@
     <p:sldId id="263" r:id="rId9"/>
     <p:sldId id="264" r:id="rId10"/>
     <p:sldId id="265" r:id="rId11"/>
-    <p:sldId id="323" r:id="rId12"/>
-    <p:sldId id="266" r:id="rId13"/>
+    <p:sldId id="266" r:id="rId12"/>
+    <p:sldId id="323" r:id="rId13"/>
     <p:sldId id="267" r:id="rId14"/>
     <p:sldId id="268" r:id="rId15"/>
     <p:sldId id="269" r:id="rId16"/>
@@ -367,7 +367,7 @@
           <a:p>
             <a:fld id="{4AAD347D-5ACD-4C99-B74B-A9C85AD731AF}" type="datetimeFigureOut">
               <a:rPr lang="en-US" dirty="0"/>
-              <a:t>6/7/21</a:t>
+              <a:t>7/29/21</a:t>
             </a:fld>
             <a:endParaRPr lang="en-US" dirty="0"/>
           </a:p>
@@ -637,7 +637,7 @@
           <a:p>
             <a:fld id="{4509A250-FF31-4206-8172-F9D3106AACB1}" type="datetimeFigureOut">
               <a:rPr lang="en-US" dirty="0"/>
-              <a:t>6/7/21</a:t>
+              <a:t>7/29/21</a:t>
             </a:fld>
             <a:endParaRPr lang="en-US" dirty="0"/>
           </a:p>
@@ -826,7 +826,7 @@
           <a:p>
             <a:fld id="{4509A250-FF31-4206-8172-F9D3106AACB1}" type="datetimeFigureOut">
               <a:rPr lang="en-US" dirty="0"/>
-              <a:t>6/7/21</a:t>
+              <a:t>7/29/21</a:t>
             </a:fld>
             <a:endParaRPr lang="en-US" dirty="0"/>
           </a:p>
@@ -1094,7 +1094,7 @@
           <a:p>
             <a:fld id="{4509A250-FF31-4206-8172-F9D3106AACB1}" type="datetimeFigureOut">
               <a:rPr lang="en-US" dirty="0"/>
-              <a:t>6/7/21</a:t>
+              <a:t>7/29/21</a:t>
             </a:fld>
             <a:endParaRPr lang="en-US" dirty="0"/>
           </a:p>
@@ -1430,7 +1430,7 @@
           <a:p>
             <a:fld id="{4509A250-FF31-4206-8172-F9D3106AACB1}" type="datetimeFigureOut">
               <a:rPr lang="en-US" dirty="0"/>
-              <a:t>6/7/21</a:t>
+              <a:t>7/29/21</a:t>
             </a:fld>
             <a:endParaRPr lang="en-US" dirty="0"/>
           </a:p>
@@ -2048,7 +2048,7 @@
           <a:p>
             <a:fld id="{4509A250-FF31-4206-8172-F9D3106AACB1}" type="datetimeFigureOut">
               <a:rPr lang="en-US" dirty="0"/>
-              <a:t>6/7/21</a:t>
+              <a:t>7/29/21</a:t>
             </a:fld>
             <a:endParaRPr lang="en-US" dirty="0"/>
           </a:p>
@@ -2903,7 +2903,7 @@
           <a:p>
             <a:fld id="{4509A250-FF31-4206-8172-F9D3106AACB1}" type="datetimeFigureOut">
               <a:rPr lang="en-US" dirty="0"/>
-              <a:t>6/7/21</a:t>
+              <a:t>7/29/21</a:t>
             </a:fld>
             <a:endParaRPr lang="en-US" dirty="0"/>
           </a:p>
@@ -3068,7 +3068,7 @@
           <a:p>
             <a:fld id="{4509A250-FF31-4206-8172-F9D3106AACB1}" type="datetimeFigureOut">
               <a:rPr lang="en-US" dirty="0"/>
-              <a:t>6/7/21</a:t>
+              <a:t>7/29/21</a:t>
             </a:fld>
             <a:endParaRPr lang="en-US" dirty="0"/>
           </a:p>
@@ -3243,7 +3243,7 @@
           <a:p>
             <a:fld id="{4509A250-FF31-4206-8172-F9D3106AACB1}" type="datetimeFigureOut">
               <a:rPr lang="en-US" dirty="0"/>
-              <a:t>6/7/21</a:t>
+              <a:t>7/29/21</a:t>
             </a:fld>
             <a:endParaRPr lang="en-US" dirty="0"/>
           </a:p>
@@ -3408,7 +3408,7 @@
           <a:p>
             <a:fld id="{4509A250-FF31-4206-8172-F9D3106AACB1}" type="datetimeFigureOut">
               <a:rPr lang="en-US" dirty="0"/>
-              <a:t>6/7/21</a:t>
+              <a:t>7/29/21</a:t>
             </a:fld>
             <a:endParaRPr lang="en-US" dirty="0"/>
           </a:p>
@@ -3650,7 +3650,7 @@
           <a:p>
             <a:fld id="{9796027F-7875-4030-9381-8BD8C4F21935}" type="datetimeFigureOut">
               <a:rPr lang="en-US" dirty="0"/>
-              <a:t>6/7/21</a:t>
+              <a:t>7/29/21</a:t>
             </a:fld>
             <a:endParaRPr lang="en-US" dirty="0"/>
           </a:p>
@@ -3937,7 +3937,7 @@
           <a:p>
             <a:fld id="{9796027F-7875-4030-9381-8BD8C4F21935}" type="datetimeFigureOut">
               <a:rPr lang="en-US" dirty="0"/>
-              <a:t>6/7/21</a:t>
+              <a:t>7/29/21</a:t>
             </a:fld>
             <a:endParaRPr lang="en-US" dirty="0"/>
           </a:p>
@@ -4376,7 +4376,7 @@
           <a:p>
             <a:fld id="{9796027F-7875-4030-9381-8BD8C4F21935}" type="datetimeFigureOut">
               <a:rPr lang="en-US" dirty="0"/>
-              <a:t>6/7/21</a:t>
+              <a:t>7/29/21</a:t>
             </a:fld>
             <a:endParaRPr lang="en-US" dirty="0"/>
           </a:p>
@@ -4489,7 +4489,7 @@
           <a:p>
             <a:fld id="{4509A250-FF31-4206-8172-F9D3106AACB1}" type="datetimeFigureOut">
               <a:rPr lang="en-US" dirty="0"/>
-              <a:t>6/7/21</a:t>
+              <a:t>7/29/21</a:t>
             </a:fld>
             <a:endParaRPr lang="en-US" dirty="0"/>
           </a:p>
@@ -4579,7 +4579,7 @@
           <a:p>
             <a:fld id="{4509A250-FF31-4206-8172-F9D3106AACB1}" type="datetimeFigureOut">
               <a:rPr lang="en-US" dirty="0"/>
-              <a:t>6/7/21</a:t>
+              <a:t>7/29/21</a:t>
             </a:fld>
             <a:endParaRPr lang="en-US" dirty="0"/>
           </a:p>
@@ -4853,7 +4853,7 @@
           <a:p>
             <a:fld id="{4509A250-FF31-4206-8172-F9D3106AACB1}" type="datetimeFigureOut">
               <a:rPr lang="en-US" dirty="0"/>
-              <a:t>6/7/21</a:t>
+              <a:t>7/29/21</a:t>
             </a:fld>
             <a:endParaRPr lang="en-US" dirty="0"/>
           </a:p>
@@ -5123,7 +5123,7 @@
           <a:p>
             <a:fld id="{4509A250-FF31-4206-8172-F9D3106AACB1}" type="datetimeFigureOut">
               <a:rPr lang="en-US" dirty="0"/>
-              <a:t>6/7/21</a:t>
+              <a:t>7/29/21</a:t>
             </a:fld>
             <a:endParaRPr lang="en-US" dirty="0"/>
           </a:p>
@@ -5547,7 +5547,7 @@
           <a:p>
             <a:fld id="{4AAD347D-5ACD-4C99-B74B-A9C85AD731AF}" type="datetimeFigureOut">
               <a:rPr lang="en-US" dirty="0"/>
-              <a:t>6/7/21</a:t>
+              <a:t>7/29/21</a:t>
             </a:fld>
             <a:endParaRPr lang="en-US" dirty="0"/>
           </a:p>
@@ -6099,31 +6099,6 @@
           </a:p>
         </p:txBody>
       </p:sp>
-      <p:sp>
-        <p:nvSpPr>
-          <p:cNvPr id="3" name="Subtitle 2">
-            <a:extLst>
-              <a:ext uri="{FF2B5EF4-FFF2-40B4-BE49-F238E27FC236}">
-                <a16:creationId xmlns:a16="http://schemas.microsoft.com/office/drawing/2014/main" id="{24313156-0414-7D49-855F-3B513936AD35}"/>
-              </a:ext>
-            </a:extLst>
-          </p:cNvPr>
-          <p:cNvSpPr>
-            <a:spLocks noGrp="1"/>
-          </p:cNvSpPr>
-          <p:nvPr>
-            <p:ph type="subTitle" idx="1"/>
-          </p:nvPr>
-        </p:nvSpPr>
-        <p:spPr/>
-        <p:txBody>
-          <a:bodyPr/>
-          <a:lstStyle/>
-          <a:p>
-            <a:endParaRPr lang="en-US" dirty="0"/>
-          </a:p>
-        </p:txBody>
-      </p:sp>
     </p:spTree>
     <p:extLst>
       <p:ext uri="{BB962C8B-B14F-4D97-AF65-F5344CB8AC3E}">
@@ -6290,7 +6265,7 @@
           <p:cNvPr id="2" name="Title 1">
             <a:extLst>
               <a:ext uri="{FF2B5EF4-FFF2-40B4-BE49-F238E27FC236}">
-                <a16:creationId xmlns:a16="http://schemas.microsoft.com/office/drawing/2014/main" id="{CAD5856C-320A-294C-8625-110CF36318F0}"/>
+                <a16:creationId xmlns:a16="http://schemas.microsoft.com/office/drawing/2014/main" id="{5718CC16-53A3-5148-926D-7E98277C9EF7}"/>
               </a:ext>
             </a:extLst>
           </p:cNvPr>
@@ -6308,8 +6283,13 @@
           <a:p>
             <a:r>
               <a:rPr lang="en-US" dirty="0"/>
-              <a:t>Using the Online Compiler</a:t>
-            </a:r>
+              <a:t>Hello World </a:t>
+            </a:r>
+            <a:r>
+              <a:rPr lang="en-US" dirty="0" err="1"/>
+              <a:t>Contd</a:t>
+            </a:r>
+            <a:endParaRPr lang="en-US" dirty="0"/>
           </a:p>
         </p:txBody>
       </p:sp>
@@ -6318,7 +6298,7 @@
           <p:cNvPr id="3" name="Content Placeholder 2">
             <a:extLst>
               <a:ext uri="{FF2B5EF4-FFF2-40B4-BE49-F238E27FC236}">
-                <a16:creationId xmlns:a16="http://schemas.microsoft.com/office/drawing/2014/main" id="{BD401C7A-682A-E643-B2D2-2F8BD9E27651}"/>
+                <a16:creationId xmlns:a16="http://schemas.microsoft.com/office/drawing/2014/main" id="{E19108DF-6587-6841-92CE-11ED3EDA753B}"/>
               </a:ext>
             </a:extLst>
           </p:cNvPr>
@@ -6335,15 +6315,92 @@
           <a:lstStyle/>
           <a:p>
             <a:r>
-              <a:rPr lang="en-US" dirty="0">
-                <a:hlinkClick r:id="rId2"/>
-              </a:rPr>
-              <a:t>https://www.programiz.com/python-programming/online-compiler/</a:t>
-            </a:r>
-            <a:endParaRPr lang="en-US" dirty="0"/>
-          </a:p>
-          <a:p>
-            <a:endParaRPr lang="en-US" dirty="0"/>
+              <a:rPr lang="en-US" dirty="0"/>
+              <a:t>Another way to do this is to create a file and edit it using a text editor</a:t>
+            </a:r>
+          </a:p>
+          <a:p>
+            <a:r>
+              <a:rPr lang="en-US" dirty="0"/>
+              <a:t>So we will first </a:t>
+            </a:r>
+            <a:r>
+              <a:rPr lang="en-US" i="1" dirty="0" err="1"/>
+              <a:t>mkdir</a:t>
+            </a:r>
+            <a:r>
+              <a:rPr lang="en-US" i="1" dirty="0"/>
+              <a:t> </a:t>
+            </a:r>
+            <a:r>
+              <a:rPr lang="en-US" i="1" dirty="0" err="1"/>
+              <a:t>pythonWorkshop</a:t>
+            </a:r>
+            <a:endParaRPr lang="en-US" i="1" dirty="0"/>
+          </a:p>
+          <a:p>
+            <a:r>
+              <a:rPr lang="en-US" dirty="0"/>
+              <a:t>Then we will </a:t>
+            </a:r>
+            <a:r>
+              <a:rPr lang="en-US" i="1" dirty="0"/>
+              <a:t>cd </a:t>
+            </a:r>
+            <a:r>
+              <a:rPr lang="en-US" i="1" dirty="0" err="1"/>
+              <a:t>pythonWorkshop</a:t>
+            </a:r>
+            <a:endParaRPr lang="en-US" i="1" dirty="0"/>
+          </a:p>
+          <a:p>
+            <a:r>
+              <a:rPr lang="en-US" dirty="0"/>
+              <a:t>Then </a:t>
+            </a:r>
+            <a:r>
+              <a:rPr lang="en-US" i="1" dirty="0"/>
+              <a:t>touch </a:t>
+            </a:r>
+            <a:r>
+              <a:rPr lang="en-US" i="1" dirty="0" err="1"/>
+              <a:t>helloworld.py</a:t>
+            </a:r>
+            <a:endParaRPr lang="en-US" dirty="0"/>
+          </a:p>
+          <a:p>
+            <a:r>
+              <a:rPr lang="en-US" dirty="0"/>
+              <a:t>We will then open our text editor and open the hello world file</a:t>
+            </a:r>
+          </a:p>
+          <a:p>
+            <a:r>
+              <a:rPr lang="en-US" dirty="0"/>
+              <a:t>Then we will type in </a:t>
+            </a:r>
+            <a:r>
+              <a:rPr lang="en-US" i="1" dirty="0"/>
+              <a:t>print(”hello world”) </a:t>
+            </a:r>
+          </a:p>
+          <a:p>
+            <a:r>
+              <a:rPr lang="en-US" dirty="0"/>
+              <a:t>Lastly we will type the command </a:t>
+            </a:r>
+            <a:r>
+              <a:rPr lang="en-US" i="1" dirty="0"/>
+              <a:t>python </a:t>
+            </a:r>
+            <a:r>
+              <a:rPr lang="en-US" i="1" dirty="0" err="1"/>
+              <a:t>helloworld.py</a:t>
+            </a:r>
+            <a:r>
+              <a:rPr lang="en-US" dirty="0"/>
+              <a:t> and see what happens</a:t>
+            </a:r>
           </a:p>
         </p:txBody>
       </p:sp>
@@ -6352,7 +6409,7 @@
           <p:cNvPr id="4" name="Picture 3">
             <a:extLst>
               <a:ext uri="{FF2B5EF4-FFF2-40B4-BE49-F238E27FC236}">
-                <a16:creationId xmlns:a16="http://schemas.microsoft.com/office/drawing/2014/main" id="{2EE9A64B-1839-2047-B706-41CB5F89A50A}"/>
+                <a16:creationId xmlns:a16="http://schemas.microsoft.com/office/drawing/2014/main" id="{EB31654F-1D8C-7943-A0D0-5F627137D756}"/>
               </a:ext>
             </a:extLst>
           </p:cNvPr>
@@ -6362,15 +6419,15 @@
           <p:nvPr/>
         </p:nvPicPr>
         <p:blipFill>
-          <a:blip r:embed="rId3"/>
+          <a:blip r:embed="rId2"/>
           <a:stretch>
             <a:fillRect/>
           </a:stretch>
         </p:blipFill>
         <p:spPr>
           <a:xfrm>
-            <a:off x="2142147" y="2655630"/>
-            <a:ext cx="7527533" cy="3749652"/>
+            <a:off x="4386648" y="5457470"/>
+            <a:ext cx="7329273" cy="1266532"/>
           </a:xfrm>
           <a:prstGeom prst="rect">
             <a:avLst/>
@@ -6380,7 +6437,7 @@
     </p:spTree>
     <p:extLst>
       <p:ext uri="{BB962C8B-B14F-4D97-AF65-F5344CB8AC3E}">
-        <p14:creationId xmlns:p14="http://schemas.microsoft.com/office/powerpoint/2010/main" val="505762225"/>
+        <p14:creationId xmlns:p14="http://schemas.microsoft.com/office/powerpoint/2010/main" val="2216049063"/>
       </p:ext>
     </p:extLst>
   </p:cSld>
@@ -6412,7 +6469,7 @@
           <p:cNvPr id="2" name="Title 1">
             <a:extLst>
               <a:ext uri="{FF2B5EF4-FFF2-40B4-BE49-F238E27FC236}">
-                <a16:creationId xmlns:a16="http://schemas.microsoft.com/office/drawing/2014/main" id="{5718CC16-53A3-5148-926D-7E98277C9EF7}"/>
+                <a16:creationId xmlns:a16="http://schemas.microsoft.com/office/drawing/2014/main" id="{CAD5856C-320A-294C-8625-110CF36318F0}"/>
               </a:ext>
             </a:extLst>
           </p:cNvPr>
@@ -6430,13 +6487,8 @@
           <a:p>
             <a:r>
               <a:rPr lang="en-US" dirty="0"/>
-              <a:t>Hello World </a:t>
-            </a:r>
-            <a:r>
-              <a:rPr lang="en-US" dirty="0" err="1"/>
-              <a:t>Contd</a:t>
-            </a:r>
-            <a:endParaRPr lang="en-US" dirty="0"/>
+              <a:t>Using the Online Compiler</a:t>
+            </a:r>
           </a:p>
         </p:txBody>
       </p:sp>
@@ -6445,7 +6497,7 @@
           <p:cNvPr id="3" name="Content Placeholder 2">
             <a:extLst>
               <a:ext uri="{FF2B5EF4-FFF2-40B4-BE49-F238E27FC236}">
-                <a16:creationId xmlns:a16="http://schemas.microsoft.com/office/drawing/2014/main" id="{E19108DF-6587-6841-92CE-11ED3EDA753B}"/>
+                <a16:creationId xmlns:a16="http://schemas.microsoft.com/office/drawing/2014/main" id="{BD401C7A-682A-E643-B2D2-2F8BD9E27651}"/>
               </a:ext>
             </a:extLst>
           </p:cNvPr>
@@ -6462,92 +6514,15 @@
           <a:lstStyle/>
           <a:p>
             <a:r>
-              <a:rPr lang="en-US" dirty="0"/>
-              <a:t>Another way to do this is to create a file and edit it using a text editor</a:t>
-            </a:r>
-          </a:p>
-          <a:p>
-            <a:r>
-              <a:rPr lang="en-US" dirty="0"/>
-              <a:t>So we will first </a:t>
-            </a:r>
-            <a:r>
-              <a:rPr lang="en-US" i="1" dirty="0" err="1"/>
-              <a:t>mkdir</a:t>
-            </a:r>
-            <a:r>
-              <a:rPr lang="en-US" i="1" dirty="0"/>
-              <a:t> </a:t>
-            </a:r>
-            <a:r>
-              <a:rPr lang="en-US" i="1" dirty="0" err="1"/>
-              <a:t>pythonWorkshop</a:t>
-            </a:r>
-            <a:endParaRPr lang="en-US" i="1" dirty="0"/>
-          </a:p>
-          <a:p>
-            <a:r>
-              <a:rPr lang="en-US" dirty="0"/>
-              <a:t>Then we will </a:t>
-            </a:r>
-            <a:r>
-              <a:rPr lang="en-US" i="1" dirty="0"/>
-              <a:t>cd </a:t>
-            </a:r>
-            <a:r>
-              <a:rPr lang="en-US" i="1" dirty="0" err="1"/>
-              <a:t>pythonWorkshop</a:t>
-            </a:r>
-            <a:endParaRPr lang="en-US" i="1" dirty="0"/>
-          </a:p>
-          <a:p>
-            <a:r>
-              <a:rPr lang="en-US" dirty="0"/>
-              <a:t>Then </a:t>
-            </a:r>
-            <a:r>
-              <a:rPr lang="en-US" i="1" dirty="0"/>
-              <a:t>touch </a:t>
-            </a:r>
-            <a:r>
-              <a:rPr lang="en-US" i="1" dirty="0" err="1"/>
-              <a:t>helloworld.py</a:t>
-            </a:r>
-            <a:endParaRPr lang="en-US" dirty="0"/>
-          </a:p>
-          <a:p>
-            <a:r>
-              <a:rPr lang="en-US" dirty="0"/>
-              <a:t>We will then open our text editor and open the hello world file</a:t>
-            </a:r>
-          </a:p>
-          <a:p>
-            <a:r>
-              <a:rPr lang="en-US" dirty="0"/>
-              <a:t>Then we will type in </a:t>
-            </a:r>
-            <a:r>
-              <a:rPr lang="en-US" i="1" dirty="0"/>
-              <a:t>print(”hello world”) </a:t>
-            </a:r>
-          </a:p>
-          <a:p>
-            <a:r>
-              <a:rPr lang="en-US" dirty="0"/>
-              <a:t>Lastly we will type the command </a:t>
-            </a:r>
-            <a:r>
-              <a:rPr lang="en-US" i="1" dirty="0"/>
-              <a:t>python </a:t>
-            </a:r>
-            <a:r>
-              <a:rPr lang="en-US" i="1" dirty="0" err="1"/>
-              <a:t>helloworld.py</a:t>
-            </a:r>
-            <a:r>
-              <a:rPr lang="en-US" dirty="0"/>
-              <a:t> and see what happens</a:t>
-            </a:r>
+              <a:rPr lang="en-US" dirty="0">
+                <a:hlinkClick r:id="rId2"/>
+              </a:rPr>
+              <a:t>https://www.programiz.com/python-programming/online-compiler/</a:t>
+            </a:r>
+            <a:endParaRPr lang="en-US" dirty="0"/>
+          </a:p>
+          <a:p>
+            <a:endParaRPr lang="en-US" dirty="0"/>
           </a:p>
         </p:txBody>
       </p:sp>
@@ -6556,7 +6531,7 @@
           <p:cNvPr id="4" name="Picture 3">
             <a:extLst>
               <a:ext uri="{FF2B5EF4-FFF2-40B4-BE49-F238E27FC236}">
-                <a16:creationId xmlns:a16="http://schemas.microsoft.com/office/drawing/2014/main" id="{EB31654F-1D8C-7943-A0D0-5F627137D756}"/>
+                <a16:creationId xmlns:a16="http://schemas.microsoft.com/office/drawing/2014/main" id="{2EE9A64B-1839-2047-B706-41CB5F89A50A}"/>
               </a:ext>
             </a:extLst>
           </p:cNvPr>
@@ -6566,15 +6541,15 @@
           <p:nvPr/>
         </p:nvPicPr>
         <p:blipFill>
-          <a:blip r:embed="rId2"/>
+          <a:blip r:embed="rId3"/>
           <a:stretch>
             <a:fillRect/>
           </a:stretch>
         </p:blipFill>
         <p:spPr>
           <a:xfrm>
-            <a:off x="4386648" y="5457470"/>
-            <a:ext cx="7329273" cy="1266532"/>
+            <a:off x="2142147" y="2655630"/>
+            <a:ext cx="7527533" cy="3749652"/>
           </a:xfrm>
           <a:prstGeom prst="rect">
             <a:avLst/>
@@ -6584,7 +6559,7 @@
     </p:spTree>
     <p:extLst>
       <p:ext uri="{BB962C8B-B14F-4D97-AF65-F5344CB8AC3E}">
-        <p14:creationId xmlns:p14="http://schemas.microsoft.com/office/powerpoint/2010/main" val="2216049063"/>
+        <p14:creationId xmlns:p14="http://schemas.microsoft.com/office/powerpoint/2010/main" val="505762225"/>
       </p:ext>
     </p:extLst>
   </p:cSld>
@@ -7740,7 +7715,7 @@
           <a:p>
             <a:r>
               <a:rPr lang="en-US" dirty="0"/>
-              <a:t>I’m LCP Siddhartha Bose from 62FMD</a:t>
+              <a:t>I’m CPL Siddhartha Bose from 62FMD</a:t>
             </a:r>
           </a:p>
           <a:p>
@@ -9870,10 +9845,10 @@
       </p:sp>
       <p:pic>
         <p:nvPicPr>
-          <p:cNvPr id="4" name="Picture 3">
-            <a:extLst>
-              <a:ext uri="{FF2B5EF4-FFF2-40B4-BE49-F238E27FC236}">
-                <a16:creationId xmlns:a16="http://schemas.microsoft.com/office/drawing/2014/main" id="{51727C39-5B7F-FC48-A9E1-4AED8D56F69A}"/>
+          <p:cNvPr id="6" name="Picture 5">
+            <a:extLst>
+              <a:ext uri="{FF2B5EF4-FFF2-40B4-BE49-F238E27FC236}">
+                <a16:creationId xmlns:a16="http://schemas.microsoft.com/office/drawing/2014/main" id="{8B321EE7-0D1D-8A4E-8069-85A886C81C46}"/>
               </a:ext>
             </a:extLst>
           </p:cNvPr>
@@ -9890,8 +9865,8 @@
         </p:blipFill>
         <p:spPr>
           <a:xfrm>
-            <a:off x="1309099" y="3978847"/>
-            <a:ext cx="8382000" cy="533400"/>
+            <a:off x="1103312" y="2601848"/>
+            <a:ext cx="3213100" cy="1054100"/>
           </a:xfrm>
           <a:prstGeom prst="rect">
             <a:avLst/>
@@ -9900,10 +9875,10 @@
       </p:pic>
       <p:pic>
         <p:nvPicPr>
-          <p:cNvPr id="5" name="Picture 4">
-            <a:extLst>
-              <a:ext uri="{FF2B5EF4-FFF2-40B4-BE49-F238E27FC236}">
-                <a16:creationId xmlns:a16="http://schemas.microsoft.com/office/drawing/2014/main" id="{350E27CD-E061-004D-BB65-9075F71F9573}"/>
+          <p:cNvPr id="7" name="Picture 6">
+            <a:extLst>
+              <a:ext uri="{FF2B5EF4-FFF2-40B4-BE49-F238E27FC236}">
+                <a16:creationId xmlns:a16="http://schemas.microsoft.com/office/drawing/2014/main" id="{7F21F8A1-9F25-204D-B2BF-E9B4D1FA76BE}"/>
               </a:ext>
             </a:extLst>
           </p:cNvPr>
@@ -9920,8 +9895,8 @@
         </p:blipFill>
         <p:spPr>
           <a:xfrm>
-            <a:off x="1309099" y="2668998"/>
-            <a:ext cx="3492500" cy="1092200"/>
+            <a:off x="5202077" y="2509891"/>
+            <a:ext cx="1130300" cy="1447800"/>
           </a:xfrm>
           <a:prstGeom prst="rect">
             <a:avLst/>
@@ -10158,10 +10133,10 @@
       </p:sp>
       <p:pic>
         <p:nvPicPr>
-          <p:cNvPr id="9" name="Content Placeholder 3">
-            <a:extLst>
-              <a:ext uri="{FF2B5EF4-FFF2-40B4-BE49-F238E27FC236}">
-                <a16:creationId xmlns:a16="http://schemas.microsoft.com/office/drawing/2014/main" id="{C22FD6FE-6564-BB4C-96C4-9AA19A847E8E}"/>
+          <p:cNvPr id="3" name="Picture 2">
+            <a:extLst>
+              <a:ext uri="{FF2B5EF4-FFF2-40B4-BE49-F238E27FC236}">
+                <a16:creationId xmlns:a16="http://schemas.microsoft.com/office/drawing/2014/main" id="{DCAFC9DB-86F3-9D4D-9070-F606C585DD55}"/>
               </a:ext>
             </a:extLst>
           </p:cNvPr>
@@ -10178,8 +10153,8 @@
         </p:blipFill>
         <p:spPr>
           <a:xfrm>
-            <a:off x="1103312" y="2608649"/>
-            <a:ext cx="2653142" cy="1393156"/>
+            <a:off x="1428108" y="2514656"/>
+            <a:ext cx="2634304" cy="1695904"/>
           </a:xfrm>
           <a:prstGeom prst="rect">
             <a:avLst/>
@@ -10188,10 +10163,10 @@
       </p:pic>
       <p:pic>
         <p:nvPicPr>
-          <p:cNvPr id="10" name="Picture 9">
-            <a:extLst>
-              <a:ext uri="{FF2B5EF4-FFF2-40B4-BE49-F238E27FC236}">
-                <a16:creationId xmlns:a16="http://schemas.microsoft.com/office/drawing/2014/main" id="{7902F6C7-6ECC-634A-BA95-7FD9C7996EF1}"/>
+          <p:cNvPr id="4" name="Picture 3">
+            <a:extLst>
+              <a:ext uri="{FF2B5EF4-FFF2-40B4-BE49-F238E27FC236}">
+                <a16:creationId xmlns:a16="http://schemas.microsoft.com/office/drawing/2014/main" id="{1CD7D101-FE39-1543-9B8F-56CD9F3D2D27}"/>
               </a:ext>
             </a:extLst>
           </p:cNvPr>
@@ -10208,8 +10183,8 @@
         </p:blipFill>
         <p:spPr>
           <a:xfrm>
-            <a:off x="4651713" y="2874979"/>
-            <a:ext cx="5265323" cy="766162"/>
+            <a:off x="5571019" y="2373126"/>
+            <a:ext cx="1049962" cy="1837434"/>
           </a:xfrm>
           <a:prstGeom prst="rect">
             <a:avLst/>
@@ -10218,10 +10193,10 @@
       </p:pic>
       <p:pic>
         <p:nvPicPr>
-          <p:cNvPr id="11" name="Picture 10">
-            <a:extLst>
-              <a:ext uri="{FF2B5EF4-FFF2-40B4-BE49-F238E27FC236}">
-                <a16:creationId xmlns:a16="http://schemas.microsoft.com/office/drawing/2014/main" id="{339941C6-52C9-674D-B46F-28D202D4547F}"/>
+          <p:cNvPr id="5" name="Picture 4">
+            <a:extLst>
+              <a:ext uri="{FF2B5EF4-FFF2-40B4-BE49-F238E27FC236}">
+                <a16:creationId xmlns:a16="http://schemas.microsoft.com/office/drawing/2014/main" id="{C9120C45-8DB6-4342-8FA8-A1CC177B8B03}"/>
               </a:ext>
             </a:extLst>
           </p:cNvPr>
@@ -10238,8 +10213,8 @@
         </p:blipFill>
         <p:spPr>
           <a:xfrm>
-            <a:off x="1212350" y="4922874"/>
-            <a:ext cx="3200579" cy="1881256"/>
+            <a:off x="1103312" y="4890798"/>
+            <a:ext cx="2935929" cy="1819339"/>
           </a:xfrm>
           <a:prstGeom prst="rect">
             <a:avLst/>
@@ -10248,10 +10223,10 @@
       </p:pic>
       <p:pic>
         <p:nvPicPr>
-          <p:cNvPr id="13" name="Picture 12">
-            <a:extLst>
-              <a:ext uri="{FF2B5EF4-FFF2-40B4-BE49-F238E27FC236}">
-                <a16:creationId xmlns:a16="http://schemas.microsoft.com/office/drawing/2014/main" id="{857D40BA-94EF-E241-A075-AF7882C25A18}"/>
+          <p:cNvPr id="6" name="Picture 5">
+            <a:extLst>
+              <a:ext uri="{FF2B5EF4-FFF2-40B4-BE49-F238E27FC236}">
+                <a16:creationId xmlns:a16="http://schemas.microsoft.com/office/drawing/2014/main" id="{B3D1EC1F-D9D4-EA47-946D-CE094D2F8E6B}"/>
               </a:ext>
             </a:extLst>
           </p:cNvPr>
@@ -10268,8 +10243,8 @@
         </p:blipFill>
         <p:spPr>
           <a:xfrm>
-            <a:off x="4651713" y="5232043"/>
-            <a:ext cx="5265323" cy="782138"/>
+            <a:off x="5794625" y="4752711"/>
+            <a:ext cx="1249922" cy="1957425"/>
           </a:xfrm>
           <a:prstGeom prst="rect">
             <a:avLst/>
@@ -10412,7 +10387,7 @@
         </p:blipFill>
         <p:spPr>
           <a:xfrm>
-            <a:off x="7315200" y="4679135"/>
+            <a:off x="3534311" y="4997634"/>
             <a:ext cx="3773488" cy="1569263"/>
           </a:xfrm>
           <a:prstGeom prst="rect">
@@ -12305,7 +12280,7 @@
         </p:blipFill>
         <p:spPr>
           <a:xfrm>
-            <a:off x="7828907" y="3429000"/>
+            <a:off x="7325473" y="3212851"/>
             <a:ext cx="3033017" cy="3235218"/>
           </a:xfrm>
           <a:prstGeom prst="rect">
@@ -12982,7 +12957,7 @@
         </p:blipFill>
         <p:spPr>
           <a:xfrm>
-            <a:off x="7364803" y="1853248"/>
+            <a:off x="7115627" y="1853248"/>
             <a:ext cx="4331112" cy="4195482"/>
           </a:xfrm>
           <a:prstGeom prst="rect">
@@ -13283,7 +13258,7 @@
         </p:blipFill>
         <p:spPr>
           <a:xfrm>
-            <a:off x="6909474" y="4304230"/>
+            <a:off x="6656670" y="3690247"/>
             <a:ext cx="5016500" cy="2400300"/>
           </a:xfrm>
           <a:prstGeom prst="rect">
@@ -13640,7 +13615,7 @@
         </p:blipFill>
         <p:spPr>
           <a:xfrm>
-            <a:off x="7926515" y="2723890"/>
+            <a:off x="7191911" y="3181090"/>
             <a:ext cx="3799547" cy="2752236"/>
           </a:xfrm>
           <a:prstGeom prst="rect">
@@ -14326,7 +14301,7 @@
         </p:blipFill>
         <p:spPr>
           <a:xfrm>
-            <a:off x="8164887" y="5534743"/>
+            <a:off x="4389132" y="5565566"/>
             <a:ext cx="2374900" cy="1181100"/>
           </a:xfrm>
           <a:prstGeom prst="rect">

--- a/pythonpresentation.pptx
+++ b/pythonpresentation.pptx
@@ -40,41 +40,44 @@
     <p:sldId id="286" r:id="rId34"/>
     <p:sldId id="287" r:id="rId35"/>
     <p:sldId id="288" r:id="rId36"/>
-    <p:sldId id="289" r:id="rId37"/>
-    <p:sldId id="291" r:id="rId38"/>
-    <p:sldId id="292" r:id="rId39"/>
-    <p:sldId id="293" r:id="rId40"/>
-    <p:sldId id="294" r:id="rId41"/>
-    <p:sldId id="324" r:id="rId42"/>
-    <p:sldId id="295" r:id="rId43"/>
-    <p:sldId id="296" r:id="rId44"/>
-    <p:sldId id="297" r:id="rId45"/>
-    <p:sldId id="298" r:id="rId46"/>
-    <p:sldId id="299" r:id="rId47"/>
-    <p:sldId id="300" r:id="rId48"/>
-    <p:sldId id="301" r:id="rId49"/>
-    <p:sldId id="302" r:id="rId50"/>
-    <p:sldId id="303" r:id="rId51"/>
-    <p:sldId id="304" r:id="rId52"/>
-    <p:sldId id="305" r:id="rId53"/>
-    <p:sldId id="306" r:id="rId54"/>
-    <p:sldId id="307" r:id="rId55"/>
-    <p:sldId id="309" r:id="rId56"/>
-    <p:sldId id="308" r:id="rId57"/>
-    <p:sldId id="310" r:id="rId58"/>
-    <p:sldId id="312" r:id="rId59"/>
-    <p:sldId id="314" r:id="rId60"/>
-    <p:sldId id="311" r:id="rId61"/>
-    <p:sldId id="313" r:id="rId62"/>
-    <p:sldId id="315" r:id="rId63"/>
-    <p:sldId id="316" r:id="rId64"/>
-    <p:sldId id="317" r:id="rId65"/>
-    <p:sldId id="318" r:id="rId66"/>
-    <p:sldId id="319" r:id="rId67"/>
-    <p:sldId id="321" r:id="rId68"/>
-    <p:sldId id="320" r:id="rId69"/>
-    <p:sldId id="322" r:id="rId70"/>
-    <p:sldId id="262" r:id="rId71"/>
+    <p:sldId id="326" r:id="rId37"/>
+    <p:sldId id="289" r:id="rId38"/>
+    <p:sldId id="291" r:id="rId39"/>
+    <p:sldId id="292" r:id="rId40"/>
+    <p:sldId id="293" r:id="rId41"/>
+    <p:sldId id="294" r:id="rId42"/>
+    <p:sldId id="324" r:id="rId43"/>
+    <p:sldId id="295" r:id="rId44"/>
+    <p:sldId id="328" r:id="rId45"/>
+    <p:sldId id="296" r:id="rId46"/>
+    <p:sldId id="297" r:id="rId47"/>
+    <p:sldId id="298" r:id="rId48"/>
+    <p:sldId id="299" r:id="rId49"/>
+    <p:sldId id="300" r:id="rId50"/>
+    <p:sldId id="301" r:id="rId51"/>
+    <p:sldId id="302" r:id="rId52"/>
+    <p:sldId id="303" r:id="rId53"/>
+    <p:sldId id="304" r:id="rId54"/>
+    <p:sldId id="305" r:id="rId55"/>
+    <p:sldId id="306" r:id="rId56"/>
+    <p:sldId id="307" r:id="rId57"/>
+    <p:sldId id="309" r:id="rId58"/>
+    <p:sldId id="308" r:id="rId59"/>
+    <p:sldId id="310" r:id="rId60"/>
+    <p:sldId id="312" r:id="rId61"/>
+    <p:sldId id="314" r:id="rId62"/>
+    <p:sldId id="311" r:id="rId63"/>
+    <p:sldId id="313" r:id="rId64"/>
+    <p:sldId id="315" r:id="rId65"/>
+    <p:sldId id="316" r:id="rId66"/>
+    <p:sldId id="317" r:id="rId67"/>
+    <p:sldId id="318" r:id="rId68"/>
+    <p:sldId id="319" r:id="rId69"/>
+    <p:sldId id="321" r:id="rId70"/>
+    <p:sldId id="320" r:id="rId71"/>
+    <p:sldId id="327" r:id="rId72"/>
+    <p:sldId id="322" r:id="rId73"/>
+    <p:sldId id="262" r:id="rId74"/>
   </p:sldIdLst>
   <p:sldSz cx="12192000" cy="6858000"/>
   <p:notesSz cx="6858000" cy="9144000"/>
@@ -367,7 +370,7 @@
           <a:p>
             <a:fld id="{4AAD347D-5ACD-4C99-B74B-A9C85AD731AF}" type="datetimeFigureOut">
               <a:rPr lang="en-US" dirty="0"/>
-              <a:t>7/29/21</a:t>
+              <a:t>11/23/21</a:t>
             </a:fld>
             <a:endParaRPr lang="en-US" dirty="0"/>
           </a:p>
@@ -637,7 +640,7 @@
           <a:p>
             <a:fld id="{4509A250-FF31-4206-8172-F9D3106AACB1}" type="datetimeFigureOut">
               <a:rPr lang="en-US" dirty="0"/>
-              <a:t>7/29/21</a:t>
+              <a:t>11/23/21</a:t>
             </a:fld>
             <a:endParaRPr lang="en-US" dirty="0"/>
           </a:p>
@@ -826,7 +829,7 @@
           <a:p>
             <a:fld id="{4509A250-FF31-4206-8172-F9D3106AACB1}" type="datetimeFigureOut">
               <a:rPr lang="en-US" dirty="0"/>
-              <a:t>7/29/21</a:t>
+              <a:t>11/23/21</a:t>
             </a:fld>
             <a:endParaRPr lang="en-US" dirty="0"/>
           </a:p>
@@ -1094,7 +1097,7 @@
           <a:p>
             <a:fld id="{4509A250-FF31-4206-8172-F9D3106AACB1}" type="datetimeFigureOut">
               <a:rPr lang="en-US" dirty="0"/>
-              <a:t>7/29/21</a:t>
+              <a:t>11/23/21</a:t>
             </a:fld>
             <a:endParaRPr lang="en-US" dirty="0"/>
           </a:p>
@@ -1430,7 +1433,7 @@
           <a:p>
             <a:fld id="{4509A250-FF31-4206-8172-F9D3106AACB1}" type="datetimeFigureOut">
               <a:rPr lang="en-US" dirty="0"/>
-              <a:t>7/29/21</a:t>
+              <a:t>11/23/21</a:t>
             </a:fld>
             <a:endParaRPr lang="en-US" dirty="0"/>
           </a:p>
@@ -2048,7 +2051,7 @@
           <a:p>
             <a:fld id="{4509A250-FF31-4206-8172-F9D3106AACB1}" type="datetimeFigureOut">
               <a:rPr lang="en-US" dirty="0"/>
-              <a:t>7/29/21</a:t>
+              <a:t>11/23/21</a:t>
             </a:fld>
             <a:endParaRPr lang="en-US" dirty="0"/>
           </a:p>
@@ -2903,7 +2906,7 @@
           <a:p>
             <a:fld id="{4509A250-FF31-4206-8172-F9D3106AACB1}" type="datetimeFigureOut">
               <a:rPr lang="en-US" dirty="0"/>
-              <a:t>7/29/21</a:t>
+              <a:t>11/23/21</a:t>
             </a:fld>
             <a:endParaRPr lang="en-US" dirty="0"/>
           </a:p>
@@ -3068,7 +3071,7 @@
           <a:p>
             <a:fld id="{4509A250-FF31-4206-8172-F9D3106AACB1}" type="datetimeFigureOut">
               <a:rPr lang="en-US" dirty="0"/>
-              <a:t>7/29/21</a:t>
+              <a:t>11/23/21</a:t>
             </a:fld>
             <a:endParaRPr lang="en-US" dirty="0"/>
           </a:p>
@@ -3243,7 +3246,7 @@
           <a:p>
             <a:fld id="{4509A250-FF31-4206-8172-F9D3106AACB1}" type="datetimeFigureOut">
               <a:rPr lang="en-US" dirty="0"/>
-              <a:t>7/29/21</a:t>
+              <a:t>11/23/21</a:t>
             </a:fld>
             <a:endParaRPr lang="en-US" dirty="0"/>
           </a:p>
@@ -3408,7 +3411,7 @@
           <a:p>
             <a:fld id="{4509A250-FF31-4206-8172-F9D3106AACB1}" type="datetimeFigureOut">
               <a:rPr lang="en-US" dirty="0"/>
-              <a:t>7/29/21</a:t>
+              <a:t>11/23/21</a:t>
             </a:fld>
             <a:endParaRPr lang="en-US" dirty="0"/>
           </a:p>
@@ -3650,7 +3653,7 @@
           <a:p>
             <a:fld id="{9796027F-7875-4030-9381-8BD8C4F21935}" type="datetimeFigureOut">
               <a:rPr lang="en-US" dirty="0"/>
-              <a:t>7/29/21</a:t>
+              <a:t>11/23/21</a:t>
             </a:fld>
             <a:endParaRPr lang="en-US" dirty="0"/>
           </a:p>
@@ -3937,7 +3940,7 @@
           <a:p>
             <a:fld id="{9796027F-7875-4030-9381-8BD8C4F21935}" type="datetimeFigureOut">
               <a:rPr lang="en-US" dirty="0"/>
-              <a:t>7/29/21</a:t>
+              <a:t>11/23/21</a:t>
             </a:fld>
             <a:endParaRPr lang="en-US" dirty="0"/>
           </a:p>
@@ -4376,7 +4379,7 @@
           <a:p>
             <a:fld id="{9796027F-7875-4030-9381-8BD8C4F21935}" type="datetimeFigureOut">
               <a:rPr lang="en-US" dirty="0"/>
-              <a:t>7/29/21</a:t>
+              <a:t>11/23/21</a:t>
             </a:fld>
             <a:endParaRPr lang="en-US" dirty="0"/>
           </a:p>
@@ -4489,7 +4492,7 @@
           <a:p>
             <a:fld id="{4509A250-FF31-4206-8172-F9D3106AACB1}" type="datetimeFigureOut">
               <a:rPr lang="en-US" dirty="0"/>
-              <a:t>7/29/21</a:t>
+              <a:t>11/23/21</a:t>
             </a:fld>
             <a:endParaRPr lang="en-US" dirty="0"/>
           </a:p>
@@ -4579,7 +4582,7 @@
           <a:p>
             <a:fld id="{4509A250-FF31-4206-8172-F9D3106AACB1}" type="datetimeFigureOut">
               <a:rPr lang="en-US" dirty="0"/>
-              <a:t>7/29/21</a:t>
+              <a:t>11/23/21</a:t>
             </a:fld>
             <a:endParaRPr lang="en-US" dirty="0"/>
           </a:p>
@@ -4853,7 +4856,7 @@
           <a:p>
             <a:fld id="{4509A250-FF31-4206-8172-F9D3106AACB1}" type="datetimeFigureOut">
               <a:rPr lang="en-US" dirty="0"/>
-              <a:t>7/29/21</a:t>
+              <a:t>11/23/21</a:t>
             </a:fld>
             <a:endParaRPr lang="en-US" dirty="0"/>
           </a:p>
@@ -5123,7 +5126,7 @@
           <a:p>
             <a:fld id="{4509A250-FF31-4206-8172-F9D3106AACB1}" type="datetimeFigureOut">
               <a:rPr lang="en-US" dirty="0"/>
-              <a:t>7/29/21</a:t>
+              <a:t>11/23/21</a:t>
             </a:fld>
             <a:endParaRPr lang="en-US" dirty="0"/>
           </a:p>
@@ -5547,7 +5550,7 @@
           <a:p>
             <a:fld id="{4AAD347D-5ACD-4C99-B74B-A9C85AD731AF}" type="datetimeFigureOut">
               <a:rPr lang="en-US" dirty="0"/>
-              <a:t>7/29/21</a:t>
+              <a:t>11/23/21</a:t>
             </a:fld>
             <a:endParaRPr lang="en-US" dirty="0"/>
           </a:p>
@@ -8129,8 +8132,13 @@
             </a:r>
             <a:r>
               <a:rPr lang="en-US" dirty="0"/>
-              <a:t> Bose”, “rank”: ”LCP”}</a:t>
-            </a:r>
+              <a:t> Bose”, “rank</a:t>
+            </a:r>
+            <a:r>
+              <a:rPr lang="en-US"/>
+              <a:t>”: ”CPL”}</a:t>
+            </a:r>
+            <a:endParaRPr lang="en-US" dirty="0"/>
           </a:p>
           <a:p>
             <a:r>
@@ -10286,6 +10294,152 @@
           <p:cNvPr id="2" name="Title 1">
             <a:extLst>
               <a:ext uri="{FF2B5EF4-FFF2-40B4-BE49-F238E27FC236}">
+                <a16:creationId xmlns:a16="http://schemas.microsoft.com/office/drawing/2014/main" id="{01AA72EE-856F-1849-81A4-249151C05203}"/>
+              </a:ext>
+            </a:extLst>
+          </p:cNvPr>
+          <p:cNvSpPr>
+            <a:spLocks noGrp="1"/>
+          </p:cNvSpPr>
+          <p:nvPr>
+            <p:ph type="title"/>
+          </p:nvPr>
+        </p:nvSpPr>
+        <p:spPr/>
+        <p:txBody>
+          <a:bodyPr/>
+          <a:lstStyle/>
+          <a:p>
+            <a:r>
+              <a:rPr lang="en-US" dirty="0"/>
+              <a:t>Rounding in Floats</a:t>
+            </a:r>
+          </a:p>
+        </p:txBody>
+      </p:sp>
+      <p:sp>
+        <p:nvSpPr>
+          <p:cNvPr id="3" name="Content Placeholder 2">
+            <a:extLst>
+              <a:ext uri="{FF2B5EF4-FFF2-40B4-BE49-F238E27FC236}">
+                <a16:creationId xmlns:a16="http://schemas.microsoft.com/office/drawing/2014/main" id="{ACDDA9A0-553C-0E49-AB9D-C7268AF29481}"/>
+              </a:ext>
+            </a:extLst>
+          </p:cNvPr>
+          <p:cNvSpPr>
+            <a:spLocks noGrp="1"/>
+          </p:cNvSpPr>
+          <p:nvPr>
+            <p:ph idx="1"/>
+          </p:nvPr>
+        </p:nvSpPr>
+        <p:spPr/>
+        <p:txBody>
+          <a:bodyPr/>
+          <a:lstStyle/>
+          <a:p>
+            <a:r>
+              <a:rPr lang="en-US" dirty="0"/>
+              <a:t>A common theme is displaying decimal values</a:t>
+            </a:r>
+          </a:p>
+          <a:p>
+            <a:r>
+              <a:rPr lang="en-US" dirty="0"/>
+              <a:t>Often floats will print as numbers with several floating-point values</a:t>
+            </a:r>
+          </a:p>
+          <a:p>
+            <a:r>
+              <a:rPr lang="en-US" dirty="0"/>
+              <a:t>We can use the round function as follows to truncate the result</a:t>
+            </a:r>
+          </a:p>
+          <a:p>
+            <a:endParaRPr lang="en-US" dirty="0"/>
+          </a:p>
+          <a:p>
+            <a:endParaRPr lang="en-US" dirty="0"/>
+          </a:p>
+          <a:p>
+            <a:r>
+              <a:rPr lang="en-US" dirty="0"/>
+              <a:t>Round(value, number of decimals)</a:t>
+            </a:r>
+          </a:p>
+          <a:p>
+            <a:endParaRPr lang="en-US" dirty="0"/>
+          </a:p>
+          <a:p>
+            <a:endParaRPr lang="en-US" dirty="0"/>
+          </a:p>
+        </p:txBody>
+      </p:sp>
+      <p:pic>
+        <p:nvPicPr>
+          <p:cNvPr id="4" name="Picture 3">
+            <a:extLst>
+              <a:ext uri="{FF2B5EF4-FFF2-40B4-BE49-F238E27FC236}">
+                <a16:creationId xmlns:a16="http://schemas.microsoft.com/office/drawing/2014/main" id="{75AEC00C-4CA7-6849-9B9B-E608AA327FE2}"/>
+              </a:ext>
+            </a:extLst>
+          </p:cNvPr>
+          <p:cNvPicPr>
+            <a:picLocks noChangeAspect="1"/>
+          </p:cNvPicPr>
+          <p:nvPr/>
+        </p:nvPicPr>
+        <p:blipFill>
+          <a:blip r:embed="rId2"/>
+          <a:stretch>
+            <a:fillRect/>
+          </a:stretch>
+        </p:blipFill>
+        <p:spPr>
+          <a:xfrm>
+            <a:off x="6013312" y="3809352"/>
+            <a:ext cx="5664200" cy="2044700"/>
+          </a:xfrm>
+          <a:prstGeom prst="rect">
+            <a:avLst/>
+          </a:prstGeom>
+        </p:spPr>
+      </p:pic>
+    </p:spTree>
+    <p:extLst>
+      <p:ext uri="{BB962C8B-B14F-4D97-AF65-F5344CB8AC3E}">
+        <p14:creationId xmlns:p14="http://schemas.microsoft.com/office/powerpoint/2010/main" val="3338685470"/>
+      </p:ext>
+    </p:extLst>
+  </p:cSld>
+  <p:clrMapOvr>
+    <a:masterClrMapping/>
+  </p:clrMapOvr>
+</p:sld>
+</file>
+
+<file path=ppt/slides/slide37.xml><?xml version="1.0" encoding="utf-8"?>
+<p:sld xmlns:a="http://schemas.openxmlformats.org/drawingml/2006/main" xmlns:r="http://schemas.openxmlformats.org/officeDocument/2006/relationships" xmlns:p="http://schemas.openxmlformats.org/presentationml/2006/main">
+  <p:cSld>
+    <p:spTree>
+      <p:nvGrpSpPr>
+        <p:cNvPr id="1" name=""/>
+        <p:cNvGrpSpPr/>
+        <p:nvPr/>
+      </p:nvGrpSpPr>
+      <p:grpSpPr>
+        <a:xfrm>
+          <a:off x="0" y="0"/>
+          <a:ext cx="0" cy="0"/>
+          <a:chOff x="0" y="0"/>
+          <a:chExt cx="0" cy="0"/>
+        </a:xfrm>
+      </p:grpSpPr>
+      <p:sp>
+        <p:nvSpPr>
+          <p:cNvPr id="2" name="Title 1">
+            <a:extLst>
+              <a:ext uri="{FF2B5EF4-FFF2-40B4-BE49-F238E27FC236}">
                 <a16:creationId xmlns:a16="http://schemas.microsoft.com/office/drawing/2014/main" id="{36BB18EC-B4AA-654D-A651-DCF64FE4A887}"/>
               </a:ext>
             </a:extLst>
@@ -10408,7 +10562,7 @@
 </p:sld>
 </file>
 
-<file path=ppt/slides/slide37.xml><?xml version="1.0" encoding="utf-8"?>
+<file path=ppt/slides/slide38.xml><?xml version="1.0" encoding="utf-8"?>
 <p:sld xmlns:a="http://schemas.openxmlformats.org/drawingml/2006/main" xmlns:r="http://schemas.openxmlformats.org/officeDocument/2006/relationships" xmlns:p="http://schemas.openxmlformats.org/presentationml/2006/main">
   <p:cSld>
     <p:spTree>
@@ -10584,7 +10738,7 @@
 </p:sld>
 </file>
 
-<file path=ppt/slides/slide38.xml><?xml version="1.0" encoding="utf-8"?>
+<file path=ppt/slides/slide39.xml><?xml version="1.0" encoding="utf-8"?>
 <p:sld xmlns:a="http://schemas.openxmlformats.org/drawingml/2006/main" xmlns:r="http://schemas.openxmlformats.org/officeDocument/2006/relationships" xmlns:p="http://schemas.openxmlformats.org/presentationml/2006/main">
   <p:cSld>
     <p:spTree>
@@ -10709,142 +10863,6 @@
 </p:sld>
 </file>
 
-<file path=ppt/slides/slide39.xml><?xml version="1.0" encoding="utf-8"?>
-<p:sld xmlns:a="http://schemas.openxmlformats.org/drawingml/2006/main" xmlns:r="http://schemas.openxmlformats.org/officeDocument/2006/relationships" xmlns:p="http://schemas.openxmlformats.org/presentationml/2006/main">
-  <p:cSld>
-    <p:spTree>
-      <p:nvGrpSpPr>
-        <p:cNvPr id="1" name=""/>
-        <p:cNvGrpSpPr/>
-        <p:nvPr/>
-      </p:nvGrpSpPr>
-      <p:grpSpPr>
-        <a:xfrm>
-          <a:off x="0" y="0"/>
-          <a:ext cx="0" cy="0"/>
-          <a:chOff x="0" y="0"/>
-          <a:chExt cx="0" cy="0"/>
-        </a:xfrm>
-      </p:grpSpPr>
-      <p:sp>
-        <p:nvSpPr>
-          <p:cNvPr id="2" name="Title 1">
-            <a:extLst>
-              <a:ext uri="{FF2B5EF4-FFF2-40B4-BE49-F238E27FC236}">
-                <a16:creationId xmlns:a16="http://schemas.microsoft.com/office/drawing/2014/main" id="{D803F801-83E0-8E44-A73E-032C4A2A8CAC}"/>
-              </a:ext>
-            </a:extLst>
-          </p:cNvPr>
-          <p:cNvSpPr>
-            <a:spLocks noGrp="1"/>
-          </p:cNvSpPr>
-          <p:nvPr>
-            <p:ph type="title"/>
-          </p:nvPr>
-        </p:nvSpPr>
-        <p:spPr/>
-        <p:txBody>
-          <a:bodyPr/>
-          <a:lstStyle/>
-          <a:p>
-            <a:r>
-              <a:rPr lang="en-US" dirty="0"/>
-              <a:t>More String Methods</a:t>
-            </a:r>
-          </a:p>
-        </p:txBody>
-      </p:sp>
-      <p:sp>
-        <p:nvSpPr>
-          <p:cNvPr id="3" name="Content Placeholder 2">
-            <a:extLst>
-              <a:ext uri="{FF2B5EF4-FFF2-40B4-BE49-F238E27FC236}">
-                <a16:creationId xmlns:a16="http://schemas.microsoft.com/office/drawing/2014/main" id="{279C17A9-B25F-DE40-8A56-EA3251267AE6}"/>
-              </a:ext>
-            </a:extLst>
-          </p:cNvPr>
-          <p:cNvSpPr>
-            <a:spLocks noGrp="1"/>
-          </p:cNvSpPr>
-          <p:nvPr>
-            <p:ph idx="1"/>
-          </p:nvPr>
-        </p:nvSpPr>
-        <p:spPr/>
-        <p:txBody>
-          <a:bodyPr/>
-          <a:lstStyle/>
-          <a:p>
-            <a:r>
-              <a:rPr lang="en-US" dirty="0"/>
-              <a:t>Capitalize() – converts first character to capital</a:t>
-            </a:r>
-          </a:p>
-          <a:p>
-            <a:r>
-              <a:rPr lang="en-US" dirty="0" err="1"/>
-              <a:t>Isupper</a:t>
-            </a:r>
-            <a:r>
-              <a:rPr lang="en-US" dirty="0"/>
-              <a:t>() – returns true if all characters are upper case</a:t>
-            </a:r>
-          </a:p>
-          <a:p>
-            <a:r>
-              <a:rPr lang="en-US" dirty="0" err="1"/>
-              <a:t>Islower</a:t>
-            </a:r>
-            <a:r>
-              <a:rPr lang="en-US" dirty="0"/>
-              <a:t>() – returns true is all characters are lower case</a:t>
-            </a:r>
-          </a:p>
-          <a:p>
-            <a:endParaRPr lang="en-US" dirty="0"/>
-          </a:p>
-          <a:p>
-            <a:r>
-              <a:rPr lang="en-US" dirty="0"/>
-              <a:t>Realize that any string method will return a new string not modifying the current one</a:t>
-            </a:r>
-          </a:p>
-          <a:p>
-            <a:endParaRPr lang="en-US" dirty="0"/>
-          </a:p>
-          <a:p>
-            <a:r>
-              <a:rPr lang="en-US" dirty="0"/>
-              <a:t>More methods:</a:t>
-            </a:r>
-          </a:p>
-          <a:p>
-            <a:pPr lvl="1"/>
-            <a:r>
-              <a:rPr lang="en-US" dirty="0"/>
-              <a:t>https://www.w3schools.com/python/</a:t>
-            </a:r>
-            <a:r>
-              <a:rPr lang="en-US" dirty="0" err="1"/>
-              <a:t>python_strings_methods.asp</a:t>
-            </a:r>
-            <a:endParaRPr lang="en-US" dirty="0"/>
-          </a:p>
-        </p:txBody>
-      </p:sp>
-    </p:spTree>
-    <p:extLst>
-      <p:ext uri="{BB962C8B-B14F-4D97-AF65-F5344CB8AC3E}">
-        <p14:creationId xmlns:p14="http://schemas.microsoft.com/office/powerpoint/2010/main" val="3255764736"/>
-      </p:ext>
-    </p:extLst>
-  </p:cSld>
-  <p:clrMapOvr>
-    <a:masterClrMapping/>
-  </p:clrMapOvr>
-</p:sld>
-</file>
-
 <file path=ppt/slides/slide4.xml><?xml version="1.0" encoding="utf-8"?>
 <p:sld xmlns:a="http://schemas.openxmlformats.org/drawingml/2006/main" xmlns:r="http://schemas.openxmlformats.org/officeDocument/2006/relationships" xmlns:p="http://schemas.openxmlformats.org/presentationml/2006/main">
   <p:cSld>
@@ -10971,7 +10989,7 @@
           <p:cNvPr id="2" name="Title 1">
             <a:extLst>
               <a:ext uri="{FF2B5EF4-FFF2-40B4-BE49-F238E27FC236}">
-                <a16:creationId xmlns:a16="http://schemas.microsoft.com/office/drawing/2014/main" id="{E8886128-82B3-FF4E-81BC-2F65F2C245E8}"/>
+                <a16:creationId xmlns:a16="http://schemas.microsoft.com/office/drawing/2014/main" id="{D803F801-83E0-8E44-A73E-032C4A2A8CAC}"/>
               </a:ext>
             </a:extLst>
           </p:cNvPr>
@@ -10989,7 +11007,7 @@
           <a:p>
             <a:r>
               <a:rPr lang="en-US" dirty="0"/>
-              <a:t>Second Mini Project: Bio Document</a:t>
+              <a:t>More String Methods</a:t>
             </a:r>
           </a:p>
         </p:txBody>
@@ -10999,7 +11017,7 @@
           <p:cNvPr id="3" name="Content Placeholder 2">
             <a:extLst>
               <a:ext uri="{FF2B5EF4-FFF2-40B4-BE49-F238E27FC236}">
-                <a16:creationId xmlns:a16="http://schemas.microsoft.com/office/drawing/2014/main" id="{B712D8E8-77B2-D040-9B76-CCB444736E65}"/>
+                <a16:creationId xmlns:a16="http://schemas.microsoft.com/office/drawing/2014/main" id="{279C17A9-B25F-DE40-8A56-EA3251267AE6}"/>
               </a:ext>
             </a:extLst>
           </p:cNvPr>
@@ -11010,67 +11028,64 @@
             <p:ph idx="1"/>
           </p:nvPr>
         </p:nvSpPr>
-        <p:spPr>
-          <a:xfrm>
-            <a:off x="1103312" y="2052918"/>
-            <a:ext cx="8946541" cy="4532817"/>
-          </a:xfrm>
-        </p:spPr>
-        <p:txBody>
-          <a:bodyPr/>
-          <a:lstStyle/>
-          <a:p>
-            <a:r>
-              <a:rPr lang="en-US" dirty="0"/>
-              <a:t>Although not as fun, this project will allow us to showcase a lot of what we have learned thus far</a:t>
-            </a:r>
-          </a:p>
-          <a:p>
-            <a:endParaRPr lang="en-US" dirty="0"/>
-          </a:p>
-          <a:p>
-            <a:r>
-              <a:rPr lang="en-US" dirty="0"/>
-              <a:t>Project Requirements:</a:t>
+        <p:spPr/>
+        <p:txBody>
+          <a:bodyPr/>
+          <a:lstStyle/>
+          <a:p>
+            <a:r>
+              <a:rPr lang="en-US" dirty="0"/>
+              <a:t>Capitalize() – converts first character to capital</a:t>
+            </a:r>
+          </a:p>
+          <a:p>
+            <a:r>
+              <a:rPr lang="en-US" dirty="0" err="1"/>
+              <a:t>Isupper</a:t>
+            </a:r>
+            <a:r>
+              <a:rPr lang="en-US" dirty="0"/>
+              <a:t>() – returns true if all characters are upper case</a:t>
+            </a:r>
+          </a:p>
+          <a:p>
+            <a:r>
+              <a:rPr lang="en-US" dirty="0" err="1"/>
+              <a:t>Islower</a:t>
+            </a:r>
+            <a:r>
+              <a:rPr lang="en-US" dirty="0"/>
+              <a:t>() – returns true is all characters are lower case</a:t>
+            </a:r>
+          </a:p>
+          <a:p>
+            <a:endParaRPr lang="en-US" dirty="0"/>
+          </a:p>
+          <a:p>
+            <a:r>
+              <a:rPr lang="en-US" dirty="0"/>
+              <a:t>Realize that any string method will return a new string not modifying the current one</a:t>
+            </a:r>
+          </a:p>
+          <a:p>
+            <a:endParaRPr lang="en-US" dirty="0"/>
+          </a:p>
+          <a:p>
+            <a:r>
+              <a:rPr lang="en-US" dirty="0"/>
+              <a:t>More methods:</a:t>
             </a:r>
           </a:p>
           <a:p>
             <a:pPr lvl="1"/>
             <a:r>
               <a:rPr lang="en-US" dirty="0"/>
-              <a:t>1. Must have 1 variable for first name and 1 for last name</a:t>
-            </a:r>
-          </a:p>
-          <a:p>
-            <a:pPr lvl="2"/>
-            <a:r>
-              <a:rPr lang="en-US" dirty="0"/>
-              <a:t>1a. Must print first and last name in same line</a:t>
-            </a:r>
-          </a:p>
-          <a:p>
-            <a:pPr lvl="2"/>
-            <a:r>
-              <a:rPr lang="en-US" dirty="0"/>
-              <a:t>1b. Must print initials without using extra variables</a:t>
-            </a:r>
-          </a:p>
-          <a:p>
-            <a:pPr lvl="1"/>
-            <a:r>
-              <a:rPr lang="en-US" dirty="0"/>
-              <a:t>2. Must have age variable as a decimal and then print as an integer</a:t>
-            </a:r>
-          </a:p>
-          <a:p>
-            <a:pPr lvl="1"/>
-            <a:r>
-              <a:rPr lang="en-US" dirty="0"/>
-              <a:t>3. Must have country of birth variable and then print in all capitals</a:t>
-            </a:r>
-          </a:p>
-          <a:p>
-            <a:pPr lvl="1"/>
+              <a:t>https://www.w3schools.com/python/</a:t>
+            </a:r>
+            <a:r>
+              <a:rPr lang="en-US" dirty="0" err="1"/>
+              <a:t>python_strings_methods.asp</a:t>
+            </a:r>
             <a:endParaRPr lang="en-US" dirty="0"/>
           </a:p>
         </p:txBody>
@@ -11078,7 +11093,7 @@
     </p:spTree>
     <p:extLst>
       <p:ext uri="{BB962C8B-B14F-4D97-AF65-F5344CB8AC3E}">
-        <p14:creationId xmlns:p14="http://schemas.microsoft.com/office/powerpoint/2010/main" val="3638107109"/>
+        <p14:creationId xmlns:p14="http://schemas.microsoft.com/office/powerpoint/2010/main" val="3255764736"/>
       </p:ext>
     </p:extLst>
   </p:cSld>
@@ -11110,6 +11125,145 @@
           <p:cNvPr id="2" name="Title 1">
             <a:extLst>
               <a:ext uri="{FF2B5EF4-FFF2-40B4-BE49-F238E27FC236}">
+                <a16:creationId xmlns:a16="http://schemas.microsoft.com/office/drawing/2014/main" id="{E8886128-82B3-FF4E-81BC-2F65F2C245E8}"/>
+              </a:ext>
+            </a:extLst>
+          </p:cNvPr>
+          <p:cNvSpPr>
+            <a:spLocks noGrp="1"/>
+          </p:cNvSpPr>
+          <p:nvPr>
+            <p:ph type="title"/>
+          </p:nvPr>
+        </p:nvSpPr>
+        <p:spPr/>
+        <p:txBody>
+          <a:bodyPr/>
+          <a:lstStyle/>
+          <a:p>
+            <a:r>
+              <a:rPr lang="en-US" dirty="0"/>
+              <a:t>Second Mini Project: Bio Document</a:t>
+            </a:r>
+          </a:p>
+        </p:txBody>
+      </p:sp>
+      <p:sp>
+        <p:nvSpPr>
+          <p:cNvPr id="3" name="Content Placeholder 2">
+            <a:extLst>
+              <a:ext uri="{FF2B5EF4-FFF2-40B4-BE49-F238E27FC236}">
+                <a16:creationId xmlns:a16="http://schemas.microsoft.com/office/drawing/2014/main" id="{B712D8E8-77B2-D040-9B76-CCB444736E65}"/>
+              </a:ext>
+            </a:extLst>
+          </p:cNvPr>
+          <p:cNvSpPr>
+            <a:spLocks noGrp="1"/>
+          </p:cNvSpPr>
+          <p:nvPr>
+            <p:ph idx="1"/>
+          </p:nvPr>
+        </p:nvSpPr>
+        <p:spPr>
+          <a:xfrm>
+            <a:off x="1103312" y="2052918"/>
+            <a:ext cx="8946541" cy="4532817"/>
+          </a:xfrm>
+        </p:spPr>
+        <p:txBody>
+          <a:bodyPr/>
+          <a:lstStyle/>
+          <a:p>
+            <a:r>
+              <a:rPr lang="en-US" dirty="0"/>
+              <a:t>Although not as fun, this project will allow us to showcase a lot of what we have learned thus far</a:t>
+            </a:r>
+          </a:p>
+          <a:p>
+            <a:endParaRPr lang="en-US" dirty="0"/>
+          </a:p>
+          <a:p>
+            <a:r>
+              <a:rPr lang="en-US" dirty="0"/>
+              <a:t>Project Requirements:</a:t>
+            </a:r>
+          </a:p>
+          <a:p>
+            <a:pPr lvl="1"/>
+            <a:r>
+              <a:rPr lang="en-US" dirty="0"/>
+              <a:t>1. Must have 1 variable for first name and 1 for last name</a:t>
+            </a:r>
+          </a:p>
+          <a:p>
+            <a:pPr lvl="2"/>
+            <a:r>
+              <a:rPr lang="en-US" dirty="0"/>
+              <a:t>1a. Must print first and last name in same line</a:t>
+            </a:r>
+          </a:p>
+          <a:p>
+            <a:pPr lvl="2"/>
+            <a:r>
+              <a:rPr lang="en-US" dirty="0"/>
+              <a:t>1b. Must print initials without using extra variables</a:t>
+            </a:r>
+          </a:p>
+          <a:p>
+            <a:pPr lvl="1"/>
+            <a:r>
+              <a:rPr lang="en-US" dirty="0"/>
+              <a:t>2. Must have age variable as a decimal and then print as an integer</a:t>
+            </a:r>
+          </a:p>
+          <a:p>
+            <a:pPr lvl="1"/>
+            <a:r>
+              <a:rPr lang="en-US" dirty="0"/>
+              <a:t>3. Must have country of birth variable and then print in all capitals</a:t>
+            </a:r>
+          </a:p>
+          <a:p>
+            <a:pPr lvl="1"/>
+            <a:endParaRPr lang="en-US" dirty="0"/>
+          </a:p>
+        </p:txBody>
+      </p:sp>
+    </p:spTree>
+    <p:extLst>
+      <p:ext uri="{BB962C8B-B14F-4D97-AF65-F5344CB8AC3E}">
+        <p14:creationId xmlns:p14="http://schemas.microsoft.com/office/powerpoint/2010/main" val="3638107109"/>
+      </p:ext>
+    </p:extLst>
+  </p:cSld>
+  <p:clrMapOvr>
+    <a:masterClrMapping/>
+  </p:clrMapOvr>
+</p:sld>
+</file>
+
+<file path=ppt/slides/slide42.xml><?xml version="1.0" encoding="utf-8"?>
+<p:sld xmlns:a="http://schemas.openxmlformats.org/drawingml/2006/main" xmlns:r="http://schemas.openxmlformats.org/officeDocument/2006/relationships" xmlns:p="http://schemas.openxmlformats.org/presentationml/2006/main">
+  <p:cSld>
+    <p:spTree>
+      <p:nvGrpSpPr>
+        <p:cNvPr id="1" name=""/>
+        <p:cNvGrpSpPr/>
+        <p:nvPr/>
+      </p:nvGrpSpPr>
+      <p:grpSpPr>
+        <a:xfrm>
+          <a:off x="0" y="0"/>
+          <a:ext cx="0" cy="0"/>
+          <a:chOff x="0" y="0"/>
+          <a:chExt cx="0" cy="0"/>
+        </a:xfrm>
+      </p:grpSpPr>
+      <p:sp>
+        <p:nvSpPr>
+          <p:cNvPr id="2" name="Title 1">
+            <a:extLst>
+              <a:ext uri="{FF2B5EF4-FFF2-40B4-BE49-F238E27FC236}">
                 <a16:creationId xmlns:a16="http://schemas.microsoft.com/office/drawing/2014/main" id="{73F8C34C-20D9-0449-AE8D-6CB523BF14DB}"/>
               </a:ext>
             </a:extLst>
@@ -11177,7 +11331,7 @@
 </p:sld>
 </file>
 
-<file path=ppt/slides/slide42.xml><?xml version="1.0" encoding="utf-8"?>
+<file path=ppt/slides/slide43.xml><?xml version="1.0" encoding="utf-8"?>
 <p:sld xmlns:a="http://schemas.openxmlformats.org/drawingml/2006/main" xmlns:r="http://schemas.openxmlformats.org/officeDocument/2006/relationships" xmlns:p="http://schemas.openxmlformats.org/presentationml/2006/main">
   <p:cSld>
     <p:spTree>
@@ -11295,7 +11449,161 @@
 </p:sld>
 </file>
 
-<file path=ppt/slides/slide43.xml><?xml version="1.0" encoding="utf-8"?>
+<file path=ppt/slides/slide44.xml><?xml version="1.0" encoding="utf-8"?>
+<p:sld xmlns:a="http://schemas.openxmlformats.org/drawingml/2006/main" xmlns:r="http://schemas.openxmlformats.org/officeDocument/2006/relationships" xmlns:p="http://schemas.openxmlformats.org/presentationml/2006/main">
+  <p:cSld>
+    <p:spTree>
+      <p:nvGrpSpPr>
+        <p:cNvPr id="1" name=""/>
+        <p:cNvGrpSpPr/>
+        <p:nvPr/>
+      </p:nvGrpSpPr>
+      <p:grpSpPr>
+        <a:xfrm>
+          <a:off x="0" y="0"/>
+          <a:ext cx="0" cy="0"/>
+          <a:chOff x="0" y="0"/>
+          <a:chExt cx="0" cy="0"/>
+        </a:xfrm>
+      </p:grpSpPr>
+      <p:sp>
+        <p:nvSpPr>
+          <p:cNvPr id="2" name="Title 1">
+            <a:extLst>
+              <a:ext uri="{FF2B5EF4-FFF2-40B4-BE49-F238E27FC236}">
+                <a16:creationId xmlns:a16="http://schemas.microsoft.com/office/drawing/2014/main" id="{1987E332-A399-5845-85A1-1867FAA4EC5E}"/>
+              </a:ext>
+            </a:extLst>
+          </p:cNvPr>
+          <p:cNvSpPr>
+            <a:spLocks noGrp="1"/>
+          </p:cNvSpPr>
+          <p:nvPr>
+            <p:ph type="title"/>
+          </p:nvPr>
+        </p:nvSpPr>
+        <p:spPr/>
+        <p:txBody>
+          <a:bodyPr/>
+          <a:lstStyle/>
+          <a:p>
+            <a:r>
+              <a:rPr lang="en-US" dirty="0"/>
+              <a:t>F Strings	</a:t>
+            </a:r>
+          </a:p>
+        </p:txBody>
+      </p:sp>
+      <p:sp>
+        <p:nvSpPr>
+          <p:cNvPr id="3" name="Content Placeholder 2">
+            <a:extLst>
+              <a:ext uri="{FF2B5EF4-FFF2-40B4-BE49-F238E27FC236}">
+                <a16:creationId xmlns:a16="http://schemas.microsoft.com/office/drawing/2014/main" id="{52DEC351-C8BC-134D-A36F-847D99C3B971}"/>
+              </a:ext>
+            </a:extLst>
+          </p:cNvPr>
+          <p:cNvSpPr>
+            <a:spLocks noGrp="1"/>
+          </p:cNvSpPr>
+          <p:nvPr>
+            <p:ph idx="1"/>
+          </p:nvPr>
+        </p:nvSpPr>
+        <p:spPr/>
+        <p:txBody>
+          <a:bodyPr/>
+          <a:lstStyle/>
+          <a:p>
+            <a:r>
+              <a:rPr lang="en-US" dirty="0"/>
+              <a:t>In Python F Strings allow us to insert variables into a string</a:t>
+            </a:r>
+          </a:p>
+          <a:p>
+            <a:r>
+              <a:rPr lang="en-US" dirty="0"/>
+              <a:t>The syntax is as follows: </a:t>
+            </a:r>
+            <a:r>
+              <a:rPr lang="en-US" dirty="0" err="1"/>
+              <a:t>f”string</a:t>
+            </a:r>
+            <a:r>
+              <a:rPr lang="en-US" dirty="0"/>
+              <a:t> {var} string”</a:t>
+            </a:r>
+          </a:p>
+          <a:p>
+            <a:endParaRPr lang="en-US" dirty="0"/>
+          </a:p>
+          <a:p>
+            <a:endParaRPr lang="en-US" dirty="0"/>
+          </a:p>
+          <a:p>
+            <a:endParaRPr lang="en-US" dirty="0"/>
+          </a:p>
+          <a:p>
+            <a:endParaRPr lang="en-US" dirty="0"/>
+          </a:p>
+          <a:p>
+            <a:r>
+              <a:rPr lang="en-US" dirty="0"/>
+              <a:t>This allows us to concatenate a string more naturally</a:t>
+            </a:r>
+          </a:p>
+          <a:p>
+            <a:endParaRPr lang="en-US" dirty="0"/>
+          </a:p>
+          <a:p>
+            <a:endParaRPr lang="en-US" dirty="0"/>
+          </a:p>
+        </p:txBody>
+      </p:sp>
+      <p:pic>
+        <p:nvPicPr>
+          <p:cNvPr id="4" name="Picture 3">
+            <a:extLst>
+              <a:ext uri="{FF2B5EF4-FFF2-40B4-BE49-F238E27FC236}">
+                <a16:creationId xmlns:a16="http://schemas.microsoft.com/office/drawing/2014/main" id="{DFEED222-626D-A240-9F76-069991F00B4B}"/>
+              </a:ext>
+            </a:extLst>
+          </p:cNvPr>
+          <p:cNvPicPr>
+            <a:picLocks noChangeAspect="1"/>
+          </p:cNvPicPr>
+          <p:nvPr/>
+        </p:nvPicPr>
+        <p:blipFill>
+          <a:blip r:embed="rId2"/>
+          <a:stretch>
+            <a:fillRect/>
+          </a:stretch>
+        </p:blipFill>
+        <p:spPr>
+          <a:xfrm>
+            <a:off x="1189163" y="3097373"/>
+            <a:ext cx="6464300" cy="1320800"/>
+          </a:xfrm>
+          <a:prstGeom prst="rect">
+            <a:avLst/>
+          </a:prstGeom>
+        </p:spPr>
+      </p:pic>
+    </p:spTree>
+    <p:extLst>
+      <p:ext uri="{BB962C8B-B14F-4D97-AF65-F5344CB8AC3E}">
+        <p14:creationId xmlns:p14="http://schemas.microsoft.com/office/powerpoint/2010/main" val="1086188802"/>
+      </p:ext>
+    </p:extLst>
+  </p:cSld>
+  <p:clrMapOvr>
+    <a:masterClrMapping/>
+  </p:clrMapOvr>
+</p:sld>
+</file>
+
+<file path=ppt/slides/slide45.xml><?xml version="1.0" encoding="utf-8"?>
 <p:sld xmlns:a="http://schemas.openxmlformats.org/drawingml/2006/main" xmlns:r="http://schemas.openxmlformats.org/officeDocument/2006/relationships" xmlns:p="http://schemas.openxmlformats.org/presentationml/2006/main">
   <p:cSld>
     <p:spTree>
@@ -11432,7 +11740,7 @@
 </p:sld>
 </file>
 
-<file path=ppt/slides/slide44.xml><?xml version="1.0" encoding="utf-8"?>
+<file path=ppt/slides/slide46.xml><?xml version="1.0" encoding="utf-8"?>
 <p:sld xmlns:a="http://schemas.openxmlformats.org/drawingml/2006/main" xmlns:r="http://schemas.openxmlformats.org/officeDocument/2006/relationships" xmlns:p="http://schemas.openxmlformats.org/presentationml/2006/main">
   <p:cSld>
     <p:spTree>
@@ -11580,7 +11888,7 @@
 </p:sld>
 </file>
 
-<file path=ppt/slides/slide45.xml><?xml version="1.0" encoding="utf-8"?>
+<file path=ppt/slides/slide47.xml><?xml version="1.0" encoding="utf-8"?>
 <p:sld xmlns:a="http://schemas.openxmlformats.org/drawingml/2006/main" xmlns:r="http://schemas.openxmlformats.org/officeDocument/2006/relationships" xmlns:p="http://schemas.openxmlformats.org/presentationml/2006/main">
   <p:cSld>
     <p:spTree>
@@ -11714,289 +12022,6 @@
 </p:sld>
 </file>
 
-<file path=ppt/slides/slide46.xml><?xml version="1.0" encoding="utf-8"?>
-<p:sld xmlns:a="http://schemas.openxmlformats.org/drawingml/2006/main" xmlns:r="http://schemas.openxmlformats.org/officeDocument/2006/relationships" xmlns:p="http://schemas.openxmlformats.org/presentationml/2006/main">
-  <p:cSld>
-    <p:spTree>
-      <p:nvGrpSpPr>
-        <p:cNvPr id="1" name=""/>
-        <p:cNvGrpSpPr/>
-        <p:nvPr/>
-      </p:nvGrpSpPr>
-      <p:grpSpPr>
-        <a:xfrm>
-          <a:off x="0" y="0"/>
-          <a:ext cx="0" cy="0"/>
-          <a:chOff x="0" y="0"/>
-          <a:chExt cx="0" cy="0"/>
-        </a:xfrm>
-      </p:grpSpPr>
-      <p:sp>
-        <p:nvSpPr>
-          <p:cNvPr id="2" name="Title 1">
-            <a:extLst>
-              <a:ext uri="{FF2B5EF4-FFF2-40B4-BE49-F238E27FC236}">
-                <a16:creationId xmlns:a16="http://schemas.microsoft.com/office/drawing/2014/main" id="{2B8EBAF1-4355-3649-A22F-B794352945FB}"/>
-              </a:ext>
-            </a:extLst>
-          </p:cNvPr>
-          <p:cNvSpPr>
-            <a:spLocks noGrp="1"/>
-          </p:cNvSpPr>
-          <p:nvPr>
-            <p:ph type="title"/>
-          </p:nvPr>
-        </p:nvSpPr>
-        <p:spPr/>
-        <p:txBody>
-          <a:bodyPr/>
-          <a:lstStyle/>
-          <a:p>
-            <a:r>
-              <a:rPr lang="en-US" dirty="0"/>
-              <a:t>List Data Types</a:t>
-            </a:r>
-          </a:p>
-        </p:txBody>
-      </p:sp>
-      <p:sp>
-        <p:nvSpPr>
-          <p:cNvPr id="3" name="Content Placeholder 2">
-            <a:extLst>
-              <a:ext uri="{FF2B5EF4-FFF2-40B4-BE49-F238E27FC236}">
-                <a16:creationId xmlns:a16="http://schemas.microsoft.com/office/drawing/2014/main" id="{A30D0833-C5CA-9C42-9912-C02BBCC8922A}"/>
-              </a:ext>
-            </a:extLst>
-          </p:cNvPr>
-          <p:cNvSpPr>
-            <a:spLocks noGrp="1"/>
-          </p:cNvSpPr>
-          <p:nvPr>
-            <p:ph idx="1"/>
-          </p:nvPr>
-        </p:nvSpPr>
-        <p:spPr/>
-        <p:txBody>
-          <a:bodyPr/>
-          <a:lstStyle/>
-          <a:p>
-            <a:r>
-              <a:rPr lang="en-US" dirty="0"/>
-              <a:t>Python has several data types which represent sets of data in one place</a:t>
-            </a:r>
-          </a:p>
-          <a:p>
-            <a:r>
-              <a:rPr lang="en-US" dirty="0"/>
-              <a:t>The data types are lists, sets, tuples and dictionaries</a:t>
-            </a:r>
-          </a:p>
-          <a:p>
-            <a:pPr marL="0" indent="0">
-              <a:buNone/>
-            </a:pPr>
-            <a:endParaRPr lang="en-US" dirty="0"/>
-          </a:p>
-          <a:p>
-            <a:r>
-              <a:rPr lang="en-US" dirty="0"/>
-              <a:t>Lists (list): x = [1, 2, 3]</a:t>
-            </a:r>
-          </a:p>
-          <a:p>
-            <a:pPr lvl="1"/>
-            <a:r>
-              <a:rPr lang="en-US" dirty="0"/>
-              <a:t>Each item in the list can be accessed using indexing and duplicates are allowed. </a:t>
-            </a:r>
-          </a:p>
-          <a:p>
-            <a:pPr lvl="1"/>
-            <a:r>
-              <a:rPr lang="en-US" dirty="0"/>
-              <a:t>Lists can have any combination of data types</a:t>
-            </a:r>
-          </a:p>
-          <a:p>
-            <a:pPr lvl="1"/>
-            <a:r>
-              <a:rPr lang="en-US" dirty="0"/>
-              <a:t>Using the </a:t>
-            </a:r>
-            <a:r>
-              <a:rPr lang="en-US" dirty="0" err="1"/>
-              <a:t>len</a:t>
-            </a:r>
-            <a:r>
-              <a:rPr lang="en-US" dirty="0"/>
-              <a:t>() function you can find out the length of a list</a:t>
-            </a:r>
-          </a:p>
-          <a:p>
-            <a:pPr lvl="1"/>
-            <a:r>
-              <a:rPr lang="en-US" dirty="0"/>
-              <a:t>.sort() will sort items alphanumerically ascending, and .sort(reverse=True) will sort items in descending alphanumeric order</a:t>
-            </a:r>
-          </a:p>
-          <a:p>
-            <a:endParaRPr lang="en-US" dirty="0"/>
-          </a:p>
-        </p:txBody>
-      </p:sp>
-    </p:spTree>
-    <p:extLst>
-      <p:ext uri="{BB962C8B-B14F-4D97-AF65-F5344CB8AC3E}">
-        <p14:creationId xmlns:p14="http://schemas.microsoft.com/office/powerpoint/2010/main" val="4056530187"/>
-      </p:ext>
-    </p:extLst>
-  </p:cSld>
-  <p:clrMapOvr>
-    <a:masterClrMapping/>
-  </p:clrMapOvr>
-</p:sld>
-</file>
-
-<file path=ppt/slides/slide47.xml><?xml version="1.0" encoding="utf-8"?>
-<p:sld xmlns:a="http://schemas.openxmlformats.org/drawingml/2006/main" xmlns:r="http://schemas.openxmlformats.org/officeDocument/2006/relationships" xmlns:p="http://schemas.openxmlformats.org/presentationml/2006/main">
-  <p:cSld>
-    <p:spTree>
-      <p:nvGrpSpPr>
-        <p:cNvPr id="1" name=""/>
-        <p:cNvGrpSpPr/>
-        <p:nvPr/>
-      </p:nvGrpSpPr>
-      <p:grpSpPr>
-        <a:xfrm>
-          <a:off x="0" y="0"/>
-          <a:ext cx="0" cy="0"/>
-          <a:chOff x="0" y="0"/>
-          <a:chExt cx="0" cy="0"/>
-        </a:xfrm>
-      </p:grpSpPr>
-      <p:sp>
-        <p:nvSpPr>
-          <p:cNvPr id="2" name="Title 1">
-            <a:extLst>
-              <a:ext uri="{FF2B5EF4-FFF2-40B4-BE49-F238E27FC236}">
-                <a16:creationId xmlns:a16="http://schemas.microsoft.com/office/drawing/2014/main" id="{D8B7AA9E-5A06-F940-A278-EBB6E2F54606}"/>
-              </a:ext>
-            </a:extLst>
-          </p:cNvPr>
-          <p:cNvSpPr>
-            <a:spLocks noGrp="1"/>
-          </p:cNvSpPr>
-          <p:nvPr>
-            <p:ph type="title"/>
-          </p:nvPr>
-        </p:nvSpPr>
-        <p:spPr/>
-        <p:txBody>
-          <a:bodyPr/>
-          <a:lstStyle/>
-          <a:p>
-            <a:r>
-              <a:rPr lang="en-US" dirty="0"/>
-              <a:t>Set Data Types</a:t>
-            </a:r>
-          </a:p>
-        </p:txBody>
-      </p:sp>
-      <p:sp>
-        <p:nvSpPr>
-          <p:cNvPr id="3" name="Content Placeholder 2">
-            <a:extLst>
-              <a:ext uri="{FF2B5EF4-FFF2-40B4-BE49-F238E27FC236}">
-                <a16:creationId xmlns:a16="http://schemas.microsoft.com/office/drawing/2014/main" id="{5BF614E6-122E-1B44-BC65-DCA607BC45BA}"/>
-              </a:ext>
-            </a:extLst>
-          </p:cNvPr>
-          <p:cNvSpPr>
-            <a:spLocks noGrp="1"/>
-          </p:cNvSpPr>
-          <p:nvPr>
-            <p:ph idx="1"/>
-          </p:nvPr>
-        </p:nvSpPr>
-        <p:spPr/>
-        <p:txBody>
-          <a:bodyPr/>
-          <a:lstStyle/>
-          <a:p>
-            <a:r>
-              <a:rPr lang="en-US" dirty="0"/>
-              <a:t>Sets, unlike lists, are unordered and therefore unindexed</a:t>
-            </a:r>
-          </a:p>
-          <a:p>
-            <a:r>
-              <a:rPr lang="en-US" dirty="0"/>
-              <a:t>A set is declared as follows: x = {1, 2, 3}</a:t>
-            </a:r>
-          </a:p>
-          <a:p>
-            <a:r>
-              <a:rPr lang="en-US" dirty="0"/>
-              <a:t>A set has no duplicate members (duplicate members will be ignored)</a:t>
-            </a:r>
-          </a:p>
-          <a:p>
-            <a:pPr lvl="1"/>
-            <a:r>
-              <a:rPr lang="en-US" dirty="0"/>
-              <a:t>Sets can have any combination of data types</a:t>
-            </a:r>
-          </a:p>
-          <a:p>
-            <a:pPr lvl="1"/>
-            <a:r>
-              <a:rPr lang="en-US" dirty="0"/>
-              <a:t>Items can only be added not removed</a:t>
-            </a:r>
-          </a:p>
-          <a:p>
-            <a:pPr lvl="1"/>
-            <a:r>
-              <a:rPr lang="en-US" dirty="0" err="1"/>
-              <a:t>len</a:t>
-            </a:r>
-            <a:r>
-              <a:rPr lang="en-US" dirty="0"/>
-              <a:t>() function can be used to determine how many members in a set</a:t>
-            </a:r>
-          </a:p>
-          <a:p>
-            <a:pPr lvl="1"/>
-            <a:r>
-              <a:rPr lang="en-US" dirty="0"/>
-              <a:t>Go to </a:t>
-            </a:r>
-            <a:r>
-              <a:rPr lang="en-US" dirty="0">
-                <a:hlinkClick r:id="rId2"/>
-              </a:rPr>
-              <a:t>https://www.w3schools.com/python/python_sets_methods.asp</a:t>
-            </a:r>
-            <a:r>
-              <a:rPr lang="en-US" dirty="0"/>
-              <a:t> for more set methods</a:t>
-            </a:r>
-          </a:p>
-        </p:txBody>
-      </p:sp>
-    </p:spTree>
-    <p:extLst>
-      <p:ext uri="{BB962C8B-B14F-4D97-AF65-F5344CB8AC3E}">
-        <p14:creationId xmlns:p14="http://schemas.microsoft.com/office/powerpoint/2010/main" val="1732707444"/>
-      </p:ext>
-    </p:extLst>
-  </p:cSld>
-  <p:clrMapOvr>
-    <a:masterClrMapping/>
-  </p:clrMapOvr>
-</p:sld>
-</file>
-
 <file path=ppt/slides/slide48.xml><?xml version="1.0" encoding="utf-8"?>
 <p:sld xmlns:a="http://schemas.openxmlformats.org/drawingml/2006/main" xmlns:r="http://schemas.openxmlformats.org/officeDocument/2006/relationships" xmlns:p="http://schemas.openxmlformats.org/presentationml/2006/main">
   <p:cSld>
@@ -12019,6 +12044,426 @@
           <p:cNvPr id="2" name="Title 1">
             <a:extLst>
               <a:ext uri="{FF2B5EF4-FFF2-40B4-BE49-F238E27FC236}">
+                <a16:creationId xmlns:a16="http://schemas.microsoft.com/office/drawing/2014/main" id="{2B8EBAF1-4355-3649-A22F-B794352945FB}"/>
+              </a:ext>
+            </a:extLst>
+          </p:cNvPr>
+          <p:cNvSpPr>
+            <a:spLocks noGrp="1"/>
+          </p:cNvSpPr>
+          <p:nvPr>
+            <p:ph type="title"/>
+          </p:nvPr>
+        </p:nvSpPr>
+        <p:spPr/>
+        <p:txBody>
+          <a:bodyPr/>
+          <a:lstStyle/>
+          <a:p>
+            <a:r>
+              <a:rPr lang="en-US" dirty="0"/>
+              <a:t>List Data Types</a:t>
+            </a:r>
+          </a:p>
+        </p:txBody>
+      </p:sp>
+      <p:sp>
+        <p:nvSpPr>
+          <p:cNvPr id="3" name="Content Placeholder 2">
+            <a:extLst>
+              <a:ext uri="{FF2B5EF4-FFF2-40B4-BE49-F238E27FC236}">
+                <a16:creationId xmlns:a16="http://schemas.microsoft.com/office/drawing/2014/main" id="{A30D0833-C5CA-9C42-9912-C02BBCC8922A}"/>
+              </a:ext>
+            </a:extLst>
+          </p:cNvPr>
+          <p:cNvSpPr>
+            <a:spLocks noGrp="1"/>
+          </p:cNvSpPr>
+          <p:nvPr>
+            <p:ph idx="1"/>
+          </p:nvPr>
+        </p:nvSpPr>
+        <p:spPr/>
+        <p:txBody>
+          <a:bodyPr/>
+          <a:lstStyle/>
+          <a:p>
+            <a:r>
+              <a:rPr lang="en-US" dirty="0"/>
+              <a:t>Python has several data types which represent sets of data in one place</a:t>
+            </a:r>
+          </a:p>
+          <a:p>
+            <a:r>
+              <a:rPr lang="en-US" dirty="0"/>
+              <a:t>The data types are lists, sets, tuples and dictionaries</a:t>
+            </a:r>
+          </a:p>
+          <a:p>
+            <a:pPr marL="0" indent="0">
+              <a:buNone/>
+            </a:pPr>
+            <a:endParaRPr lang="en-US" dirty="0"/>
+          </a:p>
+          <a:p>
+            <a:r>
+              <a:rPr lang="en-US" dirty="0"/>
+              <a:t>Lists (list): x = [1, 2, 3]</a:t>
+            </a:r>
+          </a:p>
+          <a:p>
+            <a:pPr lvl="1"/>
+            <a:r>
+              <a:rPr lang="en-US" dirty="0"/>
+              <a:t>Each item in the list can be accessed using indexing and duplicates are allowed. </a:t>
+            </a:r>
+          </a:p>
+          <a:p>
+            <a:pPr lvl="1"/>
+            <a:r>
+              <a:rPr lang="en-US" dirty="0"/>
+              <a:t>Lists can have any combination of data types</a:t>
+            </a:r>
+          </a:p>
+          <a:p>
+            <a:pPr lvl="1"/>
+            <a:r>
+              <a:rPr lang="en-US" dirty="0"/>
+              <a:t>Using the </a:t>
+            </a:r>
+            <a:r>
+              <a:rPr lang="en-US" dirty="0" err="1"/>
+              <a:t>len</a:t>
+            </a:r>
+            <a:r>
+              <a:rPr lang="en-US" dirty="0"/>
+              <a:t>() function you can find out the length of a list</a:t>
+            </a:r>
+          </a:p>
+          <a:p>
+            <a:pPr lvl="1"/>
+            <a:r>
+              <a:rPr lang="en-US" dirty="0"/>
+              <a:t>.sort() will sort items alphanumerically ascending, and .sort(reverse=True) will sort items in descending alphanumeric order</a:t>
+            </a:r>
+          </a:p>
+          <a:p>
+            <a:endParaRPr lang="en-US" dirty="0"/>
+          </a:p>
+        </p:txBody>
+      </p:sp>
+    </p:spTree>
+    <p:extLst>
+      <p:ext uri="{BB962C8B-B14F-4D97-AF65-F5344CB8AC3E}">
+        <p14:creationId xmlns:p14="http://schemas.microsoft.com/office/powerpoint/2010/main" val="4056530187"/>
+      </p:ext>
+    </p:extLst>
+  </p:cSld>
+  <p:clrMapOvr>
+    <a:masterClrMapping/>
+  </p:clrMapOvr>
+</p:sld>
+</file>
+
+<file path=ppt/slides/slide49.xml><?xml version="1.0" encoding="utf-8"?>
+<p:sld xmlns:a="http://schemas.openxmlformats.org/drawingml/2006/main" xmlns:r="http://schemas.openxmlformats.org/officeDocument/2006/relationships" xmlns:p="http://schemas.openxmlformats.org/presentationml/2006/main">
+  <p:cSld>
+    <p:spTree>
+      <p:nvGrpSpPr>
+        <p:cNvPr id="1" name=""/>
+        <p:cNvGrpSpPr/>
+        <p:nvPr/>
+      </p:nvGrpSpPr>
+      <p:grpSpPr>
+        <a:xfrm>
+          <a:off x="0" y="0"/>
+          <a:ext cx="0" cy="0"/>
+          <a:chOff x="0" y="0"/>
+          <a:chExt cx="0" cy="0"/>
+        </a:xfrm>
+      </p:grpSpPr>
+      <p:sp>
+        <p:nvSpPr>
+          <p:cNvPr id="2" name="Title 1">
+            <a:extLst>
+              <a:ext uri="{FF2B5EF4-FFF2-40B4-BE49-F238E27FC236}">
+                <a16:creationId xmlns:a16="http://schemas.microsoft.com/office/drawing/2014/main" id="{D8B7AA9E-5A06-F940-A278-EBB6E2F54606}"/>
+              </a:ext>
+            </a:extLst>
+          </p:cNvPr>
+          <p:cNvSpPr>
+            <a:spLocks noGrp="1"/>
+          </p:cNvSpPr>
+          <p:nvPr>
+            <p:ph type="title"/>
+          </p:nvPr>
+        </p:nvSpPr>
+        <p:spPr/>
+        <p:txBody>
+          <a:bodyPr/>
+          <a:lstStyle/>
+          <a:p>
+            <a:r>
+              <a:rPr lang="en-US" dirty="0"/>
+              <a:t>Set Data Types</a:t>
+            </a:r>
+          </a:p>
+        </p:txBody>
+      </p:sp>
+      <p:sp>
+        <p:nvSpPr>
+          <p:cNvPr id="3" name="Content Placeholder 2">
+            <a:extLst>
+              <a:ext uri="{FF2B5EF4-FFF2-40B4-BE49-F238E27FC236}">
+                <a16:creationId xmlns:a16="http://schemas.microsoft.com/office/drawing/2014/main" id="{5BF614E6-122E-1B44-BC65-DCA607BC45BA}"/>
+              </a:ext>
+            </a:extLst>
+          </p:cNvPr>
+          <p:cNvSpPr>
+            <a:spLocks noGrp="1"/>
+          </p:cNvSpPr>
+          <p:nvPr>
+            <p:ph idx="1"/>
+          </p:nvPr>
+        </p:nvSpPr>
+        <p:spPr/>
+        <p:txBody>
+          <a:bodyPr/>
+          <a:lstStyle/>
+          <a:p>
+            <a:r>
+              <a:rPr lang="en-US" dirty="0"/>
+              <a:t>Sets, unlike lists, are unordered and therefore unindexed</a:t>
+            </a:r>
+          </a:p>
+          <a:p>
+            <a:r>
+              <a:rPr lang="en-US" dirty="0"/>
+              <a:t>A set is declared as follows: x = {1, 2, 3}</a:t>
+            </a:r>
+          </a:p>
+          <a:p>
+            <a:r>
+              <a:rPr lang="en-US" dirty="0"/>
+              <a:t>A set has no duplicate members (duplicate members will be ignored)</a:t>
+            </a:r>
+          </a:p>
+          <a:p>
+            <a:pPr lvl="1"/>
+            <a:r>
+              <a:rPr lang="en-US" dirty="0"/>
+              <a:t>Sets can have any combination of data types</a:t>
+            </a:r>
+          </a:p>
+          <a:p>
+            <a:pPr lvl="1"/>
+            <a:r>
+              <a:rPr lang="en-US" dirty="0"/>
+              <a:t>Items can only be added not removed</a:t>
+            </a:r>
+          </a:p>
+          <a:p>
+            <a:pPr lvl="1"/>
+            <a:r>
+              <a:rPr lang="en-US" dirty="0" err="1"/>
+              <a:t>len</a:t>
+            </a:r>
+            <a:r>
+              <a:rPr lang="en-US" dirty="0"/>
+              <a:t>() function can be used to determine how many members in a set</a:t>
+            </a:r>
+          </a:p>
+          <a:p>
+            <a:pPr lvl="1"/>
+            <a:r>
+              <a:rPr lang="en-US" dirty="0"/>
+              <a:t>Go to </a:t>
+            </a:r>
+            <a:r>
+              <a:rPr lang="en-US" dirty="0">
+                <a:hlinkClick r:id="rId2"/>
+              </a:rPr>
+              <a:t>https://www.w3schools.com/python/python_sets_methods.asp</a:t>
+            </a:r>
+            <a:r>
+              <a:rPr lang="en-US" dirty="0"/>
+              <a:t> for more set methods</a:t>
+            </a:r>
+          </a:p>
+        </p:txBody>
+      </p:sp>
+    </p:spTree>
+    <p:extLst>
+      <p:ext uri="{BB962C8B-B14F-4D97-AF65-F5344CB8AC3E}">
+        <p14:creationId xmlns:p14="http://schemas.microsoft.com/office/powerpoint/2010/main" val="1732707444"/>
+      </p:ext>
+    </p:extLst>
+  </p:cSld>
+  <p:clrMapOvr>
+    <a:masterClrMapping/>
+  </p:clrMapOvr>
+</p:sld>
+</file>
+
+<file path=ppt/slides/slide5.xml><?xml version="1.0" encoding="utf-8"?>
+<p:sld xmlns:a="http://schemas.openxmlformats.org/drawingml/2006/main" xmlns:r="http://schemas.openxmlformats.org/officeDocument/2006/relationships" xmlns:p="http://schemas.openxmlformats.org/presentationml/2006/main">
+  <p:cSld>
+    <p:spTree>
+      <p:nvGrpSpPr>
+        <p:cNvPr id="1" name=""/>
+        <p:cNvGrpSpPr/>
+        <p:nvPr/>
+      </p:nvGrpSpPr>
+      <p:grpSpPr>
+        <a:xfrm>
+          <a:off x="0" y="0"/>
+          <a:ext cx="0" cy="0"/>
+          <a:chOff x="0" y="0"/>
+          <a:chExt cx="0" cy="0"/>
+        </a:xfrm>
+      </p:grpSpPr>
+      <p:sp>
+        <p:nvSpPr>
+          <p:cNvPr id="2" name="Title 1">
+            <a:extLst>
+              <a:ext uri="{FF2B5EF4-FFF2-40B4-BE49-F238E27FC236}">
+                <a16:creationId xmlns:a16="http://schemas.microsoft.com/office/drawing/2014/main" id="{490226F0-FF5F-0C49-9084-328820B6D962}"/>
+              </a:ext>
+            </a:extLst>
+          </p:cNvPr>
+          <p:cNvSpPr>
+            <a:spLocks noGrp="1"/>
+          </p:cNvSpPr>
+          <p:nvPr>
+            <p:ph type="title"/>
+          </p:nvPr>
+        </p:nvSpPr>
+        <p:spPr/>
+        <p:txBody>
+          <a:bodyPr/>
+          <a:lstStyle/>
+          <a:p>
+            <a:r>
+              <a:rPr lang="en-US" dirty="0"/>
+              <a:t>Syllabus</a:t>
+            </a:r>
+          </a:p>
+        </p:txBody>
+      </p:sp>
+      <p:sp>
+        <p:nvSpPr>
+          <p:cNvPr id="3" name="Content Placeholder 2">
+            <a:extLst>
+              <a:ext uri="{FF2B5EF4-FFF2-40B4-BE49-F238E27FC236}">
+                <a16:creationId xmlns:a16="http://schemas.microsoft.com/office/drawing/2014/main" id="{7B7C2176-8BCE-AC41-968E-44F613576876}"/>
+              </a:ext>
+            </a:extLst>
+          </p:cNvPr>
+          <p:cNvSpPr>
+            <a:spLocks noGrp="1"/>
+          </p:cNvSpPr>
+          <p:nvPr>
+            <p:ph idx="1"/>
+          </p:nvPr>
+        </p:nvSpPr>
+        <p:spPr>
+          <a:xfrm>
+            <a:off x="1103312" y="2052918"/>
+            <a:ext cx="8946541" cy="4352364"/>
+          </a:xfrm>
+        </p:spPr>
+        <p:txBody>
+          <a:bodyPr>
+            <a:normAutofit/>
+          </a:bodyPr>
+          <a:lstStyle/>
+          <a:p>
+            <a:pPr marL="457200" indent="-457200">
+              <a:buFont typeface="+mj-lt"/>
+              <a:buAutoNum type="arabicParenR"/>
+            </a:pPr>
+            <a:r>
+              <a:rPr lang="en-US" dirty="0"/>
+              <a:t>Understanding Command Line Interface (CLI) and installing python</a:t>
+            </a:r>
+          </a:p>
+          <a:p>
+            <a:pPr marL="457200" indent="-457200">
+              <a:buFont typeface="+mj-lt"/>
+              <a:buAutoNum type="arabicParenR"/>
+            </a:pPr>
+            <a:r>
+              <a:rPr lang="en-US" dirty="0"/>
+              <a:t>Python syntax, variables and comments</a:t>
+            </a:r>
+          </a:p>
+          <a:p>
+            <a:pPr marL="457200" indent="-457200">
+              <a:buFont typeface="+mj-lt"/>
+              <a:buAutoNum type="arabicParenR"/>
+            </a:pPr>
+            <a:r>
+              <a:rPr lang="en-US" dirty="0"/>
+              <a:t>Python data types</a:t>
+            </a:r>
+          </a:p>
+          <a:p>
+            <a:pPr marL="457200" indent="-457200">
+              <a:buFont typeface="+mj-lt"/>
+              <a:buAutoNum type="arabicParenR"/>
+            </a:pPr>
+            <a:r>
+              <a:rPr lang="en-US" dirty="0"/>
+              <a:t>Logical operators</a:t>
+            </a:r>
+          </a:p>
+          <a:p>
+            <a:pPr marL="457200" indent="-457200">
+              <a:buFont typeface="+mj-lt"/>
+              <a:buAutoNum type="arabicParenR"/>
+            </a:pPr>
+            <a:r>
+              <a:rPr lang="en-US" dirty="0"/>
+              <a:t>Numbers, Randomness and Type Conversion</a:t>
+            </a:r>
+          </a:p>
+        </p:txBody>
+      </p:sp>
+    </p:spTree>
+    <p:extLst>
+      <p:ext uri="{BB962C8B-B14F-4D97-AF65-F5344CB8AC3E}">
+        <p14:creationId xmlns:p14="http://schemas.microsoft.com/office/powerpoint/2010/main" val="2586818967"/>
+      </p:ext>
+    </p:extLst>
+  </p:cSld>
+  <p:clrMapOvr>
+    <a:masterClrMapping/>
+  </p:clrMapOvr>
+</p:sld>
+</file>
+
+<file path=ppt/slides/slide50.xml><?xml version="1.0" encoding="utf-8"?>
+<p:sld xmlns:a="http://schemas.openxmlformats.org/drawingml/2006/main" xmlns:r="http://schemas.openxmlformats.org/officeDocument/2006/relationships" xmlns:p="http://schemas.openxmlformats.org/presentationml/2006/main">
+  <p:cSld>
+    <p:spTree>
+      <p:nvGrpSpPr>
+        <p:cNvPr id="1" name=""/>
+        <p:cNvGrpSpPr/>
+        <p:nvPr/>
+      </p:nvGrpSpPr>
+      <p:grpSpPr>
+        <a:xfrm>
+          <a:off x="0" y="0"/>
+          <a:ext cx="0" cy="0"/>
+          <a:chOff x="0" y="0"/>
+          <a:chExt cx="0" cy="0"/>
+        </a:xfrm>
+      </p:grpSpPr>
+      <p:sp>
+        <p:nvSpPr>
+          <p:cNvPr id="2" name="Title 1">
+            <a:extLst>
+              <a:ext uri="{FF2B5EF4-FFF2-40B4-BE49-F238E27FC236}">
                 <a16:creationId xmlns:a16="http://schemas.microsoft.com/office/drawing/2014/main" id="{4FBA59DE-76DD-8B4A-AB51-E63A2684FF7A}"/>
               </a:ext>
             </a:extLst>
@@ -12140,7 +12585,7 @@
 </p:sld>
 </file>
 
-<file path=ppt/slides/slide49.xml><?xml version="1.0" encoding="utf-8"?>
+<file path=ppt/slides/slide51.xml><?xml version="1.0" encoding="utf-8"?>
 <p:sld xmlns:a="http://schemas.openxmlformats.org/drawingml/2006/main" xmlns:r="http://schemas.openxmlformats.org/officeDocument/2006/relationships" xmlns:p="http://schemas.openxmlformats.org/presentationml/2006/main">
   <p:cSld>
     <p:spTree>
@@ -12301,411 +12746,6 @@
 </p:sld>
 </file>
 
-<file path=ppt/slides/slide5.xml><?xml version="1.0" encoding="utf-8"?>
-<p:sld xmlns:a="http://schemas.openxmlformats.org/drawingml/2006/main" xmlns:r="http://schemas.openxmlformats.org/officeDocument/2006/relationships" xmlns:p="http://schemas.openxmlformats.org/presentationml/2006/main">
-  <p:cSld>
-    <p:spTree>
-      <p:nvGrpSpPr>
-        <p:cNvPr id="1" name=""/>
-        <p:cNvGrpSpPr/>
-        <p:nvPr/>
-      </p:nvGrpSpPr>
-      <p:grpSpPr>
-        <a:xfrm>
-          <a:off x="0" y="0"/>
-          <a:ext cx="0" cy="0"/>
-          <a:chOff x="0" y="0"/>
-          <a:chExt cx="0" cy="0"/>
-        </a:xfrm>
-      </p:grpSpPr>
-      <p:sp>
-        <p:nvSpPr>
-          <p:cNvPr id="2" name="Title 1">
-            <a:extLst>
-              <a:ext uri="{FF2B5EF4-FFF2-40B4-BE49-F238E27FC236}">
-                <a16:creationId xmlns:a16="http://schemas.microsoft.com/office/drawing/2014/main" id="{490226F0-FF5F-0C49-9084-328820B6D962}"/>
-              </a:ext>
-            </a:extLst>
-          </p:cNvPr>
-          <p:cNvSpPr>
-            <a:spLocks noGrp="1"/>
-          </p:cNvSpPr>
-          <p:nvPr>
-            <p:ph type="title"/>
-          </p:nvPr>
-        </p:nvSpPr>
-        <p:spPr/>
-        <p:txBody>
-          <a:bodyPr/>
-          <a:lstStyle/>
-          <a:p>
-            <a:r>
-              <a:rPr lang="en-US" dirty="0"/>
-              <a:t>Syllabus</a:t>
-            </a:r>
-          </a:p>
-        </p:txBody>
-      </p:sp>
-      <p:sp>
-        <p:nvSpPr>
-          <p:cNvPr id="3" name="Content Placeholder 2">
-            <a:extLst>
-              <a:ext uri="{FF2B5EF4-FFF2-40B4-BE49-F238E27FC236}">
-                <a16:creationId xmlns:a16="http://schemas.microsoft.com/office/drawing/2014/main" id="{7B7C2176-8BCE-AC41-968E-44F613576876}"/>
-              </a:ext>
-            </a:extLst>
-          </p:cNvPr>
-          <p:cNvSpPr>
-            <a:spLocks noGrp="1"/>
-          </p:cNvSpPr>
-          <p:nvPr>
-            <p:ph idx="1"/>
-          </p:nvPr>
-        </p:nvSpPr>
-        <p:spPr>
-          <a:xfrm>
-            <a:off x="1103312" y="2052918"/>
-            <a:ext cx="8946541" cy="4352364"/>
-          </a:xfrm>
-        </p:spPr>
-        <p:txBody>
-          <a:bodyPr>
-            <a:normAutofit/>
-          </a:bodyPr>
-          <a:lstStyle/>
-          <a:p>
-            <a:pPr marL="457200" indent="-457200">
-              <a:buFont typeface="+mj-lt"/>
-              <a:buAutoNum type="arabicParenR"/>
-            </a:pPr>
-            <a:r>
-              <a:rPr lang="en-US" dirty="0"/>
-              <a:t>Understanding Command Line Interface (CLI) and installing python</a:t>
-            </a:r>
-          </a:p>
-          <a:p>
-            <a:pPr marL="457200" indent="-457200">
-              <a:buFont typeface="+mj-lt"/>
-              <a:buAutoNum type="arabicParenR"/>
-            </a:pPr>
-            <a:r>
-              <a:rPr lang="en-US" dirty="0"/>
-              <a:t>Python syntax, variables and comments</a:t>
-            </a:r>
-          </a:p>
-          <a:p>
-            <a:pPr marL="457200" indent="-457200">
-              <a:buFont typeface="+mj-lt"/>
-              <a:buAutoNum type="arabicParenR"/>
-            </a:pPr>
-            <a:r>
-              <a:rPr lang="en-US" dirty="0"/>
-              <a:t>Python data types</a:t>
-            </a:r>
-          </a:p>
-          <a:p>
-            <a:pPr marL="457200" indent="-457200">
-              <a:buFont typeface="+mj-lt"/>
-              <a:buAutoNum type="arabicParenR"/>
-            </a:pPr>
-            <a:r>
-              <a:rPr lang="en-US" dirty="0"/>
-              <a:t>Logical operators</a:t>
-            </a:r>
-          </a:p>
-          <a:p>
-            <a:pPr marL="457200" indent="-457200">
-              <a:buFont typeface="+mj-lt"/>
-              <a:buAutoNum type="arabicParenR"/>
-            </a:pPr>
-            <a:r>
-              <a:rPr lang="en-US" dirty="0"/>
-              <a:t>Numbers, Randomness and Type Conversion</a:t>
-            </a:r>
-          </a:p>
-        </p:txBody>
-      </p:sp>
-    </p:spTree>
-    <p:extLst>
-      <p:ext uri="{BB962C8B-B14F-4D97-AF65-F5344CB8AC3E}">
-        <p14:creationId xmlns:p14="http://schemas.microsoft.com/office/powerpoint/2010/main" val="2586818967"/>
-      </p:ext>
-    </p:extLst>
-  </p:cSld>
-  <p:clrMapOvr>
-    <a:masterClrMapping/>
-  </p:clrMapOvr>
-</p:sld>
-</file>
-
-<file path=ppt/slides/slide50.xml><?xml version="1.0" encoding="utf-8"?>
-<p:sld xmlns:a="http://schemas.openxmlformats.org/drawingml/2006/main" xmlns:r="http://schemas.openxmlformats.org/officeDocument/2006/relationships" xmlns:p="http://schemas.openxmlformats.org/presentationml/2006/main">
-  <p:cSld>
-    <p:spTree>
-      <p:nvGrpSpPr>
-        <p:cNvPr id="1" name=""/>
-        <p:cNvGrpSpPr/>
-        <p:nvPr/>
-      </p:nvGrpSpPr>
-      <p:grpSpPr>
-        <a:xfrm>
-          <a:off x="0" y="0"/>
-          <a:ext cx="0" cy="0"/>
-          <a:chOff x="0" y="0"/>
-          <a:chExt cx="0" cy="0"/>
-        </a:xfrm>
-      </p:grpSpPr>
-      <p:sp>
-        <p:nvSpPr>
-          <p:cNvPr id="2" name="Title 1">
-            <a:extLst>
-              <a:ext uri="{FF2B5EF4-FFF2-40B4-BE49-F238E27FC236}">
-                <a16:creationId xmlns:a16="http://schemas.microsoft.com/office/drawing/2014/main" id="{C6C9755F-6585-C540-86EB-7327D59AA7C9}"/>
-              </a:ext>
-            </a:extLst>
-          </p:cNvPr>
-          <p:cNvSpPr>
-            <a:spLocks noGrp="1"/>
-          </p:cNvSpPr>
-          <p:nvPr>
-            <p:ph type="title"/>
-          </p:nvPr>
-        </p:nvSpPr>
-        <p:spPr/>
-        <p:txBody>
-          <a:bodyPr/>
-          <a:lstStyle/>
-          <a:p>
-            <a:r>
-              <a:rPr lang="en-US" dirty="0"/>
-              <a:t>Dictionaries Continued</a:t>
-            </a:r>
-          </a:p>
-        </p:txBody>
-      </p:sp>
-      <p:sp>
-        <p:nvSpPr>
-          <p:cNvPr id="3" name="Content Placeholder 2">
-            <a:extLst>
-              <a:ext uri="{FF2B5EF4-FFF2-40B4-BE49-F238E27FC236}">
-                <a16:creationId xmlns:a16="http://schemas.microsoft.com/office/drawing/2014/main" id="{4E3F3E82-AC0B-0149-A546-E91F0A698979}"/>
-              </a:ext>
-            </a:extLst>
-          </p:cNvPr>
-          <p:cNvSpPr>
-            <a:spLocks noGrp="1"/>
-          </p:cNvSpPr>
-          <p:nvPr>
-            <p:ph idx="1"/>
-          </p:nvPr>
-        </p:nvSpPr>
-        <p:spPr/>
-        <p:txBody>
-          <a:bodyPr/>
-          <a:lstStyle/>
-          <a:p>
-            <a:r>
-              <a:rPr lang="en-US" dirty="0"/>
-              <a:t>Dictionaries can contain any data types and are ordered</a:t>
-            </a:r>
-          </a:p>
-          <a:p>
-            <a:r>
-              <a:rPr lang="en-US" dirty="0"/>
-              <a:t>Since dictionaries rely on “keys” we cannot have duplicate keys</a:t>
-            </a:r>
-          </a:p>
-          <a:p>
-            <a:r>
-              <a:rPr lang="en-US" dirty="0"/>
-              <a:t>Like the others, we can use </a:t>
-            </a:r>
-            <a:r>
-              <a:rPr lang="en-US" dirty="0" err="1"/>
-              <a:t>len</a:t>
-            </a:r>
-            <a:r>
-              <a:rPr lang="en-US" dirty="0"/>
-              <a:t>() to find the number of elements in a dictionary</a:t>
-            </a:r>
-          </a:p>
-        </p:txBody>
-      </p:sp>
-    </p:spTree>
-    <p:extLst>
-      <p:ext uri="{BB962C8B-B14F-4D97-AF65-F5344CB8AC3E}">
-        <p14:creationId xmlns:p14="http://schemas.microsoft.com/office/powerpoint/2010/main" val="2506091827"/>
-      </p:ext>
-    </p:extLst>
-  </p:cSld>
-  <p:clrMapOvr>
-    <a:masterClrMapping/>
-  </p:clrMapOvr>
-</p:sld>
-</file>
-
-<file path=ppt/slides/slide51.xml><?xml version="1.0" encoding="utf-8"?>
-<p:sld xmlns:a="http://schemas.openxmlformats.org/drawingml/2006/main" xmlns:r="http://schemas.openxmlformats.org/officeDocument/2006/relationships" xmlns:p="http://schemas.openxmlformats.org/presentationml/2006/main">
-  <p:cSld>
-    <p:spTree>
-      <p:nvGrpSpPr>
-        <p:cNvPr id="1" name=""/>
-        <p:cNvGrpSpPr/>
-        <p:nvPr/>
-      </p:nvGrpSpPr>
-      <p:grpSpPr>
-        <a:xfrm>
-          <a:off x="0" y="0"/>
-          <a:ext cx="0" cy="0"/>
-          <a:chOff x="0" y="0"/>
-          <a:chExt cx="0" cy="0"/>
-        </a:xfrm>
-      </p:grpSpPr>
-      <p:sp>
-        <p:nvSpPr>
-          <p:cNvPr id="2" name="Title 1">
-            <a:extLst>
-              <a:ext uri="{FF2B5EF4-FFF2-40B4-BE49-F238E27FC236}">
-                <a16:creationId xmlns:a16="http://schemas.microsoft.com/office/drawing/2014/main" id="{4EA1AA1D-4CD2-E84D-9458-AD3C6F11309A}"/>
-              </a:ext>
-            </a:extLst>
-          </p:cNvPr>
-          <p:cNvSpPr>
-            <a:spLocks noGrp="1"/>
-          </p:cNvSpPr>
-          <p:nvPr>
-            <p:ph type="title"/>
-          </p:nvPr>
-        </p:nvSpPr>
-        <p:spPr/>
-        <p:txBody>
-          <a:bodyPr/>
-          <a:lstStyle/>
-          <a:p>
-            <a:r>
-              <a:rPr lang="en-US" dirty="0"/>
-              <a:t>List, Set, Tuple, Dictionary Quiz</a:t>
-            </a:r>
-          </a:p>
-        </p:txBody>
-      </p:sp>
-      <p:sp>
-        <p:nvSpPr>
-          <p:cNvPr id="3" name="Content Placeholder 2">
-            <a:extLst>
-              <a:ext uri="{FF2B5EF4-FFF2-40B4-BE49-F238E27FC236}">
-                <a16:creationId xmlns:a16="http://schemas.microsoft.com/office/drawing/2014/main" id="{409A928B-1C32-EA4A-9920-91FA06D38224}"/>
-              </a:ext>
-            </a:extLst>
-          </p:cNvPr>
-          <p:cNvSpPr>
-            <a:spLocks noGrp="1"/>
-          </p:cNvSpPr>
-          <p:nvPr>
-            <p:ph idx="1"/>
-          </p:nvPr>
-        </p:nvSpPr>
-        <p:spPr/>
-        <p:txBody>
-          <a:bodyPr>
-            <a:normAutofit lnSpcReduction="10000"/>
-          </a:bodyPr>
-          <a:lstStyle/>
-          <a:p>
-            <a:r>
-              <a:rPr lang="en-US" dirty="0"/>
-              <a:t>1. What is the difference between a list and set?</a:t>
-            </a:r>
-          </a:p>
-          <a:p>
-            <a:r>
-              <a:rPr lang="en-US" dirty="0"/>
-              <a:t>2. How many times can you see the same key in a dictionary?</a:t>
-            </a:r>
-          </a:p>
-          <a:p>
-            <a:r>
-              <a:rPr lang="en-US" dirty="0"/>
-              <a:t>3. Can tuples contain more than 1 data type?</a:t>
-            </a:r>
-          </a:p>
-          <a:p>
-            <a:endParaRPr lang="en-US" dirty="0"/>
-          </a:p>
-          <a:p>
-            <a:r>
-              <a:rPr lang="en-US" dirty="0"/>
-              <a:t>A. Print the department you are from in the following list: </a:t>
-            </a:r>
-          </a:p>
-          <a:p>
-            <a:pPr lvl="1"/>
-            <a:r>
-              <a:rPr lang="en-US" dirty="0"/>
-              <a:t>company = [“1”, “2”, “3”, ”34”, “HQ”]</a:t>
-            </a:r>
-          </a:p>
-          <a:p>
-            <a:r>
-              <a:rPr lang="en-US" dirty="0"/>
-              <a:t>B. Print the third item in the following tuple:</a:t>
-            </a:r>
-          </a:p>
-          <a:p>
-            <a:pPr lvl="1"/>
-            <a:r>
-              <a:rPr lang="en-US" dirty="0"/>
-              <a:t>X = (1, 2, 3)</a:t>
-            </a:r>
-          </a:p>
-          <a:p>
-            <a:r>
-              <a:rPr lang="en-US" dirty="0"/>
-              <a:t>C. Declare a dictionary called bio with 3 keys: “</a:t>
-            </a:r>
-            <a:r>
-              <a:rPr lang="en-US" dirty="0" err="1"/>
-              <a:t>firstName</a:t>
-            </a:r>
-            <a:r>
-              <a:rPr lang="en-US" dirty="0"/>
-              <a:t>”, “</a:t>
-            </a:r>
-            <a:r>
-              <a:rPr lang="en-US" dirty="0" err="1"/>
-              <a:t>lastName</a:t>
-            </a:r>
-            <a:r>
-              <a:rPr lang="en-US" dirty="0"/>
-              <a:t>” and “age”</a:t>
-            </a:r>
-          </a:p>
-          <a:p>
-            <a:pPr lvl="1"/>
-            <a:r>
-              <a:rPr lang="en-US" dirty="0"/>
-              <a:t>Print out age using bio</a:t>
-            </a:r>
-          </a:p>
-          <a:p>
-            <a:pPr lvl="1"/>
-            <a:endParaRPr lang="en-US" dirty="0"/>
-          </a:p>
-        </p:txBody>
-      </p:sp>
-    </p:spTree>
-    <p:extLst>
-      <p:ext uri="{BB962C8B-B14F-4D97-AF65-F5344CB8AC3E}">
-        <p14:creationId xmlns:p14="http://schemas.microsoft.com/office/powerpoint/2010/main" val="1277678746"/>
-      </p:ext>
-    </p:extLst>
-  </p:cSld>
-  <p:clrMapOvr>
-    <a:masterClrMapping/>
-  </p:clrMapOvr>
-</p:sld>
-</file>
-
 <file path=ppt/slides/slide52.xml><?xml version="1.0" encoding="utf-8"?>
 <p:sld xmlns:a="http://schemas.openxmlformats.org/drawingml/2006/main" xmlns:r="http://schemas.openxmlformats.org/officeDocument/2006/relationships" xmlns:p="http://schemas.openxmlformats.org/presentationml/2006/main">
   <p:cSld>
@@ -12728,6 +12768,274 @@
           <p:cNvPr id="2" name="Title 1">
             <a:extLst>
               <a:ext uri="{FF2B5EF4-FFF2-40B4-BE49-F238E27FC236}">
+                <a16:creationId xmlns:a16="http://schemas.microsoft.com/office/drawing/2014/main" id="{C6C9755F-6585-C540-86EB-7327D59AA7C9}"/>
+              </a:ext>
+            </a:extLst>
+          </p:cNvPr>
+          <p:cNvSpPr>
+            <a:spLocks noGrp="1"/>
+          </p:cNvSpPr>
+          <p:nvPr>
+            <p:ph type="title"/>
+          </p:nvPr>
+        </p:nvSpPr>
+        <p:spPr/>
+        <p:txBody>
+          <a:bodyPr/>
+          <a:lstStyle/>
+          <a:p>
+            <a:r>
+              <a:rPr lang="en-US" dirty="0"/>
+              <a:t>Dictionaries Continued</a:t>
+            </a:r>
+          </a:p>
+        </p:txBody>
+      </p:sp>
+      <p:sp>
+        <p:nvSpPr>
+          <p:cNvPr id="3" name="Content Placeholder 2">
+            <a:extLst>
+              <a:ext uri="{FF2B5EF4-FFF2-40B4-BE49-F238E27FC236}">
+                <a16:creationId xmlns:a16="http://schemas.microsoft.com/office/drawing/2014/main" id="{4E3F3E82-AC0B-0149-A546-E91F0A698979}"/>
+              </a:ext>
+            </a:extLst>
+          </p:cNvPr>
+          <p:cNvSpPr>
+            <a:spLocks noGrp="1"/>
+          </p:cNvSpPr>
+          <p:nvPr>
+            <p:ph idx="1"/>
+          </p:nvPr>
+        </p:nvSpPr>
+        <p:spPr/>
+        <p:txBody>
+          <a:bodyPr/>
+          <a:lstStyle/>
+          <a:p>
+            <a:r>
+              <a:rPr lang="en-US" dirty="0"/>
+              <a:t>Dictionaries can contain any data types and are ordered</a:t>
+            </a:r>
+          </a:p>
+          <a:p>
+            <a:r>
+              <a:rPr lang="en-US" dirty="0"/>
+              <a:t>Since dictionaries rely on “keys” we cannot have duplicate keys</a:t>
+            </a:r>
+          </a:p>
+          <a:p>
+            <a:r>
+              <a:rPr lang="en-US" dirty="0"/>
+              <a:t>Like the others, we can use </a:t>
+            </a:r>
+            <a:r>
+              <a:rPr lang="en-US" dirty="0" err="1"/>
+              <a:t>len</a:t>
+            </a:r>
+            <a:r>
+              <a:rPr lang="en-US" dirty="0"/>
+              <a:t>() to find the number of elements in a dictionary</a:t>
+            </a:r>
+          </a:p>
+        </p:txBody>
+      </p:sp>
+    </p:spTree>
+    <p:extLst>
+      <p:ext uri="{BB962C8B-B14F-4D97-AF65-F5344CB8AC3E}">
+        <p14:creationId xmlns:p14="http://schemas.microsoft.com/office/powerpoint/2010/main" val="2506091827"/>
+      </p:ext>
+    </p:extLst>
+  </p:cSld>
+  <p:clrMapOvr>
+    <a:masterClrMapping/>
+  </p:clrMapOvr>
+</p:sld>
+</file>
+
+<file path=ppt/slides/slide53.xml><?xml version="1.0" encoding="utf-8"?>
+<p:sld xmlns:a="http://schemas.openxmlformats.org/drawingml/2006/main" xmlns:r="http://schemas.openxmlformats.org/officeDocument/2006/relationships" xmlns:p="http://schemas.openxmlformats.org/presentationml/2006/main">
+  <p:cSld>
+    <p:spTree>
+      <p:nvGrpSpPr>
+        <p:cNvPr id="1" name=""/>
+        <p:cNvGrpSpPr/>
+        <p:nvPr/>
+      </p:nvGrpSpPr>
+      <p:grpSpPr>
+        <a:xfrm>
+          <a:off x="0" y="0"/>
+          <a:ext cx="0" cy="0"/>
+          <a:chOff x="0" y="0"/>
+          <a:chExt cx="0" cy="0"/>
+        </a:xfrm>
+      </p:grpSpPr>
+      <p:sp>
+        <p:nvSpPr>
+          <p:cNvPr id="2" name="Title 1">
+            <a:extLst>
+              <a:ext uri="{FF2B5EF4-FFF2-40B4-BE49-F238E27FC236}">
+                <a16:creationId xmlns:a16="http://schemas.microsoft.com/office/drawing/2014/main" id="{4EA1AA1D-4CD2-E84D-9458-AD3C6F11309A}"/>
+              </a:ext>
+            </a:extLst>
+          </p:cNvPr>
+          <p:cNvSpPr>
+            <a:spLocks noGrp="1"/>
+          </p:cNvSpPr>
+          <p:nvPr>
+            <p:ph type="title"/>
+          </p:nvPr>
+        </p:nvSpPr>
+        <p:spPr/>
+        <p:txBody>
+          <a:bodyPr/>
+          <a:lstStyle/>
+          <a:p>
+            <a:r>
+              <a:rPr lang="en-US" dirty="0"/>
+              <a:t>List, Set, Tuple, Dictionary Quiz</a:t>
+            </a:r>
+          </a:p>
+        </p:txBody>
+      </p:sp>
+      <p:sp>
+        <p:nvSpPr>
+          <p:cNvPr id="3" name="Content Placeholder 2">
+            <a:extLst>
+              <a:ext uri="{FF2B5EF4-FFF2-40B4-BE49-F238E27FC236}">
+                <a16:creationId xmlns:a16="http://schemas.microsoft.com/office/drawing/2014/main" id="{409A928B-1C32-EA4A-9920-91FA06D38224}"/>
+              </a:ext>
+            </a:extLst>
+          </p:cNvPr>
+          <p:cNvSpPr>
+            <a:spLocks noGrp="1"/>
+          </p:cNvSpPr>
+          <p:nvPr>
+            <p:ph idx="1"/>
+          </p:nvPr>
+        </p:nvSpPr>
+        <p:spPr/>
+        <p:txBody>
+          <a:bodyPr>
+            <a:normAutofit lnSpcReduction="10000"/>
+          </a:bodyPr>
+          <a:lstStyle/>
+          <a:p>
+            <a:r>
+              <a:rPr lang="en-US" dirty="0"/>
+              <a:t>1. What is the difference between a list and set?</a:t>
+            </a:r>
+          </a:p>
+          <a:p>
+            <a:r>
+              <a:rPr lang="en-US" dirty="0"/>
+              <a:t>2. How many times can you see the same key in a dictionary?</a:t>
+            </a:r>
+          </a:p>
+          <a:p>
+            <a:r>
+              <a:rPr lang="en-US" dirty="0"/>
+              <a:t>3. Can tuples contain more than 1 data type?</a:t>
+            </a:r>
+          </a:p>
+          <a:p>
+            <a:endParaRPr lang="en-US" dirty="0"/>
+          </a:p>
+          <a:p>
+            <a:r>
+              <a:rPr lang="en-US" dirty="0"/>
+              <a:t>A. Print the department you are from in the following list: </a:t>
+            </a:r>
+          </a:p>
+          <a:p>
+            <a:pPr lvl="1"/>
+            <a:r>
+              <a:rPr lang="en-US" dirty="0"/>
+              <a:t>company = [“1”, “2”, “3”, ”34”, “HQ”]</a:t>
+            </a:r>
+          </a:p>
+          <a:p>
+            <a:r>
+              <a:rPr lang="en-US" dirty="0"/>
+              <a:t>B. Print the third item in the following tuple:</a:t>
+            </a:r>
+          </a:p>
+          <a:p>
+            <a:pPr lvl="1"/>
+            <a:r>
+              <a:rPr lang="en-US" dirty="0"/>
+              <a:t>X = (1, 2, 3)</a:t>
+            </a:r>
+          </a:p>
+          <a:p>
+            <a:r>
+              <a:rPr lang="en-US" dirty="0"/>
+              <a:t>C. Declare a dictionary called bio with 3 keys: “</a:t>
+            </a:r>
+            <a:r>
+              <a:rPr lang="en-US" dirty="0" err="1"/>
+              <a:t>firstName</a:t>
+            </a:r>
+            <a:r>
+              <a:rPr lang="en-US" dirty="0"/>
+              <a:t>”, “</a:t>
+            </a:r>
+            <a:r>
+              <a:rPr lang="en-US" dirty="0" err="1"/>
+              <a:t>lastName</a:t>
+            </a:r>
+            <a:r>
+              <a:rPr lang="en-US" dirty="0"/>
+              <a:t>” and “age”</a:t>
+            </a:r>
+          </a:p>
+          <a:p>
+            <a:pPr lvl="1"/>
+            <a:r>
+              <a:rPr lang="en-US" dirty="0"/>
+              <a:t>Print out age using bio</a:t>
+            </a:r>
+          </a:p>
+          <a:p>
+            <a:pPr lvl="1"/>
+            <a:endParaRPr lang="en-US" dirty="0"/>
+          </a:p>
+        </p:txBody>
+      </p:sp>
+    </p:spTree>
+    <p:extLst>
+      <p:ext uri="{BB962C8B-B14F-4D97-AF65-F5344CB8AC3E}">
+        <p14:creationId xmlns:p14="http://schemas.microsoft.com/office/powerpoint/2010/main" val="1277678746"/>
+      </p:ext>
+    </p:extLst>
+  </p:cSld>
+  <p:clrMapOvr>
+    <a:masterClrMapping/>
+  </p:clrMapOvr>
+</p:sld>
+</file>
+
+<file path=ppt/slides/slide54.xml><?xml version="1.0" encoding="utf-8"?>
+<p:sld xmlns:a="http://schemas.openxmlformats.org/drawingml/2006/main" xmlns:r="http://schemas.openxmlformats.org/officeDocument/2006/relationships" xmlns:p="http://schemas.openxmlformats.org/presentationml/2006/main">
+  <p:cSld>
+    <p:spTree>
+      <p:nvGrpSpPr>
+        <p:cNvPr id="1" name=""/>
+        <p:cNvGrpSpPr/>
+        <p:nvPr/>
+      </p:nvGrpSpPr>
+      <p:grpSpPr>
+        <a:xfrm>
+          <a:off x="0" y="0"/>
+          <a:ext cx="0" cy="0"/>
+          <a:chOff x="0" y="0"/>
+          <a:chExt cx="0" cy="0"/>
+        </a:xfrm>
+      </p:grpSpPr>
+      <p:sp>
+        <p:nvSpPr>
+          <p:cNvPr id="2" name="Title 1">
+            <a:extLst>
+              <a:ext uri="{FF2B5EF4-FFF2-40B4-BE49-F238E27FC236}">
                 <a16:creationId xmlns:a16="http://schemas.microsoft.com/office/drawing/2014/main" id="{909C57C7-2542-D54A-B5B3-ABC3F76D771C}"/>
               </a:ext>
             </a:extLst>
@@ -12831,7 +13139,7 @@
 </p:sld>
 </file>
 
-<file path=ppt/slides/slide53.xml><?xml version="1.0" encoding="utf-8"?>
+<file path=ppt/slides/slide55.xml><?xml version="1.0" encoding="utf-8"?>
 <p:sld xmlns:a="http://schemas.openxmlformats.org/drawingml/2006/main" xmlns:r="http://schemas.openxmlformats.org/officeDocument/2006/relationships" xmlns:p="http://schemas.openxmlformats.org/presentationml/2006/main">
   <p:cSld>
     <p:spTree>
@@ -12978,7 +13286,7 @@
 </p:sld>
 </file>
 
-<file path=ppt/slides/slide54.xml><?xml version="1.0" encoding="utf-8"?>
+<file path=ppt/slides/slide56.xml><?xml version="1.0" encoding="utf-8"?>
 <p:sld xmlns:a="http://schemas.openxmlformats.org/drawingml/2006/main" xmlns:r="http://schemas.openxmlformats.org/officeDocument/2006/relationships" xmlns:p="http://schemas.openxmlformats.org/presentationml/2006/main">
   <p:cSld>
     <p:spTree>
@@ -13121,7 +13429,7 @@
 </p:sld>
 </file>
 
-<file path=ppt/slides/slide55.xml><?xml version="1.0" encoding="utf-8"?>
+<file path=ppt/slides/slide57.xml><?xml version="1.0" encoding="utf-8"?>
 <p:sld xmlns:a="http://schemas.openxmlformats.org/drawingml/2006/main" xmlns:r="http://schemas.openxmlformats.org/officeDocument/2006/relationships" xmlns:p="http://schemas.openxmlformats.org/presentationml/2006/main">
   <p:cSld>
     <p:spTree>
@@ -13279,7 +13587,7 @@
 </p:sld>
 </file>
 
-<file path=ppt/slides/slide56.xml><?xml version="1.0" encoding="utf-8"?>
+<file path=ppt/slides/slide58.xml><?xml version="1.0" encoding="utf-8"?>
 <p:sld xmlns:a="http://schemas.openxmlformats.org/drawingml/2006/main" xmlns:r="http://schemas.openxmlformats.org/officeDocument/2006/relationships" xmlns:p="http://schemas.openxmlformats.org/presentationml/2006/main">
   <p:cSld>
     <p:spTree>
@@ -13428,7 +13736,7 @@
 </p:sld>
 </file>
 
-<file path=ppt/slides/slide57.xml><?xml version="1.0" encoding="utf-8"?>
+<file path=ppt/slides/slide59.xml><?xml version="1.0" encoding="utf-8"?>
 <p:sld xmlns:a="http://schemas.openxmlformats.org/drawingml/2006/main" xmlns:r="http://schemas.openxmlformats.org/officeDocument/2006/relationships" xmlns:p="http://schemas.openxmlformats.org/presentationml/2006/main">
   <p:cSld>
     <p:spTree>
@@ -13636,7 +13944,153 @@
 </p:sld>
 </file>
 
-<file path=ppt/slides/slide58.xml><?xml version="1.0" encoding="utf-8"?>
+<file path=ppt/slides/slide6.xml><?xml version="1.0" encoding="utf-8"?>
+<p:sld xmlns:a="http://schemas.openxmlformats.org/drawingml/2006/main" xmlns:r="http://schemas.openxmlformats.org/officeDocument/2006/relationships" xmlns:p="http://schemas.openxmlformats.org/presentationml/2006/main">
+  <p:cSld>
+    <p:spTree>
+      <p:nvGrpSpPr>
+        <p:cNvPr id="1" name=""/>
+        <p:cNvGrpSpPr/>
+        <p:nvPr/>
+      </p:nvGrpSpPr>
+      <p:grpSpPr>
+        <a:xfrm>
+          <a:off x="0" y="0"/>
+          <a:ext cx="0" cy="0"/>
+          <a:chOff x="0" y="0"/>
+          <a:chExt cx="0" cy="0"/>
+        </a:xfrm>
+      </p:grpSpPr>
+      <p:sp>
+        <p:nvSpPr>
+          <p:cNvPr id="2" name="Title 1">
+            <a:extLst>
+              <a:ext uri="{FF2B5EF4-FFF2-40B4-BE49-F238E27FC236}">
+                <a16:creationId xmlns:a16="http://schemas.microsoft.com/office/drawing/2014/main" id="{E17ED155-BE08-514D-B2C3-22183709E19C}"/>
+              </a:ext>
+            </a:extLst>
+          </p:cNvPr>
+          <p:cNvSpPr>
+            <a:spLocks noGrp="1"/>
+          </p:cNvSpPr>
+          <p:nvPr>
+            <p:ph type="title"/>
+          </p:nvPr>
+        </p:nvSpPr>
+        <p:spPr/>
+        <p:txBody>
+          <a:bodyPr/>
+          <a:lstStyle/>
+          <a:p>
+            <a:r>
+              <a:rPr lang="en-US" dirty="0"/>
+              <a:t>Syllabus Continued</a:t>
+            </a:r>
+          </a:p>
+        </p:txBody>
+      </p:sp>
+      <p:sp>
+        <p:nvSpPr>
+          <p:cNvPr id="3" name="Content Placeholder 2">
+            <a:extLst>
+              <a:ext uri="{FF2B5EF4-FFF2-40B4-BE49-F238E27FC236}">
+                <a16:creationId xmlns:a16="http://schemas.microsoft.com/office/drawing/2014/main" id="{54EF55FF-C2EA-304D-BE62-85299CE60A58}"/>
+              </a:ext>
+            </a:extLst>
+          </p:cNvPr>
+          <p:cNvSpPr>
+            <a:spLocks noGrp="1"/>
+          </p:cNvSpPr>
+          <p:nvPr>
+            <p:ph idx="1"/>
+          </p:nvPr>
+        </p:nvSpPr>
+        <p:spPr/>
+        <p:txBody>
+          <a:bodyPr/>
+          <a:lstStyle/>
+          <a:p>
+            <a:pPr marL="457200" indent="-457200">
+              <a:buFont typeface="+mj-lt"/>
+              <a:buAutoNum type="arabicParenR" startAt="6"/>
+            </a:pPr>
+            <a:r>
+              <a:rPr lang="en-US" dirty="0"/>
+              <a:t>Strings</a:t>
+            </a:r>
+          </a:p>
+          <a:p>
+            <a:pPr marL="457200" indent="-457200">
+              <a:buFont typeface="+mj-lt"/>
+              <a:buAutoNum type="arabicParenR" startAt="6"/>
+            </a:pPr>
+            <a:r>
+              <a:rPr lang="en-US" dirty="0"/>
+              <a:t>Booleans</a:t>
+            </a:r>
+          </a:p>
+          <a:p>
+            <a:pPr marL="457200" indent="-457200">
+              <a:buFont typeface="+mj-lt"/>
+              <a:buAutoNum type="arabicParenR" startAt="6"/>
+            </a:pPr>
+            <a:r>
+              <a:rPr lang="en-US" dirty="0"/>
+              <a:t>Lists</a:t>
+            </a:r>
+          </a:p>
+          <a:p>
+            <a:pPr marL="457200" indent="-457200">
+              <a:buFont typeface="+mj-lt"/>
+              <a:buAutoNum type="arabicParenR" startAt="6"/>
+            </a:pPr>
+            <a:r>
+              <a:rPr lang="en-US" dirty="0"/>
+              <a:t>Conditional Statements and Loops</a:t>
+            </a:r>
+          </a:p>
+          <a:p>
+            <a:pPr marL="457200" indent="-457200">
+              <a:buFont typeface="+mj-lt"/>
+              <a:buAutoNum type="arabicParenR" startAt="6"/>
+            </a:pPr>
+            <a:r>
+              <a:rPr lang="en-US" dirty="0"/>
+              <a:t>Functions</a:t>
+            </a:r>
+          </a:p>
+          <a:p>
+            <a:pPr marL="457200" indent="-457200">
+              <a:buFont typeface="+mj-lt"/>
+              <a:buAutoNum type="arabicParenR" startAt="6"/>
+            </a:pPr>
+            <a:r>
+              <a:rPr lang="en-US" dirty="0"/>
+              <a:t>Final Project</a:t>
+            </a:r>
+          </a:p>
+          <a:p>
+            <a:pPr marL="0" indent="0">
+              <a:buNone/>
+            </a:pPr>
+            <a:endParaRPr lang="en-US" dirty="0"/>
+          </a:p>
+        </p:txBody>
+      </p:sp>
+    </p:spTree>
+    <p:extLst>
+      <p:ext uri="{BB962C8B-B14F-4D97-AF65-F5344CB8AC3E}">
+        <p14:creationId xmlns:p14="http://schemas.microsoft.com/office/powerpoint/2010/main" val="530903546"/>
+      </p:ext>
+    </p:extLst>
+  </p:cSld>
+  <p:clrMapOvr>
+    <a:masterClrMapping/>
+  </p:clrMapOvr>
+</p:sld>
+</file>
+
+<file path=ppt/slides/slide60.xml><?xml version="1.0" encoding="utf-8"?>
 <p:sld xmlns:a="http://schemas.openxmlformats.org/drawingml/2006/main" xmlns:r="http://schemas.openxmlformats.org/officeDocument/2006/relationships" xmlns:p="http://schemas.openxmlformats.org/presentationml/2006/main">
   <p:cSld>
     <p:spTree>
@@ -13764,7 +14218,7 @@
 </p:sld>
 </file>
 
-<file path=ppt/slides/slide59.xml><?xml version="1.0" encoding="utf-8"?>
+<file path=ppt/slides/slide61.xml><?xml version="1.0" encoding="utf-8"?>
 <p:sld xmlns:a="http://schemas.openxmlformats.org/drawingml/2006/main" xmlns:r="http://schemas.openxmlformats.org/officeDocument/2006/relationships" xmlns:p="http://schemas.openxmlformats.org/presentationml/2006/main">
   <p:cSld>
     <p:spTree>
@@ -13905,7 +14359,7 @@
 </p:sld>
 </file>
 
-<file path=ppt/slides/slide6.xml><?xml version="1.0" encoding="utf-8"?>
+<file path=ppt/slides/slide62.xml><?xml version="1.0" encoding="utf-8"?>
 <p:sld xmlns:a="http://schemas.openxmlformats.org/drawingml/2006/main" xmlns:r="http://schemas.openxmlformats.org/officeDocument/2006/relationships" xmlns:p="http://schemas.openxmlformats.org/presentationml/2006/main">
   <p:cSld>
     <p:spTree>
@@ -13927,152 +14381,6 @@
           <p:cNvPr id="2" name="Title 1">
             <a:extLst>
               <a:ext uri="{FF2B5EF4-FFF2-40B4-BE49-F238E27FC236}">
-                <a16:creationId xmlns:a16="http://schemas.microsoft.com/office/drawing/2014/main" id="{E17ED155-BE08-514D-B2C3-22183709E19C}"/>
-              </a:ext>
-            </a:extLst>
-          </p:cNvPr>
-          <p:cNvSpPr>
-            <a:spLocks noGrp="1"/>
-          </p:cNvSpPr>
-          <p:nvPr>
-            <p:ph type="title"/>
-          </p:nvPr>
-        </p:nvSpPr>
-        <p:spPr/>
-        <p:txBody>
-          <a:bodyPr/>
-          <a:lstStyle/>
-          <a:p>
-            <a:r>
-              <a:rPr lang="en-US" dirty="0"/>
-              <a:t>Syllabus Continued</a:t>
-            </a:r>
-          </a:p>
-        </p:txBody>
-      </p:sp>
-      <p:sp>
-        <p:nvSpPr>
-          <p:cNvPr id="3" name="Content Placeholder 2">
-            <a:extLst>
-              <a:ext uri="{FF2B5EF4-FFF2-40B4-BE49-F238E27FC236}">
-                <a16:creationId xmlns:a16="http://schemas.microsoft.com/office/drawing/2014/main" id="{54EF55FF-C2EA-304D-BE62-85299CE60A58}"/>
-              </a:ext>
-            </a:extLst>
-          </p:cNvPr>
-          <p:cNvSpPr>
-            <a:spLocks noGrp="1"/>
-          </p:cNvSpPr>
-          <p:nvPr>
-            <p:ph idx="1"/>
-          </p:nvPr>
-        </p:nvSpPr>
-        <p:spPr/>
-        <p:txBody>
-          <a:bodyPr/>
-          <a:lstStyle/>
-          <a:p>
-            <a:pPr marL="457200" indent="-457200">
-              <a:buFont typeface="+mj-lt"/>
-              <a:buAutoNum type="arabicParenR" startAt="6"/>
-            </a:pPr>
-            <a:r>
-              <a:rPr lang="en-US" dirty="0"/>
-              <a:t>Strings</a:t>
-            </a:r>
-          </a:p>
-          <a:p>
-            <a:pPr marL="457200" indent="-457200">
-              <a:buFont typeface="+mj-lt"/>
-              <a:buAutoNum type="arabicParenR" startAt="6"/>
-            </a:pPr>
-            <a:r>
-              <a:rPr lang="en-US" dirty="0"/>
-              <a:t>Booleans</a:t>
-            </a:r>
-          </a:p>
-          <a:p>
-            <a:pPr marL="457200" indent="-457200">
-              <a:buFont typeface="+mj-lt"/>
-              <a:buAutoNum type="arabicParenR" startAt="6"/>
-            </a:pPr>
-            <a:r>
-              <a:rPr lang="en-US" dirty="0"/>
-              <a:t>Lists</a:t>
-            </a:r>
-          </a:p>
-          <a:p>
-            <a:pPr marL="457200" indent="-457200">
-              <a:buFont typeface="+mj-lt"/>
-              <a:buAutoNum type="arabicParenR" startAt="6"/>
-            </a:pPr>
-            <a:r>
-              <a:rPr lang="en-US" dirty="0"/>
-              <a:t>Conditional Statements and Loops</a:t>
-            </a:r>
-          </a:p>
-          <a:p>
-            <a:pPr marL="457200" indent="-457200">
-              <a:buFont typeface="+mj-lt"/>
-              <a:buAutoNum type="arabicParenR" startAt="6"/>
-            </a:pPr>
-            <a:r>
-              <a:rPr lang="en-US" dirty="0"/>
-              <a:t>Functions</a:t>
-            </a:r>
-          </a:p>
-          <a:p>
-            <a:pPr marL="457200" indent="-457200">
-              <a:buFont typeface="+mj-lt"/>
-              <a:buAutoNum type="arabicParenR" startAt="6"/>
-            </a:pPr>
-            <a:r>
-              <a:rPr lang="en-US" dirty="0"/>
-              <a:t>Final Project</a:t>
-            </a:r>
-          </a:p>
-          <a:p>
-            <a:pPr marL="0" indent="0">
-              <a:buNone/>
-            </a:pPr>
-            <a:endParaRPr lang="en-US" dirty="0"/>
-          </a:p>
-        </p:txBody>
-      </p:sp>
-    </p:spTree>
-    <p:extLst>
-      <p:ext uri="{BB962C8B-B14F-4D97-AF65-F5344CB8AC3E}">
-        <p14:creationId xmlns:p14="http://schemas.microsoft.com/office/powerpoint/2010/main" val="530903546"/>
-      </p:ext>
-    </p:extLst>
-  </p:cSld>
-  <p:clrMapOvr>
-    <a:masterClrMapping/>
-  </p:clrMapOvr>
-</p:sld>
-</file>
-
-<file path=ppt/slides/slide60.xml><?xml version="1.0" encoding="utf-8"?>
-<p:sld xmlns:a="http://schemas.openxmlformats.org/drawingml/2006/main" xmlns:r="http://schemas.openxmlformats.org/officeDocument/2006/relationships" xmlns:p="http://schemas.openxmlformats.org/presentationml/2006/main">
-  <p:cSld>
-    <p:spTree>
-      <p:nvGrpSpPr>
-        <p:cNvPr id="1" name=""/>
-        <p:cNvGrpSpPr/>
-        <p:nvPr/>
-      </p:nvGrpSpPr>
-      <p:grpSpPr>
-        <a:xfrm>
-          <a:off x="0" y="0"/>
-          <a:ext cx="0" cy="0"/>
-          <a:chOff x="0" y="0"/>
-          <a:chExt cx="0" cy="0"/>
-        </a:xfrm>
-      </p:grpSpPr>
-      <p:sp>
-        <p:nvSpPr>
-          <p:cNvPr id="2" name="Title 1">
-            <a:extLst>
-              <a:ext uri="{FF2B5EF4-FFF2-40B4-BE49-F238E27FC236}">
                 <a16:creationId xmlns:a16="http://schemas.microsoft.com/office/drawing/2014/main" id="{71718FAC-1730-2B4C-B136-C56C8ECA1E8C}"/>
               </a:ext>
             </a:extLst>
@@ -14155,7 +14463,7 @@
 </p:sld>
 </file>
 
-<file path=ppt/slides/slide61.xml><?xml version="1.0" encoding="utf-8"?>
+<file path=ppt/slides/slide63.xml><?xml version="1.0" encoding="utf-8"?>
 <p:sld xmlns:a="http://schemas.openxmlformats.org/drawingml/2006/main" xmlns:r="http://schemas.openxmlformats.org/officeDocument/2006/relationships" xmlns:p="http://schemas.openxmlformats.org/presentationml/2006/main">
   <p:cSld>
     <p:spTree>
@@ -14322,7 +14630,7 @@
 </p:sld>
 </file>
 
-<file path=ppt/slides/slide62.xml><?xml version="1.0" encoding="utf-8"?>
+<file path=ppt/slides/slide64.xml><?xml version="1.0" encoding="utf-8"?>
 <p:sld xmlns:a="http://schemas.openxmlformats.org/drawingml/2006/main" xmlns:r="http://schemas.openxmlformats.org/officeDocument/2006/relationships" xmlns:p="http://schemas.openxmlformats.org/presentationml/2006/main">
   <p:cSld>
     <p:spTree>
@@ -14474,7 +14782,7 @@
 </p:sld>
 </file>
 
-<file path=ppt/slides/slide63.xml><?xml version="1.0" encoding="utf-8"?>
+<file path=ppt/slides/slide65.xml><?xml version="1.0" encoding="utf-8"?>
 <p:sld xmlns:a="http://schemas.openxmlformats.org/drawingml/2006/main" xmlns:r="http://schemas.openxmlformats.org/officeDocument/2006/relationships" xmlns:p="http://schemas.openxmlformats.org/presentationml/2006/main">
   <p:cSld>
     <p:spTree>
@@ -14572,7 +14880,7 @@
 </p:sld>
 </file>
 
-<file path=ppt/slides/slide64.xml><?xml version="1.0" encoding="utf-8"?>
+<file path=ppt/slides/slide66.xml><?xml version="1.0" encoding="utf-8"?>
 <p:sld xmlns:a="http://schemas.openxmlformats.org/drawingml/2006/main" xmlns:r="http://schemas.openxmlformats.org/officeDocument/2006/relationships" xmlns:p="http://schemas.openxmlformats.org/presentationml/2006/main">
   <p:cSld>
     <p:spTree>
@@ -14685,7 +14993,7 @@
 </p:sld>
 </file>
 
-<file path=ppt/slides/slide65.xml><?xml version="1.0" encoding="utf-8"?>
+<file path=ppt/slides/slide67.xml><?xml version="1.0" encoding="utf-8"?>
 <p:sld xmlns:a="http://schemas.openxmlformats.org/drawingml/2006/main" xmlns:r="http://schemas.openxmlformats.org/officeDocument/2006/relationships" xmlns:p="http://schemas.openxmlformats.org/presentationml/2006/main">
   <p:cSld>
     <p:spTree>
@@ -14840,7 +15148,7 @@
 </p:sld>
 </file>
 
-<file path=ppt/slides/slide66.xml><?xml version="1.0" encoding="utf-8"?>
+<file path=ppt/slides/slide68.xml><?xml version="1.0" encoding="utf-8"?>
 <p:sld xmlns:a="http://schemas.openxmlformats.org/drawingml/2006/main" xmlns:r="http://schemas.openxmlformats.org/officeDocument/2006/relationships" xmlns:p="http://schemas.openxmlformats.org/presentationml/2006/main">
   <p:cSld>
     <p:spTree>
@@ -14953,7 +15261,7 @@
 </p:sld>
 </file>
 
-<file path=ppt/slides/slide67.xml><?xml version="1.0" encoding="utf-8"?>
+<file path=ppt/slides/slide69.xml><?xml version="1.0" encoding="utf-8"?>
 <p:sld xmlns:a="http://schemas.openxmlformats.org/drawingml/2006/main" xmlns:r="http://schemas.openxmlformats.org/officeDocument/2006/relationships" xmlns:p="http://schemas.openxmlformats.org/presentationml/2006/main">
   <p:cSld>
     <p:spTree>
@@ -15105,276 +15413,6 @@
 </p:sld>
 </file>
 
-<file path=ppt/slides/slide68.xml><?xml version="1.0" encoding="utf-8"?>
-<p:sld xmlns:a="http://schemas.openxmlformats.org/drawingml/2006/main" xmlns:r="http://schemas.openxmlformats.org/officeDocument/2006/relationships" xmlns:p="http://schemas.openxmlformats.org/presentationml/2006/main">
-  <p:cSld>
-    <p:spTree>
-      <p:nvGrpSpPr>
-        <p:cNvPr id="1" name=""/>
-        <p:cNvGrpSpPr/>
-        <p:nvPr/>
-      </p:nvGrpSpPr>
-      <p:grpSpPr>
-        <a:xfrm>
-          <a:off x="0" y="0"/>
-          <a:ext cx="0" cy="0"/>
-          <a:chOff x="0" y="0"/>
-          <a:chExt cx="0" cy="0"/>
-        </a:xfrm>
-      </p:grpSpPr>
-      <p:sp>
-        <p:nvSpPr>
-          <p:cNvPr id="2" name="Title 1">
-            <a:extLst>
-              <a:ext uri="{FF2B5EF4-FFF2-40B4-BE49-F238E27FC236}">
-                <a16:creationId xmlns:a16="http://schemas.microsoft.com/office/drawing/2014/main" id="{D078BDF1-BD2F-114F-AB49-C083BE6472D9}"/>
-              </a:ext>
-            </a:extLst>
-          </p:cNvPr>
-          <p:cNvSpPr>
-            <a:spLocks noGrp="1"/>
-          </p:cNvSpPr>
-          <p:nvPr>
-            <p:ph type="title"/>
-          </p:nvPr>
-        </p:nvSpPr>
-        <p:spPr/>
-        <p:txBody>
-          <a:bodyPr/>
-          <a:lstStyle/>
-          <a:p>
-            <a:r>
-              <a:rPr lang="en-US" dirty="0"/>
-              <a:t>Final Project – Rock, Paper, Scissors</a:t>
-            </a:r>
-          </a:p>
-        </p:txBody>
-      </p:sp>
-      <p:sp>
-        <p:nvSpPr>
-          <p:cNvPr id="3" name="Content Placeholder 2">
-            <a:extLst>
-              <a:ext uri="{FF2B5EF4-FFF2-40B4-BE49-F238E27FC236}">
-                <a16:creationId xmlns:a16="http://schemas.microsoft.com/office/drawing/2014/main" id="{C915A57F-CC3E-4047-9599-713EE35AFBCC}"/>
-              </a:ext>
-            </a:extLst>
-          </p:cNvPr>
-          <p:cNvSpPr>
-            <a:spLocks noGrp="1"/>
-          </p:cNvSpPr>
-          <p:nvPr>
-            <p:ph idx="1"/>
-          </p:nvPr>
-        </p:nvSpPr>
-        <p:spPr/>
-        <p:txBody>
-          <a:bodyPr/>
-          <a:lstStyle/>
-          <a:p>
-            <a:r>
-              <a:rPr lang="en-US" dirty="0"/>
-              <a:t>Project Guidelines:</a:t>
-            </a:r>
-          </a:p>
-          <a:p>
-            <a:pPr lvl="1"/>
-            <a:r>
-              <a:rPr lang="en-US" dirty="0"/>
-              <a:t>1. The game will keep score</a:t>
-            </a:r>
-          </a:p>
-          <a:p>
-            <a:pPr lvl="1"/>
-            <a:r>
-              <a:rPr lang="en-US" dirty="0"/>
-              <a:t>2. The game will let you stop whenever you want to</a:t>
-            </a:r>
-          </a:p>
-          <a:p>
-            <a:pPr lvl="1"/>
-            <a:r>
-              <a:rPr lang="en-US" dirty="0"/>
-              <a:t>3. The game will prompt the player for a choice and respond with the computer’s choice randomly</a:t>
-            </a:r>
-          </a:p>
-          <a:p>
-            <a:pPr lvl="2"/>
-            <a:r>
-              <a:rPr lang="en-US" dirty="0"/>
-              <a:t>The user input must be a string</a:t>
-            </a:r>
-          </a:p>
-          <a:p>
-            <a:pPr lvl="2"/>
-            <a:r>
-              <a:rPr lang="en-US" dirty="0"/>
-              <a:t>The code must use a dictionary to map strings to </a:t>
-            </a:r>
-            <a:r>
-              <a:rPr lang="en-US" dirty="0" err="1"/>
-              <a:t>ints</a:t>
-            </a:r>
-            <a:endParaRPr lang="en-US" dirty="0"/>
-          </a:p>
-          <a:p>
-            <a:pPr lvl="1"/>
-            <a:r>
-              <a:rPr lang="en-US" dirty="0"/>
-              <a:t>4. If the player inputs a bad input, the game will warn the player and continue</a:t>
-            </a:r>
-          </a:p>
-          <a:p>
-            <a:pPr lvl="1"/>
-            <a:r>
-              <a:rPr lang="en-US" dirty="0"/>
-              <a:t>5. The entire game must be a function</a:t>
-            </a:r>
-          </a:p>
-        </p:txBody>
-      </p:sp>
-    </p:spTree>
-    <p:extLst>
-      <p:ext uri="{BB962C8B-B14F-4D97-AF65-F5344CB8AC3E}">
-        <p14:creationId xmlns:p14="http://schemas.microsoft.com/office/powerpoint/2010/main" val="586422086"/>
-      </p:ext>
-    </p:extLst>
-  </p:cSld>
-  <p:clrMapOvr>
-    <a:masterClrMapping/>
-  </p:clrMapOvr>
-</p:sld>
-</file>
-
-<file path=ppt/slides/slide69.xml><?xml version="1.0" encoding="utf-8"?>
-<p:sld xmlns:a="http://schemas.openxmlformats.org/drawingml/2006/main" xmlns:r="http://schemas.openxmlformats.org/officeDocument/2006/relationships" xmlns:p="http://schemas.openxmlformats.org/presentationml/2006/main">
-  <p:cSld>
-    <p:spTree>
-      <p:nvGrpSpPr>
-        <p:cNvPr id="1" name=""/>
-        <p:cNvGrpSpPr/>
-        <p:nvPr/>
-      </p:nvGrpSpPr>
-      <p:grpSpPr>
-        <a:xfrm>
-          <a:off x="0" y="0"/>
-          <a:ext cx="0" cy="0"/>
-          <a:chOff x="0" y="0"/>
-          <a:chExt cx="0" cy="0"/>
-        </a:xfrm>
-      </p:grpSpPr>
-      <p:sp>
-        <p:nvSpPr>
-          <p:cNvPr id="2" name="Title 1">
-            <a:extLst>
-              <a:ext uri="{FF2B5EF4-FFF2-40B4-BE49-F238E27FC236}">
-                <a16:creationId xmlns:a16="http://schemas.microsoft.com/office/drawing/2014/main" id="{1EF7DFB5-9E6B-9C4F-B009-9FF3D52998DC}"/>
-              </a:ext>
-            </a:extLst>
-          </p:cNvPr>
-          <p:cNvSpPr>
-            <a:spLocks noGrp="1"/>
-          </p:cNvSpPr>
-          <p:nvPr>
-            <p:ph type="title"/>
-          </p:nvPr>
-        </p:nvSpPr>
-        <p:spPr/>
-        <p:txBody>
-          <a:bodyPr/>
-          <a:lstStyle/>
-          <a:p>
-            <a:r>
-              <a:rPr lang="en-US" dirty="0"/>
-              <a:t>Thank you for attending</a:t>
-            </a:r>
-          </a:p>
-        </p:txBody>
-      </p:sp>
-      <p:sp>
-        <p:nvSpPr>
-          <p:cNvPr id="3" name="Content Placeholder 2">
-            <a:extLst>
-              <a:ext uri="{FF2B5EF4-FFF2-40B4-BE49-F238E27FC236}">
-                <a16:creationId xmlns:a16="http://schemas.microsoft.com/office/drawing/2014/main" id="{CEBEF3C4-E30E-8340-A7EE-543276B80858}"/>
-              </a:ext>
-            </a:extLst>
-          </p:cNvPr>
-          <p:cNvSpPr>
-            <a:spLocks noGrp="1"/>
-          </p:cNvSpPr>
-          <p:nvPr>
-            <p:ph idx="1"/>
-          </p:nvPr>
-        </p:nvSpPr>
-        <p:spPr/>
-        <p:txBody>
-          <a:bodyPr/>
-          <a:lstStyle/>
-          <a:p>
-            <a:r>
-              <a:rPr lang="en-US" dirty="0"/>
-              <a:t>I have been working with python and other languages for years now and I always feel like I’m learning something</a:t>
-            </a:r>
-          </a:p>
-          <a:p>
-            <a:r>
-              <a:rPr lang="en-US" dirty="0"/>
-              <a:t>Coding and programming can become as normal for us as maths and English, and I think going forward it is only going to become more important</a:t>
-            </a:r>
-          </a:p>
-          <a:p>
-            <a:r>
-              <a:rPr lang="en-US" dirty="0"/>
-              <a:t>6AMB has a fantastic reference book “Beginning Programming with Python For Dummies” and it can be found in the Innovation room</a:t>
-            </a:r>
-          </a:p>
-          <a:p>
-            <a:pPr lvl="1"/>
-            <a:r>
-              <a:rPr lang="en-US" dirty="0"/>
-              <a:t>https://</a:t>
-            </a:r>
-            <a:r>
-              <a:rPr lang="en-US" dirty="0" err="1"/>
-              <a:t>singapore.kinokuniya.com</a:t>
-            </a:r>
-            <a:r>
-              <a:rPr lang="en-US" dirty="0"/>
-              <a:t>/</a:t>
-            </a:r>
-            <a:r>
-              <a:rPr lang="en-US" dirty="0" err="1"/>
-              <a:t>bw</a:t>
-            </a:r>
-            <a:r>
-              <a:rPr lang="en-US" dirty="0"/>
-              <a:t>/9781119457893</a:t>
-            </a:r>
-          </a:p>
-          <a:p>
-            <a:pPr marL="457200" lvl="1" indent="0">
-              <a:buNone/>
-            </a:pPr>
-            <a:endParaRPr lang="en-US" dirty="0"/>
-          </a:p>
-          <a:p>
-            <a:endParaRPr lang="en-US" dirty="0"/>
-          </a:p>
-        </p:txBody>
-      </p:sp>
-    </p:spTree>
-    <p:extLst>
-      <p:ext uri="{BB962C8B-B14F-4D97-AF65-F5344CB8AC3E}">
-        <p14:creationId xmlns:p14="http://schemas.microsoft.com/office/powerpoint/2010/main" val="184653292"/>
-      </p:ext>
-    </p:extLst>
-  </p:cSld>
-  <p:clrMapOvr>
-    <a:masterClrMapping/>
-  </p:clrMapOvr>
-</p:sld>
-</file>
-
 <file path=ppt/slides/slide7.xml><?xml version="1.0" encoding="utf-8"?>
 <p:sld xmlns:a="http://schemas.openxmlformats.org/drawingml/2006/main" xmlns:r="http://schemas.openxmlformats.org/officeDocument/2006/relationships" xmlns:p="http://schemas.openxmlformats.org/presentationml/2006/main">
   <p:cSld>
@@ -15497,6 +15535,437 @@
 </file>
 
 <file path=ppt/slides/slide70.xml><?xml version="1.0" encoding="utf-8"?>
+<p:sld xmlns:a="http://schemas.openxmlformats.org/drawingml/2006/main" xmlns:r="http://schemas.openxmlformats.org/officeDocument/2006/relationships" xmlns:p="http://schemas.openxmlformats.org/presentationml/2006/main" show="0">
+  <p:cSld>
+    <p:spTree>
+      <p:nvGrpSpPr>
+        <p:cNvPr id="1" name=""/>
+        <p:cNvGrpSpPr/>
+        <p:nvPr/>
+      </p:nvGrpSpPr>
+      <p:grpSpPr>
+        <a:xfrm>
+          <a:off x="0" y="0"/>
+          <a:ext cx="0" cy="0"/>
+          <a:chOff x="0" y="0"/>
+          <a:chExt cx="0" cy="0"/>
+        </a:xfrm>
+      </p:grpSpPr>
+      <p:sp>
+        <p:nvSpPr>
+          <p:cNvPr id="2" name="Title 1">
+            <a:extLst>
+              <a:ext uri="{FF2B5EF4-FFF2-40B4-BE49-F238E27FC236}">
+                <a16:creationId xmlns:a16="http://schemas.microsoft.com/office/drawing/2014/main" id="{D078BDF1-BD2F-114F-AB49-C083BE6472D9}"/>
+              </a:ext>
+            </a:extLst>
+          </p:cNvPr>
+          <p:cNvSpPr>
+            <a:spLocks noGrp="1"/>
+          </p:cNvSpPr>
+          <p:nvPr>
+            <p:ph type="title"/>
+          </p:nvPr>
+        </p:nvSpPr>
+        <p:spPr/>
+        <p:txBody>
+          <a:bodyPr/>
+          <a:lstStyle/>
+          <a:p>
+            <a:r>
+              <a:rPr lang="en-US" dirty="0"/>
+              <a:t>Final Project – Rock, Paper, Scissors</a:t>
+            </a:r>
+          </a:p>
+        </p:txBody>
+      </p:sp>
+      <p:sp>
+        <p:nvSpPr>
+          <p:cNvPr id="3" name="Content Placeholder 2">
+            <a:extLst>
+              <a:ext uri="{FF2B5EF4-FFF2-40B4-BE49-F238E27FC236}">
+                <a16:creationId xmlns:a16="http://schemas.microsoft.com/office/drawing/2014/main" id="{C915A57F-CC3E-4047-9599-713EE35AFBCC}"/>
+              </a:ext>
+            </a:extLst>
+          </p:cNvPr>
+          <p:cNvSpPr>
+            <a:spLocks noGrp="1"/>
+          </p:cNvSpPr>
+          <p:nvPr>
+            <p:ph idx="1"/>
+          </p:nvPr>
+        </p:nvSpPr>
+        <p:spPr/>
+        <p:txBody>
+          <a:bodyPr/>
+          <a:lstStyle/>
+          <a:p>
+            <a:r>
+              <a:rPr lang="en-US" dirty="0"/>
+              <a:t>Project Guidelines:</a:t>
+            </a:r>
+          </a:p>
+          <a:p>
+            <a:pPr lvl="1"/>
+            <a:r>
+              <a:rPr lang="en-US" dirty="0"/>
+              <a:t>1. The game will keep score</a:t>
+            </a:r>
+          </a:p>
+          <a:p>
+            <a:pPr lvl="1"/>
+            <a:r>
+              <a:rPr lang="en-US" dirty="0"/>
+              <a:t>2. The game will let you stop whenever you want to</a:t>
+            </a:r>
+          </a:p>
+          <a:p>
+            <a:pPr lvl="1"/>
+            <a:r>
+              <a:rPr lang="en-US" dirty="0"/>
+              <a:t>3. The game will prompt the player for a choice and respond with the computer’s choice randomly</a:t>
+            </a:r>
+          </a:p>
+          <a:p>
+            <a:pPr lvl="2"/>
+            <a:r>
+              <a:rPr lang="en-US" dirty="0"/>
+              <a:t>The user input must be a string</a:t>
+            </a:r>
+          </a:p>
+          <a:p>
+            <a:pPr lvl="2"/>
+            <a:r>
+              <a:rPr lang="en-US" dirty="0"/>
+              <a:t>The code must use a dictionary to map strings to </a:t>
+            </a:r>
+            <a:r>
+              <a:rPr lang="en-US" dirty="0" err="1"/>
+              <a:t>ints</a:t>
+            </a:r>
+            <a:endParaRPr lang="en-US" dirty="0"/>
+          </a:p>
+          <a:p>
+            <a:pPr lvl="1"/>
+            <a:r>
+              <a:rPr lang="en-US" dirty="0"/>
+              <a:t>4. If the player inputs a bad input, the game will warn the player and continue</a:t>
+            </a:r>
+          </a:p>
+          <a:p>
+            <a:pPr lvl="1"/>
+            <a:r>
+              <a:rPr lang="en-US" dirty="0"/>
+              <a:t>5. The entire game must be a function</a:t>
+            </a:r>
+          </a:p>
+        </p:txBody>
+      </p:sp>
+    </p:spTree>
+    <p:extLst>
+      <p:ext uri="{BB962C8B-B14F-4D97-AF65-F5344CB8AC3E}">
+        <p14:creationId xmlns:p14="http://schemas.microsoft.com/office/powerpoint/2010/main" val="586422086"/>
+      </p:ext>
+    </p:extLst>
+  </p:cSld>
+  <p:clrMapOvr>
+    <a:masterClrMapping/>
+  </p:clrMapOvr>
+</p:sld>
+</file>
+
+<file path=ppt/slides/slide71.xml><?xml version="1.0" encoding="utf-8"?>
+<p:sld xmlns:a="http://schemas.openxmlformats.org/drawingml/2006/main" xmlns:r="http://schemas.openxmlformats.org/officeDocument/2006/relationships" xmlns:p="http://schemas.openxmlformats.org/presentationml/2006/main">
+  <p:cSld>
+    <p:spTree>
+      <p:nvGrpSpPr>
+        <p:cNvPr id="1" name=""/>
+        <p:cNvGrpSpPr/>
+        <p:nvPr/>
+      </p:nvGrpSpPr>
+      <p:grpSpPr>
+        <a:xfrm>
+          <a:off x="0" y="0"/>
+          <a:ext cx="0" cy="0"/>
+          <a:chOff x="0" y="0"/>
+          <a:chExt cx="0" cy="0"/>
+        </a:xfrm>
+      </p:grpSpPr>
+      <p:sp>
+        <p:nvSpPr>
+          <p:cNvPr id="2" name="Title 1">
+            <a:extLst>
+              <a:ext uri="{FF2B5EF4-FFF2-40B4-BE49-F238E27FC236}">
+                <a16:creationId xmlns:a16="http://schemas.microsoft.com/office/drawing/2014/main" id="{B640518E-E11F-F244-AE26-7D83DE9C1619}"/>
+              </a:ext>
+            </a:extLst>
+          </p:cNvPr>
+          <p:cNvSpPr>
+            <a:spLocks noGrp="1"/>
+          </p:cNvSpPr>
+          <p:nvPr>
+            <p:ph type="title"/>
+          </p:nvPr>
+        </p:nvSpPr>
+        <p:spPr/>
+        <p:txBody>
+          <a:bodyPr/>
+          <a:lstStyle/>
+          <a:p>
+            <a:r>
+              <a:rPr lang="en-US" dirty="0"/>
+              <a:t>Final Project – Savings Calculator</a:t>
+            </a:r>
+          </a:p>
+        </p:txBody>
+      </p:sp>
+      <p:sp>
+        <p:nvSpPr>
+          <p:cNvPr id="3" name="Content Placeholder 2">
+            <a:extLst>
+              <a:ext uri="{FF2B5EF4-FFF2-40B4-BE49-F238E27FC236}">
+                <a16:creationId xmlns:a16="http://schemas.microsoft.com/office/drawing/2014/main" id="{1F3D69E6-B93E-3B44-94BE-05B4F2F152A5}"/>
+              </a:ext>
+            </a:extLst>
+          </p:cNvPr>
+          <p:cNvSpPr>
+            <a:spLocks noGrp="1"/>
+          </p:cNvSpPr>
+          <p:nvPr>
+            <p:ph idx="1"/>
+          </p:nvPr>
+        </p:nvSpPr>
+        <p:spPr/>
+        <p:txBody>
+          <a:bodyPr/>
+          <a:lstStyle/>
+          <a:p>
+            <a:r>
+              <a:rPr lang="en-US" dirty="0"/>
+              <a:t>Project Guidelines:</a:t>
+            </a:r>
+          </a:p>
+          <a:p>
+            <a:pPr marL="800100" lvl="1" indent="-342900">
+              <a:buFont typeface="+mj-lt"/>
+              <a:buAutoNum type="arabicPeriod"/>
+            </a:pPr>
+            <a:r>
+              <a:rPr lang="en-US" dirty="0"/>
+              <a:t>Function 1: Total Savings Calculator</a:t>
+            </a:r>
+          </a:p>
+          <a:p>
+            <a:pPr marL="1200150" lvl="2" indent="-342900">
+              <a:buFont typeface="+mj-lt"/>
+              <a:buAutoNum type="arabicPeriod"/>
+            </a:pPr>
+            <a:r>
+              <a:rPr lang="en-US" dirty="0"/>
+              <a:t>Inputs: Age, Monthly savings amount</a:t>
+            </a:r>
+          </a:p>
+          <a:p>
+            <a:pPr marL="1200150" lvl="2" indent="-342900">
+              <a:buFont typeface="+mj-lt"/>
+              <a:buAutoNum type="arabicPeriod"/>
+            </a:pPr>
+            <a:r>
+              <a:rPr lang="en-US" dirty="0"/>
+              <a:t>Output: Total amount saved at age 60 (at 5%, 7% and 10% yield)</a:t>
+            </a:r>
+          </a:p>
+          <a:p>
+            <a:pPr marL="800100" lvl="1" indent="-342900">
+              <a:buFont typeface="+mj-lt"/>
+              <a:buAutoNum type="arabicPeriod"/>
+            </a:pPr>
+            <a:r>
+              <a:rPr lang="en-US" dirty="0"/>
+              <a:t>Function 2: Monthly Savings Calculator</a:t>
+            </a:r>
+          </a:p>
+          <a:p>
+            <a:pPr marL="1200150" lvl="2" indent="-342900">
+              <a:buFont typeface="+mj-lt"/>
+              <a:buAutoNum type="arabicPeriod"/>
+            </a:pPr>
+            <a:r>
+              <a:rPr lang="en-US" dirty="0"/>
+              <a:t>Inputs: Age, Total Saving Goal</a:t>
+            </a:r>
+          </a:p>
+          <a:p>
+            <a:pPr marL="1200150" lvl="2" indent="-342900">
+              <a:buFont typeface="+mj-lt"/>
+              <a:buAutoNum type="arabicPeriod"/>
+            </a:pPr>
+            <a:r>
+              <a:rPr lang="en-US" dirty="0"/>
+              <a:t>Output: Monthly savings amount (at 5%, 7% and 10% yield)</a:t>
+            </a:r>
+          </a:p>
+          <a:p>
+            <a:pPr marL="857250" lvl="2" indent="0">
+              <a:buNone/>
+            </a:pPr>
+            <a:endParaRPr lang="en-US" dirty="0"/>
+          </a:p>
+          <a:p>
+            <a:pPr marL="57150" indent="0">
+              <a:buNone/>
+            </a:pPr>
+            <a:r>
+              <a:rPr lang="en-US" dirty="0"/>
+              <a:t>The two functions should be called by a “master” function that allows the user to choose what they want to calculate</a:t>
+            </a:r>
+          </a:p>
+        </p:txBody>
+      </p:sp>
+    </p:spTree>
+    <p:extLst>
+      <p:ext uri="{BB962C8B-B14F-4D97-AF65-F5344CB8AC3E}">
+        <p14:creationId xmlns:p14="http://schemas.microsoft.com/office/powerpoint/2010/main" val="3187461228"/>
+      </p:ext>
+    </p:extLst>
+  </p:cSld>
+  <p:clrMapOvr>
+    <a:masterClrMapping/>
+  </p:clrMapOvr>
+</p:sld>
+</file>
+
+<file path=ppt/slides/slide72.xml><?xml version="1.0" encoding="utf-8"?>
+<p:sld xmlns:a="http://schemas.openxmlformats.org/drawingml/2006/main" xmlns:r="http://schemas.openxmlformats.org/officeDocument/2006/relationships" xmlns:p="http://schemas.openxmlformats.org/presentationml/2006/main">
+  <p:cSld>
+    <p:spTree>
+      <p:nvGrpSpPr>
+        <p:cNvPr id="1" name=""/>
+        <p:cNvGrpSpPr/>
+        <p:nvPr/>
+      </p:nvGrpSpPr>
+      <p:grpSpPr>
+        <a:xfrm>
+          <a:off x="0" y="0"/>
+          <a:ext cx="0" cy="0"/>
+          <a:chOff x="0" y="0"/>
+          <a:chExt cx="0" cy="0"/>
+        </a:xfrm>
+      </p:grpSpPr>
+      <p:sp>
+        <p:nvSpPr>
+          <p:cNvPr id="2" name="Title 1">
+            <a:extLst>
+              <a:ext uri="{FF2B5EF4-FFF2-40B4-BE49-F238E27FC236}">
+                <a16:creationId xmlns:a16="http://schemas.microsoft.com/office/drawing/2014/main" id="{1EF7DFB5-9E6B-9C4F-B009-9FF3D52998DC}"/>
+              </a:ext>
+            </a:extLst>
+          </p:cNvPr>
+          <p:cNvSpPr>
+            <a:spLocks noGrp="1"/>
+          </p:cNvSpPr>
+          <p:nvPr>
+            <p:ph type="title"/>
+          </p:nvPr>
+        </p:nvSpPr>
+        <p:spPr/>
+        <p:txBody>
+          <a:bodyPr/>
+          <a:lstStyle/>
+          <a:p>
+            <a:r>
+              <a:rPr lang="en-US" dirty="0"/>
+              <a:t>Thank you for attending</a:t>
+            </a:r>
+          </a:p>
+        </p:txBody>
+      </p:sp>
+      <p:sp>
+        <p:nvSpPr>
+          <p:cNvPr id="3" name="Content Placeholder 2">
+            <a:extLst>
+              <a:ext uri="{FF2B5EF4-FFF2-40B4-BE49-F238E27FC236}">
+                <a16:creationId xmlns:a16="http://schemas.microsoft.com/office/drawing/2014/main" id="{CEBEF3C4-E30E-8340-A7EE-543276B80858}"/>
+              </a:ext>
+            </a:extLst>
+          </p:cNvPr>
+          <p:cNvSpPr>
+            <a:spLocks noGrp="1"/>
+          </p:cNvSpPr>
+          <p:nvPr>
+            <p:ph idx="1"/>
+          </p:nvPr>
+        </p:nvSpPr>
+        <p:spPr/>
+        <p:txBody>
+          <a:bodyPr/>
+          <a:lstStyle/>
+          <a:p>
+            <a:r>
+              <a:rPr lang="en-US" dirty="0"/>
+              <a:t>I have been working with python and other languages for years now and I always feel like I’m learning something</a:t>
+            </a:r>
+          </a:p>
+          <a:p>
+            <a:r>
+              <a:rPr lang="en-US" dirty="0"/>
+              <a:t>Coding and programming can become as normal for us as maths and English, and I think going forward it is only going to become more important</a:t>
+            </a:r>
+          </a:p>
+          <a:p>
+            <a:r>
+              <a:rPr lang="en-US" dirty="0"/>
+              <a:t>6AMB has a fantastic reference book “Beginning Programming with Python For Dummies” and it can be found in the Innovation room</a:t>
+            </a:r>
+          </a:p>
+          <a:p>
+            <a:pPr lvl="1"/>
+            <a:r>
+              <a:rPr lang="en-US" dirty="0"/>
+              <a:t>https://</a:t>
+            </a:r>
+            <a:r>
+              <a:rPr lang="en-US" dirty="0" err="1"/>
+              <a:t>singapore.kinokuniya.com</a:t>
+            </a:r>
+            <a:r>
+              <a:rPr lang="en-US" dirty="0"/>
+              <a:t>/</a:t>
+            </a:r>
+            <a:r>
+              <a:rPr lang="en-US" dirty="0" err="1"/>
+              <a:t>bw</a:t>
+            </a:r>
+            <a:r>
+              <a:rPr lang="en-US" dirty="0"/>
+              <a:t>/9781119457893</a:t>
+            </a:r>
+          </a:p>
+          <a:p>
+            <a:pPr marL="457200" lvl="1" indent="0">
+              <a:buNone/>
+            </a:pPr>
+            <a:endParaRPr lang="en-US" dirty="0"/>
+          </a:p>
+          <a:p>
+            <a:endParaRPr lang="en-US" dirty="0"/>
+          </a:p>
+        </p:txBody>
+      </p:sp>
+    </p:spTree>
+    <p:extLst>
+      <p:ext uri="{BB962C8B-B14F-4D97-AF65-F5344CB8AC3E}">
+        <p14:creationId xmlns:p14="http://schemas.microsoft.com/office/powerpoint/2010/main" val="184653292"/>
+      </p:ext>
+    </p:extLst>
+  </p:cSld>
+  <p:clrMapOvr>
+    <a:masterClrMapping/>
+  </p:clrMapOvr>
+</p:sld>
+</file>
+
+<file path=ppt/slides/slide73.xml><?xml version="1.0" encoding="utf-8"?>
 <p:sld xmlns:a="http://schemas.openxmlformats.org/drawingml/2006/main" xmlns:r="http://schemas.openxmlformats.org/officeDocument/2006/relationships" xmlns:p="http://schemas.openxmlformats.org/presentationml/2006/main">
   <p:cSld>
     <p:spTree>
